--- a/Detekcija epileptičnih napada pomoću EEG vremenske serije.pptx
+++ b/Detekcija epileptičnih napada pomoću EEG vremenske serije.pptx
@@ -17,15 +17,16 @@
     <p:sldId id="269" r:id="rId11"/>
     <p:sldId id="270" r:id="rId12"/>
     <p:sldId id="276" r:id="rId13"/>
-    <p:sldId id="264" r:id="rId14"/>
-    <p:sldId id="265" r:id="rId15"/>
-    <p:sldId id="271" r:id="rId16"/>
-    <p:sldId id="266" r:id="rId17"/>
-    <p:sldId id="267" r:id="rId18"/>
-    <p:sldId id="272" r:id="rId19"/>
-    <p:sldId id="273" r:id="rId20"/>
-    <p:sldId id="274" r:id="rId21"/>
-    <p:sldId id="275" r:id="rId22"/>
+    <p:sldId id="277" r:id="rId14"/>
+    <p:sldId id="264" r:id="rId15"/>
+    <p:sldId id="265" r:id="rId16"/>
+    <p:sldId id="271" r:id="rId17"/>
+    <p:sldId id="266" r:id="rId18"/>
+    <p:sldId id="267" r:id="rId19"/>
+    <p:sldId id="272" r:id="rId20"/>
+    <p:sldId id="273" r:id="rId21"/>
+    <p:sldId id="274" r:id="rId22"/>
+    <p:sldId id="275" r:id="rId23"/>
   </p:sldIdLst>
   <p:sldSz cx="12192000" cy="6858000"/>
   <p:notesSz cx="6858000" cy="9144000"/>
@@ -295,7 +296,7 @@
           <a:p>
             <a:fld id="{1160EA64-D806-43AC-9DF2-F8C432F32B4C}" type="datetimeFigureOut">
               <a:rPr lang="en-US" dirty="0"/>
-              <a:t>1/24/2024</a:t>
+              <a:t>1/31/2024</a:t>
             </a:fld>
             <a:endParaRPr lang="en-US" dirty="0"/>
           </a:p>
@@ -461,7 +462,7 @@
           <a:p>
             <a:fld id="{E9F9C37B-1D36-470B-8223-D6C91242EC14}" type="datetimeFigureOut">
               <a:rPr lang="en-US" dirty="0"/>
-              <a:t>1/24/2024</a:t>
+              <a:t>1/31/2024</a:t>
             </a:fld>
             <a:endParaRPr lang="en-US" dirty="0"/>
           </a:p>
@@ -636,7 +637,7 @@
           <a:p>
             <a:fld id="{67C6F52A-A82B-47A2-A83A-8C4C91F2D59F}" type="datetimeFigureOut">
               <a:rPr lang="en-US" dirty="0"/>
-              <a:t>1/24/2024</a:t>
+              <a:t>1/31/2024</a:t>
             </a:fld>
             <a:endParaRPr lang="en-US" dirty="0"/>
           </a:p>
@@ -801,7 +802,7 @@
           <a:p>
             <a:fld id="{F070A7B3-6521-4DCA-87E5-044747A908C1}" type="datetimeFigureOut">
               <a:rPr lang="en-US" dirty="0"/>
-              <a:t>1/24/2024</a:t>
+              <a:t>1/31/2024</a:t>
             </a:fld>
             <a:endParaRPr lang="en-US" dirty="0"/>
           </a:p>
@@ -1065,7 +1066,7 @@
           <a:p>
             <a:fld id="{1160EA64-D806-43AC-9DF2-F8C432F32B4C}" type="datetimeFigureOut">
               <a:rPr lang="en-US" dirty="0"/>
-              <a:t>1/24/2024</a:t>
+              <a:t>1/31/2024</a:t>
             </a:fld>
             <a:endParaRPr lang="en-US" dirty="0"/>
           </a:p>
@@ -1293,7 +1294,7 @@
           <a:p>
             <a:fld id="{AB134690-1557-4C89-A502-4959FE7FAD70}" type="datetimeFigureOut">
               <a:rPr lang="en-US" dirty="0"/>
-              <a:t>1/24/2024</a:t>
+              <a:t>1/31/2024</a:t>
             </a:fld>
             <a:endParaRPr lang="en-US" dirty="0"/>
           </a:p>
@@ -1647,7 +1648,7 @@
           <a:p>
             <a:fld id="{4F7D4976-E339-4826-83B7-FBD03F55ECF8}" type="datetimeFigureOut">
               <a:rPr lang="en-US" dirty="0"/>
-              <a:t>1/24/2024</a:t>
+              <a:t>1/31/2024</a:t>
             </a:fld>
             <a:endParaRPr lang="en-US" dirty="0"/>
           </a:p>
@@ -1783,7 +1784,7 @@
           <a:p>
             <a:fld id="{E1037C31-9E7A-4F99-8774-A0E530DE1A42}" type="datetimeFigureOut">
               <a:rPr lang="en-US" dirty="0"/>
-              <a:t>1/24/2024</a:t>
+              <a:t>1/31/2024</a:t>
             </a:fld>
             <a:endParaRPr lang="en-US" dirty="0"/>
           </a:p>
@@ -1873,7 +1874,7 @@
           <a:p>
             <a:fld id="{C278504F-A551-4DE0-9316-4DCD1D8CC752}" type="datetimeFigureOut">
               <a:rPr lang="en-US" dirty="0"/>
-              <a:t>1/24/2024</a:t>
+              <a:t>1/31/2024</a:t>
             </a:fld>
             <a:endParaRPr lang="en-US" dirty="0"/>
           </a:p>
@@ -2225,7 +2226,7 @@
           <a:p>
             <a:fld id="{D1BE4249-C0D0-4B06-8692-E8BB871AF643}" type="datetimeFigureOut">
               <a:rPr lang="en-US" dirty="0"/>
-              <a:t>1/24/2024</a:t>
+              <a:t>1/31/2024</a:t>
             </a:fld>
             <a:endParaRPr lang="en-US" dirty="0"/>
           </a:p>
@@ -2577,7 +2578,7 @@
           <a:p>
             <a:fld id="{042B0DB6-F5C7-45FB-8CF3-31B45F9C2DAC}" type="datetimeFigureOut">
               <a:rPr lang="en-US" dirty="0"/>
-              <a:t>1/24/2024</a:t>
+              <a:t>1/31/2024</a:t>
             </a:fld>
             <a:endParaRPr lang="en-US" dirty="0"/>
           </a:p>
@@ -2814,7 +2815,7 @@
           <a:p>
             <a:fld id="{1160EA64-D806-43AC-9DF2-F8C432F32B4C}" type="datetimeFigureOut">
               <a:rPr lang="en-US" dirty="0"/>
-              <a:t>1/24/2024</a:t>
+              <a:t>1/31/2024</a:t>
             </a:fld>
             <a:endParaRPr lang="en-US" dirty="0"/>
           </a:p>
@@ -3382,8 +3383,8 @@
           </a:p>
         </p:txBody>
       </p:sp>
-      <mc:AlternateContent xmlns:mc="http://schemas.openxmlformats.org/markup-compatibility/2006">
-        <mc:Choice xmlns:a14="http://schemas.microsoft.com/office/drawing/2010/main" Requires="a14">
+      <mc:AlternateContent xmlns:mc="http://schemas.openxmlformats.org/markup-compatibility/2006" xmlns:a14="http://schemas.microsoft.com/office/drawing/2010/main">
+        <mc:Choice Requires="a14">
           <p:sp>
             <p:nvSpPr>
               <p:cNvPr id="3" name="Content Placeholder 2">
@@ -3821,7 +3822,7 @@
             </p:txBody>
           </p:sp>
         </mc:Choice>
-        <mc:Fallback>
+        <mc:Fallback xmlns="">
           <p:sp>
             <p:nvSpPr>
               <p:cNvPr id="3" name="Content Placeholder 2">
@@ -4026,15 +4027,17 @@
             <a:pPr lvl="1"/>
             <a:r>
               <a:rPr lang="sr-Latn-RS" dirty="0"/>
-              <a:t>c  - 1, 10, 100, 500, 1000</a:t>
-            </a:r>
+              <a:t>c  - 0.01, 0.1, 1.0, 10.0, 100.0</a:t>
+            </a:r>
+            <a:endParaRPr lang="en-US" dirty="0"/>
           </a:p>
           <a:p>
             <a:pPr lvl="1"/>
             <a:r>
               <a:rPr lang="sr-Latn-RS" dirty="0"/>
-              <a:t>gamma - 0.1, 0.2, 0.3, 0.4, 0.5, 0.6, 0.7, 0.8, 0.9</a:t>
-            </a:r>
+              <a:t>gamma - 0.001, 0.001, 0.01, 0.1, 1</a:t>
+            </a:r>
+            <a:endParaRPr lang="en-US" dirty="0"/>
           </a:p>
           <a:p>
             <a:pPr lvl="1"/>
@@ -4197,6 +4200,106 @@
           <p:cNvPr id="2" name="Title 1">
             <a:extLst>
               <a:ext uri="{FF2B5EF4-FFF2-40B4-BE49-F238E27FC236}">
+                <a16:creationId xmlns:a16="http://schemas.microsoft.com/office/drawing/2014/main" id="{4A1DB808-10B8-4624-BEC7-981697BEF033}"/>
+              </a:ext>
+            </a:extLst>
+          </p:cNvPr>
+          <p:cNvSpPr>
+            <a:spLocks noGrp="1"/>
+          </p:cNvSpPr>
+          <p:nvPr>
+            <p:ph type="title"/>
+          </p:nvPr>
+        </p:nvSpPr>
+        <p:spPr/>
+        <p:txBody>
+          <a:bodyPr/>
+          <a:lstStyle/>
+          <a:p>
+            <a:r>
+              <a:rPr lang="sr-Latn-RS" dirty="0"/>
+              <a:t>Podela na trening i test skup podataka</a:t>
+            </a:r>
+            <a:endParaRPr lang="en-US" dirty="0"/>
+          </a:p>
+        </p:txBody>
+      </p:sp>
+      <p:sp>
+        <p:nvSpPr>
+          <p:cNvPr id="3" name="Content Placeholder 2">
+            <a:extLst>
+              <a:ext uri="{FF2B5EF4-FFF2-40B4-BE49-F238E27FC236}">
+                <a16:creationId xmlns:a16="http://schemas.microsoft.com/office/drawing/2014/main" id="{E1452D6E-7D85-4AC7-9A22-3337C8DEF2FF}"/>
+              </a:ext>
+            </a:extLst>
+          </p:cNvPr>
+          <p:cNvSpPr>
+            <a:spLocks noGrp="1"/>
+          </p:cNvSpPr>
+          <p:nvPr>
+            <p:ph idx="1"/>
+          </p:nvPr>
+        </p:nvSpPr>
+        <p:spPr/>
+        <p:txBody>
+          <a:bodyPr/>
+          <a:lstStyle/>
+          <a:p>
+            <a:r>
+              <a:rPr lang="sr-Latn-RS" dirty="0"/>
+              <a:t>Nakon skaliranja se vrši podela skupa podataka na trening i test skupove podataka.</a:t>
+            </a:r>
+          </a:p>
+          <a:p>
+            <a:r>
+              <a:rPr lang="sr-Latn-RS" dirty="0"/>
+              <a:t>Podela se vrši u odnosu 80/20.</a:t>
+            </a:r>
+          </a:p>
+          <a:p>
+            <a:r>
+              <a:rPr lang="sr-Latn-RS" dirty="0"/>
+              <a:t>GridSearchCV se poziva nad trening podacima, pa se zatim svaki od dobijenih modela evaluira na osnovu test podataka.</a:t>
+            </a:r>
+            <a:endParaRPr lang="en-US" dirty="0"/>
+          </a:p>
+        </p:txBody>
+      </p:sp>
+    </p:spTree>
+    <p:extLst>
+      <p:ext uri="{BB962C8B-B14F-4D97-AF65-F5344CB8AC3E}">
+        <p14:creationId xmlns:p14="http://schemas.microsoft.com/office/powerpoint/2010/main" val="1435824590"/>
+      </p:ext>
+    </p:extLst>
+  </p:cSld>
+  <p:clrMapOvr>
+    <a:masterClrMapping/>
+  </p:clrMapOvr>
+</p:sld>
+</file>
+
+<file path=ppt/slides/slide14.xml><?xml version="1.0" encoding="utf-8"?>
+<p:sld xmlns:a="http://schemas.openxmlformats.org/drawingml/2006/main" xmlns:r="http://schemas.openxmlformats.org/officeDocument/2006/relationships" xmlns:p="http://schemas.openxmlformats.org/presentationml/2006/main">
+  <p:cSld>
+    <p:spTree>
+      <p:nvGrpSpPr>
+        <p:cNvPr id="1" name=""/>
+        <p:cNvGrpSpPr/>
+        <p:nvPr/>
+      </p:nvGrpSpPr>
+      <p:grpSpPr>
+        <a:xfrm>
+          <a:off x="0" y="0"/>
+          <a:ext cx="0" cy="0"/>
+          <a:chOff x="0" y="0"/>
+          <a:chExt cx="0" cy="0"/>
+        </a:xfrm>
+      </p:grpSpPr>
+      <p:sp>
+        <p:nvSpPr>
+          <p:cNvPr id="2" name="Title 1">
+            <a:extLst>
+              <a:ext uri="{FF2B5EF4-FFF2-40B4-BE49-F238E27FC236}">
                 <a16:creationId xmlns:a16="http://schemas.microsoft.com/office/drawing/2014/main" id="{AE8A991A-6795-48A6-9A7F-5E8263D0E28B}"/>
               </a:ext>
             </a:extLst>
@@ -4307,7 +4410,7 @@
 </p:sld>
 </file>
 
-<file path=ppt/slides/slide14.xml><?xml version="1.0" encoding="utf-8"?>
+<file path=ppt/slides/slide15.xml><?xml version="1.0" encoding="utf-8"?>
 <p:sld xmlns:a="http://schemas.openxmlformats.org/drawingml/2006/main" xmlns:r="http://schemas.openxmlformats.org/officeDocument/2006/relationships" xmlns:p="http://schemas.openxmlformats.org/presentationml/2006/main">
   <p:cSld>
     <p:spTree>
@@ -4395,90 +4498,6 @@
 </p:sld>
 </file>
 
-<file path=ppt/slides/slide15.xml><?xml version="1.0" encoding="utf-8"?>
-<p:sld xmlns:a="http://schemas.openxmlformats.org/drawingml/2006/main" xmlns:r="http://schemas.openxmlformats.org/officeDocument/2006/relationships" xmlns:p="http://schemas.openxmlformats.org/presentationml/2006/main">
-  <p:cSld>
-    <p:spTree>
-      <p:nvGrpSpPr>
-        <p:cNvPr id="1" name=""/>
-        <p:cNvGrpSpPr/>
-        <p:nvPr/>
-      </p:nvGrpSpPr>
-      <p:grpSpPr>
-        <a:xfrm>
-          <a:off x="0" y="0"/>
-          <a:ext cx="0" cy="0"/>
-          <a:chOff x="0" y="0"/>
-          <a:chExt cx="0" cy="0"/>
-        </a:xfrm>
-      </p:grpSpPr>
-      <p:sp>
-        <p:nvSpPr>
-          <p:cNvPr id="2" name="Title 1">
-            <a:extLst>
-              <a:ext uri="{FF2B5EF4-FFF2-40B4-BE49-F238E27FC236}">
-                <a16:creationId xmlns:a16="http://schemas.microsoft.com/office/drawing/2014/main" id="{49E83C5D-1056-4F5A-AA2D-7F30E3722FBB}"/>
-              </a:ext>
-            </a:extLst>
-          </p:cNvPr>
-          <p:cNvSpPr>
-            <a:spLocks noGrp="1"/>
-          </p:cNvSpPr>
-          <p:nvPr>
-            <p:ph type="title"/>
-          </p:nvPr>
-        </p:nvSpPr>
-        <p:spPr/>
-        <p:txBody>
-          <a:bodyPr/>
-          <a:lstStyle/>
-          <a:p>
-            <a:r>
-              <a:rPr lang="sr-Latn-RS" dirty="0"/>
-              <a:t>Najbolji parametri za model sa statističkim osobinama</a:t>
-            </a:r>
-            <a:endParaRPr lang="en-US" dirty="0"/>
-          </a:p>
-        </p:txBody>
-      </p:sp>
-      <p:sp>
-        <p:nvSpPr>
-          <p:cNvPr id="3" name="Content Placeholder 2">
-            <a:extLst>
-              <a:ext uri="{FF2B5EF4-FFF2-40B4-BE49-F238E27FC236}">
-                <a16:creationId xmlns:a16="http://schemas.microsoft.com/office/drawing/2014/main" id="{C7EACE84-FEC3-4389-B62D-F520D12D1AE4}"/>
-              </a:ext>
-            </a:extLst>
-          </p:cNvPr>
-          <p:cNvSpPr>
-            <a:spLocks noGrp="1"/>
-          </p:cNvSpPr>
-          <p:nvPr>
-            <p:ph idx="1"/>
-          </p:nvPr>
-        </p:nvSpPr>
-        <p:spPr/>
-        <p:txBody>
-          <a:bodyPr/>
-          <a:lstStyle/>
-          <a:p>
-            <a:endParaRPr lang="en-US"/>
-          </a:p>
-        </p:txBody>
-      </p:sp>
-    </p:spTree>
-    <p:extLst>
-      <p:ext uri="{BB962C8B-B14F-4D97-AF65-F5344CB8AC3E}">
-        <p14:creationId xmlns:p14="http://schemas.microsoft.com/office/powerpoint/2010/main" val="2018856364"/>
-      </p:ext>
-    </p:extLst>
-  </p:cSld>
-  <p:clrMapOvr>
-    <a:masterClrMapping/>
-  </p:clrMapOvr>
-</p:sld>
-</file>
-
 <file path=ppt/slides/slide16.xml><?xml version="1.0" encoding="utf-8"?>
 <p:sld xmlns:a="http://schemas.openxmlformats.org/drawingml/2006/main" xmlns:r="http://schemas.openxmlformats.org/officeDocument/2006/relationships" xmlns:p="http://schemas.openxmlformats.org/presentationml/2006/main">
   <p:cSld>
@@ -4501,7 +4520,7 @@
           <p:cNvPr id="2" name="Title 1">
             <a:extLst>
               <a:ext uri="{FF2B5EF4-FFF2-40B4-BE49-F238E27FC236}">
-                <a16:creationId xmlns:a16="http://schemas.microsoft.com/office/drawing/2014/main" id="{4FEA2A64-7E8F-48ED-A707-0D32BB3C8F7A}"/>
+                <a16:creationId xmlns:a16="http://schemas.microsoft.com/office/drawing/2014/main" id="{49E83C5D-1056-4F5A-AA2D-7F30E3722FBB}"/>
               </a:ext>
             </a:extLst>
           </p:cNvPr>
@@ -4519,7 +4538,7 @@
           <a:p>
             <a:r>
               <a:rPr lang="sr-Latn-RS" dirty="0"/>
-              <a:t>Autoregresioni model</a:t>
+              <a:t>Najbolji parametri za model sa statističkim osobinama</a:t>
             </a:r>
             <a:endParaRPr lang="en-US" dirty="0"/>
           </a:p>
@@ -4530,7 +4549,7 @@
           <p:cNvPr id="3" name="Content Placeholder 2">
             <a:extLst>
               <a:ext uri="{FF2B5EF4-FFF2-40B4-BE49-F238E27FC236}">
-                <a16:creationId xmlns:a16="http://schemas.microsoft.com/office/drawing/2014/main" id="{1216AD37-4401-40AE-82DB-1DEFE680AEDE}"/>
+                <a16:creationId xmlns:a16="http://schemas.microsoft.com/office/drawing/2014/main" id="{C7EACE84-FEC3-4389-B62D-F520D12D1AE4}"/>
               </a:ext>
             </a:extLst>
           </p:cNvPr>
@@ -4546,248 +4565,14 @@
           <a:bodyPr/>
           <a:lstStyle/>
           <a:p>
-            <a:r>
-              <a:rPr lang="en-US" dirty="0" err="1"/>
-              <a:t>Autoregresioni</a:t>
-            </a:r>
-            <a:r>
-              <a:rPr lang="en-US" dirty="0"/>
-              <a:t> model </a:t>
-            </a:r>
-            <a:r>
-              <a:rPr lang="en-US" dirty="0" err="1"/>
-              <a:t>koristi</a:t>
-            </a:r>
-            <a:r>
-              <a:rPr lang="en-US" dirty="0"/>
-              <a:t> </a:t>
-            </a:r>
-            <a:r>
-              <a:rPr lang="en-US" dirty="0" err="1"/>
-              <a:t>poznate</a:t>
-            </a:r>
-            <a:r>
-              <a:rPr lang="en-US" dirty="0"/>
-              <a:t> </a:t>
-            </a:r>
-            <a:r>
-              <a:rPr lang="en-US" dirty="0" err="1"/>
-              <a:t>podatke</a:t>
-            </a:r>
-            <a:r>
-              <a:rPr lang="en-US" dirty="0"/>
-              <a:t> da </a:t>
-            </a:r>
-            <a:r>
-              <a:rPr lang="en-US" dirty="0" err="1"/>
-              <a:t>napravi</a:t>
-            </a:r>
-            <a:r>
-              <a:rPr lang="en-US" dirty="0"/>
-              <a:t> model </a:t>
-            </a:r>
-            <a:r>
-              <a:rPr lang="en-US" dirty="0" err="1"/>
-              <a:t>linearne</a:t>
-            </a:r>
-            <a:r>
-              <a:rPr lang="en-US" dirty="0"/>
-              <a:t> </a:t>
-            </a:r>
-            <a:r>
-              <a:rPr lang="en-US" dirty="0" err="1"/>
-              <a:t>regresije</a:t>
-            </a:r>
-            <a:r>
-              <a:rPr lang="en-US" dirty="0"/>
-              <a:t>. U </a:t>
-            </a:r>
-            <a:r>
-              <a:rPr lang="en-US" dirty="0" err="1"/>
-              <a:t>ovom</a:t>
-            </a:r>
-            <a:r>
-              <a:rPr lang="en-US" dirty="0"/>
-              <a:t> </a:t>
-            </a:r>
-            <a:r>
-              <a:rPr lang="en-US" dirty="0" err="1"/>
-              <a:t>slučaju</a:t>
-            </a:r>
-            <a:r>
-              <a:rPr lang="en-US" dirty="0"/>
-              <a:t> </a:t>
-            </a:r>
-            <a:r>
-              <a:rPr lang="en-US" dirty="0" err="1"/>
-              <a:t>će</a:t>
-            </a:r>
-            <a:r>
-              <a:rPr lang="en-US" dirty="0"/>
-              <a:t> </a:t>
-            </a:r>
-            <a:r>
-              <a:rPr lang="en-US" dirty="0" err="1"/>
-              <a:t>obeležja</a:t>
-            </a:r>
-            <a:r>
-              <a:rPr lang="en-US" dirty="0"/>
-              <a:t> </a:t>
-            </a:r>
-            <a:r>
-              <a:rPr lang="en-US" dirty="0" err="1"/>
-              <a:t>vremenske</a:t>
-            </a:r>
-            <a:r>
-              <a:rPr lang="en-US" dirty="0"/>
-              <a:t> </a:t>
-            </a:r>
-            <a:r>
-              <a:rPr lang="en-US" dirty="0" err="1"/>
-              <a:t>serije</a:t>
-            </a:r>
-            <a:r>
-              <a:rPr lang="en-US" dirty="0"/>
-              <a:t> </a:t>
-            </a:r>
-            <a:r>
-              <a:rPr lang="en-US" dirty="0" err="1"/>
-              <a:t>biti</a:t>
-            </a:r>
-            <a:r>
-              <a:rPr lang="en-US" dirty="0"/>
-              <a:t> </a:t>
-            </a:r>
-            <a:r>
-              <a:rPr lang="en-US" dirty="0" err="1"/>
-              <a:t>koeficijenti</a:t>
-            </a:r>
-            <a:r>
-              <a:rPr lang="en-US" dirty="0"/>
-              <a:t> </a:t>
-            </a:r>
-            <a:r>
-              <a:rPr lang="en-US" dirty="0" err="1"/>
-              <a:t>jednačine</a:t>
-            </a:r>
-            <a:r>
-              <a:rPr lang="en-US" dirty="0"/>
-              <a:t> </a:t>
-            </a:r>
-            <a:r>
-              <a:rPr lang="en-US" dirty="0" err="1"/>
-              <a:t>linearne</a:t>
-            </a:r>
-            <a:r>
-              <a:rPr lang="en-US" dirty="0"/>
-              <a:t> </a:t>
-            </a:r>
-            <a:r>
-              <a:rPr lang="en-US" dirty="0" err="1"/>
-              <a:t>regresije</a:t>
-            </a:r>
-            <a:r>
-              <a:rPr lang="en-US" dirty="0"/>
-              <a:t>. </a:t>
-            </a:r>
-            <a:endParaRPr lang="sr-Latn-RS" dirty="0"/>
-          </a:p>
-          <a:p>
-            <a:r>
-              <a:rPr lang="en-US" dirty="0" err="1"/>
-              <a:t>Takođe</a:t>
-            </a:r>
-            <a:r>
-              <a:rPr lang="en-US" dirty="0"/>
-              <a:t>, </a:t>
-            </a:r>
-            <a:r>
-              <a:rPr lang="en-US" dirty="0" err="1"/>
-              <a:t>potrebno</a:t>
-            </a:r>
-            <a:r>
-              <a:rPr lang="en-US" dirty="0"/>
-              <a:t> je </a:t>
-            </a:r>
-            <a:r>
-              <a:rPr lang="en-US" dirty="0" err="1"/>
-              <a:t>odrediti</a:t>
-            </a:r>
-            <a:r>
-              <a:rPr lang="en-US" dirty="0"/>
-              <a:t> </a:t>
-            </a:r>
-            <a:r>
-              <a:rPr lang="en-US" dirty="0" err="1"/>
-              <a:t>i</a:t>
-            </a:r>
-            <a:r>
-              <a:rPr lang="en-US" dirty="0"/>
-              <a:t> </a:t>
-            </a:r>
-            <a:r>
-              <a:rPr lang="en-US" dirty="0" err="1"/>
-              <a:t>stepen</a:t>
-            </a:r>
-            <a:r>
-              <a:rPr lang="en-US" dirty="0"/>
-              <a:t> </a:t>
-            </a:r>
-            <a:r>
-              <a:rPr lang="en-US" dirty="0" err="1"/>
-              <a:t>modela</a:t>
-            </a:r>
-            <a:r>
-              <a:rPr lang="en-US" dirty="0"/>
-              <a:t> koji </a:t>
-            </a:r>
-            <a:r>
-              <a:rPr lang="en-US" dirty="0" err="1"/>
-              <a:t>će</a:t>
-            </a:r>
-            <a:r>
-              <a:rPr lang="en-US" dirty="0"/>
-              <a:t> </a:t>
-            </a:r>
-            <a:r>
-              <a:rPr lang="en-US" dirty="0" err="1"/>
-              <a:t>dati</a:t>
-            </a:r>
-            <a:r>
-              <a:rPr lang="en-US" dirty="0"/>
-              <a:t> </a:t>
-            </a:r>
-            <a:r>
-              <a:rPr lang="en-US" dirty="0" err="1"/>
-              <a:t>najbolje</a:t>
-            </a:r>
-            <a:r>
-              <a:rPr lang="en-US" dirty="0"/>
-              <a:t> </a:t>
-            </a:r>
-            <a:r>
-              <a:rPr lang="en-US" dirty="0" err="1"/>
-              <a:t>performanse</a:t>
-            </a:r>
-            <a:r>
-              <a:rPr lang="en-US" dirty="0"/>
-              <a:t>.</a:t>
-            </a:r>
-            <a:endParaRPr lang="sr-Latn-RS" dirty="0"/>
-          </a:p>
-          <a:p>
-            <a:r>
-              <a:rPr lang="sr-Latn-RS" dirty="0"/>
-              <a:t>Tipičan stepen modela koji se koristi je 6, mi ćemo takođe porediti rezultate dobijene sa nivoima 4, 5, 7 i 8.</a:t>
-            </a:r>
-            <a:endParaRPr lang="en-US" dirty="0"/>
+            <a:endParaRPr lang="en-US"/>
           </a:p>
         </p:txBody>
       </p:sp>
     </p:spTree>
     <p:extLst>
       <p:ext uri="{BB962C8B-B14F-4D97-AF65-F5344CB8AC3E}">
-        <p14:creationId xmlns:p14="http://schemas.microsoft.com/office/powerpoint/2010/main" val="455743820"/>
+        <p14:creationId xmlns:p14="http://schemas.microsoft.com/office/powerpoint/2010/main" val="2018856364"/>
       </p:ext>
     </p:extLst>
   </p:cSld>
@@ -4819,6 +4604,324 @@
           <p:cNvPr id="2" name="Title 1">
             <a:extLst>
               <a:ext uri="{FF2B5EF4-FFF2-40B4-BE49-F238E27FC236}">
+                <a16:creationId xmlns:a16="http://schemas.microsoft.com/office/drawing/2014/main" id="{4FEA2A64-7E8F-48ED-A707-0D32BB3C8F7A}"/>
+              </a:ext>
+            </a:extLst>
+          </p:cNvPr>
+          <p:cNvSpPr>
+            <a:spLocks noGrp="1"/>
+          </p:cNvSpPr>
+          <p:nvPr>
+            <p:ph type="title"/>
+          </p:nvPr>
+        </p:nvSpPr>
+        <p:spPr/>
+        <p:txBody>
+          <a:bodyPr/>
+          <a:lstStyle/>
+          <a:p>
+            <a:r>
+              <a:rPr lang="sr-Latn-RS" dirty="0"/>
+              <a:t>Autoregresioni model</a:t>
+            </a:r>
+            <a:endParaRPr lang="en-US" dirty="0"/>
+          </a:p>
+        </p:txBody>
+      </p:sp>
+      <p:sp>
+        <p:nvSpPr>
+          <p:cNvPr id="3" name="Content Placeholder 2">
+            <a:extLst>
+              <a:ext uri="{FF2B5EF4-FFF2-40B4-BE49-F238E27FC236}">
+                <a16:creationId xmlns:a16="http://schemas.microsoft.com/office/drawing/2014/main" id="{1216AD37-4401-40AE-82DB-1DEFE680AEDE}"/>
+              </a:ext>
+            </a:extLst>
+          </p:cNvPr>
+          <p:cNvSpPr>
+            <a:spLocks noGrp="1"/>
+          </p:cNvSpPr>
+          <p:nvPr>
+            <p:ph idx="1"/>
+          </p:nvPr>
+        </p:nvSpPr>
+        <p:spPr/>
+        <p:txBody>
+          <a:bodyPr/>
+          <a:lstStyle/>
+          <a:p>
+            <a:r>
+              <a:rPr lang="en-US" dirty="0" err="1"/>
+              <a:t>Autoregresioni</a:t>
+            </a:r>
+            <a:r>
+              <a:rPr lang="en-US" dirty="0"/>
+              <a:t> model </a:t>
+            </a:r>
+            <a:r>
+              <a:rPr lang="en-US" dirty="0" err="1"/>
+              <a:t>koristi</a:t>
+            </a:r>
+            <a:r>
+              <a:rPr lang="en-US" dirty="0"/>
+              <a:t> </a:t>
+            </a:r>
+            <a:r>
+              <a:rPr lang="en-US" dirty="0" err="1"/>
+              <a:t>poznate</a:t>
+            </a:r>
+            <a:r>
+              <a:rPr lang="en-US" dirty="0"/>
+              <a:t> </a:t>
+            </a:r>
+            <a:r>
+              <a:rPr lang="en-US" dirty="0" err="1"/>
+              <a:t>podatke</a:t>
+            </a:r>
+            <a:r>
+              <a:rPr lang="en-US" dirty="0"/>
+              <a:t> da </a:t>
+            </a:r>
+            <a:r>
+              <a:rPr lang="en-US" dirty="0" err="1"/>
+              <a:t>napravi</a:t>
+            </a:r>
+            <a:r>
+              <a:rPr lang="en-US" dirty="0"/>
+              <a:t> model </a:t>
+            </a:r>
+            <a:r>
+              <a:rPr lang="en-US" dirty="0" err="1"/>
+              <a:t>linearne</a:t>
+            </a:r>
+            <a:r>
+              <a:rPr lang="en-US" dirty="0"/>
+              <a:t> </a:t>
+            </a:r>
+            <a:r>
+              <a:rPr lang="en-US" dirty="0" err="1"/>
+              <a:t>regresije</a:t>
+            </a:r>
+            <a:r>
+              <a:rPr lang="en-US" dirty="0"/>
+              <a:t>. U </a:t>
+            </a:r>
+            <a:r>
+              <a:rPr lang="en-US" dirty="0" err="1"/>
+              <a:t>ovom</a:t>
+            </a:r>
+            <a:r>
+              <a:rPr lang="en-US" dirty="0"/>
+              <a:t> </a:t>
+            </a:r>
+            <a:r>
+              <a:rPr lang="en-US" dirty="0" err="1"/>
+              <a:t>slučaju</a:t>
+            </a:r>
+            <a:r>
+              <a:rPr lang="en-US" dirty="0"/>
+              <a:t> </a:t>
+            </a:r>
+            <a:r>
+              <a:rPr lang="en-US" dirty="0" err="1"/>
+              <a:t>će</a:t>
+            </a:r>
+            <a:r>
+              <a:rPr lang="en-US" dirty="0"/>
+              <a:t> </a:t>
+            </a:r>
+            <a:r>
+              <a:rPr lang="en-US" dirty="0" err="1"/>
+              <a:t>obeležja</a:t>
+            </a:r>
+            <a:r>
+              <a:rPr lang="en-US" dirty="0"/>
+              <a:t> </a:t>
+            </a:r>
+            <a:r>
+              <a:rPr lang="en-US" dirty="0" err="1"/>
+              <a:t>vremenske</a:t>
+            </a:r>
+            <a:r>
+              <a:rPr lang="en-US" dirty="0"/>
+              <a:t> </a:t>
+            </a:r>
+            <a:r>
+              <a:rPr lang="en-US" dirty="0" err="1"/>
+              <a:t>serije</a:t>
+            </a:r>
+            <a:r>
+              <a:rPr lang="en-US" dirty="0"/>
+              <a:t> </a:t>
+            </a:r>
+            <a:r>
+              <a:rPr lang="en-US" dirty="0" err="1"/>
+              <a:t>biti</a:t>
+            </a:r>
+            <a:r>
+              <a:rPr lang="en-US" dirty="0"/>
+              <a:t> </a:t>
+            </a:r>
+            <a:r>
+              <a:rPr lang="en-US" dirty="0" err="1"/>
+              <a:t>koeficijenti</a:t>
+            </a:r>
+            <a:r>
+              <a:rPr lang="en-US" dirty="0"/>
+              <a:t> </a:t>
+            </a:r>
+            <a:r>
+              <a:rPr lang="en-US" dirty="0" err="1"/>
+              <a:t>jednačine</a:t>
+            </a:r>
+            <a:r>
+              <a:rPr lang="en-US" dirty="0"/>
+              <a:t> </a:t>
+            </a:r>
+            <a:r>
+              <a:rPr lang="en-US" dirty="0" err="1"/>
+              <a:t>linearne</a:t>
+            </a:r>
+            <a:r>
+              <a:rPr lang="en-US" dirty="0"/>
+              <a:t> </a:t>
+            </a:r>
+            <a:r>
+              <a:rPr lang="en-US" dirty="0" err="1"/>
+              <a:t>regresije</a:t>
+            </a:r>
+            <a:r>
+              <a:rPr lang="en-US" dirty="0"/>
+              <a:t>. </a:t>
+            </a:r>
+            <a:endParaRPr lang="sr-Latn-RS" dirty="0"/>
+          </a:p>
+          <a:p>
+            <a:r>
+              <a:rPr lang="en-US" dirty="0" err="1"/>
+              <a:t>Takođe</a:t>
+            </a:r>
+            <a:r>
+              <a:rPr lang="en-US" dirty="0"/>
+              <a:t>, </a:t>
+            </a:r>
+            <a:r>
+              <a:rPr lang="en-US" dirty="0" err="1"/>
+              <a:t>potrebno</a:t>
+            </a:r>
+            <a:r>
+              <a:rPr lang="en-US" dirty="0"/>
+              <a:t> je </a:t>
+            </a:r>
+            <a:r>
+              <a:rPr lang="en-US" dirty="0" err="1"/>
+              <a:t>odrediti</a:t>
+            </a:r>
+            <a:r>
+              <a:rPr lang="en-US" dirty="0"/>
+              <a:t> </a:t>
+            </a:r>
+            <a:r>
+              <a:rPr lang="en-US" dirty="0" err="1"/>
+              <a:t>i</a:t>
+            </a:r>
+            <a:r>
+              <a:rPr lang="en-US" dirty="0"/>
+              <a:t> </a:t>
+            </a:r>
+            <a:r>
+              <a:rPr lang="en-US" dirty="0" err="1"/>
+              <a:t>stepen</a:t>
+            </a:r>
+            <a:r>
+              <a:rPr lang="en-US" dirty="0"/>
+              <a:t> </a:t>
+            </a:r>
+            <a:r>
+              <a:rPr lang="en-US" dirty="0" err="1"/>
+              <a:t>modela</a:t>
+            </a:r>
+            <a:r>
+              <a:rPr lang="en-US" dirty="0"/>
+              <a:t> koji </a:t>
+            </a:r>
+            <a:r>
+              <a:rPr lang="en-US" dirty="0" err="1"/>
+              <a:t>će</a:t>
+            </a:r>
+            <a:r>
+              <a:rPr lang="en-US" dirty="0"/>
+              <a:t> </a:t>
+            </a:r>
+            <a:r>
+              <a:rPr lang="en-US" dirty="0" err="1"/>
+              <a:t>dati</a:t>
+            </a:r>
+            <a:r>
+              <a:rPr lang="en-US" dirty="0"/>
+              <a:t> </a:t>
+            </a:r>
+            <a:r>
+              <a:rPr lang="en-US" dirty="0" err="1"/>
+              <a:t>najbolje</a:t>
+            </a:r>
+            <a:r>
+              <a:rPr lang="en-US" dirty="0"/>
+              <a:t> </a:t>
+            </a:r>
+            <a:r>
+              <a:rPr lang="en-US" dirty="0" err="1"/>
+              <a:t>performanse</a:t>
+            </a:r>
+            <a:r>
+              <a:rPr lang="en-US" dirty="0"/>
+              <a:t>.</a:t>
+            </a:r>
+            <a:endParaRPr lang="sr-Latn-RS" dirty="0"/>
+          </a:p>
+          <a:p>
+            <a:r>
+              <a:rPr lang="sr-Latn-RS" dirty="0"/>
+              <a:t>Tipičan stepen modela koji se koristi je 6, mi ćemo takođe porediti rezultate dobijene sa nivoima 4, 5, 7 i 8.</a:t>
+            </a:r>
+            <a:endParaRPr lang="en-US" dirty="0"/>
+          </a:p>
+        </p:txBody>
+      </p:sp>
+    </p:spTree>
+    <p:extLst>
+      <p:ext uri="{BB962C8B-B14F-4D97-AF65-F5344CB8AC3E}">
+        <p14:creationId xmlns:p14="http://schemas.microsoft.com/office/powerpoint/2010/main" val="455743820"/>
+      </p:ext>
+    </p:extLst>
+  </p:cSld>
+  <p:clrMapOvr>
+    <a:masterClrMapping/>
+  </p:clrMapOvr>
+</p:sld>
+</file>
+
+<file path=ppt/slides/slide18.xml><?xml version="1.0" encoding="utf-8"?>
+<p:sld xmlns:a="http://schemas.openxmlformats.org/drawingml/2006/main" xmlns:r="http://schemas.openxmlformats.org/officeDocument/2006/relationships" xmlns:p="http://schemas.openxmlformats.org/presentationml/2006/main">
+  <p:cSld>
+    <p:spTree>
+      <p:nvGrpSpPr>
+        <p:cNvPr id="1" name=""/>
+        <p:cNvGrpSpPr/>
+        <p:nvPr/>
+      </p:nvGrpSpPr>
+      <p:grpSpPr>
+        <a:xfrm>
+          <a:off x="0" y="0"/>
+          <a:ext cx="0" cy="0"/>
+          <a:chOff x="0" y="0"/>
+          <a:chExt cx="0" cy="0"/>
+        </a:xfrm>
+      </p:grpSpPr>
+      <p:sp>
+        <p:nvSpPr>
+          <p:cNvPr id="2" name="Title 1">
+            <a:extLst>
+              <a:ext uri="{FF2B5EF4-FFF2-40B4-BE49-F238E27FC236}">
                 <a16:creationId xmlns:a16="http://schemas.microsoft.com/office/drawing/2014/main" id="{C025552C-8F7B-4C6D-80A4-5FD68C6FC2E9}"/>
               </a:ext>
             </a:extLst>
@@ -4881,7 +4984,7 @@
 </p:sld>
 </file>
 
-<file path=ppt/slides/slide18.xml><?xml version="1.0" encoding="utf-8"?>
+<file path=ppt/slides/slide19.xml><?xml version="1.0" encoding="utf-8"?>
 <p:sld xmlns:a="http://schemas.openxmlformats.org/drawingml/2006/main" xmlns:r="http://schemas.openxmlformats.org/officeDocument/2006/relationships" xmlns:p="http://schemas.openxmlformats.org/presentationml/2006/main">
   <p:cSld>
     <p:spTree>
@@ -5285,141 +5388,6 @@
     <p:extLst>
       <p:ext uri="{BB962C8B-B14F-4D97-AF65-F5344CB8AC3E}">
         <p14:creationId xmlns:p14="http://schemas.microsoft.com/office/powerpoint/2010/main" val="3827154802"/>
-      </p:ext>
-    </p:extLst>
-  </p:cSld>
-  <p:clrMapOvr>
-    <a:masterClrMapping/>
-  </p:clrMapOvr>
-</p:sld>
-</file>
-
-<file path=ppt/slides/slide19.xml><?xml version="1.0" encoding="utf-8"?>
-<p:sld xmlns:a="http://schemas.openxmlformats.org/drawingml/2006/main" xmlns:r="http://schemas.openxmlformats.org/officeDocument/2006/relationships" xmlns:p="http://schemas.openxmlformats.org/presentationml/2006/main">
-  <p:cSld>
-    <p:spTree>
-      <p:nvGrpSpPr>
-        <p:cNvPr id="1" name=""/>
-        <p:cNvGrpSpPr/>
-        <p:nvPr/>
-      </p:nvGrpSpPr>
-      <p:grpSpPr>
-        <a:xfrm>
-          <a:off x="0" y="0"/>
-          <a:ext cx="0" cy="0"/>
-          <a:chOff x="0" y="0"/>
-          <a:chExt cx="0" cy="0"/>
-        </a:xfrm>
-      </p:grpSpPr>
-      <p:sp>
-        <p:nvSpPr>
-          <p:cNvPr id="2" name="Title 1">
-            <a:extLst>
-              <a:ext uri="{FF2B5EF4-FFF2-40B4-BE49-F238E27FC236}">
-                <a16:creationId xmlns:a16="http://schemas.microsoft.com/office/drawing/2014/main" id="{282512E5-33A6-49B7-B479-44D372A0D1EA}"/>
-              </a:ext>
-            </a:extLst>
-          </p:cNvPr>
-          <p:cNvSpPr>
-            <a:spLocks noGrp="1"/>
-          </p:cNvSpPr>
-          <p:nvPr>
-            <p:ph type="title"/>
-          </p:nvPr>
-        </p:nvSpPr>
-        <p:spPr/>
-        <p:txBody>
-          <a:bodyPr/>
-          <a:lstStyle/>
-          <a:p>
-            <a:r>
-              <a:rPr lang="sr-Latn-RS" dirty="0"/>
-              <a:t>Odabir frekvencija</a:t>
-            </a:r>
-            <a:endParaRPr lang="en-US" dirty="0"/>
-          </a:p>
-        </p:txBody>
-      </p:sp>
-      <p:sp>
-        <p:nvSpPr>
-          <p:cNvPr id="3" name="Content Placeholder 2">
-            <a:extLst>
-              <a:ext uri="{FF2B5EF4-FFF2-40B4-BE49-F238E27FC236}">
-                <a16:creationId xmlns:a16="http://schemas.microsoft.com/office/drawing/2014/main" id="{78C043D9-7190-408F-A224-621701E13E46}"/>
-              </a:ext>
-            </a:extLst>
-          </p:cNvPr>
-          <p:cNvSpPr>
-            <a:spLocks noGrp="1"/>
-          </p:cNvSpPr>
-          <p:nvPr>
-            <p:ph idx="1"/>
-          </p:nvPr>
-        </p:nvSpPr>
-        <p:spPr>
-          <a:xfrm>
-            <a:off x="1895683" y="2502971"/>
-            <a:ext cx="4097946" cy="3101983"/>
-          </a:xfrm>
-        </p:spPr>
-        <p:txBody>
-          <a:bodyPr/>
-          <a:lstStyle/>
-          <a:p>
-            <a:r>
-              <a:rPr lang="sr-Latn-RS" dirty="0"/>
-              <a:t>Kao što se vidi na slici, nemaju sve frekvencije podjednak uticaj na konačni signal. Zbog toga neke od njih možemo da zanemarimo.</a:t>
-            </a:r>
-            <a:endParaRPr lang="en-US" dirty="0"/>
-          </a:p>
-          <a:p>
-            <a:r>
-              <a:rPr lang="sr-Latn-RS" dirty="0"/>
-              <a:t>Za to ćemo koristiti PCA algoritam.</a:t>
-            </a:r>
-          </a:p>
-          <a:p>
-            <a:endParaRPr lang="sr-Latn-RS" dirty="0"/>
-          </a:p>
-          <a:p>
-            <a:endParaRPr lang="en-US" dirty="0"/>
-          </a:p>
-        </p:txBody>
-      </p:sp>
-      <p:pic>
-        <p:nvPicPr>
-          <p:cNvPr id="4" name="Picture 3">
-            <a:extLst>
-              <a:ext uri="{FF2B5EF4-FFF2-40B4-BE49-F238E27FC236}">
-                <a16:creationId xmlns:a16="http://schemas.microsoft.com/office/drawing/2014/main" id="{74605FFA-A0C2-43C9-A657-8AE82A9F76FC}"/>
-              </a:ext>
-            </a:extLst>
-          </p:cNvPr>
-          <p:cNvPicPr>
-            <a:picLocks noChangeAspect="1"/>
-          </p:cNvPicPr>
-          <p:nvPr/>
-        </p:nvPicPr>
-        <p:blipFill>
-          <a:blip r:embed="rId2"/>
-          <a:stretch>
-            <a:fillRect/>
-          </a:stretch>
-        </p:blipFill>
-        <p:spPr>
-          <a:xfrm>
-            <a:off x="6215226" y="2367899"/>
-            <a:ext cx="5054486" cy="3372128"/>
-          </a:xfrm>
-          <a:prstGeom prst="rect">
-            <a:avLst/>
-          </a:prstGeom>
-        </p:spPr>
-      </p:pic>
-    </p:spTree>
-    <p:extLst>
-      <p:ext uri="{BB962C8B-B14F-4D97-AF65-F5344CB8AC3E}">
-        <p14:creationId xmlns:p14="http://schemas.microsoft.com/office/powerpoint/2010/main" val="2360138108"/>
       </p:ext>
     </p:extLst>
   </p:cSld>
@@ -5602,6 +5570,141 @@
           <p:cNvPr id="2" name="Title 1">
             <a:extLst>
               <a:ext uri="{FF2B5EF4-FFF2-40B4-BE49-F238E27FC236}">
+                <a16:creationId xmlns:a16="http://schemas.microsoft.com/office/drawing/2014/main" id="{282512E5-33A6-49B7-B479-44D372A0D1EA}"/>
+              </a:ext>
+            </a:extLst>
+          </p:cNvPr>
+          <p:cNvSpPr>
+            <a:spLocks noGrp="1"/>
+          </p:cNvSpPr>
+          <p:nvPr>
+            <p:ph type="title"/>
+          </p:nvPr>
+        </p:nvSpPr>
+        <p:spPr/>
+        <p:txBody>
+          <a:bodyPr/>
+          <a:lstStyle/>
+          <a:p>
+            <a:r>
+              <a:rPr lang="sr-Latn-RS" dirty="0"/>
+              <a:t>Odabir frekvencija</a:t>
+            </a:r>
+            <a:endParaRPr lang="en-US" dirty="0"/>
+          </a:p>
+        </p:txBody>
+      </p:sp>
+      <p:sp>
+        <p:nvSpPr>
+          <p:cNvPr id="3" name="Content Placeholder 2">
+            <a:extLst>
+              <a:ext uri="{FF2B5EF4-FFF2-40B4-BE49-F238E27FC236}">
+                <a16:creationId xmlns:a16="http://schemas.microsoft.com/office/drawing/2014/main" id="{78C043D9-7190-408F-A224-621701E13E46}"/>
+              </a:ext>
+            </a:extLst>
+          </p:cNvPr>
+          <p:cNvSpPr>
+            <a:spLocks noGrp="1"/>
+          </p:cNvSpPr>
+          <p:nvPr>
+            <p:ph idx="1"/>
+          </p:nvPr>
+        </p:nvSpPr>
+        <p:spPr>
+          <a:xfrm>
+            <a:off x="1895683" y="2502971"/>
+            <a:ext cx="4097946" cy="3101983"/>
+          </a:xfrm>
+        </p:spPr>
+        <p:txBody>
+          <a:bodyPr/>
+          <a:lstStyle/>
+          <a:p>
+            <a:r>
+              <a:rPr lang="sr-Latn-RS" dirty="0"/>
+              <a:t>Kao što se vidi na slici, nemaju sve frekvencije podjednak uticaj na konačni signal. Zbog toga neke od njih možemo da zanemarimo.</a:t>
+            </a:r>
+            <a:endParaRPr lang="en-US" dirty="0"/>
+          </a:p>
+          <a:p>
+            <a:r>
+              <a:rPr lang="sr-Latn-RS" dirty="0"/>
+              <a:t>Za to ćemo koristiti PCA algoritam.</a:t>
+            </a:r>
+          </a:p>
+          <a:p>
+            <a:endParaRPr lang="sr-Latn-RS" dirty="0"/>
+          </a:p>
+          <a:p>
+            <a:endParaRPr lang="en-US" dirty="0"/>
+          </a:p>
+        </p:txBody>
+      </p:sp>
+      <p:pic>
+        <p:nvPicPr>
+          <p:cNvPr id="4" name="Picture 3">
+            <a:extLst>
+              <a:ext uri="{FF2B5EF4-FFF2-40B4-BE49-F238E27FC236}">
+                <a16:creationId xmlns:a16="http://schemas.microsoft.com/office/drawing/2014/main" id="{74605FFA-A0C2-43C9-A657-8AE82A9F76FC}"/>
+              </a:ext>
+            </a:extLst>
+          </p:cNvPr>
+          <p:cNvPicPr>
+            <a:picLocks noChangeAspect="1"/>
+          </p:cNvPicPr>
+          <p:nvPr/>
+        </p:nvPicPr>
+        <p:blipFill>
+          <a:blip r:embed="rId2"/>
+          <a:stretch>
+            <a:fillRect/>
+          </a:stretch>
+        </p:blipFill>
+        <p:spPr>
+          <a:xfrm>
+            <a:off x="6215226" y="2367899"/>
+            <a:ext cx="5054486" cy="3372128"/>
+          </a:xfrm>
+          <a:prstGeom prst="rect">
+            <a:avLst/>
+          </a:prstGeom>
+        </p:spPr>
+      </p:pic>
+    </p:spTree>
+    <p:extLst>
+      <p:ext uri="{BB962C8B-B14F-4D97-AF65-F5344CB8AC3E}">
+        <p14:creationId xmlns:p14="http://schemas.microsoft.com/office/powerpoint/2010/main" val="2360138108"/>
+      </p:ext>
+    </p:extLst>
+  </p:cSld>
+  <p:clrMapOvr>
+    <a:masterClrMapping/>
+  </p:clrMapOvr>
+</p:sld>
+</file>
+
+<file path=ppt/slides/slide21.xml><?xml version="1.0" encoding="utf-8"?>
+<p:sld xmlns:a="http://schemas.openxmlformats.org/drawingml/2006/main" xmlns:r="http://schemas.openxmlformats.org/officeDocument/2006/relationships" xmlns:p="http://schemas.openxmlformats.org/presentationml/2006/main">
+  <p:cSld>
+    <p:spTree>
+      <p:nvGrpSpPr>
+        <p:cNvPr id="1" name=""/>
+        <p:cNvGrpSpPr/>
+        <p:nvPr/>
+      </p:nvGrpSpPr>
+      <p:grpSpPr>
+        <a:xfrm>
+          <a:off x="0" y="0"/>
+          <a:ext cx="0" cy="0"/>
+          <a:chOff x="0" y="0"/>
+          <a:chExt cx="0" cy="0"/>
+        </a:xfrm>
+      </p:grpSpPr>
+      <p:sp>
+        <p:nvSpPr>
+          <p:cNvPr id="2" name="Title 1">
+            <a:extLst>
+              <a:ext uri="{FF2B5EF4-FFF2-40B4-BE49-F238E27FC236}">
                 <a16:creationId xmlns:a16="http://schemas.microsoft.com/office/drawing/2014/main" id="{5834C96A-F396-40CD-8365-04CF50C49A2E}"/>
               </a:ext>
             </a:extLst>
@@ -5709,7 +5812,7 @@
 </p:sld>
 </file>
 
-<file path=ppt/slides/slide21.xml><?xml version="1.0" encoding="utf-8"?>
+<file path=ppt/slides/slide22.xml><?xml version="1.0" encoding="utf-8"?>
 <p:sld xmlns:a="http://schemas.openxmlformats.org/drawingml/2006/main" xmlns:r="http://schemas.openxmlformats.org/officeDocument/2006/relationships" xmlns:p="http://schemas.openxmlformats.org/presentationml/2006/main">
   <p:cSld>
     <p:spTree>

--- a/Detekcija epileptičnih napada pomoću EEG vremenske serije.pptx
+++ b/Detekcija epileptičnih napada pomoću EEG vremenske serije.pptx
@@ -11,22 +11,26 @@
     <p:sldId id="259" r:id="rId5"/>
     <p:sldId id="260" r:id="rId6"/>
     <p:sldId id="261" r:id="rId7"/>
-    <p:sldId id="262" r:id="rId8"/>
-    <p:sldId id="263" r:id="rId9"/>
-    <p:sldId id="268" r:id="rId10"/>
-    <p:sldId id="269" r:id="rId11"/>
-    <p:sldId id="270" r:id="rId12"/>
-    <p:sldId id="276" r:id="rId13"/>
-    <p:sldId id="277" r:id="rId14"/>
-    <p:sldId id="264" r:id="rId15"/>
-    <p:sldId id="265" r:id="rId16"/>
-    <p:sldId id="271" r:id="rId17"/>
-    <p:sldId id="266" r:id="rId18"/>
-    <p:sldId id="267" r:id="rId19"/>
-    <p:sldId id="272" r:id="rId20"/>
+    <p:sldId id="263" r:id="rId8"/>
+    <p:sldId id="268" r:id="rId9"/>
+    <p:sldId id="269" r:id="rId10"/>
+    <p:sldId id="270" r:id="rId11"/>
+    <p:sldId id="276" r:id="rId12"/>
+    <p:sldId id="277" r:id="rId13"/>
+    <p:sldId id="264" r:id="rId14"/>
+    <p:sldId id="265" r:id="rId15"/>
+    <p:sldId id="266" r:id="rId16"/>
+    <p:sldId id="278" r:id="rId17"/>
+    <p:sldId id="284" r:id="rId18"/>
+    <p:sldId id="272" r:id="rId19"/>
+    <p:sldId id="279" r:id="rId20"/>
     <p:sldId id="273" r:id="rId21"/>
     <p:sldId id="274" r:id="rId22"/>
     <p:sldId id="275" r:id="rId23"/>
+    <p:sldId id="280" r:id="rId24"/>
+    <p:sldId id="281" r:id="rId25"/>
+    <p:sldId id="282" r:id="rId26"/>
+    <p:sldId id="283" r:id="rId27"/>
   </p:sldIdLst>
   <p:sldSz cx="12192000" cy="6858000"/>
   <p:notesSz cx="6858000" cy="9144000"/>
@@ -296,7 +300,7 @@
           <a:p>
             <a:fld id="{1160EA64-D806-43AC-9DF2-F8C432F32B4C}" type="datetimeFigureOut">
               <a:rPr lang="en-US" dirty="0"/>
-              <a:t>1/31/2024</a:t>
+              <a:t>2/5/2024</a:t>
             </a:fld>
             <a:endParaRPr lang="en-US" dirty="0"/>
           </a:p>
@@ -462,7 +466,7 @@
           <a:p>
             <a:fld id="{E9F9C37B-1D36-470B-8223-D6C91242EC14}" type="datetimeFigureOut">
               <a:rPr lang="en-US" dirty="0"/>
-              <a:t>1/31/2024</a:t>
+              <a:t>2/5/2024</a:t>
             </a:fld>
             <a:endParaRPr lang="en-US" dirty="0"/>
           </a:p>
@@ -637,7 +641,7 @@
           <a:p>
             <a:fld id="{67C6F52A-A82B-47A2-A83A-8C4C91F2D59F}" type="datetimeFigureOut">
               <a:rPr lang="en-US" dirty="0"/>
-              <a:t>1/31/2024</a:t>
+              <a:t>2/5/2024</a:t>
             </a:fld>
             <a:endParaRPr lang="en-US" dirty="0"/>
           </a:p>
@@ -802,7 +806,7 @@
           <a:p>
             <a:fld id="{F070A7B3-6521-4DCA-87E5-044747A908C1}" type="datetimeFigureOut">
               <a:rPr lang="en-US" dirty="0"/>
-              <a:t>1/31/2024</a:t>
+              <a:t>2/5/2024</a:t>
             </a:fld>
             <a:endParaRPr lang="en-US" dirty="0"/>
           </a:p>
@@ -1066,7 +1070,7 @@
           <a:p>
             <a:fld id="{1160EA64-D806-43AC-9DF2-F8C432F32B4C}" type="datetimeFigureOut">
               <a:rPr lang="en-US" dirty="0"/>
-              <a:t>1/31/2024</a:t>
+              <a:t>2/5/2024</a:t>
             </a:fld>
             <a:endParaRPr lang="en-US" dirty="0"/>
           </a:p>
@@ -1294,7 +1298,7 @@
           <a:p>
             <a:fld id="{AB134690-1557-4C89-A502-4959FE7FAD70}" type="datetimeFigureOut">
               <a:rPr lang="en-US" dirty="0"/>
-              <a:t>1/31/2024</a:t>
+              <a:t>2/5/2024</a:t>
             </a:fld>
             <a:endParaRPr lang="en-US" dirty="0"/>
           </a:p>
@@ -1648,7 +1652,7 @@
           <a:p>
             <a:fld id="{4F7D4976-E339-4826-83B7-FBD03F55ECF8}" type="datetimeFigureOut">
               <a:rPr lang="en-US" dirty="0"/>
-              <a:t>1/31/2024</a:t>
+              <a:t>2/5/2024</a:t>
             </a:fld>
             <a:endParaRPr lang="en-US" dirty="0"/>
           </a:p>
@@ -1784,7 +1788,7 @@
           <a:p>
             <a:fld id="{E1037C31-9E7A-4F99-8774-A0E530DE1A42}" type="datetimeFigureOut">
               <a:rPr lang="en-US" dirty="0"/>
-              <a:t>1/31/2024</a:t>
+              <a:t>2/5/2024</a:t>
             </a:fld>
             <a:endParaRPr lang="en-US" dirty="0"/>
           </a:p>
@@ -1874,7 +1878,7 @@
           <a:p>
             <a:fld id="{C278504F-A551-4DE0-9316-4DCD1D8CC752}" type="datetimeFigureOut">
               <a:rPr lang="en-US" dirty="0"/>
-              <a:t>1/31/2024</a:t>
+              <a:t>2/5/2024</a:t>
             </a:fld>
             <a:endParaRPr lang="en-US" dirty="0"/>
           </a:p>
@@ -2226,7 +2230,7 @@
           <a:p>
             <a:fld id="{D1BE4249-C0D0-4B06-8692-E8BB871AF643}" type="datetimeFigureOut">
               <a:rPr lang="en-US" dirty="0"/>
-              <a:t>1/31/2024</a:t>
+              <a:t>2/5/2024</a:t>
             </a:fld>
             <a:endParaRPr lang="en-US" dirty="0"/>
           </a:p>
@@ -2578,7 +2582,7 @@
           <a:p>
             <a:fld id="{042B0DB6-F5C7-45FB-8CF3-31B45F9C2DAC}" type="datetimeFigureOut">
               <a:rPr lang="en-US" dirty="0"/>
-              <a:t>1/31/2024</a:t>
+              <a:t>2/5/2024</a:t>
             </a:fld>
             <a:endParaRPr lang="en-US" dirty="0"/>
           </a:p>
@@ -2815,7 +2819,7 @@
           <a:p>
             <a:fld id="{1160EA64-D806-43AC-9DF2-F8C432F32B4C}" type="datetimeFigureOut">
               <a:rPr lang="en-US" dirty="0"/>
-              <a:t>1/31/2024</a:t>
+              <a:t>2/5/2024</a:t>
             </a:fld>
             <a:endParaRPr lang="en-US" dirty="0"/>
           </a:p>
@@ -3334,10 +3338,5952 @@
   <p:clrMapOvr>
     <a:masterClrMapping/>
   </p:clrMapOvr>
+  <p:transition spd="slow">
+    <p:push dir="u"/>
+  </p:transition>
 </p:sld>
 </file>
 
 <file path=ppt/slides/slide10.xml><?xml version="1.0" encoding="utf-8"?>
+<p:sld xmlns:a="http://schemas.openxmlformats.org/drawingml/2006/main" xmlns:r="http://schemas.openxmlformats.org/officeDocument/2006/relationships" xmlns:p="http://schemas.openxmlformats.org/presentationml/2006/main">
+  <p:cSld>
+    <p:spTree>
+      <p:nvGrpSpPr>
+        <p:cNvPr id="1" name=""/>
+        <p:cNvGrpSpPr/>
+        <p:nvPr/>
+      </p:nvGrpSpPr>
+      <p:grpSpPr>
+        <a:xfrm>
+          <a:off x="0" y="0"/>
+          <a:ext cx="0" cy="0"/>
+          <a:chOff x="0" y="0"/>
+          <a:chExt cx="0" cy="0"/>
+        </a:xfrm>
+      </p:grpSpPr>
+      <p:sp>
+        <p:nvSpPr>
+          <p:cNvPr id="2" name="Title 1">
+            <a:extLst>
+              <a:ext uri="{FF2B5EF4-FFF2-40B4-BE49-F238E27FC236}">
+                <a16:creationId xmlns:a16="http://schemas.microsoft.com/office/drawing/2014/main" id="{A51852F3-01E0-42B9-BB87-203A5FC2129A}"/>
+              </a:ext>
+            </a:extLst>
+          </p:cNvPr>
+          <p:cNvSpPr>
+            <a:spLocks noGrp="1"/>
+          </p:cNvSpPr>
+          <p:nvPr>
+            <p:ph type="title"/>
+          </p:nvPr>
+        </p:nvSpPr>
+        <p:spPr/>
+        <p:txBody>
+          <a:bodyPr/>
+          <a:lstStyle/>
+          <a:p>
+            <a:r>
+              <a:rPr lang="sr-Latn-RS" dirty="0"/>
+              <a:t>Odabir parametara</a:t>
+            </a:r>
+            <a:endParaRPr lang="en-US" dirty="0"/>
+          </a:p>
+        </p:txBody>
+      </p:sp>
+      <p:sp>
+        <p:nvSpPr>
+          <p:cNvPr id="3" name="Content Placeholder 2">
+            <a:extLst>
+              <a:ext uri="{FF2B5EF4-FFF2-40B4-BE49-F238E27FC236}">
+                <a16:creationId xmlns:a16="http://schemas.microsoft.com/office/drawing/2014/main" id="{953F59BA-E190-427D-A893-12075B3FB9D9}"/>
+              </a:ext>
+            </a:extLst>
+          </p:cNvPr>
+          <p:cNvSpPr>
+            <a:spLocks noGrp="1"/>
+          </p:cNvSpPr>
+          <p:nvPr>
+            <p:ph idx="1"/>
+          </p:nvPr>
+        </p:nvSpPr>
+        <p:spPr>
+          <a:xfrm>
+            <a:off x="2231136" y="2638044"/>
+            <a:ext cx="7729728" cy="3798615"/>
+          </a:xfrm>
+        </p:spPr>
+        <p:txBody>
+          <a:bodyPr>
+            <a:normAutofit fontScale="92500" lnSpcReduction="10000"/>
+          </a:bodyPr>
+          <a:lstStyle/>
+          <a:p>
+            <a:r>
+              <a:rPr lang="sr-Latn-RS" dirty="0"/>
+              <a:t>Kada smo definisali obeležja, potrebne parametre i način evaluacije modela možemo preći na odabir parametara.</a:t>
+            </a:r>
+          </a:p>
+          <a:p>
+            <a:r>
+              <a:rPr lang="sr-Latn-RS" dirty="0"/>
+              <a:t>Za odabir parametara sa najboljim rezultatima korišćen je GridSearchCV iz sklearn biblioteke.</a:t>
+            </a:r>
+          </a:p>
+          <a:p>
+            <a:r>
+              <a:rPr lang="sr-Latn-RS" dirty="0"/>
+              <a:t>Potrebno je definisati vrednosti koje parametri mogu imati, a GridSearchCV će napraviti model sa svakom kombinacijom vrednosti parametara i uporediti kvalitet dobijenih modela.</a:t>
+            </a:r>
+          </a:p>
+          <a:p>
+            <a:r>
+              <a:rPr lang="sr-Latn-RS" dirty="0"/>
+              <a:t>Vrednosti parametara:</a:t>
+            </a:r>
+          </a:p>
+          <a:p>
+            <a:pPr lvl="1"/>
+            <a:r>
+              <a:rPr lang="sr-Latn-RS" dirty="0"/>
+              <a:t>c  - 0.01, 0.1, 1.0, 10.0, 90, 100.0, 110</a:t>
+            </a:r>
+          </a:p>
+          <a:p>
+            <a:pPr lvl="1"/>
+            <a:r>
+              <a:rPr lang="sr-Latn-RS" dirty="0"/>
+              <a:t>gamma 0.001, 0.001, 0.01, 0.1, 1</a:t>
+            </a:r>
+            <a:endParaRPr lang="en-US" dirty="0"/>
+          </a:p>
+          <a:p>
+            <a:pPr lvl="1"/>
+            <a:r>
+              <a:rPr lang="sr-Latn-RS" dirty="0"/>
+              <a:t>degree - 2, 3, 4</a:t>
+            </a:r>
+          </a:p>
+          <a:p>
+            <a:pPr lvl="1"/>
+            <a:r>
+              <a:rPr lang="sr-Latn-RS" dirty="0"/>
+              <a:t>kernel – linear, rbf, poly</a:t>
+            </a:r>
+          </a:p>
+          <a:p>
+            <a:pPr lvl="1"/>
+            <a:endParaRPr lang="sr-Latn-RS" dirty="0"/>
+          </a:p>
+          <a:p>
+            <a:endParaRPr lang="sr-Latn-RS" dirty="0"/>
+          </a:p>
+          <a:p>
+            <a:endParaRPr lang="en-US" dirty="0"/>
+          </a:p>
+        </p:txBody>
+      </p:sp>
+    </p:spTree>
+    <p:extLst>
+      <p:ext uri="{BB962C8B-B14F-4D97-AF65-F5344CB8AC3E}">
+        <p14:creationId xmlns:p14="http://schemas.microsoft.com/office/powerpoint/2010/main" val="1972377483"/>
+      </p:ext>
+    </p:extLst>
+  </p:cSld>
+  <p:clrMapOvr>
+    <a:masterClrMapping/>
+  </p:clrMapOvr>
+  <p:transition spd="slow">
+    <p:push dir="u"/>
+  </p:transition>
+</p:sld>
+</file>
+
+<file path=ppt/slides/slide11.xml><?xml version="1.0" encoding="utf-8"?>
+<p:sld xmlns:a="http://schemas.openxmlformats.org/drawingml/2006/main" xmlns:r="http://schemas.openxmlformats.org/officeDocument/2006/relationships" xmlns:p="http://schemas.openxmlformats.org/presentationml/2006/main">
+  <p:cSld>
+    <p:spTree>
+      <p:nvGrpSpPr>
+        <p:cNvPr id="1" name=""/>
+        <p:cNvGrpSpPr/>
+        <p:nvPr/>
+      </p:nvGrpSpPr>
+      <p:grpSpPr>
+        <a:xfrm>
+          <a:off x="0" y="0"/>
+          <a:ext cx="0" cy="0"/>
+          <a:chOff x="0" y="0"/>
+          <a:chExt cx="0" cy="0"/>
+        </a:xfrm>
+      </p:grpSpPr>
+      <p:sp>
+        <p:nvSpPr>
+          <p:cNvPr id="2" name="Title 1">
+            <a:extLst>
+              <a:ext uri="{FF2B5EF4-FFF2-40B4-BE49-F238E27FC236}">
+                <a16:creationId xmlns:a16="http://schemas.microsoft.com/office/drawing/2014/main" id="{F1C611C6-0595-409B-9451-C69446090A0D}"/>
+              </a:ext>
+            </a:extLst>
+          </p:cNvPr>
+          <p:cNvSpPr>
+            <a:spLocks noGrp="1"/>
+          </p:cNvSpPr>
+          <p:nvPr>
+            <p:ph type="title"/>
+          </p:nvPr>
+        </p:nvSpPr>
+        <p:spPr/>
+        <p:txBody>
+          <a:bodyPr/>
+          <a:lstStyle/>
+          <a:p>
+            <a:r>
+              <a:rPr lang="sr-Latn-RS" dirty="0"/>
+              <a:t>skaliranje podataka</a:t>
+            </a:r>
+            <a:endParaRPr lang="en-US" dirty="0"/>
+          </a:p>
+        </p:txBody>
+      </p:sp>
+      <p:sp>
+        <p:nvSpPr>
+          <p:cNvPr id="3" name="Content Placeholder 2">
+            <a:extLst>
+              <a:ext uri="{FF2B5EF4-FFF2-40B4-BE49-F238E27FC236}">
+                <a16:creationId xmlns:a16="http://schemas.microsoft.com/office/drawing/2014/main" id="{EBA762E7-E822-4A1D-A164-B0C7C90DFA4A}"/>
+              </a:ext>
+            </a:extLst>
+          </p:cNvPr>
+          <p:cNvSpPr>
+            <a:spLocks noGrp="1"/>
+          </p:cNvSpPr>
+          <p:nvPr>
+            <p:ph idx="1"/>
+          </p:nvPr>
+        </p:nvSpPr>
+        <p:spPr/>
+        <p:txBody>
+          <a:bodyPr/>
+          <a:lstStyle/>
+          <a:p>
+            <a:r>
+              <a:rPr lang="sr-Latn-RS" dirty="0"/>
+              <a:t>Treniranje SVC modela nad neskaliranim podacima može biti veoma sporo, pa je izvrsavanje GridSearchCV praktično nemoguće.</a:t>
+            </a:r>
+          </a:p>
+          <a:p>
+            <a:r>
+              <a:rPr lang="sr-Latn-RS" dirty="0"/>
+              <a:t>Tokom testiranja različitih parametara GridSearchCV trenira više stotina modela, a za treniranje nekih od njih nad neskaliranim podacima je potrebno i više sati.</a:t>
+            </a:r>
+          </a:p>
+          <a:p>
+            <a:r>
+              <a:rPr lang="sr-Latn-RS" dirty="0"/>
+              <a:t>Za skaliranje podataka je korišćen StandardScaler.</a:t>
+            </a:r>
+            <a:endParaRPr lang="en-US" dirty="0"/>
+          </a:p>
+        </p:txBody>
+      </p:sp>
+    </p:spTree>
+    <p:extLst>
+      <p:ext uri="{BB962C8B-B14F-4D97-AF65-F5344CB8AC3E}">
+        <p14:creationId xmlns:p14="http://schemas.microsoft.com/office/powerpoint/2010/main" val="3148524587"/>
+      </p:ext>
+    </p:extLst>
+  </p:cSld>
+  <p:clrMapOvr>
+    <a:masterClrMapping/>
+  </p:clrMapOvr>
+  <p:transition spd="slow">
+    <p:push dir="u"/>
+  </p:transition>
+</p:sld>
+</file>
+
+<file path=ppt/slides/slide12.xml><?xml version="1.0" encoding="utf-8"?>
+<p:sld xmlns:a="http://schemas.openxmlformats.org/drawingml/2006/main" xmlns:r="http://schemas.openxmlformats.org/officeDocument/2006/relationships" xmlns:p="http://schemas.openxmlformats.org/presentationml/2006/main">
+  <p:cSld>
+    <p:spTree>
+      <p:nvGrpSpPr>
+        <p:cNvPr id="1" name=""/>
+        <p:cNvGrpSpPr/>
+        <p:nvPr/>
+      </p:nvGrpSpPr>
+      <p:grpSpPr>
+        <a:xfrm>
+          <a:off x="0" y="0"/>
+          <a:ext cx="0" cy="0"/>
+          <a:chOff x="0" y="0"/>
+          <a:chExt cx="0" cy="0"/>
+        </a:xfrm>
+      </p:grpSpPr>
+      <p:sp>
+        <p:nvSpPr>
+          <p:cNvPr id="2" name="Title 1">
+            <a:extLst>
+              <a:ext uri="{FF2B5EF4-FFF2-40B4-BE49-F238E27FC236}">
+                <a16:creationId xmlns:a16="http://schemas.microsoft.com/office/drawing/2014/main" id="{4A1DB808-10B8-4624-BEC7-981697BEF033}"/>
+              </a:ext>
+            </a:extLst>
+          </p:cNvPr>
+          <p:cNvSpPr>
+            <a:spLocks noGrp="1"/>
+          </p:cNvSpPr>
+          <p:nvPr>
+            <p:ph type="title"/>
+          </p:nvPr>
+        </p:nvSpPr>
+        <p:spPr/>
+        <p:txBody>
+          <a:bodyPr/>
+          <a:lstStyle/>
+          <a:p>
+            <a:r>
+              <a:rPr lang="sr-Latn-RS" dirty="0"/>
+              <a:t>Podela na trening i test skup podataka</a:t>
+            </a:r>
+            <a:endParaRPr lang="en-US" dirty="0"/>
+          </a:p>
+        </p:txBody>
+      </p:sp>
+      <p:sp>
+        <p:nvSpPr>
+          <p:cNvPr id="3" name="Content Placeholder 2">
+            <a:extLst>
+              <a:ext uri="{FF2B5EF4-FFF2-40B4-BE49-F238E27FC236}">
+                <a16:creationId xmlns:a16="http://schemas.microsoft.com/office/drawing/2014/main" id="{E1452D6E-7D85-4AC7-9A22-3337C8DEF2FF}"/>
+              </a:ext>
+            </a:extLst>
+          </p:cNvPr>
+          <p:cNvSpPr>
+            <a:spLocks noGrp="1"/>
+          </p:cNvSpPr>
+          <p:nvPr>
+            <p:ph idx="1"/>
+          </p:nvPr>
+        </p:nvSpPr>
+        <p:spPr/>
+        <p:txBody>
+          <a:bodyPr/>
+          <a:lstStyle/>
+          <a:p>
+            <a:r>
+              <a:rPr lang="sr-Latn-RS" dirty="0"/>
+              <a:t>Nakon skaliranja se vrši podela skupa podataka na trening i test skupove podataka.</a:t>
+            </a:r>
+          </a:p>
+          <a:p>
+            <a:r>
+              <a:rPr lang="sr-Latn-RS" dirty="0"/>
+              <a:t>Podela se vrši u odnosu 80/20.</a:t>
+            </a:r>
+          </a:p>
+          <a:p>
+            <a:r>
+              <a:rPr lang="sr-Latn-RS" dirty="0"/>
+              <a:t>GridSearchCV se poziva nad trening podacima nakon čega se model sa dobijenim parametrima evaluira nad test podacima.</a:t>
+            </a:r>
+            <a:endParaRPr lang="en-US" dirty="0"/>
+          </a:p>
+        </p:txBody>
+      </p:sp>
+    </p:spTree>
+    <p:extLst>
+      <p:ext uri="{BB962C8B-B14F-4D97-AF65-F5344CB8AC3E}">
+        <p14:creationId xmlns:p14="http://schemas.microsoft.com/office/powerpoint/2010/main" val="1435824590"/>
+      </p:ext>
+    </p:extLst>
+  </p:cSld>
+  <p:clrMapOvr>
+    <a:masterClrMapping/>
+  </p:clrMapOvr>
+  <p:transition spd="slow">
+    <p:push dir="u"/>
+  </p:transition>
+</p:sld>
+</file>
+
+<file path=ppt/slides/slide13.xml><?xml version="1.0" encoding="utf-8"?>
+<p:sld xmlns:a="http://schemas.openxmlformats.org/drawingml/2006/main" xmlns:r="http://schemas.openxmlformats.org/officeDocument/2006/relationships" xmlns:p="http://schemas.openxmlformats.org/presentationml/2006/main">
+  <p:cSld>
+    <p:spTree>
+      <p:nvGrpSpPr>
+        <p:cNvPr id="1" name=""/>
+        <p:cNvGrpSpPr/>
+        <p:nvPr/>
+      </p:nvGrpSpPr>
+      <p:grpSpPr>
+        <a:xfrm>
+          <a:off x="0" y="0"/>
+          <a:ext cx="0" cy="0"/>
+          <a:chOff x="0" y="0"/>
+          <a:chExt cx="0" cy="0"/>
+        </a:xfrm>
+      </p:grpSpPr>
+      <p:sp>
+        <p:nvSpPr>
+          <p:cNvPr id="2" name="Title 1">
+            <a:extLst>
+              <a:ext uri="{FF2B5EF4-FFF2-40B4-BE49-F238E27FC236}">
+                <a16:creationId xmlns:a16="http://schemas.microsoft.com/office/drawing/2014/main" id="{AE8A991A-6795-48A6-9A7F-5E8263D0E28B}"/>
+              </a:ext>
+            </a:extLst>
+          </p:cNvPr>
+          <p:cNvSpPr>
+            <a:spLocks noGrp="1"/>
+          </p:cNvSpPr>
+          <p:nvPr>
+            <p:ph type="title"/>
+          </p:nvPr>
+        </p:nvSpPr>
+        <p:spPr/>
+        <p:txBody>
+          <a:bodyPr/>
+          <a:lstStyle/>
+          <a:p>
+            <a:r>
+              <a:rPr lang="sr-Latn-RS" dirty="0"/>
+              <a:t>Statističke osobine</a:t>
+            </a:r>
+            <a:endParaRPr lang="en-US" dirty="0"/>
+          </a:p>
+        </p:txBody>
+      </p:sp>
+      <p:sp>
+        <p:nvSpPr>
+          <p:cNvPr id="3" name="Content Placeholder 2">
+            <a:extLst>
+              <a:ext uri="{FF2B5EF4-FFF2-40B4-BE49-F238E27FC236}">
+                <a16:creationId xmlns:a16="http://schemas.microsoft.com/office/drawing/2014/main" id="{6B1A234D-FD93-4775-BBC3-C91E41C33608}"/>
+              </a:ext>
+            </a:extLst>
+          </p:cNvPr>
+          <p:cNvSpPr>
+            <a:spLocks noGrp="1"/>
+          </p:cNvSpPr>
+          <p:nvPr>
+            <p:ph idx="1"/>
+          </p:nvPr>
+        </p:nvSpPr>
+        <p:spPr/>
+        <p:txBody>
+          <a:bodyPr/>
+          <a:lstStyle/>
+          <a:p>
+            <a:r>
+              <a:rPr lang="sr-Latn-RS" dirty="0"/>
+              <a:t>Izdvajanje statističkih osobina se svodi na računanje sledećih parametara za svaku vremensku seriju:</a:t>
+            </a:r>
+          </a:p>
+          <a:p>
+            <a:pPr lvl="1"/>
+            <a:r>
+              <a:rPr lang="sr-Latn-RS" dirty="0"/>
+              <a:t>Srednja vrednost signala</a:t>
+            </a:r>
+          </a:p>
+          <a:p>
+            <a:pPr lvl="1"/>
+            <a:r>
+              <a:rPr lang="sr-Latn-RS" dirty="0"/>
+              <a:t>Standardna devijacija</a:t>
+            </a:r>
+          </a:p>
+          <a:p>
+            <a:pPr lvl="1"/>
+            <a:r>
+              <a:rPr lang="sr-Latn-RS" dirty="0"/>
+              <a:t>Srednja apsolutna vrednost prvih razkila signala</a:t>
+            </a:r>
+          </a:p>
+          <a:p>
+            <a:pPr lvl="1"/>
+            <a:r>
+              <a:rPr lang="sr-Latn-RS" dirty="0"/>
+              <a:t>Srednja apsolutna vrednost prvih razlika normalizovanog signala</a:t>
+            </a:r>
+          </a:p>
+          <a:p>
+            <a:pPr lvl="1"/>
+            <a:r>
+              <a:rPr lang="sr-Latn-RS" dirty="0"/>
+              <a:t>Srednja apsolutna vrednost drugih razlika signala</a:t>
+            </a:r>
+          </a:p>
+          <a:p>
+            <a:pPr lvl="1"/>
+            <a:r>
+              <a:rPr lang="sr-Latn-RS" dirty="0"/>
+              <a:t>Srednja apsolutna vrednost drugih razlika normalizovanog signala</a:t>
+            </a:r>
+          </a:p>
+          <a:p>
+            <a:endParaRPr lang="en-US" dirty="0"/>
+          </a:p>
+        </p:txBody>
+      </p:sp>
+    </p:spTree>
+    <p:extLst>
+      <p:ext uri="{BB962C8B-B14F-4D97-AF65-F5344CB8AC3E}">
+        <p14:creationId xmlns:p14="http://schemas.microsoft.com/office/powerpoint/2010/main" val="254387761"/>
+      </p:ext>
+    </p:extLst>
+  </p:cSld>
+  <p:clrMapOvr>
+    <a:masterClrMapping/>
+  </p:clrMapOvr>
+  <p:transition spd="slow">
+    <p:push dir="u"/>
+  </p:transition>
+</p:sld>
+</file>
+
+<file path=ppt/slides/slide14.xml><?xml version="1.0" encoding="utf-8"?>
+<p:sld xmlns:a="http://schemas.openxmlformats.org/drawingml/2006/main" xmlns:r="http://schemas.openxmlformats.org/officeDocument/2006/relationships" xmlns:p="http://schemas.openxmlformats.org/presentationml/2006/main">
+  <p:cSld>
+    <p:spTree>
+      <p:nvGrpSpPr>
+        <p:cNvPr id="1" name=""/>
+        <p:cNvGrpSpPr/>
+        <p:nvPr/>
+      </p:nvGrpSpPr>
+      <p:grpSpPr>
+        <a:xfrm>
+          <a:off x="0" y="0"/>
+          <a:ext cx="0" cy="0"/>
+          <a:chOff x="0" y="0"/>
+          <a:chExt cx="0" cy="0"/>
+        </a:xfrm>
+      </p:grpSpPr>
+      <p:sp>
+        <p:nvSpPr>
+          <p:cNvPr id="2" name="Title 1">
+            <a:extLst>
+              <a:ext uri="{FF2B5EF4-FFF2-40B4-BE49-F238E27FC236}">
+                <a16:creationId xmlns:a16="http://schemas.microsoft.com/office/drawing/2014/main" id="{D8EEC4E9-150A-41A0-8E16-B0644BB7CD32}"/>
+              </a:ext>
+            </a:extLst>
+          </p:cNvPr>
+          <p:cNvSpPr>
+            <a:spLocks noGrp="1"/>
+          </p:cNvSpPr>
+          <p:nvPr>
+            <p:ph type="title"/>
+          </p:nvPr>
+        </p:nvSpPr>
+        <p:spPr/>
+        <p:txBody>
+          <a:bodyPr/>
+          <a:lstStyle/>
+          <a:p>
+            <a:r>
+              <a:rPr lang="sr-Latn-RS" dirty="0"/>
+              <a:t>Statističke osobine</a:t>
+            </a:r>
+            <a:endParaRPr lang="en-US" dirty="0"/>
+          </a:p>
+        </p:txBody>
+      </p:sp>
+      <p:pic>
+        <p:nvPicPr>
+          <p:cNvPr id="5" name="Content Placeholder 4">
+            <a:extLst>
+              <a:ext uri="{FF2B5EF4-FFF2-40B4-BE49-F238E27FC236}">
+                <a16:creationId xmlns:a16="http://schemas.microsoft.com/office/drawing/2014/main" id="{0E7C57AE-1B46-418C-A8C8-194C62F9A5C8}"/>
+              </a:ext>
+            </a:extLst>
+          </p:cNvPr>
+          <p:cNvPicPr>
+            <a:picLocks noGrp="1" noChangeAspect="1"/>
+          </p:cNvPicPr>
+          <p:nvPr>
+            <p:ph idx="1"/>
+          </p:nvPr>
+        </p:nvPicPr>
+        <p:blipFill>
+          <a:blip r:embed="rId2"/>
+          <a:stretch>
+            <a:fillRect/>
+          </a:stretch>
+        </p:blipFill>
+        <p:spPr>
+          <a:xfrm>
+            <a:off x="1362308" y="2503955"/>
+            <a:ext cx="9467384" cy="3843057"/>
+          </a:xfrm>
+        </p:spPr>
+      </p:pic>
+    </p:spTree>
+    <p:extLst>
+      <p:ext uri="{BB962C8B-B14F-4D97-AF65-F5344CB8AC3E}">
+        <p14:creationId xmlns:p14="http://schemas.microsoft.com/office/powerpoint/2010/main" val="2165140707"/>
+      </p:ext>
+    </p:extLst>
+  </p:cSld>
+  <p:clrMapOvr>
+    <a:masterClrMapping/>
+  </p:clrMapOvr>
+  <p:transition spd="slow">
+    <p:push dir="u"/>
+  </p:transition>
+</p:sld>
+</file>
+
+<file path=ppt/slides/slide15.xml><?xml version="1.0" encoding="utf-8"?>
+<p:sld xmlns:a="http://schemas.openxmlformats.org/drawingml/2006/main" xmlns:r="http://schemas.openxmlformats.org/officeDocument/2006/relationships" xmlns:p="http://schemas.openxmlformats.org/presentationml/2006/main">
+  <p:cSld>
+    <p:spTree>
+      <p:nvGrpSpPr>
+        <p:cNvPr id="1" name=""/>
+        <p:cNvGrpSpPr/>
+        <p:nvPr/>
+      </p:nvGrpSpPr>
+      <p:grpSpPr>
+        <a:xfrm>
+          <a:off x="0" y="0"/>
+          <a:ext cx="0" cy="0"/>
+          <a:chOff x="0" y="0"/>
+          <a:chExt cx="0" cy="0"/>
+        </a:xfrm>
+      </p:grpSpPr>
+      <p:sp>
+        <p:nvSpPr>
+          <p:cNvPr id="2" name="Title 1">
+            <a:extLst>
+              <a:ext uri="{FF2B5EF4-FFF2-40B4-BE49-F238E27FC236}">
+                <a16:creationId xmlns:a16="http://schemas.microsoft.com/office/drawing/2014/main" id="{4FEA2A64-7E8F-48ED-A707-0D32BB3C8F7A}"/>
+              </a:ext>
+            </a:extLst>
+          </p:cNvPr>
+          <p:cNvSpPr>
+            <a:spLocks noGrp="1"/>
+          </p:cNvSpPr>
+          <p:nvPr>
+            <p:ph type="title"/>
+          </p:nvPr>
+        </p:nvSpPr>
+        <p:spPr/>
+        <p:txBody>
+          <a:bodyPr/>
+          <a:lstStyle/>
+          <a:p>
+            <a:r>
+              <a:rPr lang="sr-Latn-RS" dirty="0"/>
+              <a:t>Autoregresioni model</a:t>
+            </a:r>
+            <a:endParaRPr lang="en-US" dirty="0"/>
+          </a:p>
+        </p:txBody>
+      </p:sp>
+      <p:sp>
+        <p:nvSpPr>
+          <p:cNvPr id="3" name="Content Placeholder 2">
+            <a:extLst>
+              <a:ext uri="{FF2B5EF4-FFF2-40B4-BE49-F238E27FC236}">
+                <a16:creationId xmlns:a16="http://schemas.microsoft.com/office/drawing/2014/main" id="{1216AD37-4401-40AE-82DB-1DEFE680AEDE}"/>
+              </a:ext>
+            </a:extLst>
+          </p:cNvPr>
+          <p:cNvSpPr>
+            <a:spLocks noGrp="1"/>
+          </p:cNvSpPr>
+          <p:nvPr>
+            <p:ph idx="1"/>
+          </p:nvPr>
+        </p:nvSpPr>
+        <p:spPr/>
+        <p:txBody>
+          <a:bodyPr/>
+          <a:lstStyle/>
+          <a:p>
+            <a:r>
+              <a:rPr lang="en-US" dirty="0" err="1"/>
+              <a:t>Autoregresioni</a:t>
+            </a:r>
+            <a:r>
+              <a:rPr lang="en-US" dirty="0"/>
+              <a:t> model </a:t>
+            </a:r>
+            <a:r>
+              <a:rPr lang="en-US" dirty="0" err="1"/>
+              <a:t>koristi</a:t>
+            </a:r>
+            <a:r>
+              <a:rPr lang="en-US" dirty="0"/>
+              <a:t> </a:t>
+            </a:r>
+            <a:r>
+              <a:rPr lang="en-US" dirty="0" err="1"/>
+              <a:t>poznate</a:t>
+            </a:r>
+            <a:r>
+              <a:rPr lang="en-US" dirty="0"/>
+              <a:t> </a:t>
+            </a:r>
+            <a:r>
+              <a:rPr lang="en-US" dirty="0" err="1"/>
+              <a:t>podatke</a:t>
+            </a:r>
+            <a:r>
+              <a:rPr lang="en-US" dirty="0"/>
+              <a:t> da </a:t>
+            </a:r>
+            <a:r>
+              <a:rPr lang="en-US" dirty="0" err="1"/>
+              <a:t>napravi</a:t>
+            </a:r>
+            <a:r>
+              <a:rPr lang="en-US" dirty="0"/>
+              <a:t> model </a:t>
+            </a:r>
+            <a:r>
+              <a:rPr lang="en-US" dirty="0" err="1"/>
+              <a:t>linearne</a:t>
+            </a:r>
+            <a:r>
+              <a:rPr lang="en-US" dirty="0"/>
+              <a:t> </a:t>
+            </a:r>
+            <a:r>
+              <a:rPr lang="en-US" dirty="0" err="1"/>
+              <a:t>regresije</a:t>
+            </a:r>
+            <a:r>
+              <a:rPr lang="en-US" dirty="0"/>
+              <a:t>. U </a:t>
+            </a:r>
+            <a:r>
+              <a:rPr lang="en-US" dirty="0" err="1"/>
+              <a:t>ovom</a:t>
+            </a:r>
+            <a:r>
+              <a:rPr lang="en-US" dirty="0"/>
+              <a:t> </a:t>
+            </a:r>
+            <a:r>
+              <a:rPr lang="en-US" dirty="0" err="1"/>
+              <a:t>slučaju</a:t>
+            </a:r>
+            <a:r>
+              <a:rPr lang="en-US" dirty="0"/>
+              <a:t> </a:t>
+            </a:r>
+            <a:r>
+              <a:rPr lang="en-US" dirty="0" err="1"/>
+              <a:t>će</a:t>
+            </a:r>
+            <a:r>
+              <a:rPr lang="en-US" dirty="0"/>
+              <a:t> </a:t>
+            </a:r>
+            <a:r>
+              <a:rPr lang="en-US" dirty="0" err="1"/>
+              <a:t>obeležja</a:t>
+            </a:r>
+            <a:r>
+              <a:rPr lang="en-US" dirty="0"/>
+              <a:t> </a:t>
+            </a:r>
+            <a:r>
+              <a:rPr lang="en-US" dirty="0" err="1"/>
+              <a:t>vremenske</a:t>
+            </a:r>
+            <a:r>
+              <a:rPr lang="en-US" dirty="0"/>
+              <a:t> </a:t>
+            </a:r>
+            <a:r>
+              <a:rPr lang="en-US" dirty="0" err="1"/>
+              <a:t>serije</a:t>
+            </a:r>
+            <a:r>
+              <a:rPr lang="en-US" dirty="0"/>
+              <a:t> </a:t>
+            </a:r>
+            <a:r>
+              <a:rPr lang="en-US" dirty="0" err="1"/>
+              <a:t>biti</a:t>
+            </a:r>
+            <a:r>
+              <a:rPr lang="en-US" dirty="0"/>
+              <a:t> </a:t>
+            </a:r>
+            <a:r>
+              <a:rPr lang="en-US" dirty="0" err="1"/>
+              <a:t>koeficijenti</a:t>
+            </a:r>
+            <a:r>
+              <a:rPr lang="en-US" dirty="0"/>
+              <a:t> </a:t>
+            </a:r>
+            <a:r>
+              <a:rPr lang="en-US" dirty="0" err="1"/>
+              <a:t>jednačine</a:t>
+            </a:r>
+            <a:r>
+              <a:rPr lang="en-US" dirty="0"/>
+              <a:t> </a:t>
+            </a:r>
+            <a:r>
+              <a:rPr lang="en-US" dirty="0" err="1"/>
+              <a:t>linearne</a:t>
+            </a:r>
+            <a:r>
+              <a:rPr lang="en-US" dirty="0"/>
+              <a:t> </a:t>
+            </a:r>
+            <a:r>
+              <a:rPr lang="en-US" dirty="0" err="1"/>
+              <a:t>regresije</a:t>
+            </a:r>
+            <a:r>
+              <a:rPr lang="en-US" dirty="0"/>
+              <a:t>. </a:t>
+            </a:r>
+            <a:endParaRPr lang="sr-Latn-RS" dirty="0"/>
+          </a:p>
+          <a:p>
+            <a:r>
+              <a:rPr lang="sr-Latn-RS" dirty="0"/>
+              <a:t>Ovde se autoregresioni model ne koristi za prevdiđanje vrednosti, već za izdvajanje osobina, što nije njegova uobičajena namena.</a:t>
+            </a:r>
+          </a:p>
+          <a:p>
+            <a:r>
+              <a:rPr lang="en-US" dirty="0" err="1"/>
+              <a:t>Takođe</a:t>
+            </a:r>
+            <a:r>
+              <a:rPr lang="en-US" dirty="0"/>
+              <a:t>, </a:t>
+            </a:r>
+            <a:r>
+              <a:rPr lang="en-US" dirty="0" err="1"/>
+              <a:t>potrebno</a:t>
+            </a:r>
+            <a:r>
+              <a:rPr lang="en-US" dirty="0"/>
+              <a:t> je </a:t>
+            </a:r>
+            <a:r>
+              <a:rPr lang="en-US" dirty="0" err="1"/>
+              <a:t>odrediti</a:t>
+            </a:r>
+            <a:r>
+              <a:rPr lang="en-US" dirty="0"/>
+              <a:t> </a:t>
+            </a:r>
+            <a:r>
+              <a:rPr lang="en-US" dirty="0" err="1"/>
+              <a:t>i</a:t>
+            </a:r>
+            <a:r>
+              <a:rPr lang="en-US" dirty="0"/>
+              <a:t> </a:t>
+            </a:r>
+            <a:r>
+              <a:rPr lang="en-US" dirty="0" err="1"/>
+              <a:t>stepen</a:t>
+            </a:r>
+            <a:r>
+              <a:rPr lang="en-US" dirty="0"/>
+              <a:t> </a:t>
+            </a:r>
+            <a:r>
+              <a:rPr lang="en-US" dirty="0" err="1"/>
+              <a:t>modela</a:t>
+            </a:r>
+            <a:r>
+              <a:rPr lang="en-US" dirty="0"/>
+              <a:t> koji </a:t>
+            </a:r>
+            <a:r>
+              <a:rPr lang="en-US" dirty="0" err="1"/>
+              <a:t>će</a:t>
+            </a:r>
+            <a:r>
+              <a:rPr lang="en-US" dirty="0"/>
+              <a:t> </a:t>
+            </a:r>
+            <a:r>
+              <a:rPr lang="en-US" dirty="0" err="1"/>
+              <a:t>dati</a:t>
+            </a:r>
+            <a:r>
+              <a:rPr lang="en-US" dirty="0"/>
+              <a:t> </a:t>
+            </a:r>
+            <a:r>
+              <a:rPr lang="en-US" dirty="0" err="1"/>
+              <a:t>najbolje</a:t>
+            </a:r>
+            <a:r>
+              <a:rPr lang="en-US" dirty="0"/>
+              <a:t> </a:t>
+            </a:r>
+            <a:r>
+              <a:rPr lang="en-US" dirty="0" err="1"/>
+              <a:t>performanse</a:t>
+            </a:r>
+            <a:r>
+              <a:rPr lang="en-US" dirty="0"/>
+              <a:t>.</a:t>
+            </a:r>
+            <a:endParaRPr lang="sr-Latn-RS" dirty="0"/>
+          </a:p>
+        </p:txBody>
+      </p:sp>
+    </p:spTree>
+    <p:extLst>
+      <p:ext uri="{BB962C8B-B14F-4D97-AF65-F5344CB8AC3E}">
+        <p14:creationId xmlns:p14="http://schemas.microsoft.com/office/powerpoint/2010/main" val="455743820"/>
+      </p:ext>
+    </p:extLst>
+  </p:cSld>
+  <p:clrMapOvr>
+    <a:masterClrMapping/>
+  </p:clrMapOvr>
+  <p:transition spd="slow">
+    <p:push dir="u"/>
+  </p:transition>
+</p:sld>
+</file>
+
+<file path=ppt/slides/slide16.xml><?xml version="1.0" encoding="utf-8"?>
+<p:sld xmlns:a="http://schemas.openxmlformats.org/drawingml/2006/main" xmlns:r="http://schemas.openxmlformats.org/officeDocument/2006/relationships" xmlns:p="http://schemas.openxmlformats.org/presentationml/2006/main">
+  <p:cSld>
+    <p:spTree>
+      <p:nvGrpSpPr>
+        <p:cNvPr id="1" name=""/>
+        <p:cNvGrpSpPr/>
+        <p:nvPr/>
+      </p:nvGrpSpPr>
+      <p:grpSpPr>
+        <a:xfrm>
+          <a:off x="0" y="0"/>
+          <a:ext cx="0" cy="0"/>
+          <a:chOff x="0" y="0"/>
+          <a:chExt cx="0" cy="0"/>
+        </a:xfrm>
+      </p:grpSpPr>
+      <p:sp>
+        <p:nvSpPr>
+          <p:cNvPr id="2" name="Title 1">
+            <a:extLst>
+              <a:ext uri="{FF2B5EF4-FFF2-40B4-BE49-F238E27FC236}">
+                <a16:creationId xmlns:a16="http://schemas.microsoft.com/office/drawing/2014/main" id="{15086B3D-F90F-4289-8352-7F9B2A74BB4E}"/>
+              </a:ext>
+            </a:extLst>
+          </p:cNvPr>
+          <p:cNvSpPr>
+            <a:spLocks noGrp="1"/>
+          </p:cNvSpPr>
+          <p:nvPr>
+            <p:ph type="title"/>
+          </p:nvPr>
+        </p:nvSpPr>
+        <p:spPr/>
+        <p:txBody>
+          <a:bodyPr/>
+          <a:lstStyle/>
+          <a:p>
+            <a:r>
+              <a:rPr lang="sr-Latn-RS" dirty="0"/>
+              <a:t>Određivanje stepena autoregresionog modela</a:t>
+            </a:r>
+            <a:endParaRPr lang="en-US" dirty="0"/>
+          </a:p>
+        </p:txBody>
+      </p:sp>
+      <p:graphicFrame>
+        <p:nvGraphicFramePr>
+          <p:cNvPr id="4" name="Table 4">
+            <a:extLst>
+              <a:ext uri="{FF2B5EF4-FFF2-40B4-BE49-F238E27FC236}">
+                <a16:creationId xmlns:a16="http://schemas.microsoft.com/office/drawing/2014/main" id="{944658AA-E8DB-4D7A-842C-6B90AA52A132}"/>
+              </a:ext>
+            </a:extLst>
+          </p:cNvPr>
+          <p:cNvGraphicFramePr>
+            <a:graphicFrameLocks noGrp="1"/>
+          </p:cNvGraphicFramePr>
+          <p:nvPr>
+            <p:ph idx="1"/>
+            <p:extLst>
+              <p:ext uri="{D42A27DB-BD31-4B8C-83A1-F6EECF244321}">
+                <p14:modId xmlns:p14="http://schemas.microsoft.com/office/powerpoint/2010/main" val="759761511"/>
+              </p:ext>
+            </p:extLst>
+          </p:nvPr>
+        </p:nvGraphicFramePr>
+        <p:xfrm>
+          <a:off x="778854" y="2270872"/>
+          <a:ext cx="7729728" cy="4297680"/>
+        </p:xfrm>
+        <a:graphic>
+          <a:graphicData uri="http://schemas.openxmlformats.org/drawingml/2006/table">
+            <a:tbl>
+              <a:tblPr firstRow="1" bandRow="1">
+                <a:tableStyleId>{073A0DAA-6AF3-43AB-8588-CEC1D06C72B9}</a:tableStyleId>
+              </a:tblPr>
+              <a:tblGrid>
+                <a:gridCol w="3864864">
+                  <a:extLst>
+                    <a:ext uri="{9D8B030D-6E8A-4147-A177-3AD203B41FA5}">
+                      <a16:colId xmlns:a16="http://schemas.microsoft.com/office/drawing/2014/main" val="3592298750"/>
+                    </a:ext>
+                  </a:extLst>
+                </a:gridCol>
+                <a:gridCol w="3864864">
+                  <a:extLst>
+                    <a:ext uri="{9D8B030D-6E8A-4147-A177-3AD203B41FA5}">
+                      <a16:colId xmlns:a16="http://schemas.microsoft.com/office/drawing/2014/main" val="3416378522"/>
+                    </a:ext>
+                  </a:extLst>
+                </a:gridCol>
+              </a:tblGrid>
+              <a:tr h="584387">
+                <a:tc>
+                  <a:txBody>
+                    <a:bodyPr/>
+                    <a:lstStyle/>
+                    <a:p>
+                      <a:r>
+                        <a:rPr lang="sr-Latn-RS"/>
+                        <a:t>Red ar modela</a:t>
+                      </a:r>
+                      <a:endParaRPr lang="en-US" dirty="0"/>
+                    </a:p>
+                  </a:txBody>
+                  <a:tcPr/>
+                </a:tc>
+                <a:tc>
+                  <a:txBody>
+                    <a:bodyPr/>
+                    <a:lstStyle/>
+                    <a:p>
+                      <a:r>
+                        <a:rPr lang="sr-Latn-RS"/>
+                        <a:t>F1 nad test podacima sa pordazumevanim parametrima</a:t>
+                      </a:r>
+                      <a:endParaRPr lang="en-US" dirty="0"/>
+                    </a:p>
+                  </a:txBody>
+                  <a:tcPr/>
+                </a:tc>
+                <a:extLst>
+                  <a:ext uri="{0D108BD9-81ED-4DB2-BD59-A6C34878D82A}">
+                    <a16:rowId xmlns:a16="http://schemas.microsoft.com/office/drawing/2014/main" val="2497384487"/>
+                  </a:ext>
+                </a:extLst>
+              </a:tr>
+              <a:tr h="333935">
+                <a:tc>
+                  <a:txBody>
+                    <a:bodyPr/>
+                    <a:lstStyle/>
+                    <a:p>
+                      <a:r>
+                        <a:rPr lang="sr-Latn-RS"/>
+                        <a:t>6</a:t>
+                      </a:r>
+                      <a:endParaRPr lang="en-US" dirty="0"/>
+                    </a:p>
+                  </a:txBody>
+                  <a:tcPr/>
+                </a:tc>
+                <a:tc>
+                  <a:txBody>
+                    <a:bodyPr/>
+                    <a:lstStyle/>
+                    <a:p>
+                      <a:r>
+                        <a:rPr lang="en-US" sz="1800" b="0" i="0" kern="1200" dirty="0">
+                          <a:solidFill>
+                            <a:schemeClr val="dk1"/>
+                          </a:solidFill>
+                          <a:effectLst/>
+                          <a:latin typeface="+mn-lt"/>
+                          <a:ea typeface="+mn-ea"/>
+                          <a:cs typeface="+mn-cs"/>
+                        </a:rPr>
+                        <a:t>0</a:t>
+                      </a:r>
+                      <a:r>
+                        <a:rPr lang="sr-Latn-RS" sz="1800" b="0" i="0" kern="1200" dirty="0">
+                          <a:solidFill>
+                            <a:schemeClr val="dk1"/>
+                          </a:solidFill>
+                          <a:effectLst/>
+                          <a:latin typeface="+mn-lt"/>
+                          <a:ea typeface="+mn-ea"/>
+                          <a:cs typeface="+mn-cs"/>
+                        </a:rPr>
+                        <a:t>,</a:t>
+                      </a:r>
+                      <a:r>
+                        <a:rPr lang="en-US" sz="1800" b="0" i="0" kern="1200" dirty="0">
+                          <a:solidFill>
+                            <a:schemeClr val="dk1"/>
+                          </a:solidFill>
+                          <a:effectLst/>
+                          <a:latin typeface="+mn-lt"/>
+                          <a:ea typeface="+mn-ea"/>
+                          <a:cs typeface="+mn-cs"/>
+                        </a:rPr>
+                        <a:t>80</a:t>
+                      </a:r>
+                      <a:endParaRPr lang="en-US" dirty="0"/>
+                    </a:p>
+                  </a:txBody>
+                  <a:tcPr/>
+                </a:tc>
+                <a:extLst>
+                  <a:ext uri="{0D108BD9-81ED-4DB2-BD59-A6C34878D82A}">
+                    <a16:rowId xmlns:a16="http://schemas.microsoft.com/office/drawing/2014/main" val="4218767758"/>
+                  </a:ext>
+                </a:extLst>
+              </a:tr>
+              <a:tr h="333935">
+                <a:tc>
+                  <a:txBody>
+                    <a:bodyPr/>
+                    <a:lstStyle/>
+                    <a:p>
+                      <a:r>
+                        <a:rPr lang="sr-Latn-RS"/>
+                        <a:t>7</a:t>
+                      </a:r>
+                      <a:endParaRPr lang="en-US" dirty="0"/>
+                    </a:p>
+                  </a:txBody>
+                  <a:tcPr/>
+                </a:tc>
+                <a:tc>
+                  <a:txBody>
+                    <a:bodyPr/>
+                    <a:lstStyle/>
+                    <a:p>
+                      <a:r>
+                        <a:rPr lang="sr-Latn-RS" dirty="0"/>
+                        <a:t>0,84</a:t>
+                      </a:r>
+                      <a:endParaRPr lang="en-US" dirty="0"/>
+                    </a:p>
+                  </a:txBody>
+                  <a:tcPr/>
+                </a:tc>
+                <a:extLst>
+                  <a:ext uri="{0D108BD9-81ED-4DB2-BD59-A6C34878D82A}">
+                    <a16:rowId xmlns:a16="http://schemas.microsoft.com/office/drawing/2014/main" val="801970365"/>
+                  </a:ext>
+                </a:extLst>
+              </a:tr>
+              <a:tr h="333935">
+                <a:tc>
+                  <a:txBody>
+                    <a:bodyPr/>
+                    <a:lstStyle/>
+                    <a:p>
+                      <a:r>
+                        <a:rPr lang="sr-Latn-RS"/>
+                        <a:t>8</a:t>
+                      </a:r>
+                      <a:endParaRPr lang="en-US" dirty="0"/>
+                    </a:p>
+                  </a:txBody>
+                  <a:tcPr/>
+                </a:tc>
+                <a:tc>
+                  <a:txBody>
+                    <a:bodyPr/>
+                    <a:lstStyle/>
+                    <a:p>
+                      <a:r>
+                        <a:rPr lang="sr-Latn-RS"/>
+                        <a:t>0,87</a:t>
+                      </a:r>
+                      <a:endParaRPr lang="en-US" dirty="0"/>
+                    </a:p>
+                  </a:txBody>
+                  <a:tcPr/>
+                </a:tc>
+                <a:extLst>
+                  <a:ext uri="{0D108BD9-81ED-4DB2-BD59-A6C34878D82A}">
+                    <a16:rowId xmlns:a16="http://schemas.microsoft.com/office/drawing/2014/main" val="1856446867"/>
+                  </a:ext>
+                </a:extLst>
+              </a:tr>
+              <a:tr h="333935">
+                <a:tc>
+                  <a:txBody>
+                    <a:bodyPr/>
+                    <a:lstStyle/>
+                    <a:p>
+                      <a:r>
+                        <a:rPr lang="sr-Latn-RS" dirty="0"/>
+                        <a:t>9</a:t>
+                      </a:r>
+                      <a:endParaRPr lang="en-US" dirty="0"/>
+                    </a:p>
+                  </a:txBody>
+                  <a:tcPr/>
+                </a:tc>
+                <a:tc>
+                  <a:txBody>
+                    <a:bodyPr/>
+                    <a:lstStyle/>
+                    <a:p>
+                      <a:r>
+                        <a:rPr lang="sr-Latn-RS"/>
+                        <a:t>0,92</a:t>
+                      </a:r>
+                      <a:endParaRPr lang="en-US" dirty="0"/>
+                    </a:p>
+                  </a:txBody>
+                  <a:tcPr/>
+                </a:tc>
+                <a:extLst>
+                  <a:ext uri="{0D108BD9-81ED-4DB2-BD59-A6C34878D82A}">
+                    <a16:rowId xmlns:a16="http://schemas.microsoft.com/office/drawing/2014/main" val="1082152099"/>
+                  </a:ext>
+                </a:extLst>
+              </a:tr>
+              <a:tr h="333935">
+                <a:tc>
+                  <a:txBody>
+                    <a:bodyPr/>
+                    <a:lstStyle/>
+                    <a:p>
+                      <a:r>
+                        <a:rPr lang="sr-Latn-RS"/>
+                        <a:t>10</a:t>
+                      </a:r>
+                      <a:endParaRPr lang="en-US" dirty="0"/>
+                    </a:p>
+                  </a:txBody>
+                  <a:tcPr/>
+                </a:tc>
+                <a:tc>
+                  <a:txBody>
+                    <a:bodyPr/>
+                    <a:lstStyle/>
+                    <a:p>
+                      <a:r>
+                        <a:rPr lang="sr-Latn-RS"/>
+                        <a:t>0,92</a:t>
+                      </a:r>
+                      <a:endParaRPr lang="en-US" dirty="0"/>
+                    </a:p>
+                  </a:txBody>
+                  <a:tcPr/>
+                </a:tc>
+                <a:extLst>
+                  <a:ext uri="{0D108BD9-81ED-4DB2-BD59-A6C34878D82A}">
+                    <a16:rowId xmlns:a16="http://schemas.microsoft.com/office/drawing/2014/main" val="1303059858"/>
+                  </a:ext>
+                </a:extLst>
+              </a:tr>
+              <a:tr h="333935">
+                <a:tc>
+                  <a:txBody>
+                    <a:bodyPr/>
+                    <a:lstStyle/>
+                    <a:p>
+                      <a:r>
+                        <a:rPr lang="sr-Latn-RS"/>
+                        <a:t>11</a:t>
+                      </a:r>
+                      <a:endParaRPr lang="en-US" dirty="0"/>
+                    </a:p>
+                  </a:txBody>
+                  <a:tcPr/>
+                </a:tc>
+                <a:tc>
+                  <a:txBody>
+                    <a:bodyPr/>
+                    <a:lstStyle/>
+                    <a:p>
+                      <a:r>
+                        <a:rPr lang="sr-Latn-RS"/>
+                        <a:t>0,92</a:t>
+                      </a:r>
+                      <a:endParaRPr lang="en-US" dirty="0"/>
+                    </a:p>
+                  </a:txBody>
+                  <a:tcPr/>
+                </a:tc>
+                <a:extLst>
+                  <a:ext uri="{0D108BD9-81ED-4DB2-BD59-A6C34878D82A}">
+                    <a16:rowId xmlns:a16="http://schemas.microsoft.com/office/drawing/2014/main" val="2951446502"/>
+                  </a:ext>
+                </a:extLst>
+              </a:tr>
+              <a:tr h="333935">
+                <a:tc>
+                  <a:txBody>
+                    <a:bodyPr/>
+                    <a:lstStyle/>
+                    <a:p>
+                      <a:r>
+                        <a:rPr lang="sr-Latn-RS"/>
+                        <a:t>12</a:t>
+                      </a:r>
+                      <a:endParaRPr lang="en-US" dirty="0"/>
+                    </a:p>
+                  </a:txBody>
+                  <a:tcPr/>
+                </a:tc>
+                <a:tc>
+                  <a:txBody>
+                    <a:bodyPr/>
+                    <a:lstStyle/>
+                    <a:p>
+                      <a:r>
+                        <a:rPr lang="sr-Latn-RS"/>
+                        <a:t>0,93</a:t>
+                      </a:r>
+                      <a:endParaRPr lang="en-US" dirty="0"/>
+                    </a:p>
+                  </a:txBody>
+                  <a:tcPr/>
+                </a:tc>
+                <a:extLst>
+                  <a:ext uri="{0D108BD9-81ED-4DB2-BD59-A6C34878D82A}">
+                    <a16:rowId xmlns:a16="http://schemas.microsoft.com/office/drawing/2014/main" val="131553076"/>
+                  </a:ext>
+                </a:extLst>
+              </a:tr>
+              <a:tr h="333935">
+                <a:tc>
+                  <a:txBody>
+                    <a:bodyPr/>
+                    <a:lstStyle/>
+                    <a:p>
+                      <a:r>
+                        <a:rPr lang="sr-Latn-RS"/>
+                        <a:t>13</a:t>
+                      </a:r>
+                      <a:endParaRPr lang="en-US" dirty="0"/>
+                    </a:p>
+                  </a:txBody>
+                  <a:tcPr/>
+                </a:tc>
+                <a:tc>
+                  <a:txBody>
+                    <a:bodyPr/>
+                    <a:lstStyle/>
+                    <a:p>
+                      <a:r>
+                        <a:rPr lang="sr-Latn-RS"/>
+                        <a:t>0,93</a:t>
+                      </a:r>
+                      <a:endParaRPr lang="en-US" dirty="0"/>
+                    </a:p>
+                  </a:txBody>
+                  <a:tcPr/>
+                </a:tc>
+                <a:extLst>
+                  <a:ext uri="{0D108BD9-81ED-4DB2-BD59-A6C34878D82A}">
+                    <a16:rowId xmlns:a16="http://schemas.microsoft.com/office/drawing/2014/main" val="2258014039"/>
+                  </a:ext>
+                </a:extLst>
+              </a:tr>
+              <a:tr h="333935">
+                <a:tc>
+                  <a:txBody>
+                    <a:bodyPr/>
+                    <a:lstStyle/>
+                    <a:p>
+                      <a:r>
+                        <a:rPr lang="sr-Latn-RS"/>
+                        <a:t>14</a:t>
+                      </a:r>
+                      <a:endParaRPr lang="en-US" dirty="0"/>
+                    </a:p>
+                  </a:txBody>
+                  <a:tcPr/>
+                </a:tc>
+                <a:tc>
+                  <a:txBody>
+                    <a:bodyPr/>
+                    <a:lstStyle/>
+                    <a:p>
+                      <a:r>
+                        <a:rPr lang="sr-Latn-RS"/>
+                        <a:t>0,92</a:t>
+                      </a:r>
+                      <a:endParaRPr lang="en-US" dirty="0"/>
+                    </a:p>
+                  </a:txBody>
+                  <a:tcPr/>
+                </a:tc>
+                <a:extLst>
+                  <a:ext uri="{0D108BD9-81ED-4DB2-BD59-A6C34878D82A}">
+                    <a16:rowId xmlns:a16="http://schemas.microsoft.com/office/drawing/2014/main" val="1805853864"/>
+                  </a:ext>
+                </a:extLst>
+              </a:tr>
+              <a:tr h="333935">
+                <a:tc>
+                  <a:txBody>
+                    <a:bodyPr/>
+                    <a:lstStyle/>
+                    <a:p>
+                      <a:r>
+                        <a:rPr lang="sr-Latn-RS"/>
+                        <a:t>15</a:t>
+                      </a:r>
+                      <a:endParaRPr lang="en-US" dirty="0"/>
+                    </a:p>
+                  </a:txBody>
+                  <a:tcPr/>
+                </a:tc>
+                <a:tc>
+                  <a:txBody>
+                    <a:bodyPr/>
+                    <a:lstStyle/>
+                    <a:p>
+                      <a:r>
+                        <a:rPr lang="sr-Latn-RS" dirty="0"/>
+                        <a:t>0,92</a:t>
+                      </a:r>
+                      <a:endParaRPr lang="en-US" dirty="0"/>
+                    </a:p>
+                  </a:txBody>
+                  <a:tcPr/>
+                </a:tc>
+                <a:extLst>
+                  <a:ext uri="{0D108BD9-81ED-4DB2-BD59-A6C34878D82A}">
+                    <a16:rowId xmlns:a16="http://schemas.microsoft.com/office/drawing/2014/main" val="600410648"/>
+                  </a:ext>
+                </a:extLst>
+              </a:tr>
+            </a:tbl>
+          </a:graphicData>
+        </a:graphic>
+      </p:graphicFrame>
+      <p:sp>
+        <p:nvSpPr>
+          <p:cNvPr id="5" name="Content Placeholder 2">
+            <a:extLst>
+              <a:ext uri="{FF2B5EF4-FFF2-40B4-BE49-F238E27FC236}">
+                <a16:creationId xmlns:a16="http://schemas.microsoft.com/office/drawing/2014/main" id="{99BA7696-2355-420E-9870-0B65E747E6AD}"/>
+              </a:ext>
+            </a:extLst>
+          </p:cNvPr>
+          <p:cNvSpPr txBox="1">
+            <a:spLocks/>
+          </p:cNvSpPr>
+          <p:nvPr/>
+        </p:nvSpPr>
+        <p:spPr>
+          <a:xfrm>
+            <a:off x="8508582" y="3269036"/>
+            <a:ext cx="3273193" cy="2301352"/>
+          </a:xfrm>
+          <a:prstGeom prst="rect">
+            <a:avLst/>
+          </a:prstGeom>
+        </p:spPr>
+        <p:txBody>
+          <a:bodyPr vert="horz" lIns="91440" tIns="45720" rIns="91440" bIns="45720" rtlCol="0">
+            <a:normAutofit/>
+          </a:bodyPr>
+          <a:lstStyle>
+            <a:lvl1pPr marL="228600" indent="-228600" algn="l" defTabSz="914400" rtl="0" eaLnBrk="1" latinLnBrk="0" hangingPunct="1">
+              <a:lnSpc>
+                <a:spcPct val="100000"/>
+              </a:lnSpc>
+              <a:spcBef>
+                <a:spcPts val="1000"/>
+              </a:spcBef>
+              <a:buClr>
+                <a:schemeClr val="accent2"/>
+              </a:buClr>
+              <a:buFont typeface="Arial" panose="020B0604020202020204" pitchFamily="34" charset="0"/>
+              <a:buChar char="•"/>
+              <a:defRPr sz="1800" kern="1200">
+                <a:solidFill>
+                  <a:schemeClr val="tx1">
+                    <a:lumMod val="85000"/>
+                    <a:lumOff val="15000"/>
+                  </a:schemeClr>
+                </a:solidFill>
+                <a:latin typeface="+mn-lt"/>
+                <a:ea typeface="+mn-ea"/>
+                <a:cs typeface="+mn-cs"/>
+              </a:defRPr>
+            </a:lvl1pPr>
+            <a:lvl2pPr marL="457200" indent="-228600" algn="l" defTabSz="914400" rtl="0" eaLnBrk="1" latinLnBrk="0" hangingPunct="1">
+              <a:lnSpc>
+                <a:spcPct val="100000"/>
+              </a:lnSpc>
+              <a:spcBef>
+                <a:spcPts val="1000"/>
+              </a:spcBef>
+              <a:buClr>
+                <a:schemeClr val="accent2"/>
+              </a:buClr>
+              <a:buFont typeface="Arial" panose="020B0604020202020204" pitchFamily="34" charset="0"/>
+              <a:buChar char="•"/>
+              <a:defRPr sz="1600" kern="1200">
+                <a:solidFill>
+                  <a:schemeClr val="tx1">
+                    <a:lumMod val="85000"/>
+                    <a:lumOff val="15000"/>
+                  </a:schemeClr>
+                </a:solidFill>
+                <a:latin typeface="+mn-lt"/>
+                <a:ea typeface="+mn-ea"/>
+                <a:cs typeface="+mn-cs"/>
+              </a:defRPr>
+            </a:lvl2pPr>
+            <a:lvl3pPr marL="685800" indent="-228600" algn="l" defTabSz="914400" rtl="0" eaLnBrk="1" latinLnBrk="0" hangingPunct="1">
+              <a:lnSpc>
+                <a:spcPct val="100000"/>
+              </a:lnSpc>
+              <a:spcBef>
+                <a:spcPts val="1000"/>
+              </a:spcBef>
+              <a:buClr>
+                <a:schemeClr val="accent2"/>
+              </a:buClr>
+              <a:buFont typeface="Arial" panose="020B0604020202020204" pitchFamily="34" charset="0"/>
+              <a:buChar char="•"/>
+              <a:defRPr sz="1600" kern="1200">
+                <a:solidFill>
+                  <a:schemeClr val="tx1">
+                    <a:lumMod val="85000"/>
+                    <a:lumOff val="15000"/>
+                  </a:schemeClr>
+                </a:solidFill>
+                <a:latin typeface="+mn-lt"/>
+                <a:ea typeface="+mn-ea"/>
+                <a:cs typeface="+mn-cs"/>
+              </a:defRPr>
+            </a:lvl3pPr>
+            <a:lvl4pPr marL="914400" indent="-228600" algn="l" defTabSz="914400" rtl="0" eaLnBrk="1" latinLnBrk="0" hangingPunct="1">
+              <a:lnSpc>
+                <a:spcPct val="100000"/>
+              </a:lnSpc>
+              <a:spcBef>
+                <a:spcPts val="1000"/>
+              </a:spcBef>
+              <a:buClr>
+                <a:schemeClr val="accent2"/>
+              </a:buClr>
+              <a:buFont typeface="Arial" panose="020B0604020202020204" pitchFamily="34" charset="0"/>
+              <a:buChar char="•"/>
+              <a:defRPr sz="1600" kern="1200">
+                <a:solidFill>
+                  <a:schemeClr val="tx1">
+                    <a:lumMod val="85000"/>
+                    <a:lumOff val="15000"/>
+                  </a:schemeClr>
+                </a:solidFill>
+                <a:latin typeface="+mn-lt"/>
+                <a:ea typeface="+mn-ea"/>
+                <a:cs typeface="+mn-cs"/>
+              </a:defRPr>
+            </a:lvl4pPr>
+            <a:lvl5pPr marL="1143000" indent="-228600" algn="l" defTabSz="914400" rtl="0" eaLnBrk="1" latinLnBrk="0" hangingPunct="1">
+              <a:lnSpc>
+                <a:spcPct val="100000"/>
+              </a:lnSpc>
+              <a:spcBef>
+                <a:spcPts val="1000"/>
+              </a:spcBef>
+              <a:buClr>
+                <a:schemeClr val="accent2"/>
+              </a:buClr>
+              <a:buFont typeface="Arial" panose="020B0604020202020204" pitchFamily="34" charset="0"/>
+              <a:buChar char="•"/>
+              <a:defRPr sz="1600" kern="1200">
+                <a:solidFill>
+                  <a:schemeClr val="tx1">
+                    <a:lumMod val="85000"/>
+                    <a:lumOff val="15000"/>
+                  </a:schemeClr>
+                </a:solidFill>
+                <a:latin typeface="+mn-lt"/>
+                <a:ea typeface="+mn-ea"/>
+                <a:cs typeface="+mn-cs"/>
+              </a:defRPr>
+            </a:lvl5pPr>
+            <a:lvl6pPr marL="1312863" indent="-228600" algn="l" defTabSz="914400" rtl="0" eaLnBrk="1" latinLnBrk="0" hangingPunct="1">
+              <a:lnSpc>
+                <a:spcPct val="100000"/>
+              </a:lnSpc>
+              <a:spcBef>
+                <a:spcPts val="1000"/>
+              </a:spcBef>
+              <a:buClr>
+                <a:schemeClr val="accent2"/>
+              </a:buClr>
+              <a:buFont typeface="Arial" panose="020B0604020202020204" pitchFamily="34" charset="0"/>
+              <a:buChar char="•"/>
+              <a:defRPr sz="1600" kern="1200">
+                <a:solidFill>
+                  <a:schemeClr val="tx1"/>
+                </a:solidFill>
+                <a:latin typeface="+mn-lt"/>
+                <a:ea typeface="+mn-ea"/>
+                <a:cs typeface="+mn-cs"/>
+              </a:defRPr>
+            </a:lvl6pPr>
+            <a:lvl7pPr marL="1484313" indent="-228600" algn="l" defTabSz="914400" rtl="0" eaLnBrk="1" latinLnBrk="0" hangingPunct="1">
+              <a:lnSpc>
+                <a:spcPct val="100000"/>
+              </a:lnSpc>
+              <a:spcBef>
+                <a:spcPts val="1000"/>
+              </a:spcBef>
+              <a:buClr>
+                <a:schemeClr val="accent2"/>
+              </a:buClr>
+              <a:buFont typeface="Arial" panose="020B0604020202020204" pitchFamily="34" charset="0"/>
+              <a:buChar char="•"/>
+              <a:defRPr sz="1600" kern="1200">
+                <a:solidFill>
+                  <a:schemeClr val="tx1"/>
+                </a:solidFill>
+                <a:latin typeface="+mn-lt"/>
+                <a:ea typeface="+mn-ea"/>
+                <a:cs typeface="+mn-cs"/>
+              </a:defRPr>
+            </a:lvl7pPr>
+            <a:lvl8pPr marL="1657350" indent="-228600" algn="l" defTabSz="914400" rtl="0" eaLnBrk="1" latinLnBrk="0" hangingPunct="1">
+              <a:lnSpc>
+                <a:spcPct val="100000"/>
+              </a:lnSpc>
+              <a:spcBef>
+                <a:spcPts val="1000"/>
+              </a:spcBef>
+              <a:buClr>
+                <a:schemeClr val="accent2"/>
+              </a:buClr>
+              <a:buFont typeface="Arial" panose="020B0604020202020204" pitchFamily="34" charset="0"/>
+              <a:buChar char="•"/>
+              <a:defRPr sz="1600" kern="1200" baseline="0">
+                <a:solidFill>
+                  <a:schemeClr val="tx1"/>
+                </a:solidFill>
+                <a:latin typeface="+mn-lt"/>
+                <a:ea typeface="+mn-ea"/>
+                <a:cs typeface="+mn-cs"/>
+              </a:defRPr>
+            </a:lvl8pPr>
+            <a:lvl9pPr marL="1882775" indent="-228600" algn="l" defTabSz="914400" rtl="0" eaLnBrk="1" latinLnBrk="0" hangingPunct="1">
+              <a:lnSpc>
+                <a:spcPct val="100000"/>
+              </a:lnSpc>
+              <a:spcBef>
+                <a:spcPts val="1000"/>
+              </a:spcBef>
+              <a:buClr>
+                <a:schemeClr val="accent2"/>
+              </a:buClr>
+              <a:buFont typeface="Arial" panose="020B0604020202020204" pitchFamily="34" charset="0"/>
+              <a:buChar char="•"/>
+              <a:defRPr sz="1600" kern="1200" baseline="0">
+                <a:solidFill>
+                  <a:schemeClr val="tx1"/>
+                </a:solidFill>
+                <a:latin typeface="+mn-lt"/>
+                <a:ea typeface="+mn-ea"/>
+                <a:cs typeface="+mn-cs"/>
+              </a:defRPr>
+            </a:lvl9pPr>
+          </a:lstStyle>
+          <a:p>
+            <a:r>
+              <a:rPr lang="sr-Latn-RS" dirty="0"/>
+              <a:t>Kao što vidimo u tabeli, značajan porast performansi se dobija modelom 9. reda, nakon čega performanse stagniraju. Zbog toga je odabran ar model 9. reda.</a:t>
+            </a:r>
+          </a:p>
+        </p:txBody>
+      </p:sp>
+    </p:spTree>
+    <p:extLst>
+      <p:ext uri="{BB962C8B-B14F-4D97-AF65-F5344CB8AC3E}">
+        <p14:creationId xmlns:p14="http://schemas.microsoft.com/office/powerpoint/2010/main" val="1619872395"/>
+      </p:ext>
+    </p:extLst>
+  </p:cSld>
+  <p:clrMapOvr>
+    <a:masterClrMapping/>
+  </p:clrMapOvr>
+  <p:transition spd="slow">
+    <p:push dir="u"/>
+  </p:transition>
+</p:sld>
+</file>
+
+<file path=ppt/slides/slide17.xml><?xml version="1.0" encoding="utf-8"?>
+<p:sld xmlns:a="http://schemas.openxmlformats.org/drawingml/2006/main" xmlns:r="http://schemas.openxmlformats.org/officeDocument/2006/relationships" xmlns:p="http://schemas.openxmlformats.org/presentationml/2006/main">
+  <p:cSld>
+    <p:spTree>
+      <p:nvGrpSpPr>
+        <p:cNvPr id="1" name=""/>
+        <p:cNvGrpSpPr/>
+        <p:nvPr/>
+      </p:nvGrpSpPr>
+      <p:grpSpPr>
+        <a:xfrm>
+          <a:off x="0" y="0"/>
+          <a:ext cx="0" cy="0"/>
+          <a:chOff x="0" y="0"/>
+          <a:chExt cx="0" cy="0"/>
+        </a:xfrm>
+      </p:grpSpPr>
+      <p:sp>
+        <p:nvSpPr>
+          <p:cNvPr id="2" name="Title 1">
+            <a:extLst>
+              <a:ext uri="{FF2B5EF4-FFF2-40B4-BE49-F238E27FC236}">
+                <a16:creationId xmlns:a16="http://schemas.microsoft.com/office/drawing/2014/main" id="{3C2DAE93-E8FB-4444-A2AA-1EF8E97303DE}"/>
+              </a:ext>
+            </a:extLst>
+          </p:cNvPr>
+          <p:cNvSpPr>
+            <a:spLocks noGrp="1"/>
+          </p:cNvSpPr>
+          <p:nvPr>
+            <p:ph type="title"/>
+          </p:nvPr>
+        </p:nvSpPr>
+        <p:spPr/>
+        <p:txBody>
+          <a:bodyPr/>
+          <a:lstStyle/>
+          <a:p>
+            <a:r>
+              <a:rPr lang="en-US" dirty="0" err="1"/>
+              <a:t>Osobine</a:t>
+            </a:r>
+            <a:r>
+              <a:rPr lang="en-US" dirty="0"/>
+              <a:t> </a:t>
+            </a:r>
+            <a:r>
+              <a:rPr lang="en-US" dirty="0" err="1"/>
+              <a:t>dobijene</a:t>
+            </a:r>
+            <a:r>
+              <a:rPr lang="en-US" dirty="0"/>
+              <a:t> AR </a:t>
+            </a:r>
+            <a:r>
+              <a:rPr lang="en-US" dirty="0" err="1"/>
+              <a:t>modelom</a:t>
+            </a:r>
+            <a:r>
+              <a:rPr lang="en-US" dirty="0"/>
+              <a:t> 9. </a:t>
+            </a:r>
+            <a:r>
+              <a:rPr lang="en-US" dirty="0" err="1"/>
+              <a:t>reda</a:t>
+            </a:r>
+            <a:endParaRPr lang="en-US" dirty="0"/>
+          </a:p>
+        </p:txBody>
+      </p:sp>
+      <p:pic>
+        <p:nvPicPr>
+          <p:cNvPr id="5" name="Content Placeholder 4">
+            <a:extLst>
+              <a:ext uri="{FF2B5EF4-FFF2-40B4-BE49-F238E27FC236}">
+                <a16:creationId xmlns:a16="http://schemas.microsoft.com/office/drawing/2014/main" id="{B2E4366B-5DF1-413D-B279-46E9A43CB752}"/>
+              </a:ext>
+            </a:extLst>
+          </p:cNvPr>
+          <p:cNvPicPr>
+            <a:picLocks noGrp="1" noChangeAspect="1"/>
+          </p:cNvPicPr>
+          <p:nvPr>
+            <p:ph idx="1"/>
+          </p:nvPr>
+        </p:nvPicPr>
+        <p:blipFill>
+          <a:blip r:embed="rId2"/>
+          <a:stretch>
+            <a:fillRect/>
+          </a:stretch>
+        </p:blipFill>
+        <p:spPr>
+          <a:xfrm>
+            <a:off x="549604" y="2859741"/>
+            <a:ext cx="11427792" cy="2564789"/>
+          </a:xfrm>
+        </p:spPr>
+      </p:pic>
+    </p:spTree>
+    <p:extLst>
+      <p:ext uri="{BB962C8B-B14F-4D97-AF65-F5344CB8AC3E}">
+        <p14:creationId xmlns:p14="http://schemas.microsoft.com/office/powerpoint/2010/main" val="1227931929"/>
+      </p:ext>
+    </p:extLst>
+  </p:cSld>
+  <p:clrMapOvr>
+    <a:masterClrMapping/>
+  </p:clrMapOvr>
+  <p:transition spd="slow">
+    <p:push dir="u"/>
+  </p:transition>
+</p:sld>
+</file>
+
+<file path=ppt/slides/slide18.xml><?xml version="1.0" encoding="utf-8"?>
+<p:sld xmlns:a="http://schemas.openxmlformats.org/drawingml/2006/main" xmlns:r="http://schemas.openxmlformats.org/officeDocument/2006/relationships" xmlns:p="http://schemas.openxmlformats.org/presentationml/2006/main">
+  <p:cSld>
+    <p:spTree>
+      <p:nvGrpSpPr>
+        <p:cNvPr id="1" name=""/>
+        <p:cNvGrpSpPr/>
+        <p:nvPr/>
+      </p:nvGrpSpPr>
+      <p:grpSpPr>
+        <a:xfrm>
+          <a:off x="0" y="0"/>
+          <a:ext cx="0" cy="0"/>
+          <a:chOff x="0" y="0"/>
+          <a:chExt cx="0" cy="0"/>
+        </a:xfrm>
+      </p:grpSpPr>
+      <p:sp>
+        <p:nvSpPr>
+          <p:cNvPr id="2" name="Title 1">
+            <a:extLst>
+              <a:ext uri="{FF2B5EF4-FFF2-40B4-BE49-F238E27FC236}">
+                <a16:creationId xmlns:a16="http://schemas.microsoft.com/office/drawing/2014/main" id="{008F5674-097E-409F-BFDF-01CF11EA8D48}"/>
+              </a:ext>
+            </a:extLst>
+          </p:cNvPr>
+          <p:cNvSpPr>
+            <a:spLocks noGrp="1"/>
+          </p:cNvSpPr>
+          <p:nvPr>
+            <p:ph type="title"/>
+          </p:nvPr>
+        </p:nvSpPr>
+        <p:spPr/>
+        <p:txBody>
+          <a:bodyPr/>
+          <a:lstStyle/>
+          <a:p>
+            <a:r>
+              <a:rPr lang="sr-Latn-RS" dirty="0"/>
+              <a:t>Fourieova transformacija</a:t>
+            </a:r>
+            <a:endParaRPr lang="en-US" dirty="0"/>
+          </a:p>
+        </p:txBody>
+      </p:sp>
+      <p:sp>
+        <p:nvSpPr>
+          <p:cNvPr id="3" name="Content Placeholder 2">
+            <a:extLst>
+              <a:ext uri="{FF2B5EF4-FFF2-40B4-BE49-F238E27FC236}">
+                <a16:creationId xmlns:a16="http://schemas.microsoft.com/office/drawing/2014/main" id="{0355767F-F011-49E7-B664-E4F8685BA2F0}"/>
+              </a:ext>
+            </a:extLst>
+          </p:cNvPr>
+          <p:cNvSpPr>
+            <a:spLocks noGrp="1"/>
+          </p:cNvSpPr>
+          <p:nvPr>
+            <p:ph idx="1"/>
+          </p:nvPr>
+        </p:nvSpPr>
+        <p:spPr>
+          <a:xfrm>
+            <a:off x="1424312" y="2638044"/>
+            <a:ext cx="9467806" cy="3101983"/>
+          </a:xfrm>
+        </p:spPr>
+        <p:txBody>
+          <a:bodyPr/>
+          <a:lstStyle/>
+          <a:p>
+            <a:r>
+              <a:rPr lang="en-US" dirty="0" err="1"/>
+              <a:t>Furieova</a:t>
+            </a:r>
+            <a:r>
+              <a:rPr lang="en-US" dirty="0"/>
+              <a:t> </a:t>
+            </a:r>
+            <a:r>
+              <a:rPr lang="en-US" dirty="0" err="1"/>
+              <a:t>transformacija</a:t>
+            </a:r>
+            <a:r>
+              <a:rPr lang="en-US" dirty="0"/>
+              <a:t> </a:t>
+            </a:r>
+            <a:r>
+              <a:rPr lang="en-US" dirty="0" err="1"/>
+              <a:t>predstavlja</a:t>
+            </a:r>
+            <a:r>
+              <a:rPr lang="en-US" dirty="0"/>
+              <a:t> </a:t>
+            </a:r>
+            <a:r>
+              <a:rPr lang="en-US" dirty="0" err="1"/>
+              <a:t>aproksimaciju</a:t>
+            </a:r>
+            <a:r>
+              <a:rPr lang="en-US" dirty="0"/>
+              <a:t> </a:t>
+            </a:r>
+            <a:r>
+              <a:rPr lang="en-US" dirty="0" err="1"/>
+              <a:t>opštih</a:t>
+            </a:r>
+            <a:r>
+              <a:rPr lang="en-US" dirty="0"/>
+              <a:t> </a:t>
+            </a:r>
+            <a:r>
+              <a:rPr lang="en-US" dirty="0" err="1"/>
+              <a:t>funkcija</a:t>
+            </a:r>
+            <a:r>
+              <a:rPr lang="en-US" dirty="0"/>
+              <a:t> </a:t>
+            </a:r>
+            <a:r>
+              <a:rPr lang="en-US" dirty="0" err="1"/>
+              <a:t>zbirom</a:t>
+            </a:r>
+            <a:r>
+              <a:rPr lang="en-US" dirty="0"/>
+              <a:t> </a:t>
+            </a:r>
+            <a:r>
+              <a:rPr lang="en-US" dirty="0" err="1"/>
+              <a:t>jednostavnijih</a:t>
+            </a:r>
+            <a:r>
+              <a:rPr lang="en-US" dirty="0"/>
+              <a:t> </a:t>
+            </a:r>
+            <a:r>
+              <a:rPr lang="en-US" dirty="0" err="1"/>
+              <a:t>trigonometrijskih</a:t>
+            </a:r>
+            <a:r>
+              <a:rPr lang="en-US" dirty="0"/>
+              <a:t> </a:t>
+            </a:r>
+            <a:r>
+              <a:rPr lang="en-US" dirty="0" err="1"/>
+              <a:t>funkcija</a:t>
+            </a:r>
+            <a:r>
+              <a:rPr lang="en-US" dirty="0"/>
+              <a:t>. U </a:t>
+            </a:r>
+            <a:r>
+              <a:rPr lang="en-US" dirty="0" err="1"/>
+              <a:t>slučaju</a:t>
+            </a:r>
+            <a:r>
+              <a:rPr lang="en-US" dirty="0"/>
+              <a:t> EEG </a:t>
+            </a:r>
+            <a:r>
+              <a:rPr lang="en-US" dirty="0" err="1"/>
+              <a:t>snimka</a:t>
+            </a:r>
+            <a:r>
+              <a:rPr lang="en-US" dirty="0"/>
+              <a:t> </a:t>
+            </a:r>
+            <a:r>
+              <a:rPr lang="en-US" dirty="0" err="1"/>
+              <a:t>pretvara</a:t>
+            </a:r>
+            <a:r>
+              <a:rPr lang="en-US" dirty="0"/>
+              <a:t> ga </a:t>
+            </a:r>
+            <a:r>
+              <a:rPr lang="en-US" dirty="0" err="1"/>
+              <a:t>iz</a:t>
+            </a:r>
+            <a:r>
+              <a:rPr lang="en-US" dirty="0"/>
+              <a:t> </a:t>
+            </a:r>
+            <a:r>
+              <a:rPr lang="en-US" dirty="0" err="1"/>
+              <a:t>vremenskog</a:t>
+            </a:r>
+            <a:r>
+              <a:rPr lang="en-US" dirty="0"/>
+              <a:t> </a:t>
+            </a:r>
+            <a:r>
+              <a:rPr lang="en-US" dirty="0" err="1"/>
+              <a:t>domena</a:t>
+            </a:r>
+            <a:r>
+              <a:rPr lang="en-US" dirty="0"/>
+              <a:t> u </a:t>
+            </a:r>
+            <a:r>
+              <a:rPr lang="en-US" dirty="0" err="1"/>
+              <a:t>domen</a:t>
+            </a:r>
+            <a:r>
+              <a:rPr lang="en-US" dirty="0"/>
+              <a:t> </a:t>
+            </a:r>
+            <a:r>
+              <a:rPr lang="en-US" dirty="0" err="1"/>
+              <a:t>frekvencije</a:t>
+            </a:r>
+            <a:r>
+              <a:rPr lang="en-US" dirty="0"/>
+              <a:t>. </a:t>
+            </a:r>
+            <a:endParaRPr lang="sr-Latn-RS" dirty="0"/>
+          </a:p>
+          <a:p>
+            <a:r>
+              <a:rPr lang="en-US" dirty="0"/>
+              <a:t>Za to </a:t>
+            </a:r>
+            <a:r>
+              <a:rPr lang="en-US" dirty="0" err="1"/>
+              <a:t>će</a:t>
+            </a:r>
+            <a:r>
+              <a:rPr lang="en-US" dirty="0"/>
+              <a:t> </a:t>
+            </a:r>
+            <a:r>
+              <a:rPr lang="en-US" dirty="0" err="1"/>
+              <a:t>biti</a:t>
+            </a:r>
+            <a:r>
+              <a:rPr lang="en-US" dirty="0"/>
+              <a:t> </a:t>
+            </a:r>
+            <a:r>
+              <a:rPr lang="en-US" dirty="0" err="1"/>
+              <a:t>korišćen</a:t>
+            </a:r>
+            <a:r>
+              <a:rPr lang="en-US" dirty="0"/>
+              <a:t> Fast Fourier Transform (FFT) </a:t>
+            </a:r>
+            <a:r>
+              <a:rPr lang="en-US" dirty="0" err="1"/>
+              <a:t>algoritam</a:t>
+            </a:r>
+            <a:r>
+              <a:rPr lang="en-US" dirty="0"/>
+              <a:t>. </a:t>
+            </a:r>
+            <a:r>
+              <a:rPr lang="en-US" dirty="0" err="1"/>
+              <a:t>Nakon</a:t>
+            </a:r>
+            <a:r>
+              <a:rPr lang="en-US" dirty="0"/>
+              <a:t> FFT </a:t>
+            </a:r>
+            <a:r>
+              <a:rPr lang="en-US" dirty="0" err="1"/>
+              <a:t>algoritma</a:t>
+            </a:r>
+            <a:r>
+              <a:rPr lang="en-US" dirty="0"/>
+              <a:t> </a:t>
+            </a:r>
+            <a:r>
+              <a:rPr lang="en-US" dirty="0" err="1"/>
+              <a:t>dobijamo</a:t>
+            </a:r>
+            <a:r>
+              <a:rPr lang="en-US" dirty="0"/>
+              <a:t> </a:t>
+            </a:r>
+            <a:r>
+              <a:rPr lang="en-US" dirty="0" err="1"/>
+              <a:t>informaciju</a:t>
+            </a:r>
+            <a:r>
+              <a:rPr lang="en-US" dirty="0"/>
+              <a:t> od </a:t>
+            </a:r>
+            <a:r>
+              <a:rPr lang="en-US" dirty="0" err="1"/>
+              <a:t>kojih</a:t>
+            </a:r>
+            <a:r>
+              <a:rPr lang="en-US" dirty="0"/>
+              <a:t> </a:t>
+            </a:r>
+            <a:r>
+              <a:rPr lang="en-US" dirty="0" err="1"/>
+              <a:t>frekvencija</a:t>
+            </a:r>
+            <a:r>
+              <a:rPr lang="en-US" dirty="0"/>
+              <a:t> se </a:t>
+            </a:r>
+            <a:r>
+              <a:rPr lang="en-US" dirty="0" err="1"/>
+              <a:t>sastoji</a:t>
+            </a:r>
+            <a:r>
+              <a:rPr lang="en-US" dirty="0"/>
+              <a:t> EEG signal </a:t>
+            </a:r>
+            <a:r>
+              <a:rPr lang="en-US" dirty="0" err="1"/>
+              <a:t>kao</a:t>
+            </a:r>
+            <a:r>
+              <a:rPr lang="en-US" dirty="0"/>
+              <a:t> </a:t>
+            </a:r>
+            <a:r>
+              <a:rPr lang="en-US" dirty="0" err="1"/>
+              <a:t>i</a:t>
+            </a:r>
+            <a:r>
+              <a:rPr lang="en-US" dirty="0"/>
+              <a:t> </a:t>
+            </a:r>
+            <a:r>
+              <a:rPr lang="en-US" dirty="0" err="1"/>
+              <a:t>koliko</a:t>
+            </a:r>
+            <a:r>
+              <a:rPr lang="en-US" dirty="0"/>
+              <a:t> </a:t>
+            </a:r>
+            <a:r>
+              <a:rPr lang="en-US" dirty="0" err="1"/>
+              <a:t>svaka</a:t>
+            </a:r>
+            <a:r>
+              <a:rPr lang="en-US" dirty="0"/>
+              <a:t> od </a:t>
+            </a:r>
+            <a:r>
+              <a:rPr lang="en-US" dirty="0" err="1"/>
+              <a:t>njih</a:t>
+            </a:r>
+            <a:r>
+              <a:rPr lang="en-US" dirty="0"/>
+              <a:t> </a:t>
+            </a:r>
+            <a:r>
+              <a:rPr lang="en-US" dirty="0" err="1"/>
+              <a:t>doprinosi</a:t>
+            </a:r>
+            <a:r>
+              <a:rPr lang="en-US" dirty="0"/>
+              <a:t> </a:t>
+            </a:r>
+            <a:r>
+              <a:rPr lang="en-US" dirty="0" err="1"/>
+              <a:t>signalu</a:t>
+            </a:r>
+            <a:r>
+              <a:rPr lang="en-US" dirty="0"/>
+              <a:t>.</a:t>
+            </a:r>
+          </a:p>
+        </p:txBody>
+      </p:sp>
+    </p:spTree>
+    <p:extLst>
+      <p:ext uri="{BB962C8B-B14F-4D97-AF65-F5344CB8AC3E}">
+        <p14:creationId xmlns:p14="http://schemas.microsoft.com/office/powerpoint/2010/main" val="3827154802"/>
+      </p:ext>
+    </p:extLst>
+  </p:cSld>
+  <p:clrMapOvr>
+    <a:masterClrMapping/>
+  </p:clrMapOvr>
+  <p:transition spd="slow">
+    <p:push dir="u"/>
+  </p:transition>
+</p:sld>
+</file>
+
+<file path=ppt/slides/slide19.xml><?xml version="1.0" encoding="utf-8"?>
+<p:sld xmlns:a="http://schemas.openxmlformats.org/drawingml/2006/main" xmlns:r="http://schemas.openxmlformats.org/officeDocument/2006/relationships" xmlns:p="http://schemas.openxmlformats.org/presentationml/2006/main">
+  <p:cSld>
+    <p:spTree>
+      <p:nvGrpSpPr>
+        <p:cNvPr id="1" name=""/>
+        <p:cNvGrpSpPr/>
+        <p:nvPr/>
+      </p:nvGrpSpPr>
+      <p:grpSpPr>
+        <a:xfrm>
+          <a:off x="0" y="0"/>
+          <a:ext cx="0" cy="0"/>
+          <a:chOff x="0" y="0"/>
+          <a:chExt cx="0" cy="0"/>
+        </a:xfrm>
+      </p:grpSpPr>
+      <p:sp>
+        <p:nvSpPr>
+          <p:cNvPr id="2" name="Title 1">
+            <a:extLst>
+              <a:ext uri="{FF2B5EF4-FFF2-40B4-BE49-F238E27FC236}">
+                <a16:creationId xmlns:a16="http://schemas.microsoft.com/office/drawing/2014/main" id="{70967AF9-A9A2-44AF-986C-E900617B860F}"/>
+              </a:ext>
+            </a:extLst>
+          </p:cNvPr>
+          <p:cNvSpPr>
+            <a:spLocks noGrp="1"/>
+          </p:cNvSpPr>
+          <p:nvPr>
+            <p:ph type="title"/>
+          </p:nvPr>
+        </p:nvSpPr>
+        <p:spPr/>
+        <p:txBody>
+          <a:bodyPr/>
+          <a:lstStyle/>
+          <a:p>
+            <a:r>
+              <a:rPr lang="sr-Latn-RS" dirty="0"/>
+              <a:t>Rezultati fft algoritma</a:t>
+            </a:r>
+            <a:endParaRPr lang="en-US" dirty="0"/>
+          </a:p>
+        </p:txBody>
+      </p:sp>
+      <p:sp>
+        <p:nvSpPr>
+          <p:cNvPr id="6" name="Content Placeholder 2">
+            <a:extLst>
+              <a:ext uri="{FF2B5EF4-FFF2-40B4-BE49-F238E27FC236}">
+                <a16:creationId xmlns:a16="http://schemas.microsoft.com/office/drawing/2014/main" id="{BE78C5C0-4A39-4774-9272-D6F859D5ADC6}"/>
+              </a:ext>
+            </a:extLst>
+          </p:cNvPr>
+          <p:cNvSpPr txBox="1">
+            <a:spLocks/>
+          </p:cNvSpPr>
+          <p:nvPr/>
+        </p:nvSpPr>
+        <p:spPr>
+          <a:xfrm>
+            <a:off x="1371190" y="2401369"/>
+            <a:ext cx="9467806" cy="1323575"/>
+          </a:xfrm>
+          <a:prstGeom prst="rect">
+            <a:avLst/>
+          </a:prstGeom>
+        </p:spPr>
+        <p:txBody>
+          <a:bodyPr vert="horz" lIns="91440" tIns="45720" rIns="91440" bIns="45720" rtlCol="0">
+            <a:normAutofit/>
+          </a:bodyPr>
+          <a:lstStyle>
+            <a:lvl1pPr marL="228600" indent="-228600" algn="l" defTabSz="914400" rtl="0" eaLnBrk="1" latinLnBrk="0" hangingPunct="1">
+              <a:lnSpc>
+                <a:spcPct val="100000"/>
+              </a:lnSpc>
+              <a:spcBef>
+                <a:spcPts val="1000"/>
+              </a:spcBef>
+              <a:buClr>
+                <a:schemeClr val="accent2"/>
+              </a:buClr>
+              <a:buFont typeface="Arial" panose="020B0604020202020204" pitchFamily="34" charset="0"/>
+              <a:buChar char="•"/>
+              <a:defRPr sz="1800" kern="1200">
+                <a:solidFill>
+                  <a:schemeClr val="tx1">
+                    <a:lumMod val="85000"/>
+                    <a:lumOff val="15000"/>
+                  </a:schemeClr>
+                </a:solidFill>
+                <a:latin typeface="+mn-lt"/>
+                <a:ea typeface="+mn-ea"/>
+                <a:cs typeface="+mn-cs"/>
+              </a:defRPr>
+            </a:lvl1pPr>
+            <a:lvl2pPr marL="457200" indent="-228600" algn="l" defTabSz="914400" rtl="0" eaLnBrk="1" latinLnBrk="0" hangingPunct="1">
+              <a:lnSpc>
+                <a:spcPct val="100000"/>
+              </a:lnSpc>
+              <a:spcBef>
+                <a:spcPts val="1000"/>
+              </a:spcBef>
+              <a:buClr>
+                <a:schemeClr val="accent2"/>
+              </a:buClr>
+              <a:buFont typeface="Arial" panose="020B0604020202020204" pitchFamily="34" charset="0"/>
+              <a:buChar char="•"/>
+              <a:defRPr sz="1600" kern="1200">
+                <a:solidFill>
+                  <a:schemeClr val="tx1">
+                    <a:lumMod val="85000"/>
+                    <a:lumOff val="15000"/>
+                  </a:schemeClr>
+                </a:solidFill>
+                <a:latin typeface="+mn-lt"/>
+                <a:ea typeface="+mn-ea"/>
+                <a:cs typeface="+mn-cs"/>
+              </a:defRPr>
+            </a:lvl2pPr>
+            <a:lvl3pPr marL="685800" indent="-228600" algn="l" defTabSz="914400" rtl="0" eaLnBrk="1" latinLnBrk="0" hangingPunct="1">
+              <a:lnSpc>
+                <a:spcPct val="100000"/>
+              </a:lnSpc>
+              <a:spcBef>
+                <a:spcPts val="1000"/>
+              </a:spcBef>
+              <a:buClr>
+                <a:schemeClr val="accent2"/>
+              </a:buClr>
+              <a:buFont typeface="Arial" panose="020B0604020202020204" pitchFamily="34" charset="0"/>
+              <a:buChar char="•"/>
+              <a:defRPr sz="1600" kern="1200">
+                <a:solidFill>
+                  <a:schemeClr val="tx1">
+                    <a:lumMod val="85000"/>
+                    <a:lumOff val="15000"/>
+                  </a:schemeClr>
+                </a:solidFill>
+                <a:latin typeface="+mn-lt"/>
+                <a:ea typeface="+mn-ea"/>
+                <a:cs typeface="+mn-cs"/>
+              </a:defRPr>
+            </a:lvl3pPr>
+            <a:lvl4pPr marL="914400" indent="-228600" algn="l" defTabSz="914400" rtl="0" eaLnBrk="1" latinLnBrk="0" hangingPunct="1">
+              <a:lnSpc>
+                <a:spcPct val="100000"/>
+              </a:lnSpc>
+              <a:spcBef>
+                <a:spcPts val="1000"/>
+              </a:spcBef>
+              <a:buClr>
+                <a:schemeClr val="accent2"/>
+              </a:buClr>
+              <a:buFont typeface="Arial" panose="020B0604020202020204" pitchFamily="34" charset="0"/>
+              <a:buChar char="•"/>
+              <a:defRPr sz="1600" kern="1200">
+                <a:solidFill>
+                  <a:schemeClr val="tx1">
+                    <a:lumMod val="85000"/>
+                    <a:lumOff val="15000"/>
+                  </a:schemeClr>
+                </a:solidFill>
+                <a:latin typeface="+mn-lt"/>
+                <a:ea typeface="+mn-ea"/>
+                <a:cs typeface="+mn-cs"/>
+              </a:defRPr>
+            </a:lvl4pPr>
+            <a:lvl5pPr marL="1143000" indent="-228600" algn="l" defTabSz="914400" rtl="0" eaLnBrk="1" latinLnBrk="0" hangingPunct="1">
+              <a:lnSpc>
+                <a:spcPct val="100000"/>
+              </a:lnSpc>
+              <a:spcBef>
+                <a:spcPts val="1000"/>
+              </a:spcBef>
+              <a:buClr>
+                <a:schemeClr val="accent2"/>
+              </a:buClr>
+              <a:buFont typeface="Arial" panose="020B0604020202020204" pitchFamily="34" charset="0"/>
+              <a:buChar char="•"/>
+              <a:defRPr sz="1600" kern="1200">
+                <a:solidFill>
+                  <a:schemeClr val="tx1">
+                    <a:lumMod val="85000"/>
+                    <a:lumOff val="15000"/>
+                  </a:schemeClr>
+                </a:solidFill>
+                <a:latin typeface="+mn-lt"/>
+                <a:ea typeface="+mn-ea"/>
+                <a:cs typeface="+mn-cs"/>
+              </a:defRPr>
+            </a:lvl5pPr>
+            <a:lvl6pPr marL="1312863" indent="-228600" algn="l" defTabSz="914400" rtl="0" eaLnBrk="1" latinLnBrk="0" hangingPunct="1">
+              <a:lnSpc>
+                <a:spcPct val="100000"/>
+              </a:lnSpc>
+              <a:spcBef>
+                <a:spcPts val="1000"/>
+              </a:spcBef>
+              <a:buClr>
+                <a:schemeClr val="accent2"/>
+              </a:buClr>
+              <a:buFont typeface="Arial" panose="020B0604020202020204" pitchFamily="34" charset="0"/>
+              <a:buChar char="•"/>
+              <a:defRPr sz="1600" kern="1200">
+                <a:solidFill>
+                  <a:schemeClr val="tx1"/>
+                </a:solidFill>
+                <a:latin typeface="+mn-lt"/>
+                <a:ea typeface="+mn-ea"/>
+                <a:cs typeface="+mn-cs"/>
+              </a:defRPr>
+            </a:lvl6pPr>
+            <a:lvl7pPr marL="1484313" indent="-228600" algn="l" defTabSz="914400" rtl="0" eaLnBrk="1" latinLnBrk="0" hangingPunct="1">
+              <a:lnSpc>
+                <a:spcPct val="100000"/>
+              </a:lnSpc>
+              <a:spcBef>
+                <a:spcPts val="1000"/>
+              </a:spcBef>
+              <a:buClr>
+                <a:schemeClr val="accent2"/>
+              </a:buClr>
+              <a:buFont typeface="Arial" panose="020B0604020202020204" pitchFamily="34" charset="0"/>
+              <a:buChar char="•"/>
+              <a:defRPr sz="1600" kern="1200">
+                <a:solidFill>
+                  <a:schemeClr val="tx1"/>
+                </a:solidFill>
+                <a:latin typeface="+mn-lt"/>
+                <a:ea typeface="+mn-ea"/>
+                <a:cs typeface="+mn-cs"/>
+              </a:defRPr>
+            </a:lvl7pPr>
+            <a:lvl8pPr marL="1657350" indent="-228600" algn="l" defTabSz="914400" rtl="0" eaLnBrk="1" latinLnBrk="0" hangingPunct="1">
+              <a:lnSpc>
+                <a:spcPct val="100000"/>
+              </a:lnSpc>
+              <a:spcBef>
+                <a:spcPts val="1000"/>
+              </a:spcBef>
+              <a:buClr>
+                <a:schemeClr val="accent2"/>
+              </a:buClr>
+              <a:buFont typeface="Arial" panose="020B0604020202020204" pitchFamily="34" charset="0"/>
+              <a:buChar char="•"/>
+              <a:defRPr sz="1600" kern="1200" baseline="0">
+                <a:solidFill>
+                  <a:schemeClr val="tx1"/>
+                </a:solidFill>
+                <a:latin typeface="+mn-lt"/>
+                <a:ea typeface="+mn-ea"/>
+                <a:cs typeface="+mn-cs"/>
+              </a:defRPr>
+            </a:lvl8pPr>
+            <a:lvl9pPr marL="1882775" indent="-228600" algn="l" defTabSz="914400" rtl="0" eaLnBrk="1" latinLnBrk="0" hangingPunct="1">
+              <a:lnSpc>
+                <a:spcPct val="100000"/>
+              </a:lnSpc>
+              <a:spcBef>
+                <a:spcPts val="1000"/>
+              </a:spcBef>
+              <a:buClr>
+                <a:schemeClr val="accent2"/>
+              </a:buClr>
+              <a:buFont typeface="Arial" panose="020B0604020202020204" pitchFamily="34" charset="0"/>
+              <a:buChar char="•"/>
+              <a:defRPr sz="1600" kern="1200" baseline="0">
+                <a:solidFill>
+                  <a:schemeClr val="tx1"/>
+                </a:solidFill>
+                <a:latin typeface="+mn-lt"/>
+                <a:ea typeface="+mn-ea"/>
+                <a:cs typeface="+mn-cs"/>
+              </a:defRPr>
+            </a:lvl9pPr>
+          </a:lstStyle>
+          <a:p>
+            <a:r>
+              <a:rPr lang="sr-Latn-RS" dirty="0"/>
+              <a:t>Rezultati FFT algoritma su kompleksni brojevi. Svaki od berojeva predstavlja karakretirstike jedne od frekvencija čijim zbirom se dobija aproksimacija ulaznog signala.</a:t>
+            </a:r>
+          </a:p>
+          <a:p>
+            <a:r>
+              <a:rPr lang="sr-Latn-RS" dirty="0"/>
+              <a:t>Za klasifikaciju je korišćena amplituda frekvencije, tj.  apsolutna vrednost rezultata FFT algoritma.</a:t>
+            </a:r>
+            <a:endParaRPr lang="en-US" dirty="0"/>
+          </a:p>
+        </p:txBody>
+      </p:sp>
+      <p:pic>
+        <p:nvPicPr>
+          <p:cNvPr id="10" name="Picture 9">
+            <a:extLst>
+              <a:ext uri="{FF2B5EF4-FFF2-40B4-BE49-F238E27FC236}">
+                <a16:creationId xmlns:a16="http://schemas.microsoft.com/office/drawing/2014/main" id="{762060F1-5CD5-4106-8137-F61140B80661}"/>
+              </a:ext>
+            </a:extLst>
+          </p:cNvPr>
+          <p:cNvPicPr>
+            <a:picLocks noChangeAspect="1"/>
+          </p:cNvPicPr>
+          <p:nvPr/>
+        </p:nvPicPr>
+        <p:blipFill>
+          <a:blip r:embed="rId2"/>
+          <a:stretch>
+            <a:fillRect/>
+          </a:stretch>
+        </p:blipFill>
+        <p:spPr>
+          <a:xfrm>
+            <a:off x="1371190" y="3972902"/>
+            <a:ext cx="9449619" cy="1920406"/>
+          </a:xfrm>
+          <a:prstGeom prst="rect">
+            <a:avLst/>
+          </a:prstGeom>
+        </p:spPr>
+      </p:pic>
+    </p:spTree>
+    <p:extLst>
+      <p:ext uri="{BB962C8B-B14F-4D97-AF65-F5344CB8AC3E}">
+        <p14:creationId xmlns:p14="http://schemas.microsoft.com/office/powerpoint/2010/main" val="163368497"/>
+      </p:ext>
+    </p:extLst>
+  </p:cSld>
+  <p:clrMapOvr>
+    <a:masterClrMapping/>
+  </p:clrMapOvr>
+  <p:transition spd="slow">
+    <p:push dir="u"/>
+  </p:transition>
+</p:sld>
+</file>
+
+<file path=ppt/slides/slide2.xml><?xml version="1.0" encoding="utf-8"?>
+<p:sld xmlns:a="http://schemas.openxmlformats.org/drawingml/2006/main" xmlns:r="http://schemas.openxmlformats.org/officeDocument/2006/relationships" xmlns:p="http://schemas.openxmlformats.org/presentationml/2006/main">
+  <p:cSld>
+    <p:spTree>
+      <p:nvGrpSpPr>
+        <p:cNvPr id="1" name=""/>
+        <p:cNvGrpSpPr/>
+        <p:nvPr/>
+      </p:nvGrpSpPr>
+      <p:grpSpPr>
+        <a:xfrm>
+          <a:off x="0" y="0"/>
+          <a:ext cx="0" cy="0"/>
+          <a:chOff x="0" y="0"/>
+          <a:chExt cx="0" cy="0"/>
+        </a:xfrm>
+      </p:grpSpPr>
+      <p:sp>
+        <p:nvSpPr>
+          <p:cNvPr id="2" name="Title 1">
+            <a:extLst>
+              <a:ext uri="{FF2B5EF4-FFF2-40B4-BE49-F238E27FC236}">
+                <a16:creationId xmlns:a16="http://schemas.microsoft.com/office/drawing/2014/main" id="{56F51CFF-DCB4-4917-8609-DD43D295A810}"/>
+              </a:ext>
+            </a:extLst>
+          </p:cNvPr>
+          <p:cNvSpPr>
+            <a:spLocks noGrp="1"/>
+          </p:cNvSpPr>
+          <p:nvPr>
+            <p:ph type="title"/>
+          </p:nvPr>
+        </p:nvSpPr>
+        <p:spPr/>
+        <p:txBody>
+          <a:bodyPr/>
+          <a:lstStyle/>
+          <a:p>
+            <a:r>
+              <a:rPr lang="sr-Latn-RS" dirty="0"/>
+              <a:t>EEG</a:t>
+            </a:r>
+            <a:endParaRPr lang="en-US" dirty="0"/>
+          </a:p>
+        </p:txBody>
+      </p:sp>
+      <p:sp>
+        <p:nvSpPr>
+          <p:cNvPr id="3" name="Content Placeholder 2">
+            <a:extLst>
+              <a:ext uri="{FF2B5EF4-FFF2-40B4-BE49-F238E27FC236}">
+                <a16:creationId xmlns:a16="http://schemas.microsoft.com/office/drawing/2014/main" id="{FA2816E5-7945-41C0-B2E6-2DCCAF48B27D}"/>
+              </a:ext>
+            </a:extLst>
+          </p:cNvPr>
+          <p:cNvSpPr>
+            <a:spLocks noGrp="1"/>
+          </p:cNvSpPr>
+          <p:nvPr>
+            <p:ph idx="1"/>
+          </p:nvPr>
+        </p:nvSpPr>
+        <p:spPr>
+          <a:xfrm>
+            <a:off x="545771" y="2389093"/>
+            <a:ext cx="5550229" cy="3635189"/>
+          </a:xfrm>
+        </p:spPr>
+        <p:txBody>
+          <a:bodyPr/>
+          <a:lstStyle/>
+          <a:p>
+            <a:r>
+              <a:rPr lang="sr-Latn-RS" dirty="0"/>
+              <a:t>Elektroencefalografija je posebna neurofiziološka metoda koja registruje moždanu električnu aktivnost preko elektroda smeštenih n</a:t>
+            </a:r>
+            <a:r>
+              <a:rPr lang="en-US" dirty="0"/>
+              <a:t>a </a:t>
+            </a:r>
+            <a:r>
+              <a:rPr lang="sr-Latn-RS" dirty="0"/>
+              <a:t>temenu glave ili subduralno odnosno unutar moždanog tkiva. Rezultujući dijagram je poznat kao elektroencefalogram (EEG). </a:t>
+            </a:r>
+          </a:p>
+          <a:p>
+            <a:r>
+              <a:rPr lang="sr-Latn-RS" dirty="0"/>
+              <a:t>Na dijagramu se vidi da se EEG u trenutku epileptičnog napada znatno razlikuje u odnosu na normalan EEG.</a:t>
+            </a:r>
+          </a:p>
+          <a:p>
+            <a:r>
+              <a:rPr lang="sr-Latn-RS" dirty="0"/>
+              <a:t>Cilj ovog projekta je pravljenje modela koji će moći da prepozna da li je data EEG vremenska serija snimljena tokom epileptičnog napada.</a:t>
+            </a:r>
+          </a:p>
+        </p:txBody>
+      </p:sp>
+      <p:pic>
+        <p:nvPicPr>
+          <p:cNvPr id="1026" name="Picture 2">
+            <a:extLst>
+              <a:ext uri="{FF2B5EF4-FFF2-40B4-BE49-F238E27FC236}">
+                <a16:creationId xmlns:a16="http://schemas.microsoft.com/office/drawing/2014/main" id="{D8353CB3-568A-4F70-ABF5-A9541CD2BADF}"/>
+              </a:ext>
+            </a:extLst>
+          </p:cNvPr>
+          <p:cNvPicPr>
+            <a:picLocks noChangeAspect="1" noChangeArrowheads="1"/>
+          </p:cNvPicPr>
+          <p:nvPr/>
+        </p:nvPicPr>
+        <p:blipFill>
+          <a:blip r:embed="rId2">
+            <a:extLst>
+              <a:ext uri="{28A0092B-C50C-407E-A947-70E740481C1C}">
+                <a14:useLocalDpi xmlns:a14="http://schemas.microsoft.com/office/drawing/2010/main" val="0"/>
+              </a:ext>
+            </a:extLst>
+          </a:blip>
+          <a:srcRect/>
+          <a:stretch>
+            <a:fillRect/>
+          </a:stretch>
+        </p:blipFill>
+        <p:spPr bwMode="auto">
+          <a:xfrm>
+            <a:off x="6096000" y="2521418"/>
+            <a:ext cx="5885245" cy="2837331"/>
+          </a:xfrm>
+          <a:prstGeom prst="rect">
+            <a:avLst/>
+          </a:prstGeom>
+          <a:noFill/>
+          <a:extLst>
+            <a:ext uri="{909E8E84-426E-40DD-AFC4-6F175D3DCCD1}">
+              <a14:hiddenFill xmlns:a14="http://schemas.microsoft.com/office/drawing/2010/main">
+                <a:solidFill>
+                  <a:srgbClr val="FFFFFF"/>
+                </a:solidFill>
+              </a14:hiddenFill>
+            </a:ext>
+          </a:extLst>
+        </p:spPr>
+      </p:pic>
+    </p:spTree>
+    <p:extLst>
+      <p:ext uri="{BB962C8B-B14F-4D97-AF65-F5344CB8AC3E}">
+        <p14:creationId xmlns:p14="http://schemas.microsoft.com/office/powerpoint/2010/main" val="4218274217"/>
+      </p:ext>
+    </p:extLst>
+  </p:cSld>
+  <p:clrMapOvr>
+    <a:masterClrMapping/>
+  </p:clrMapOvr>
+  <p:transition spd="slow">
+    <p:push dir="u"/>
+  </p:transition>
+</p:sld>
+</file>
+
+<file path=ppt/slides/slide20.xml><?xml version="1.0" encoding="utf-8"?>
+<p:sld xmlns:a="http://schemas.openxmlformats.org/drawingml/2006/main" xmlns:r="http://schemas.openxmlformats.org/officeDocument/2006/relationships" xmlns:p="http://schemas.openxmlformats.org/presentationml/2006/main">
+  <p:cSld>
+    <p:spTree>
+      <p:nvGrpSpPr>
+        <p:cNvPr id="1" name=""/>
+        <p:cNvGrpSpPr/>
+        <p:nvPr/>
+      </p:nvGrpSpPr>
+      <p:grpSpPr>
+        <a:xfrm>
+          <a:off x="0" y="0"/>
+          <a:ext cx="0" cy="0"/>
+          <a:chOff x="0" y="0"/>
+          <a:chExt cx="0" cy="0"/>
+        </a:xfrm>
+      </p:grpSpPr>
+      <p:sp>
+        <p:nvSpPr>
+          <p:cNvPr id="2" name="Title 1">
+            <a:extLst>
+              <a:ext uri="{FF2B5EF4-FFF2-40B4-BE49-F238E27FC236}">
+                <a16:creationId xmlns:a16="http://schemas.microsoft.com/office/drawing/2014/main" id="{282512E5-33A6-49B7-B479-44D372A0D1EA}"/>
+              </a:ext>
+            </a:extLst>
+          </p:cNvPr>
+          <p:cNvSpPr>
+            <a:spLocks noGrp="1"/>
+          </p:cNvSpPr>
+          <p:nvPr>
+            <p:ph type="title"/>
+          </p:nvPr>
+        </p:nvSpPr>
+        <p:spPr/>
+        <p:txBody>
+          <a:bodyPr/>
+          <a:lstStyle/>
+          <a:p>
+            <a:r>
+              <a:rPr lang="sr-Latn-RS" dirty="0"/>
+              <a:t>Odabir frekvencija</a:t>
+            </a:r>
+            <a:endParaRPr lang="en-US" dirty="0"/>
+          </a:p>
+        </p:txBody>
+      </p:sp>
+      <p:sp>
+        <p:nvSpPr>
+          <p:cNvPr id="3" name="Content Placeholder 2">
+            <a:extLst>
+              <a:ext uri="{FF2B5EF4-FFF2-40B4-BE49-F238E27FC236}">
+                <a16:creationId xmlns:a16="http://schemas.microsoft.com/office/drawing/2014/main" id="{78C043D9-7190-408F-A224-621701E13E46}"/>
+              </a:ext>
+            </a:extLst>
+          </p:cNvPr>
+          <p:cNvSpPr>
+            <a:spLocks noGrp="1"/>
+          </p:cNvSpPr>
+          <p:nvPr>
+            <p:ph idx="1"/>
+          </p:nvPr>
+        </p:nvSpPr>
+        <p:spPr>
+          <a:xfrm>
+            <a:off x="1895683" y="2502971"/>
+            <a:ext cx="4097946" cy="3101983"/>
+          </a:xfrm>
+        </p:spPr>
+        <p:txBody>
+          <a:bodyPr/>
+          <a:lstStyle/>
+          <a:p>
+            <a:r>
+              <a:rPr lang="sr-Latn-RS" dirty="0"/>
+              <a:t>Kao što se vidi na slici, nemaju sve frekvencije podjednak uticaj na konačni signal. Zbog toga neke od njih možemo da zanemarimo.</a:t>
+            </a:r>
+            <a:endParaRPr lang="en-US" dirty="0"/>
+          </a:p>
+          <a:p>
+            <a:r>
+              <a:rPr lang="sr-Latn-RS" dirty="0"/>
+              <a:t>Za to ćemo koristiti PCA algoritam.</a:t>
+            </a:r>
+          </a:p>
+          <a:p>
+            <a:endParaRPr lang="sr-Latn-RS" dirty="0"/>
+          </a:p>
+          <a:p>
+            <a:endParaRPr lang="en-US" dirty="0"/>
+          </a:p>
+        </p:txBody>
+      </p:sp>
+      <p:pic>
+        <p:nvPicPr>
+          <p:cNvPr id="4" name="Picture 3">
+            <a:extLst>
+              <a:ext uri="{FF2B5EF4-FFF2-40B4-BE49-F238E27FC236}">
+                <a16:creationId xmlns:a16="http://schemas.microsoft.com/office/drawing/2014/main" id="{74605FFA-A0C2-43C9-A657-8AE82A9F76FC}"/>
+              </a:ext>
+            </a:extLst>
+          </p:cNvPr>
+          <p:cNvPicPr>
+            <a:picLocks noChangeAspect="1"/>
+          </p:cNvPicPr>
+          <p:nvPr/>
+        </p:nvPicPr>
+        <p:blipFill>
+          <a:blip r:embed="rId2"/>
+          <a:stretch>
+            <a:fillRect/>
+          </a:stretch>
+        </p:blipFill>
+        <p:spPr>
+          <a:xfrm>
+            <a:off x="6215226" y="2367899"/>
+            <a:ext cx="5054486" cy="3372128"/>
+          </a:xfrm>
+          <a:prstGeom prst="rect">
+            <a:avLst/>
+          </a:prstGeom>
+        </p:spPr>
+      </p:pic>
+    </p:spTree>
+    <p:extLst>
+      <p:ext uri="{BB962C8B-B14F-4D97-AF65-F5344CB8AC3E}">
+        <p14:creationId xmlns:p14="http://schemas.microsoft.com/office/powerpoint/2010/main" val="2360138108"/>
+      </p:ext>
+    </p:extLst>
+  </p:cSld>
+  <p:clrMapOvr>
+    <a:masterClrMapping/>
+  </p:clrMapOvr>
+  <p:transition spd="slow">
+    <p:push dir="u"/>
+  </p:transition>
+</p:sld>
+</file>
+
+<file path=ppt/slides/slide21.xml><?xml version="1.0" encoding="utf-8"?>
+<p:sld xmlns:a="http://schemas.openxmlformats.org/drawingml/2006/main" xmlns:r="http://schemas.openxmlformats.org/officeDocument/2006/relationships" xmlns:p="http://schemas.openxmlformats.org/presentationml/2006/main">
+  <p:cSld>
+    <p:spTree>
+      <p:nvGrpSpPr>
+        <p:cNvPr id="1" name=""/>
+        <p:cNvGrpSpPr/>
+        <p:nvPr/>
+      </p:nvGrpSpPr>
+      <p:grpSpPr>
+        <a:xfrm>
+          <a:off x="0" y="0"/>
+          <a:ext cx="0" cy="0"/>
+          <a:chOff x="0" y="0"/>
+          <a:chExt cx="0" cy="0"/>
+        </a:xfrm>
+      </p:grpSpPr>
+      <p:sp>
+        <p:nvSpPr>
+          <p:cNvPr id="2" name="Title 1">
+            <a:extLst>
+              <a:ext uri="{FF2B5EF4-FFF2-40B4-BE49-F238E27FC236}">
+                <a16:creationId xmlns:a16="http://schemas.microsoft.com/office/drawing/2014/main" id="{5834C96A-F396-40CD-8365-04CF50C49A2E}"/>
+              </a:ext>
+            </a:extLst>
+          </p:cNvPr>
+          <p:cNvSpPr>
+            <a:spLocks noGrp="1"/>
+          </p:cNvSpPr>
+          <p:nvPr>
+            <p:ph type="title"/>
+          </p:nvPr>
+        </p:nvSpPr>
+        <p:spPr/>
+        <p:txBody>
+          <a:bodyPr/>
+          <a:lstStyle/>
+          <a:p>
+            <a:r>
+              <a:rPr lang="sr-Latn-RS" dirty="0"/>
+              <a:t>PCA algoritam</a:t>
+            </a:r>
+            <a:endParaRPr lang="en-US" dirty="0"/>
+          </a:p>
+        </p:txBody>
+      </p:sp>
+      <p:sp>
+        <p:nvSpPr>
+          <p:cNvPr id="3" name="Content Placeholder 2">
+            <a:extLst>
+              <a:ext uri="{FF2B5EF4-FFF2-40B4-BE49-F238E27FC236}">
+                <a16:creationId xmlns:a16="http://schemas.microsoft.com/office/drawing/2014/main" id="{40AE92B2-A2EA-4DB8-94A6-2AEAB6D84942}"/>
+              </a:ext>
+            </a:extLst>
+          </p:cNvPr>
+          <p:cNvSpPr>
+            <a:spLocks noGrp="1"/>
+          </p:cNvSpPr>
+          <p:nvPr>
+            <p:ph idx="1"/>
+          </p:nvPr>
+        </p:nvSpPr>
+        <p:spPr>
+          <a:xfrm>
+            <a:off x="2231136" y="2638044"/>
+            <a:ext cx="7729728" cy="929909"/>
+          </a:xfrm>
+        </p:spPr>
+        <p:txBody>
+          <a:bodyPr/>
+          <a:lstStyle/>
+          <a:p>
+            <a:r>
+              <a:rPr lang="sr-Latn-RS" dirty="0"/>
+              <a:t>Prvo je potrebno centrirati i skalirati podatke.</a:t>
+            </a:r>
+          </a:p>
+          <a:p>
+            <a:r>
+              <a:rPr lang="sr-Latn-RS" dirty="0"/>
+              <a:t>Za to je korišćena klasa StandardScaler.</a:t>
+            </a:r>
+            <a:endParaRPr lang="en-US" dirty="0"/>
+          </a:p>
+        </p:txBody>
+      </p:sp>
+      <p:pic>
+        <p:nvPicPr>
+          <p:cNvPr id="5" name="Picture 4">
+            <a:extLst>
+              <a:ext uri="{FF2B5EF4-FFF2-40B4-BE49-F238E27FC236}">
+                <a16:creationId xmlns:a16="http://schemas.microsoft.com/office/drawing/2014/main" id="{A7422B17-BA71-421F-A60D-773B5934F226}"/>
+              </a:ext>
+            </a:extLst>
+          </p:cNvPr>
+          <p:cNvPicPr>
+            <a:picLocks noChangeAspect="1"/>
+          </p:cNvPicPr>
+          <p:nvPr/>
+        </p:nvPicPr>
+        <p:blipFill>
+          <a:blip r:embed="rId2"/>
+          <a:stretch>
+            <a:fillRect/>
+          </a:stretch>
+        </p:blipFill>
+        <p:spPr>
+          <a:xfrm>
+            <a:off x="1683637" y="3763437"/>
+            <a:ext cx="8824725" cy="1882303"/>
+          </a:xfrm>
+          <a:prstGeom prst="rect">
+            <a:avLst/>
+          </a:prstGeom>
+        </p:spPr>
+      </p:pic>
+    </p:spTree>
+    <p:extLst>
+      <p:ext uri="{BB962C8B-B14F-4D97-AF65-F5344CB8AC3E}">
+        <p14:creationId xmlns:p14="http://schemas.microsoft.com/office/powerpoint/2010/main" val="1973505920"/>
+      </p:ext>
+    </p:extLst>
+  </p:cSld>
+  <p:clrMapOvr>
+    <a:masterClrMapping/>
+  </p:clrMapOvr>
+  <p:transition spd="slow">
+    <p:push dir="u"/>
+  </p:transition>
+</p:sld>
+</file>
+
+<file path=ppt/slides/slide22.xml><?xml version="1.0" encoding="utf-8"?>
+<p:sld xmlns:a="http://schemas.openxmlformats.org/drawingml/2006/main" xmlns:r="http://schemas.openxmlformats.org/officeDocument/2006/relationships" xmlns:p="http://schemas.openxmlformats.org/presentationml/2006/main">
+  <p:cSld>
+    <p:spTree>
+      <p:nvGrpSpPr>
+        <p:cNvPr id="1" name=""/>
+        <p:cNvGrpSpPr/>
+        <p:nvPr/>
+      </p:nvGrpSpPr>
+      <p:grpSpPr>
+        <a:xfrm>
+          <a:off x="0" y="0"/>
+          <a:ext cx="0" cy="0"/>
+          <a:chOff x="0" y="0"/>
+          <a:chExt cx="0" cy="0"/>
+        </a:xfrm>
+      </p:grpSpPr>
+      <p:sp>
+        <p:nvSpPr>
+          <p:cNvPr id="2" name="Title 1">
+            <a:extLst>
+              <a:ext uri="{FF2B5EF4-FFF2-40B4-BE49-F238E27FC236}">
+                <a16:creationId xmlns:a16="http://schemas.microsoft.com/office/drawing/2014/main" id="{55062AEC-518D-46D6-9F11-AD0C922BE560}"/>
+              </a:ext>
+            </a:extLst>
+          </p:cNvPr>
+          <p:cNvSpPr>
+            <a:spLocks noGrp="1"/>
+          </p:cNvSpPr>
+          <p:nvPr>
+            <p:ph type="title"/>
+          </p:nvPr>
+        </p:nvSpPr>
+        <p:spPr/>
+        <p:txBody>
+          <a:bodyPr/>
+          <a:lstStyle/>
+          <a:p>
+            <a:r>
+              <a:rPr lang="sr-Latn-RS" dirty="0"/>
+              <a:t>Broj komponenti pca algoritma</a:t>
+            </a:r>
+            <a:endParaRPr lang="en-US" dirty="0"/>
+          </a:p>
+        </p:txBody>
+      </p:sp>
+      <p:pic>
+        <p:nvPicPr>
+          <p:cNvPr id="5" name="Content Placeholder 4">
+            <a:extLst>
+              <a:ext uri="{FF2B5EF4-FFF2-40B4-BE49-F238E27FC236}">
+                <a16:creationId xmlns:a16="http://schemas.microsoft.com/office/drawing/2014/main" id="{AE016355-B454-4F3D-BD09-C4CE15EB7CC7}"/>
+              </a:ext>
+            </a:extLst>
+          </p:cNvPr>
+          <p:cNvPicPr>
+            <a:picLocks noGrp="1" noChangeAspect="1"/>
+          </p:cNvPicPr>
+          <p:nvPr>
+            <p:ph idx="1"/>
+          </p:nvPr>
+        </p:nvPicPr>
+        <p:blipFill>
+          <a:blip r:embed="rId2"/>
+          <a:stretch>
+            <a:fillRect/>
+          </a:stretch>
+        </p:blipFill>
+        <p:spPr>
+          <a:xfrm>
+            <a:off x="6096000" y="2501154"/>
+            <a:ext cx="5100723" cy="3328894"/>
+          </a:xfrm>
+        </p:spPr>
+      </p:pic>
+      <p:sp>
+        <p:nvSpPr>
+          <p:cNvPr id="6" name="Content Placeholder 2">
+            <a:extLst>
+              <a:ext uri="{FF2B5EF4-FFF2-40B4-BE49-F238E27FC236}">
+                <a16:creationId xmlns:a16="http://schemas.microsoft.com/office/drawing/2014/main" id="{C77DC2E3-8DD9-40E1-B175-2A9F956B4E3A}"/>
+              </a:ext>
+            </a:extLst>
+          </p:cNvPr>
+          <p:cNvSpPr txBox="1">
+            <a:spLocks/>
+          </p:cNvSpPr>
+          <p:nvPr/>
+        </p:nvSpPr>
+        <p:spPr>
+          <a:xfrm>
+            <a:off x="1895683" y="2502971"/>
+            <a:ext cx="4097946" cy="3101983"/>
+          </a:xfrm>
+          <a:prstGeom prst="rect">
+            <a:avLst/>
+          </a:prstGeom>
+        </p:spPr>
+        <p:txBody>
+          <a:bodyPr vert="horz" lIns="91440" tIns="45720" rIns="91440" bIns="45720" rtlCol="0">
+            <a:normAutofit/>
+          </a:bodyPr>
+          <a:lstStyle>
+            <a:lvl1pPr marL="228600" indent="-228600" algn="l" defTabSz="914400" rtl="0" eaLnBrk="1" latinLnBrk="0" hangingPunct="1">
+              <a:lnSpc>
+                <a:spcPct val="100000"/>
+              </a:lnSpc>
+              <a:spcBef>
+                <a:spcPts val="1000"/>
+              </a:spcBef>
+              <a:buClr>
+                <a:schemeClr val="accent2"/>
+              </a:buClr>
+              <a:buFont typeface="Arial" panose="020B0604020202020204" pitchFamily="34" charset="0"/>
+              <a:buChar char="•"/>
+              <a:defRPr sz="1800" kern="1200">
+                <a:solidFill>
+                  <a:schemeClr val="tx1">
+                    <a:lumMod val="85000"/>
+                    <a:lumOff val="15000"/>
+                  </a:schemeClr>
+                </a:solidFill>
+                <a:latin typeface="+mn-lt"/>
+                <a:ea typeface="+mn-ea"/>
+                <a:cs typeface="+mn-cs"/>
+              </a:defRPr>
+            </a:lvl1pPr>
+            <a:lvl2pPr marL="457200" indent="-228600" algn="l" defTabSz="914400" rtl="0" eaLnBrk="1" latinLnBrk="0" hangingPunct="1">
+              <a:lnSpc>
+                <a:spcPct val="100000"/>
+              </a:lnSpc>
+              <a:spcBef>
+                <a:spcPts val="1000"/>
+              </a:spcBef>
+              <a:buClr>
+                <a:schemeClr val="accent2"/>
+              </a:buClr>
+              <a:buFont typeface="Arial" panose="020B0604020202020204" pitchFamily="34" charset="0"/>
+              <a:buChar char="•"/>
+              <a:defRPr sz="1600" kern="1200">
+                <a:solidFill>
+                  <a:schemeClr val="tx1">
+                    <a:lumMod val="85000"/>
+                    <a:lumOff val="15000"/>
+                  </a:schemeClr>
+                </a:solidFill>
+                <a:latin typeface="+mn-lt"/>
+                <a:ea typeface="+mn-ea"/>
+                <a:cs typeface="+mn-cs"/>
+              </a:defRPr>
+            </a:lvl2pPr>
+            <a:lvl3pPr marL="685800" indent="-228600" algn="l" defTabSz="914400" rtl="0" eaLnBrk="1" latinLnBrk="0" hangingPunct="1">
+              <a:lnSpc>
+                <a:spcPct val="100000"/>
+              </a:lnSpc>
+              <a:spcBef>
+                <a:spcPts val="1000"/>
+              </a:spcBef>
+              <a:buClr>
+                <a:schemeClr val="accent2"/>
+              </a:buClr>
+              <a:buFont typeface="Arial" panose="020B0604020202020204" pitchFamily="34" charset="0"/>
+              <a:buChar char="•"/>
+              <a:defRPr sz="1600" kern="1200">
+                <a:solidFill>
+                  <a:schemeClr val="tx1">
+                    <a:lumMod val="85000"/>
+                    <a:lumOff val="15000"/>
+                  </a:schemeClr>
+                </a:solidFill>
+                <a:latin typeface="+mn-lt"/>
+                <a:ea typeface="+mn-ea"/>
+                <a:cs typeface="+mn-cs"/>
+              </a:defRPr>
+            </a:lvl3pPr>
+            <a:lvl4pPr marL="914400" indent="-228600" algn="l" defTabSz="914400" rtl="0" eaLnBrk="1" latinLnBrk="0" hangingPunct="1">
+              <a:lnSpc>
+                <a:spcPct val="100000"/>
+              </a:lnSpc>
+              <a:spcBef>
+                <a:spcPts val="1000"/>
+              </a:spcBef>
+              <a:buClr>
+                <a:schemeClr val="accent2"/>
+              </a:buClr>
+              <a:buFont typeface="Arial" panose="020B0604020202020204" pitchFamily="34" charset="0"/>
+              <a:buChar char="•"/>
+              <a:defRPr sz="1600" kern="1200">
+                <a:solidFill>
+                  <a:schemeClr val="tx1">
+                    <a:lumMod val="85000"/>
+                    <a:lumOff val="15000"/>
+                  </a:schemeClr>
+                </a:solidFill>
+                <a:latin typeface="+mn-lt"/>
+                <a:ea typeface="+mn-ea"/>
+                <a:cs typeface="+mn-cs"/>
+              </a:defRPr>
+            </a:lvl4pPr>
+            <a:lvl5pPr marL="1143000" indent="-228600" algn="l" defTabSz="914400" rtl="0" eaLnBrk="1" latinLnBrk="0" hangingPunct="1">
+              <a:lnSpc>
+                <a:spcPct val="100000"/>
+              </a:lnSpc>
+              <a:spcBef>
+                <a:spcPts val="1000"/>
+              </a:spcBef>
+              <a:buClr>
+                <a:schemeClr val="accent2"/>
+              </a:buClr>
+              <a:buFont typeface="Arial" panose="020B0604020202020204" pitchFamily="34" charset="0"/>
+              <a:buChar char="•"/>
+              <a:defRPr sz="1600" kern="1200">
+                <a:solidFill>
+                  <a:schemeClr val="tx1">
+                    <a:lumMod val="85000"/>
+                    <a:lumOff val="15000"/>
+                  </a:schemeClr>
+                </a:solidFill>
+                <a:latin typeface="+mn-lt"/>
+                <a:ea typeface="+mn-ea"/>
+                <a:cs typeface="+mn-cs"/>
+              </a:defRPr>
+            </a:lvl5pPr>
+            <a:lvl6pPr marL="1312863" indent="-228600" algn="l" defTabSz="914400" rtl="0" eaLnBrk="1" latinLnBrk="0" hangingPunct="1">
+              <a:lnSpc>
+                <a:spcPct val="100000"/>
+              </a:lnSpc>
+              <a:spcBef>
+                <a:spcPts val="1000"/>
+              </a:spcBef>
+              <a:buClr>
+                <a:schemeClr val="accent2"/>
+              </a:buClr>
+              <a:buFont typeface="Arial" panose="020B0604020202020204" pitchFamily="34" charset="0"/>
+              <a:buChar char="•"/>
+              <a:defRPr sz="1600" kern="1200">
+                <a:solidFill>
+                  <a:schemeClr val="tx1"/>
+                </a:solidFill>
+                <a:latin typeface="+mn-lt"/>
+                <a:ea typeface="+mn-ea"/>
+                <a:cs typeface="+mn-cs"/>
+              </a:defRPr>
+            </a:lvl6pPr>
+            <a:lvl7pPr marL="1484313" indent="-228600" algn="l" defTabSz="914400" rtl="0" eaLnBrk="1" latinLnBrk="0" hangingPunct="1">
+              <a:lnSpc>
+                <a:spcPct val="100000"/>
+              </a:lnSpc>
+              <a:spcBef>
+                <a:spcPts val="1000"/>
+              </a:spcBef>
+              <a:buClr>
+                <a:schemeClr val="accent2"/>
+              </a:buClr>
+              <a:buFont typeface="Arial" panose="020B0604020202020204" pitchFamily="34" charset="0"/>
+              <a:buChar char="•"/>
+              <a:defRPr sz="1600" kern="1200">
+                <a:solidFill>
+                  <a:schemeClr val="tx1"/>
+                </a:solidFill>
+                <a:latin typeface="+mn-lt"/>
+                <a:ea typeface="+mn-ea"/>
+                <a:cs typeface="+mn-cs"/>
+              </a:defRPr>
+            </a:lvl7pPr>
+            <a:lvl8pPr marL="1657350" indent="-228600" algn="l" defTabSz="914400" rtl="0" eaLnBrk="1" latinLnBrk="0" hangingPunct="1">
+              <a:lnSpc>
+                <a:spcPct val="100000"/>
+              </a:lnSpc>
+              <a:spcBef>
+                <a:spcPts val="1000"/>
+              </a:spcBef>
+              <a:buClr>
+                <a:schemeClr val="accent2"/>
+              </a:buClr>
+              <a:buFont typeface="Arial" panose="020B0604020202020204" pitchFamily="34" charset="0"/>
+              <a:buChar char="•"/>
+              <a:defRPr sz="1600" kern="1200" baseline="0">
+                <a:solidFill>
+                  <a:schemeClr val="tx1"/>
+                </a:solidFill>
+                <a:latin typeface="+mn-lt"/>
+                <a:ea typeface="+mn-ea"/>
+                <a:cs typeface="+mn-cs"/>
+              </a:defRPr>
+            </a:lvl8pPr>
+            <a:lvl9pPr marL="1882775" indent="-228600" algn="l" defTabSz="914400" rtl="0" eaLnBrk="1" latinLnBrk="0" hangingPunct="1">
+              <a:lnSpc>
+                <a:spcPct val="100000"/>
+              </a:lnSpc>
+              <a:spcBef>
+                <a:spcPts val="1000"/>
+              </a:spcBef>
+              <a:buClr>
+                <a:schemeClr val="accent2"/>
+              </a:buClr>
+              <a:buFont typeface="Arial" panose="020B0604020202020204" pitchFamily="34" charset="0"/>
+              <a:buChar char="•"/>
+              <a:defRPr sz="1600" kern="1200" baseline="0">
+                <a:solidFill>
+                  <a:schemeClr val="tx1"/>
+                </a:solidFill>
+                <a:latin typeface="+mn-lt"/>
+                <a:ea typeface="+mn-ea"/>
+                <a:cs typeface="+mn-cs"/>
+              </a:defRPr>
+            </a:lvl9pPr>
+          </a:lstStyle>
+          <a:p>
+            <a:r>
+              <a:rPr lang="sr-Latn-RS" dirty="0"/>
+              <a:t>Prvobitno je rađen PCA algoritam sa 20 komponenti.</a:t>
+            </a:r>
+          </a:p>
+          <a:p>
+            <a:r>
+              <a:rPr lang="sr-Latn-RS" dirty="0"/>
+              <a:t>Dobijena je ukupna varijansa od 86.8%.</a:t>
+            </a:r>
+          </a:p>
+          <a:p>
+            <a:r>
+              <a:rPr lang="sr-Latn-RS" dirty="0"/>
+              <a:t>Na grafiku se vidi da sve komponente nakon 5. nisu značajne.</a:t>
+            </a:r>
+          </a:p>
+          <a:p>
+            <a:endParaRPr lang="sr-Latn-RS" dirty="0"/>
+          </a:p>
+          <a:p>
+            <a:endParaRPr lang="sr-Latn-RS" dirty="0"/>
+          </a:p>
+          <a:p>
+            <a:endParaRPr lang="en-US" dirty="0"/>
+          </a:p>
+        </p:txBody>
+      </p:sp>
+    </p:spTree>
+    <p:extLst>
+      <p:ext uri="{BB962C8B-B14F-4D97-AF65-F5344CB8AC3E}">
+        <p14:creationId xmlns:p14="http://schemas.microsoft.com/office/powerpoint/2010/main" val="3088391527"/>
+      </p:ext>
+    </p:extLst>
+  </p:cSld>
+  <p:clrMapOvr>
+    <a:masterClrMapping/>
+  </p:clrMapOvr>
+  <p:transition spd="slow">
+    <p:push dir="u"/>
+  </p:transition>
+</p:sld>
+</file>
+
+<file path=ppt/slides/slide23.xml><?xml version="1.0" encoding="utf-8"?>
+<p:sld xmlns:a="http://schemas.openxmlformats.org/drawingml/2006/main" xmlns:r="http://schemas.openxmlformats.org/officeDocument/2006/relationships" xmlns:p="http://schemas.openxmlformats.org/presentationml/2006/main">
+  <p:cSld>
+    <p:spTree>
+      <p:nvGrpSpPr>
+        <p:cNvPr id="1" name=""/>
+        <p:cNvGrpSpPr/>
+        <p:nvPr/>
+      </p:nvGrpSpPr>
+      <p:grpSpPr>
+        <a:xfrm>
+          <a:off x="0" y="0"/>
+          <a:ext cx="0" cy="0"/>
+          <a:chOff x="0" y="0"/>
+          <a:chExt cx="0" cy="0"/>
+        </a:xfrm>
+      </p:grpSpPr>
+      <p:sp>
+        <p:nvSpPr>
+          <p:cNvPr id="2" name="Title 1">
+            <a:extLst>
+              <a:ext uri="{FF2B5EF4-FFF2-40B4-BE49-F238E27FC236}">
+                <a16:creationId xmlns:a16="http://schemas.microsoft.com/office/drawing/2014/main" id="{01ADC26D-2150-4276-9F59-3AF6F4022CE9}"/>
+              </a:ext>
+            </a:extLst>
+          </p:cNvPr>
+          <p:cNvSpPr>
+            <a:spLocks noGrp="1"/>
+          </p:cNvSpPr>
+          <p:nvPr>
+            <p:ph type="title"/>
+          </p:nvPr>
+        </p:nvSpPr>
+        <p:spPr/>
+        <p:txBody>
+          <a:bodyPr/>
+          <a:lstStyle/>
+          <a:p>
+            <a:r>
+              <a:rPr lang="sr-Latn-RS" dirty="0"/>
+              <a:t>Broj komponenti pCA algoritma</a:t>
+            </a:r>
+            <a:endParaRPr lang="en-US" dirty="0"/>
+          </a:p>
+        </p:txBody>
+      </p:sp>
+      <p:pic>
+        <p:nvPicPr>
+          <p:cNvPr id="5" name="Picture 4">
+            <a:extLst>
+              <a:ext uri="{FF2B5EF4-FFF2-40B4-BE49-F238E27FC236}">
+                <a16:creationId xmlns:a16="http://schemas.microsoft.com/office/drawing/2014/main" id="{38B9FD69-5053-4BB8-8819-E0F138ADE69C}"/>
+              </a:ext>
+            </a:extLst>
+          </p:cNvPr>
+          <p:cNvPicPr>
+            <a:picLocks noChangeAspect="1"/>
+          </p:cNvPicPr>
+          <p:nvPr/>
+        </p:nvPicPr>
+        <p:blipFill>
+          <a:blip r:embed="rId2"/>
+          <a:stretch>
+            <a:fillRect/>
+          </a:stretch>
+        </p:blipFill>
+        <p:spPr>
+          <a:xfrm>
+            <a:off x="6096000" y="2624045"/>
+            <a:ext cx="5067739" cy="3269263"/>
+          </a:xfrm>
+          <a:prstGeom prst="rect">
+            <a:avLst/>
+          </a:prstGeom>
+        </p:spPr>
+      </p:pic>
+      <p:sp>
+        <p:nvSpPr>
+          <p:cNvPr id="6" name="Content Placeholder 2">
+            <a:extLst>
+              <a:ext uri="{FF2B5EF4-FFF2-40B4-BE49-F238E27FC236}">
+                <a16:creationId xmlns:a16="http://schemas.microsoft.com/office/drawing/2014/main" id="{717D5337-FBED-46B0-B25B-8A058CEEE76D}"/>
+              </a:ext>
+            </a:extLst>
+          </p:cNvPr>
+          <p:cNvSpPr txBox="1">
+            <a:spLocks/>
+          </p:cNvSpPr>
+          <p:nvPr/>
+        </p:nvSpPr>
+        <p:spPr>
+          <a:xfrm>
+            <a:off x="1895683" y="2502971"/>
+            <a:ext cx="4097946" cy="3101983"/>
+          </a:xfrm>
+          <a:prstGeom prst="rect">
+            <a:avLst/>
+          </a:prstGeom>
+        </p:spPr>
+        <p:txBody>
+          <a:bodyPr vert="horz" lIns="91440" tIns="45720" rIns="91440" bIns="45720" rtlCol="0">
+            <a:normAutofit/>
+          </a:bodyPr>
+          <a:lstStyle>
+            <a:lvl1pPr marL="228600" indent="-228600" algn="l" defTabSz="914400" rtl="0" eaLnBrk="1" latinLnBrk="0" hangingPunct="1">
+              <a:lnSpc>
+                <a:spcPct val="100000"/>
+              </a:lnSpc>
+              <a:spcBef>
+                <a:spcPts val="1000"/>
+              </a:spcBef>
+              <a:buClr>
+                <a:schemeClr val="accent2"/>
+              </a:buClr>
+              <a:buFont typeface="Arial" panose="020B0604020202020204" pitchFamily="34" charset="0"/>
+              <a:buChar char="•"/>
+              <a:defRPr sz="1800" kern="1200">
+                <a:solidFill>
+                  <a:schemeClr val="tx1">
+                    <a:lumMod val="85000"/>
+                    <a:lumOff val="15000"/>
+                  </a:schemeClr>
+                </a:solidFill>
+                <a:latin typeface="+mn-lt"/>
+                <a:ea typeface="+mn-ea"/>
+                <a:cs typeface="+mn-cs"/>
+              </a:defRPr>
+            </a:lvl1pPr>
+            <a:lvl2pPr marL="457200" indent="-228600" algn="l" defTabSz="914400" rtl="0" eaLnBrk="1" latinLnBrk="0" hangingPunct="1">
+              <a:lnSpc>
+                <a:spcPct val="100000"/>
+              </a:lnSpc>
+              <a:spcBef>
+                <a:spcPts val="1000"/>
+              </a:spcBef>
+              <a:buClr>
+                <a:schemeClr val="accent2"/>
+              </a:buClr>
+              <a:buFont typeface="Arial" panose="020B0604020202020204" pitchFamily="34" charset="0"/>
+              <a:buChar char="•"/>
+              <a:defRPr sz="1600" kern="1200">
+                <a:solidFill>
+                  <a:schemeClr val="tx1">
+                    <a:lumMod val="85000"/>
+                    <a:lumOff val="15000"/>
+                  </a:schemeClr>
+                </a:solidFill>
+                <a:latin typeface="+mn-lt"/>
+                <a:ea typeface="+mn-ea"/>
+                <a:cs typeface="+mn-cs"/>
+              </a:defRPr>
+            </a:lvl2pPr>
+            <a:lvl3pPr marL="685800" indent="-228600" algn="l" defTabSz="914400" rtl="0" eaLnBrk="1" latinLnBrk="0" hangingPunct="1">
+              <a:lnSpc>
+                <a:spcPct val="100000"/>
+              </a:lnSpc>
+              <a:spcBef>
+                <a:spcPts val="1000"/>
+              </a:spcBef>
+              <a:buClr>
+                <a:schemeClr val="accent2"/>
+              </a:buClr>
+              <a:buFont typeface="Arial" panose="020B0604020202020204" pitchFamily="34" charset="0"/>
+              <a:buChar char="•"/>
+              <a:defRPr sz="1600" kern="1200">
+                <a:solidFill>
+                  <a:schemeClr val="tx1">
+                    <a:lumMod val="85000"/>
+                    <a:lumOff val="15000"/>
+                  </a:schemeClr>
+                </a:solidFill>
+                <a:latin typeface="+mn-lt"/>
+                <a:ea typeface="+mn-ea"/>
+                <a:cs typeface="+mn-cs"/>
+              </a:defRPr>
+            </a:lvl3pPr>
+            <a:lvl4pPr marL="914400" indent="-228600" algn="l" defTabSz="914400" rtl="0" eaLnBrk="1" latinLnBrk="0" hangingPunct="1">
+              <a:lnSpc>
+                <a:spcPct val="100000"/>
+              </a:lnSpc>
+              <a:spcBef>
+                <a:spcPts val="1000"/>
+              </a:spcBef>
+              <a:buClr>
+                <a:schemeClr val="accent2"/>
+              </a:buClr>
+              <a:buFont typeface="Arial" panose="020B0604020202020204" pitchFamily="34" charset="0"/>
+              <a:buChar char="•"/>
+              <a:defRPr sz="1600" kern="1200">
+                <a:solidFill>
+                  <a:schemeClr val="tx1">
+                    <a:lumMod val="85000"/>
+                    <a:lumOff val="15000"/>
+                  </a:schemeClr>
+                </a:solidFill>
+                <a:latin typeface="+mn-lt"/>
+                <a:ea typeface="+mn-ea"/>
+                <a:cs typeface="+mn-cs"/>
+              </a:defRPr>
+            </a:lvl4pPr>
+            <a:lvl5pPr marL="1143000" indent="-228600" algn="l" defTabSz="914400" rtl="0" eaLnBrk="1" latinLnBrk="0" hangingPunct="1">
+              <a:lnSpc>
+                <a:spcPct val="100000"/>
+              </a:lnSpc>
+              <a:spcBef>
+                <a:spcPts val="1000"/>
+              </a:spcBef>
+              <a:buClr>
+                <a:schemeClr val="accent2"/>
+              </a:buClr>
+              <a:buFont typeface="Arial" panose="020B0604020202020204" pitchFamily="34" charset="0"/>
+              <a:buChar char="•"/>
+              <a:defRPr sz="1600" kern="1200">
+                <a:solidFill>
+                  <a:schemeClr val="tx1">
+                    <a:lumMod val="85000"/>
+                    <a:lumOff val="15000"/>
+                  </a:schemeClr>
+                </a:solidFill>
+                <a:latin typeface="+mn-lt"/>
+                <a:ea typeface="+mn-ea"/>
+                <a:cs typeface="+mn-cs"/>
+              </a:defRPr>
+            </a:lvl5pPr>
+            <a:lvl6pPr marL="1312863" indent="-228600" algn="l" defTabSz="914400" rtl="0" eaLnBrk="1" latinLnBrk="0" hangingPunct="1">
+              <a:lnSpc>
+                <a:spcPct val="100000"/>
+              </a:lnSpc>
+              <a:spcBef>
+                <a:spcPts val="1000"/>
+              </a:spcBef>
+              <a:buClr>
+                <a:schemeClr val="accent2"/>
+              </a:buClr>
+              <a:buFont typeface="Arial" panose="020B0604020202020204" pitchFamily="34" charset="0"/>
+              <a:buChar char="•"/>
+              <a:defRPr sz="1600" kern="1200">
+                <a:solidFill>
+                  <a:schemeClr val="tx1"/>
+                </a:solidFill>
+                <a:latin typeface="+mn-lt"/>
+                <a:ea typeface="+mn-ea"/>
+                <a:cs typeface="+mn-cs"/>
+              </a:defRPr>
+            </a:lvl6pPr>
+            <a:lvl7pPr marL="1484313" indent="-228600" algn="l" defTabSz="914400" rtl="0" eaLnBrk="1" latinLnBrk="0" hangingPunct="1">
+              <a:lnSpc>
+                <a:spcPct val="100000"/>
+              </a:lnSpc>
+              <a:spcBef>
+                <a:spcPts val="1000"/>
+              </a:spcBef>
+              <a:buClr>
+                <a:schemeClr val="accent2"/>
+              </a:buClr>
+              <a:buFont typeface="Arial" panose="020B0604020202020204" pitchFamily="34" charset="0"/>
+              <a:buChar char="•"/>
+              <a:defRPr sz="1600" kern="1200">
+                <a:solidFill>
+                  <a:schemeClr val="tx1"/>
+                </a:solidFill>
+                <a:latin typeface="+mn-lt"/>
+                <a:ea typeface="+mn-ea"/>
+                <a:cs typeface="+mn-cs"/>
+              </a:defRPr>
+            </a:lvl7pPr>
+            <a:lvl8pPr marL="1657350" indent="-228600" algn="l" defTabSz="914400" rtl="0" eaLnBrk="1" latinLnBrk="0" hangingPunct="1">
+              <a:lnSpc>
+                <a:spcPct val="100000"/>
+              </a:lnSpc>
+              <a:spcBef>
+                <a:spcPts val="1000"/>
+              </a:spcBef>
+              <a:buClr>
+                <a:schemeClr val="accent2"/>
+              </a:buClr>
+              <a:buFont typeface="Arial" panose="020B0604020202020204" pitchFamily="34" charset="0"/>
+              <a:buChar char="•"/>
+              <a:defRPr sz="1600" kern="1200" baseline="0">
+                <a:solidFill>
+                  <a:schemeClr val="tx1"/>
+                </a:solidFill>
+                <a:latin typeface="+mn-lt"/>
+                <a:ea typeface="+mn-ea"/>
+                <a:cs typeface="+mn-cs"/>
+              </a:defRPr>
+            </a:lvl8pPr>
+            <a:lvl9pPr marL="1882775" indent="-228600" algn="l" defTabSz="914400" rtl="0" eaLnBrk="1" latinLnBrk="0" hangingPunct="1">
+              <a:lnSpc>
+                <a:spcPct val="100000"/>
+              </a:lnSpc>
+              <a:spcBef>
+                <a:spcPts val="1000"/>
+              </a:spcBef>
+              <a:buClr>
+                <a:schemeClr val="accent2"/>
+              </a:buClr>
+              <a:buFont typeface="Arial" panose="020B0604020202020204" pitchFamily="34" charset="0"/>
+              <a:buChar char="•"/>
+              <a:defRPr sz="1600" kern="1200" baseline="0">
+                <a:solidFill>
+                  <a:schemeClr val="tx1"/>
+                </a:solidFill>
+                <a:latin typeface="+mn-lt"/>
+                <a:ea typeface="+mn-ea"/>
+                <a:cs typeface="+mn-cs"/>
+              </a:defRPr>
+            </a:lvl9pPr>
+          </a:lstStyle>
+          <a:p>
+            <a:r>
+              <a:rPr lang="sr-Latn-RS" dirty="0"/>
+              <a:t>Za PCA algoritam sa 5 komponenti dobija se varijansa od 78.7%.</a:t>
+            </a:r>
+          </a:p>
+          <a:p>
+            <a:r>
+              <a:rPr lang="sr-Latn-RS" dirty="0"/>
+              <a:t>Možda SVC algoritmu nije značajno svih 5 komponenti, zbog toga ćemo proveriti njegove performanse sa razlićitim brojem komponenti.</a:t>
+            </a:r>
+          </a:p>
+          <a:p>
+            <a:endParaRPr lang="sr-Latn-RS" dirty="0"/>
+          </a:p>
+          <a:p>
+            <a:endParaRPr lang="sr-Latn-RS" dirty="0"/>
+          </a:p>
+          <a:p>
+            <a:endParaRPr lang="en-US" dirty="0"/>
+          </a:p>
+        </p:txBody>
+      </p:sp>
+    </p:spTree>
+    <p:extLst>
+      <p:ext uri="{BB962C8B-B14F-4D97-AF65-F5344CB8AC3E}">
+        <p14:creationId xmlns:p14="http://schemas.microsoft.com/office/powerpoint/2010/main" val="4175266217"/>
+      </p:ext>
+    </p:extLst>
+  </p:cSld>
+  <p:clrMapOvr>
+    <a:masterClrMapping/>
+  </p:clrMapOvr>
+  <p:transition spd="slow">
+    <p:push dir="u"/>
+  </p:transition>
+</p:sld>
+</file>
+
+<file path=ppt/slides/slide24.xml><?xml version="1.0" encoding="utf-8"?>
+<p:sld xmlns:a="http://schemas.openxmlformats.org/drawingml/2006/main" xmlns:r="http://schemas.openxmlformats.org/officeDocument/2006/relationships" xmlns:p="http://schemas.openxmlformats.org/presentationml/2006/main">
+  <p:cSld>
+    <p:spTree>
+      <p:nvGrpSpPr>
+        <p:cNvPr id="1" name=""/>
+        <p:cNvGrpSpPr/>
+        <p:nvPr/>
+      </p:nvGrpSpPr>
+      <p:grpSpPr>
+        <a:xfrm>
+          <a:off x="0" y="0"/>
+          <a:ext cx="0" cy="0"/>
+          <a:chOff x="0" y="0"/>
+          <a:chExt cx="0" cy="0"/>
+        </a:xfrm>
+      </p:grpSpPr>
+      <p:sp>
+        <p:nvSpPr>
+          <p:cNvPr id="2" name="Title 1">
+            <a:extLst>
+              <a:ext uri="{FF2B5EF4-FFF2-40B4-BE49-F238E27FC236}">
+                <a16:creationId xmlns:a16="http://schemas.microsoft.com/office/drawing/2014/main" id="{E9882B0F-BB49-4EAA-BCA4-290CB6636B03}"/>
+              </a:ext>
+            </a:extLst>
+          </p:cNvPr>
+          <p:cNvSpPr>
+            <a:spLocks noGrp="1"/>
+          </p:cNvSpPr>
+          <p:nvPr>
+            <p:ph type="title"/>
+          </p:nvPr>
+        </p:nvSpPr>
+        <p:spPr/>
+        <p:txBody>
+          <a:bodyPr/>
+          <a:lstStyle/>
+          <a:p>
+            <a:r>
+              <a:rPr lang="sr-Latn-RS" dirty="0"/>
+              <a:t>Broj komponenti pca algoritma</a:t>
+            </a:r>
+            <a:endParaRPr lang="en-US" dirty="0"/>
+          </a:p>
+        </p:txBody>
+      </p:sp>
+      <p:graphicFrame>
+        <p:nvGraphicFramePr>
+          <p:cNvPr id="4" name="Table 4">
+            <a:extLst>
+              <a:ext uri="{FF2B5EF4-FFF2-40B4-BE49-F238E27FC236}">
+                <a16:creationId xmlns:a16="http://schemas.microsoft.com/office/drawing/2014/main" id="{90BFDD7D-7C84-44B9-A5BE-F7829413191F}"/>
+              </a:ext>
+            </a:extLst>
+          </p:cNvPr>
+          <p:cNvGraphicFramePr>
+            <a:graphicFrameLocks noGrp="1"/>
+          </p:cNvGraphicFramePr>
+          <p:nvPr>
+            <p:ph idx="1"/>
+            <p:extLst>
+              <p:ext uri="{D42A27DB-BD31-4B8C-83A1-F6EECF244321}">
+                <p14:modId xmlns:p14="http://schemas.microsoft.com/office/powerpoint/2010/main" val="2106812016"/>
+              </p:ext>
+            </p:extLst>
+          </p:nvPr>
+        </p:nvGraphicFramePr>
+        <p:xfrm>
+          <a:off x="2229740" y="2477060"/>
+          <a:ext cx="7731124" cy="2494280"/>
+        </p:xfrm>
+        <a:graphic>
+          <a:graphicData uri="http://schemas.openxmlformats.org/drawingml/2006/table">
+            <a:tbl>
+              <a:tblPr firstRow="1" bandRow="1">
+                <a:tableStyleId>{073A0DAA-6AF3-43AB-8588-CEC1D06C72B9}</a:tableStyleId>
+              </a:tblPr>
+              <a:tblGrid>
+                <a:gridCol w="3865562">
+                  <a:extLst>
+                    <a:ext uri="{9D8B030D-6E8A-4147-A177-3AD203B41FA5}">
+                      <a16:colId xmlns:a16="http://schemas.microsoft.com/office/drawing/2014/main" val="2842185225"/>
+                    </a:ext>
+                  </a:extLst>
+                </a:gridCol>
+                <a:gridCol w="3865562">
+                  <a:extLst>
+                    <a:ext uri="{9D8B030D-6E8A-4147-A177-3AD203B41FA5}">
+                      <a16:colId xmlns:a16="http://schemas.microsoft.com/office/drawing/2014/main" val="4230530705"/>
+                    </a:ext>
+                  </a:extLst>
+                </a:gridCol>
+              </a:tblGrid>
+              <a:tr h="370840">
+                <a:tc>
+                  <a:txBody>
+                    <a:bodyPr/>
+                    <a:lstStyle/>
+                    <a:p>
+                      <a:r>
+                        <a:rPr lang="sr-Latn-RS" dirty="0"/>
+                        <a:t>Broj komponenti</a:t>
+                      </a:r>
+                      <a:endParaRPr lang="en-US" dirty="0"/>
+                    </a:p>
+                  </a:txBody>
+                  <a:tcPr/>
+                </a:tc>
+                <a:tc>
+                  <a:txBody>
+                    <a:bodyPr/>
+                    <a:lstStyle/>
+                    <a:p>
+                      <a:r>
+                        <a:rPr lang="sr-Latn-RS" dirty="0"/>
+                        <a:t>F1 nad test podacima sa podrazumevanim parametrima</a:t>
+                      </a:r>
+                      <a:endParaRPr lang="en-US" dirty="0"/>
+                    </a:p>
+                  </a:txBody>
+                  <a:tcPr/>
+                </a:tc>
+                <a:extLst>
+                  <a:ext uri="{0D108BD9-81ED-4DB2-BD59-A6C34878D82A}">
+                    <a16:rowId xmlns:a16="http://schemas.microsoft.com/office/drawing/2014/main" val="3968423858"/>
+                  </a:ext>
+                </a:extLst>
+              </a:tr>
+              <a:tr h="370840">
+                <a:tc>
+                  <a:txBody>
+                    <a:bodyPr/>
+                    <a:lstStyle/>
+                    <a:p>
+                      <a:r>
+                        <a:rPr lang="sr-Latn-RS" dirty="0"/>
+                        <a:t>1</a:t>
+                      </a:r>
+                      <a:endParaRPr lang="en-US" dirty="0"/>
+                    </a:p>
+                  </a:txBody>
+                  <a:tcPr/>
+                </a:tc>
+                <a:tc>
+                  <a:txBody>
+                    <a:bodyPr/>
+                    <a:lstStyle/>
+                    <a:p>
+                      <a:r>
+                        <a:rPr lang="sr-Latn-RS" dirty="0"/>
+                        <a:t>0,78</a:t>
+                      </a:r>
+                      <a:endParaRPr lang="en-US" dirty="0"/>
+                    </a:p>
+                  </a:txBody>
+                  <a:tcPr/>
+                </a:tc>
+                <a:extLst>
+                  <a:ext uri="{0D108BD9-81ED-4DB2-BD59-A6C34878D82A}">
+                    <a16:rowId xmlns:a16="http://schemas.microsoft.com/office/drawing/2014/main" val="2679289489"/>
+                  </a:ext>
+                </a:extLst>
+              </a:tr>
+              <a:tr h="370840">
+                <a:tc>
+                  <a:txBody>
+                    <a:bodyPr/>
+                    <a:lstStyle/>
+                    <a:p>
+                      <a:r>
+                        <a:rPr lang="sr-Latn-RS" dirty="0"/>
+                        <a:t>2</a:t>
+                      </a:r>
+                      <a:endParaRPr lang="en-US" dirty="0"/>
+                    </a:p>
+                  </a:txBody>
+                  <a:tcPr/>
+                </a:tc>
+                <a:tc>
+                  <a:txBody>
+                    <a:bodyPr/>
+                    <a:lstStyle/>
+                    <a:p>
+                      <a:r>
+                        <a:rPr lang="sr-Latn-RS" dirty="0"/>
+                        <a:t>0,93</a:t>
+                      </a:r>
+                      <a:endParaRPr lang="en-US" dirty="0"/>
+                    </a:p>
+                  </a:txBody>
+                  <a:tcPr/>
+                </a:tc>
+                <a:extLst>
+                  <a:ext uri="{0D108BD9-81ED-4DB2-BD59-A6C34878D82A}">
+                    <a16:rowId xmlns:a16="http://schemas.microsoft.com/office/drawing/2014/main" val="2270201161"/>
+                  </a:ext>
+                </a:extLst>
+              </a:tr>
+              <a:tr h="370840">
+                <a:tc>
+                  <a:txBody>
+                    <a:bodyPr/>
+                    <a:lstStyle/>
+                    <a:p>
+                      <a:r>
+                        <a:rPr lang="sr-Latn-RS" dirty="0"/>
+                        <a:t>3</a:t>
+                      </a:r>
+                      <a:endParaRPr lang="en-US" dirty="0"/>
+                    </a:p>
+                  </a:txBody>
+                  <a:tcPr/>
+                </a:tc>
+                <a:tc>
+                  <a:txBody>
+                    <a:bodyPr/>
+                    <a:lstStyle/>
+                    <a:p>
+                      <a:r>
+                        <a:rPr lang="sr-Latn-RS" dirty="0"/>
+                        <a:t>0,93</a:t>
+                      </a:r>
+                      <a:endParaRPr lang="en-US" dirty="0"/>
+                    </a:p>
+                  </a:txBody>
+                  <a:tcPr/>
+                </a:tc>
+                <a:extLst>
+                  <a:ext uri="{0D108BD9-81ED-4DB2-BD59-A6C34878D82A}">
+                    <a16:rowId xmlns:a16="http://schemas.microsoft.com/office/drawing/2014/main" val="3138728576"/>
+                  </a:ext>
+                </a:extLst>
+              </a:tr>
+              <a:tr h="370840">
+                <a:tc>
+                  <a:txBody>
+                    <a:bodyPr/>
+                    <a:lstStyle/>
+                    <a:p>
+                      <a:r>
+                        <a:rPr lang="sr-Latn-RS" dirty="0"/>
+                        <a:t>4</a:t>
+                      </a:r>
+                      <a:endParaRPr lang="en-US" dirty="0"/>
+                    </a:p>
+                  </a:txBody>
+                  <a:tcPr/>
+                </a:tc>
+                <a:tc>
+                  <a:txBody>
+                    <a:bodyPr/>
+                    <a:lstStyle/>
+                    <a:p>
+                      <a:r>
+                        <a:rPr lang="sr-Latn-RS" dirty="0"/>
+                        <a:t>0,94</a:t>
+                      </a:r>
+                      <a:endParaRPr lang="en-US" dirty="0"/>
+                    </a:p>
+                  </a:txBody>
+                  <a:tcPr/>
+                </a:tc>
+                <a:extLst>
+                  <a:ext uri="{0D108BD9-81ED-4DB2-BD59-A6C34878D82A}">
+                    <a16:rowId xmlns:a16="http://schemas.microsoft.com/office/drawing/2014/main" val="1083406859"/>
+                  </a:ext>
+                </a:extLst>
+              </a:tr>
+              <a:tr h="370840">
+                <a:tc>
+                  <a:txBody>
+                    <a:bodyPr/>
+                    <a:lstStyle/>
+                    <a:p>
+                      <a:r>
+                        <a:rPr lang="sr-Latn-RS" dirty="0"/>
+                        <a:t>5</a:t>
+                      </a:r>
+                      <a:endParaRPr lang="en-US" dirty="0"/>
+                    </a:p>
+                  </a:txBody>
+                  <a:tcPr/>
+                </a:tc>
+                <a:tc>
+                  <a:txBody>
+                    <a:bodyPr/>
+                    <a:lstStyle/>
+                    <a:p>
+                      <a:r>
+                        <a:rPr lang="sr-Latn-RS" dirty="0"/>
+                        <a:t>0,95</a:t>
+                      </a:r>
+                      <a:endParaRPr lang="en-US" dirty="0"/>
+                    </a:p>
+                  </a:txBody>
+                  <a:tcPr/>
+                </a:tc>
+                <a:extLst>
+                  <a:ext uri="{0D108BD9-81ED-4DB2-BD59-A6C34878D82A}">
+                    <a16:rowId xmlns:a16="http://schemas.microsoft.com/office/drawing/2014/main" val="417126326"/>
+                  </a:ext>
+                </a:extLst>
+              </a:tr>
+            </a:tbl>
+          </a:graphicData>
+        </a:graphic>
+      </p:graphicFrame>
+      <p:sp>
+        <p:nvSpPr>
+          <p:cNvPr id="5" name="Content Placeholder 2">
+            <a:extLst>
+              <a:ext uri="{FF2B5EF4-FFF2-40B4-BE49-F238E27FC236}">
+                <a16:creationId xmlns:a16="http://schemas.microsoft.com/office/drawing/2014/main" id="{B3F65514-EEA3-4E77-A9C8-653148C74927}"/>
+              </a:ext>
+            </a:extLst>
+          </p:cNvPr>
+          <p:cNvSpPr txBox="1">
+            <a:spLocks/>
+          </p:cNvSpPr>
+          <p:nvPr/>
+        </p:nvSpPr>
+        <p:spPr>
+          <a:xfrm>
+            <a:off x="1895683" y="5082988"/>
+            <a:ext cx="8628882" cy="1425388"/>
+          </a:xfrm>
+          <a:prstGeom prst="rect">
+            <a:avLst/>
+          </a:prstGeom>
+        </p:spPr>
+        <p:txBody>
+          <a:bodyPr vert="horz" lIns="91440" tIns="45720" rIns="91440" bIns="45720" rtlCol="0">
+            <a:normAutofit/>
+          </a:bodyPr>
+          <a:lstStyle>
+            <a:lvl1pPr marL="228600" indent="-228600" algn="l" defTabSz="914400" rtl="0" eaLnBrk="1" latinLnBrk="0" hangingPunct="1">
+              <a:lnSpc>
+                <a:spcPct val="100000"/>
+              </a:lnSpc>
+              <a:spcBef>
+                <a:spcPts val="1000"/>
+              </a:spcBef>
+              <a:buClr>
+                <a:schemeClr val="accent2"/>
+              </a:buClr>
+              <a:buFont typeface="Arial" panose="020B0604020202020204" pitchFamily="34" charset="0"/>
+              <a:buChar char="•"/>
+              <a:defRPr sz="1800" kern="1200">
+                <a:solidFill>
+                  <a:schemeClr val="tx1">
+                    <a:lumMod val="85000"/>
+                    <a:lumOff val="15000"/>
+                  </a:schemeClr>
+                </a:solidFill>
+                <a:latin typeface="+mn-lt"/>
+                <a:ea typeface="+mn-ea"/>
+                <a:cs typeface="+mn-cs"/>
+              </a:defRPr>
+            </a:lvl1pPr>
+            <a:lvl2pPr marL="457200" indent="-228600" algn="l" defTabSz="914400" rtl="0" eaLnBrk="1" latinLnBrk="0" hangingPunct="1">
+              <a:lnSpc>
+                <a:spcPct val="100000"/>
+              </a:lnSpc>
+              <a:spcBef>
+                <a:spcPts val="1000"/>
+              </a:spcBef>
+              <a:buClr>
+                <a:schemeClr val="accent2"/>
+              </a:buClr>
+              <a:buFont typeface="Arial" panose="020B0604020202020204" pitchFamily="34" charset="0"/>
+              <a:buChar char="•"/>
+              <a:defRPr sz="1600" kern="1200">
+                <a:solidFill>
+                  <a:schemeClr val="tx1">
+                    <a:lumMod val="85000"/>
+                    <a:lumOff val="15000"/>
+                  </a:schemeClr>
+                </a:solidFill>
+                <a:latin typeface="+mn-lt"/>
+                <a:ea typeface="+mn-ea"/>
+                <a:cs typeface="+mn-cs"/>
+              </a:defRPr>
+            </a:lvl2pPr>
+            <a:lvl3pPr marL="685800" indent="-228600" algn="l" defTabSz="914400" rtl="0" eaLnBrk="1" latinLnBrk="0" hangingPunct="1">
+              <a:lnSpc>
+                <a:spcPct val="100000"/>
+              </a:lnSpc>
+              <a:spcBef>
+                <a:spcPts val="1000"/>
+              </a:spcBef>
+              <a:buClr>
+                <a:schemeClr val="accent2"/>
+              </a:buClr>
+              <a:buFont typeface="Arial" panose="020B0604020202020204" pitchFamily="34" charset="0"/>
+              <a:buChar char="•"/>
+              <a:defRPr sz="1600" kern="1200">
+                <a:solidFill>
+                  <a:schemeClr val="tx1">
+                    <a:lumMod val="85000"/>
+                    <a:lumOff val="15000"/>
+                  </a:schemeClr>
+                </a:solidFill>
+                <a:latin typeface="+mn-lt"/>
+                <a:ea typeface="+mn-ea"/>
+                <a:cs typeface="+mn-cs"/>
+              </a:defRPr>
+            </a:lvl3pPr>
+            <a:lvl4pPr marL="914400" indent="-228600" algn="l" defTabSz="914400" rtl="0" eaLnBrk="1" latinLnBrk="0" hangingPunct="1">
+              <a:lnSpc>
+                <a:spcPct val="100000"/>
+              </a:lnSpc>
+              <a:spcBef>
+                <a:spcPts val="1000"/>
+              </a:spcBef>
+              <a:buClr>
+                <a:schemeClr val="accent2"/>
+              </a:buClr>
+              <a:buFont typeface="Arial" panose="020B0604020202020204" pitchFamily="34" charset="0"/>
+              <a:buChar char="•"/>
+              <a:defRPr sz="1600" kern="1200">
+                <a:solidFill>
+                  <a:schemeClr val="tx1">
+                    <a:lumMod val="85000"/>
+                    <a:lumOff val="15000"/>
+                  </a:schemeClr>
+                </a:solidFill>
+                <a:latin typeface="+mn-lt"/>
+                <a:ea typeface="+mn-ea"/>
+                <a:cs typeface="+mn-cs"/>
+              </a:defRPr>
+            </a:lvl4pPr>
+            <a:lvl5pPr marL="1143000" indent="-228600" algn="l" defTabSz="914400" rtl="0" eaLnBrk="1" latinLnBrk="0" hangingPunct="1">
+              <a:lnSpc>
+                <a:spcPct val="100000"/>
+              </a:lnSpc>
+              <a:spcBef>
+                <a:spcPts val="1000"/>
+              </a:spcBef>
+              <a:buClr>
+                <a:schemeClr val="accent2"/>
+              </a:buClr>
+              <a:buFont typeface="Arial" panose="020B0604020202020204" pitchFamily="34" charset="0"/>
+              <a:buChar char="•"/>
+              <a:defRPr sz="1600" kern="1200">
+                <a:solidFill>
+                  <a:schemeClr val="tx1">
+                    <a:lumMod val="85000"/>
+                    <a:lumOff val="15000"/>
+                  </a:schemeClr>
+                </a:solidFill>
+                <a:latin typeface="+mn-lt"/>
+                <a:ea typeface="+mn-ea"/>
+                <a:cs typeface="+mn-cs"/>
+              </a:defRPr>
+            </a:lvl5pPr>
+            <a:lvl6pPr marL="1312863" indent="-228600" algn="l" defTabSz="914400" rtl="0" eaLnBrk="1" latinLnBrk="0" hangingPunct="1">
+              <a:lnSpc>
+                <a:spcPct val="100000"/>
+              </a:lnSpc>
+              <a:spcBef>
+                <a:spcPts val="1000"/>
+              </a:spcBef>
+              <a:buClr>
+                <a:schemeClr val="accent2"/>
+              </a:buClr>
+              <a:buFont typeface="Arial" panose="020B0604020202020204" pitchFamily="34" charset="0"/>
+              <a:buChar char="•"/>
+              <a:defRPr sz="1600" kern="1200">
+                <a:solidFill>
+                  <a:schemeClr val="tx1"/>
+                </a:solidFill>
+                <a:latin typeface="+mn-lt"/>
+                <a:ea typeface="+mn-ea"/>
+                <a:cs typeface="+mn-cs"/>
+              </a:defRPr>
+            </a:lvl6pPr>
+            <a:lvl7pPr marL="1484313" indent="-228600" algn="l" defTabSz="914400" rtl="0" eaLnBrk="1" latinLnBrk="0" hangingPunct="1">
+              <a:lnSpc>
+                <a:spcPct val="100000"/>
+              </a:lnSpc>
+              <a:spcBef>
+                <a:spcPts val="1000"/>
+              </a:spcBef>
+              <a:buClr>
+                <a:schemeClr val="accent2"/>
+              </a:buClr>
+              <a:buFont typeface="Arial" panose="020B0604020202020204" pitchFamily="34" charset="0"/>
+              <a:buChar char="•"/>
+              <a:defRPr sz="1600" kern="1200">
+                <a:solidFill>
+                  <a:schemeClr val="tx1"/>
+                </a:solidFill>
+                <a:latin typeface="+mn-lt"/>
+                <a:ea typeface="+mn-ea"/>
+                <a:cs typeface="+mn-cs"/>
+              </a:defRPr>
+            </a:lvl7pPr>
+            <a:lvl8pPr marL="1657350" indent="-228600" algn="l" defTabSz="914400" rtl="0" eaLnBrk="1" latinLnBrk="0" hangingPunct="1">
+              <a:lnSpc>
+                <a:spcPct val="100000"/>
+              </a:lnSpc>
+              <a:spcBef>
+                <a:spcPts val="1000"/>
+              </a:spcBef>
+              <a:buClr>
+                <a:schemeClr val="accent2"/>
+              </a:buClr>
+              <a:buFont typeface="Arial" panose="020B0604020202020204" pitchFamily="34" charset="0"/>
+              <a:buChar char="•"/>
+              <a:defRPr sz="1600" kern="1200" baseline="0">
+                <a:solidFill>
+                  <a:schemeClr val="tx1"/>
+                </a:solidFill>
+                <a:latin typeface="+mn-lt"/>
+                <a:ea typeface="+mn-ea"/>
+                <a:cs typeface="+mn-cs"/>
+              </a:defRPr>
+            </a:lvl8pPr>
+            <a:lvl9pPr marL="1882775" indent="-228600" algn="l" defTabSz="914400" rtl="0" eaLnBrk="1" latinLnBrk="0" hangingPunct="1">
+              <a:lnSpc>
+                <a:spcPct val="100000"/>
+              </a:lnSpc>
+              <a:spcBef>
+                <a:spcPts val="1000"/>
+              </a:spcBef>
+              <a:buClr>
+                <a:schemeClr val="accent2"/>
+              </a:buClr>
+              <a:buFont typeface="Arial" panose="020B0604020202020204" pitchFamily="34" charset="0"/>
+              <a:buChar char="•"/>
+              <a:defRPr sz="1600" kern="1200" baseline="0">
+                <a:solidFill>
+                  <a:schemeClr val="tx1"/>
+                </a:solidFill>
+                <a:latin typeface="+mn-lt"/>
+                <a:ea typeface="+mn-ea"/>
+                <a:cs typeface="+mn-cs"/>
+              </a:defRPr>
+            </a:lvl9pPr>
+          </a:lstStyle>
+          <a:p>
+            <a:r>
+              <a:rPr lang="sr-Latn-RS" dirty="0"/>
+              <a:t>Vidimo da su performanse nakon 2. komponente slične, ali je zbog jednostavnosti modela traženje najboljih parametara vršeno i nad 5 komponenti.</a:t>
+            </a:r>
+          </a:p>
+          <a:p>
+            <a:endParaRPr lang="sr-Latn-RS" dirty="0"/>
+          </a:p>
+          <a:p>
+            <a:endParaRPr lang="sr-Latn-RS" dirty="0"/>
+          </a:p>
+          <a:p>
+            <a:endParaRPr lang="en-US" dirty="0"/>
+          </a:p>
+        </p:txBody>
+      </p:sp>
+    </p:spTree>
+    <p:extLst>
+      <p:ext uri="{BB962C8B-B14F-4D97-AF65-F5344CB8AC3E}">
+        <p14:creationId xmlns:p14="http://schemas.microsoft.com/office/powerpoint/2010/main" val="4150298930"/>
+      </p:ext>
+    </p:extLst>
+  </p:cSld>
+  <p:clrMapOvr>
+    <a:masterClrMapping/>
+  </p:clrMapOvr>
+  <p:transition spd="slow">
+    <p:push dir="u"/>
+  </p:transition>
+</p:sld>
+</file>
+
+<file path=ppt/slides/slide25.xml><?xml version="1.0" encoding="utf-8"?>
+<p:sld xmlns:a="http://schemas.openxmlformats.org/drawingml/2006/main" xmlns:r="http://schemas.openxmlformats.org/officeDocument/2006/relationships" xmlns:p="http://schemas.openxmlformats.org/presentationml/2006/main">
+  <p:cSld>
+    <p:spTree>
+      <p:nvGrpSpPr>
+        <p:cNvPr id="1" name=""/>
+        <p:cNvGrpSpPr/>
+        <p:nvPr/>
+      </p:nvGrpSpPr>
+      <p:grpSpPr>
+        <a:xfrm>
+          <a:off x="0" y="0"/>
+          <a:ext cx="0" cy="0"/>
+          <a:chOff x="0" y="0"/>
+          <a:chExt cx="0" cy="0"/>
+        </a:xfrm>
+      </p:grpSpPr>
+      <p:sp>
+        <p:nvSpPr>
+          <p:cNvPr id="2" name="Title 1">
+            <a:extLst>
+              <a:ext uri="{FF2B5EF4-FFF2-40B4-BE49-F238E27FC236}">
+                <a16:creationId xmlns:a16="http://schemas.microsoft.com/office/drawing/2014/main" id="{5163EF64-7E39-4577-B4ED-33BE78B19717}"/>
+              </a:ext>
+            </a:extLst>
+          </p:cNvPr>
+          <p:cNvSpPr>
+            <a:spLocks noGrp="1"/>
+          </p:cNvSpPr>
+          <p:nvPr>
+            <p:ph type="title"/>
+          </p:nvPr>
+        </p:nvSpPr>
+        <p:spPr/>
+        <p:txBody>
+          <a:bodyPr/>
+          <a:lstStyle/>
+          <a:p>
+            <a:r>
+              <a:rPr lang="sr-Latn-RS" dirty="0"/>
+              <a:t>Najbolji parametri i rezultati</a:t>
+            </a:r>
+            <a:endParaRPr lang="en-US" dirty="0"/>
+          </a:p>
+        </p:txBody>
+      </p:sp>
+      <p:graphicFrame>
+        <p:nvGraphicFramePr>
+          <p:cNvPr id="4" name="Table 4">
+            <a:extLst>
+              <a:ext uri="{FF2B5EF4-FFF2-40B4-BE49-F238E27FC236}">
+                <a16:creationId xmlns:a16="http://schemas.microsoft.com/office/drawing/2014/main" id="{2B7D3C9B-089B-4085-AFF4-57F3980421D5}"/>
+              </a:ext>
+            </a:extLst>
+          </p:cNvPr>
+          <p:cNvGraphicFramePr>
+            <a:graphicFrameLocks noGrp="1"/>
+          </p:cNvGraphicFramePr>
+          <p:nvPr>
+            <p:ph idx="1"/>
+            <p:extLst>
+              <p:ext uri="{D42A27DB-BD31-4B8C-83A1-F6EECF244321}">
+                <p14:modId xmlns:p14="http://schemas.microsoft.com/office/powerpoint/2010/main" val="703056711"/>
+              </p:ext>
+            </p:extLst>
+          </p:nvPr>
+        </p:nvGraphicFramePr>
+        <p:xfrm>
+          <a:off x="1030941" y="2638425"/>
+          <a:ext cx="10542495" cy="3806910"/>
+        </p:xfrm>
+        <a:graphic>
+          <a:graphicData uri="http://schemas.openxmlformats.org/drawingml/2006/table">
+            <a:tbl>
+              <a:tblPr firstRow="1" bandRow="1">
+                <a:tableStyleId>{073A0DAA-6AF3-43AB-8588-CEC1D06C72B9}</a:tableStyleId>
+              </a:tblPr>
+              <a:tblGrid>
+                <a:gridCol w="2108499">
+                  <a:extLst>
+                    <a:ext uri="{9D8B030D-6E8A-4147-A177-3AD203B41FA5}">
+                      <a16:colId xmlns:a16="http://schemas.microsoft.com/office/drawing/2014/main" val="3935950794"/>
+                    </a:ext>
+                  </a:extLst>
+                </a:gridCol>
+                <a:gridCol w="2108499">
+                  <a:extLst>
+                    <a:ext uri="{9D8B030D-6E8A-4147-A177-3AD203B41FA5}">
+                      <a16:colId xmlns:a16="http://schemas.microsoft.com/office/drawing/2014/main" val="4181227317"/>
+                    </a:ext>
+                  </a:extLst>
+                </a:gridCol>
+                <a:gridCol w="2108499">
+                  <a:extLst>
+                    <a:ext uri="{9D8B030D-6E8A-4147-A177-3AD203B41FA5}">
+                      <a16:colId xmlns:a16="http://schemas.microsoft.com/office/drawing/2014/main" val="1998871897"/>
+                    </a:ext>
+                  </a:extLst>
+                </a:gridCol>
+                <a:gridCol w="2108499">
+                  <a:extLst>
+                    <a:ext uri="{9D8B030D-6E8A-4147-A177-3AD203B41FA5}">
+                      <a16:colId xmlns:a16="http://schemas.microsoft.com/office/drawing/2014/main" val="833436083"/>
+                    </a:ext>
+                  </a:extLst>
+                </a:gridCol>
+                <a:gridCol w="2108499">
+                  <a:extLst>
+                    <a:ext uri="{9D8B030D-6E8A-4147-A177-3AD203B41FA5}">
+                      <a16:colId xmlns:a16="http://schemas.microsoft.com/office/drawing/2014/main" val="3847105452"/>
+                    </a:ext>
+                  </a:extLst>
+                </a:gridCol>
+              </a:tblGrid>
+              <a:tr h="529206">
+                <a:tc>
+                  <a:txBody>
+                    <a:bodyPr/>
+                    <a:lstStyle/>
+                    <a:p>
+                      <a:r>
+                        <a:rPr lang="sr-Latn-RS" dirty="0"/>
+                        <a:t>Osobine</a:t>
+                      </a:r>
+                      <a:endParaRPr lang="en-US" dirty="0"/>
+                    </a:p>
+                  </a:txBody>
+                  <a:tcPr/>
+                </a:tc>
+                <a:tc>
+                  <a:txBody>
+                    <a:bodyPr/>
+                    <a:lstStyle/>
+                    <a:p>
+                      <a:r>
+                        <a:rPr lang="sr-Latn-RS" dirty="0"/>
+                        <a:t>C</a:t>
+                      </a:r>
+                      <a:endParaRPr lang="en-US" dirty="0"/>
+                    </a:p>
+                  </a:txBody>
+                  <a:tcPr/>
+                </a:tc>
+                <a:tc>
+                  <a:txBody>
+                    <a:bodyPr/>
+                    <a:lstStyle/>
+                    <a:p>
+                      <a:r>
+                        <a:rPr lang="sr-Latn-RS" dirty="0"/>
+                        <a:t>Gamma</a:t>
+                      </a:r>
+                      <a:endParaRPr lang="en-US" dirty="0"/>
+                    </a:p>
+                  </a:txBody>
+                  <a:tcPr/>
+                </a:tc>
+                <a:tc>
+                  <a:txBody>
+                    <a:bodyPr/>
+                    <a:lstStyle/>
+                    <a:p>
+                      <a:r>
+                        <a:rPr lang="sr-Latn-RS" dirty="0"/>
+                        <a:t>Kernel</a:t>
+                      </a:r>
+                      <a:endParaRPr lang="en-US" dirty="0"/>
+                    </a:p>
+                  </a:txBody>
+                  <a:tcPr/>
+                </a:tc>
+                <a:tc>
+                  <a:txBody>
+                    <a:bodyPr/>
+                    <a:lstStyle/>
+                    <a:p>
+                      <a:r>
+                        <a:rPr lang="sr-Latn-RS" dirty="0"/>
+                        <a:t>F1</a:t>
+                      </a:r>
+                      <a:endParaRPr lang="en-US" dirty="0"/>
+                    </a:p>
+                  </a:txBody>
+                  <a:tcPr/>
+                </a:tc>
+                <a:extLst>
+                  <a:ext uri="{0D108BD9-81ED-4DB2-BD59-A6C34878D82A}">
+                    <a16:rowId xmlns:a16="http://schemas.microsoft.com/office/drawing/2014/main" val="2781122779"/>
+                  </a:ext>
+                </a:extLst>
+              </a:tr>
+              <a:tr h="529206">
+                <a:tc>
+                  <a:txBody>
+                    <a:bodyPr/>
+                    <a:lstStyle/>
+                    <a:p>
+                      <a:r>
+                        <a:rPr lang="sr-Latn-RS" dirty="0"/>
+                        <a:t>Statističke osobine</a:t>
+                      </a:r>
+                      <a:endParaRPr lang="en-US" dirty="0"/>
+                    </a:p>
+                  </a:txBody>
+                  <a:tcPr/>
+                </a:tc>
+                <a:tc>
+                  <a:txBody>
+                    <a:bodyPr/>
+                    <a:lstStyle/>
+                    <a:p>
+                      <a:r>
+                        <a:rPr lang="sr-Latn-RS" dirty="0"/>
+                        <a:t>100</a:t>
+                      </a:r>
+                      <a:endParaRPr lang="en-US" dirty="0"/>
+                    </a:p>
+                  </a:txBody>
+                  <a:tcPr/>
+                </a:tc>
+                <a:tc>
+                  <a:txBody>
+                    <a:bodyPr/>
+                    <a:lstStyle/>
+                    <a:p>
+                      <a:r>
+                        <a:rPr lang="sr-Latn-RS" dirty="0"/>
+                        <a:t>0,1</a:t>
+                      </a:r>
+                      <a:endParaRPr lang="en-US" dirty="0"/>
+                    </a:p>
+                  </a:txBody>
+                  <a:tcPr/>
+                </a:tc>
+                <a:tc>
+                  <a:txBody>
+                    <a:bodyPr/>
+                    <a:lstStyle/>
+                    <a:p>
+                      <a:r>
+                        <a:rPr lang="sr-Latn-RS" dirty="0"/>
+                        <a:t>Rbf</a:t>
+                      </a:r>
+                      <a:endParaRPr lang="en-US" dirty="0"/>
+                    </a:p>
+                  </a:txBody>
+                  <a:tcPr/>
+                </a:tc>
+                <a:tc>
+                  <a:txBody>
+                    <a:bodyPr/>
+                    <a:lstStyle/>
+                    <a:p>
+                      <a:r>
+                        <a:rPr lang="sr-Latn-RS" dirty="0"/>
+                        <a:t>0,953</a:t>
+                      </a:r>
+                      <a:endParaRPr lang="en-US" dirty="0"/>
+                    </a:p>
+                  </a:txBody>
+                  <a:tcPr/>
+                </a:tc>
+                <a:extLst>
+                  <a:ext uri="{0D108BD9-81ED-4DB2-BD59-A6C34878D82A}">
+                    <a16:rowId xmlns:a16="http://schemas.microsoft.com/office/drawing/2014/main" val="2801887359"/>
+                  </a:ext>
+                </a:extLst>
+              </a:tr>
+              <a:tr h="529206">
+                <a:tc>
+                  <a:txBody>
+                    <a:bodyPr/>
+                    <a:lstStyle/>
+                    <a:p>
+                      <a:r>
+                        <a:rPr lang="sr-Latn-RS" dirty="0"/>
+                        <a:t>AR model 9. reda</a:t>
+                      </a:r>
+                      <a:endParaRPr lang="en-US" dirty="0"/>
+                    </a:p>
+                  </a:txBody>
+                  <a:tcPr/>
+                </a:tc>
+                <a:tc>
+                  <a:txBody>
+                    <a:bodyPr/>
+                    <a:lstStyle/>
+                    <a:p>
+                      <a:r>
+                        <a:rPr lang="sr-Latn-RS" dirty="0"/>
+                        <a:t>90</a:t>
+                      </a:r>
+                      <a:endParaRPr lang="en-US" dirty="0"/>
+                    </a:p>
+                  </a:txBody>
+                  <a:tcPr/>
+                </a:tc>
+                <a:tc>
+                  <a:txBody>
+                    <a:bodyPr/>
+                    <a:lstStyle/>
+                    <a:p>
+                      <a:r>
+                        <a:rPr lang="sr-Latn-RS" dirty="0"/>
+                        <a:t>0,1</a:t>
+                      </a:r>
+                      <a:endParaRPr lang="en-US" dirty="0"/>
+                    </a:p>
+                  </a:txBody>
+                  <a:tcPr/>
+                </a:tc>
+                <a:tc>
+                  <a:txBody>
+                    <a:bodyPr/>
+                    <a:lstStyle/>
+                    <a:p>
+                      <a:r>
+                        <a:rPr lang="sr-Latn-RS" dirty="0"/>
+                        <a:t>Rbf</a:t>
+                      </a:r>
+                      <a:endParaRPr lang="en-US" dirty="0"/>
+                    </a:p>
+                  </a:txBody>
+                  <a:tcPr/>
+                </a:tc>
+                <a:tc>
+                  <a:txBody>
+                    <a:bodyPr/>
+                    <a:lstStyle/>
+                    <a:p>
+                      <a:r>
+                        <a:rPr lang="sr-Latn-RS" dirty="0"/>
+                        <a:t>0,949</a:t>
+                      </a:r>
+                      <a:endParaRPr lang="en-US" dirty="0"/>
+                    </a:p>
+                  </a:txBody>
+                  <a:tcPr/>
+                </a:tc>
+                <a:extLst>
+                  <a:ext uri="{0D108BD9-81ED-4DB2-BD59-A6C34878D82A}">
+                    <a16:rowId xmlns:a16="http://schemas.microsoft.com/office/drawing/2014/main" val="2655060945"/>
+                  </a:ext>
+                </a:extLst>
+              </a:tr>
+              <a:tr h="1304892">
+                <a:tc>
+                  <a:txBody>
+                    <a:bodyPr/>
+                    <a:lstStyle/>
+                    <a:p>
+                      <a:r>
+                        <a:rPr lang="sr-Latn-RS" dirty="0"/>
+                        <a:t>Furieova transformacija </a:t>
+                      </a:r>
+                    </a:p>
+                    <a:p>
+                      <a:r>
+                        <a:rPr lang="sr-Latn-RS" dirty="0"/>
+                        <a:t>(2 komponente)</a:t>
+                      </a:r>
+                      <a:endParaRPr lang="en-US" dirty="0"/>
+                    </a:p>
+                  </a:txBody>
+                  <a:tcPr/>
+                </a:tc>
+                <a:tc>
+                  <a:txBody>
+                    <a:bodyPr/>
+                    <a:lstStyle/>
+                    <a:p>
+                      <a:r>
+                        <a:rPr lang="sr-Latn-RS" dirty="0"/>
+                        <a:t>110</a:t>
+                      </a:r>
+                      <a:endParaRPr lang="en-US" dirty="0"/>
+                    </a:p>
+                  </a:txBody>
+                  <a:tcPr/>
+                </a:tc>
+                <a:tc>
+                  <a:txBody>
+                    <a:bodyPr/>
+                    <a:lstStyle/>
+                    <a:p>
+                      <a:r>
+                        <a:rPr lang="sr-Latn-RS" dirty="0"/>
+                        <a:t>0,1</a:t>
+                      </a:r>
+                      <a:endParaRPr lang="en-US" dirty="0"/>
+                    </a:p>
+                  </a:txBody>
+                  <a:tcPr/>
+                </a:tc>
+                <a:tc>
+                  <a:txBody>
+                    <a:bodyPr/>
+                    <a:lstStyle/>
+                    <a:p>
+                      <a:r>
+                        <a:rPr lang="sr-Latn-RS" dirty="0"/>
+                        <a:t>Rbf</a:t>
+                      </a:r>
+                      <a:endParaRPr lang="en-US" dirty="0"/>
+                    </a:p>
+                  </a:txBody>
+                  <a:tcPr/>
+                </a:tc>
+                <a:tc>
+                  <a:txBody>
+                    <a:bodyPr/>
+                    <a:lstStyle/>
+                    <a:p>
+                      <a:r>
+                        <a:rPr lang="sr-Latn-RS" dirty="0"/>
+                        <a:t>0,935</a:t>
+                      </a:r>
+                      <a:endParaRPr lang="en-US" dirty="0"/>
+                    </a:p>
+                  </a:txBody>
+                  <a:tcPr/>
+                </a:tc>
+                <a:extLst>
+                  <a:ext uri="{0D108BD9-81ED-4DB2-BD59-A6C34878D82A}">
+                    <a16:rowId xmlns:a16="http://schemas.microsoft.com/office/drawing/2014/main" val="1847423158"/>
+                  </a:ext>
+                </a:extLst>
+              </a:tr>
+              <a:tr h="529206">
+                <a:tc>
+                  <a:txBody>
+                    <a:bodyPr/>
+                    <a:lstStyle/>
+                    <a:p>
+                      <a:r>
+                        <a:rPr lang="sr-Latn-RS" dirty="0"/>
+                        <a:t>Furieova transformacija </a:t>
+                      </a:r>
+                    </a:p>
+                    <a:p>
+                      <a:r>
+                        <a:rPr lang="sr-Latn-RS" dirty="0"/>
+                        <a:t>(5 komponenti)</a:t>
+                      </a:r>
+                      <a:endParaRPr lang="en-US" dirty="0"/>
+                    </a:p>
+                  </a:txBody>
+                  <a:tcPr/>
+                </a:tc>
+                <a:tc>
+                  <a:txBody>
+                    <a:bodyPr/>
+                    <a:lstStyle/>
+                    <a:p>
+                      <a:r>
+                        <a:rPr lang="sr-Latn-RS" dirty="0"/>
+                        <a:t>110</a:t>
+                      </a:r>
+                      <a:endParaRPr lang="en-US" dirty="0"/>
+                    </a:p>
+                  </a:txBody>
+                  <a:tcPr/>
+                </a:tc>
+                <a:tc>
+                  <a:txBody>
+                    <a:bodyPr/>
+                    <a:lstStyle/>
+                    <a:p>
+                      <a:r>
+                        <a:rPr lang="sr-Latn-RS" dirty="0"/>
+                        <a:t>0,1</a:t>
+                      </a:r>
+                      <a:endParaRPr lang="en-US" dirty="0"/>
+                    </a:p>
+                  </a:txBody>
+                  <a:tcPr/>
+                </a:tc>
+                <a:tc>
+                  <a:txBody>
+                    <a:bodyPr/>
+                    <a:lstStyle/>
+                    <a:p>
+                      <a:r>
+                        <a:rPr lang="sr-Latn-RS" dirty="0"/>
+                        <a:t>Rbf</a:t>
+                      </a:r>
+                      <a:endParaRPr lang="en-US" dirty="0"/>
+                    </a:p>
+                  </a:txBody>
+                  <a:tcPr/>
+                </a:tc>
+                <a:tc>
+                  <a:txBody>
+                    <a:bodyPr/>
+                    <a:lstStyle/>
+                    <a:p>
+                      <a:r>
+                        <a:rPr lang="sr-Latn-RS" dirty="0"/>
+                        <a:t>0,962</a:t>
+                      </a:r>
+                      <a:endParaRPr lang="en-US" dirty="0"/>
+                    </a:p>
+                  </a:txBody>
+                  <a:tcPr/>
+                </a:tc>
+                <a:extLst>
+                  <a:ext uri="{0D108BD9-81ED-4DB2-BD59-A6C34878D82A}">
+                    <a16:rowId xmlns:a16="http://schemas.microsoft.com/office/drawing/2014/main" val="1075538978"/>
+                  </a:ext>
+                </a:extLst>
+              </a:tr>
+            </a:tbl>
+          </a:graphicData>
+        </a:graphic>
+      </p:graphicFrame>
+    </p:spTree>
+    <p:extLst>
+      <p:ext uri="{BB962C8B-B14F-4D97-AF65-F5344CB8AC3E}">
+        <p14:creationId xmlns:p14="http://schemas.microsoft.com/office/powerpoint/2010/main" val="4175440810"/>
+      </p:ext>
+    </p:extLst>
+  </p:cSld>
+  <p:clrMapOvr>
+    <a:masterClrMapping/>
+  </p:clrMapOvr>
+  <p:transition spd="slow">
+    <p:push dir="u"/>
+  </p:transition>
+</p:sld>
+</file>
+
+<file path=ppt/slides/slide26.xml><?xml version="1.0" encoding="utf-8"?>
+<p:sld xmlns:a="http://schemas.openxmlformats.org/drawingml/2006/main" xmlns:r="http://schemas.openxmlformats.org/officeDocument/2006/relationships" xmlns:p="http://schemas.openxmlformats.org/presentationml/2006/main">
+  <p:cSld>
+    <p:spTree>
+      <p:nvGrpSpPr>
+        <p:cNvPr id="1" name=""/>
+        <p:cNvGrpSpPr/>
+        <p:nvPr/>
+      </p:nvGrpSpPr>
+      <p:grpSpPr>
+        <a:xfrm>
+          <a:off x="0" y="0"/>
+          <a:ext cx="0" cy="0"/>
+          <a:chOff x="0" y="0"/>
+          <a:chExt cx="0" cy="0"/>
+        </a:xfrm>
+      </p:grpSpPr>
+      <p:sp>
+        <p:nvSpPr>
+          <p:cNvPr id="2" name="Title 1">
+            <a:extLst>
+              <a:ext uri="{FF2B5EF4-FFF2-40B4-BE49-F238E27FC236}">
+                <a16:creationId xmlns:a16="http://schemas.microsoft.com/office/drawing/2014/main" id="{91183EC9-5BC4-410F-967F-6EEAB0D986B4}"/>
+              </a:ext>
+            </a:extLst>
+          </p:cNvPr>
+          <p:cNvSpPr>
+            <a:spLocks noGrp="1"/>
+          </p:cNvSpPr>
+          <p:nvPr>
+            <p:ph type="title"/>
+          </p:nvPr>
+        </p:nvSpPr>
+        <p:spPr/>
+        <p:txBody>
+          <a:bodyPr/>
+          <a:lstStyle/>
+          <a:p>
+            <a:r>
+              <a:rPr lang="sr-Latn-RS" dirty="0"/>
+              <a:t>Zaključak</a:t>
+            </a:r>
+            <a:endParaRPr lang="en-US" dirty="0"/>
+          </a:p>
+        </p:txBody>
+      </p:sp>
+      <p:sp>
+        <p:nvSpPr>
+          <p:cNvPr id="3" name="Content Placeholder 2">
+            <a:extLst>
+              <a:ext uri="{FF2B5EF4-FFF2-40B4-BE49-F238E27FC236}">
+                <a16:creationId xmlns:a16="http://schemas.microsoft.com/office/drawing/2014/main" id="{55613247-B6F9-48F8-B937-A36CB7A53F15}"/>
+              </a:ext>
+            </a:extLst>
+          </p:cNvPr>
+          <p:cNvSpPr>
+            <a:spLocks noGrp="1"/>
+          </p:cNvSpPr>
+          <p:nvPr>
+            <p:ph idx="1"/>
+          </p:nvPr>
+        </p:nvSpPr>
+        <p:spPr/>
+        <p:txBody>
+          <a:bodyPr/>
+          <a:lstStyle/>
+          <a:p>
+            <a:r>
+              <a:rPr lang="sr-Latn-RS" dirty="0"/>
+              <a:t>Svaki od dobijenih modela ima zadovoljavajuće performanse, pa je svaki od načina izdvajanja osobina prikladan za detekciju epileptičnih napada u EEG vremenskoj seriji.</a:t>
+            </a:r>
+          </a:p>
+          <a:p>
+            <a:r>
+              <a:rPr lang="sr-Latn-RS" dirty="0"/>
+              <a:t>Najbolje performanse ima Furieova transformacija sa 5 komponenti, on je takođe i veoma jednostavan model.</a:t>
+            </a:r>
+          </a:p>
+          <a:p>
+            <a:r>
+              <a:rPr lang="sr-Latn-RS" dirty="0"/>
+              <a:t>Model sa najmanje osobina je Furieova transformacija sa 2 komponente, on ima najmanji F1 score, ali je veoma blizu performansama ostalih modela.</a:t>
+            </a:r>
+            <a:endParaRPr lang="en-US" dirty="0"/>
+          </a:p>
+        </p:txBody>
+      </p:sp>
+    </p:spTree>
+    <p:extLst>
+      <p:ext uri="{BB962C8B-B14F-4D97-AF65-F5344CB8AC3E}">
+        <p14:creationId xmlns:p14="http://schemas.microsoft.com/office/powerpoint/2010/main" val="131780785"/>
+      </p:ext>
+    </p:extLst>
+  </p:cSld>
+  <p:clrMapOvr>
+    <a:masterClrMapping/>
+  </p:clrMapOvr>
+  <p:transition spd="slow">
+    <p:push dir="u"/>
+  </p:transition>
+</p:sld>
+</file>
+
+<file path=ppt/slides/slide3.xml><?xml version="1.0" encoding="utf-8"?>
+<p:sld xmlns:a="http://schemas.openxmlformats.org/drawingml/2006/main" xmlns:r="http://schemas.openxmlformats.org/officeDocument/2006/relationships" xmlns:p="http://schemas.openxmlformats.org/presentationml/2006/main">
+  <p:cSld>
+    <p:spTree>
+      <p:nvGrpSpPr>
+        <p:cNvPr id="1" name=""/>
+        <p:cNvGrpSpPr/>
+        <p:nvPr/>
+      </p:nvGrpSpPr>
+      <p:grpSpPr>
+        <a:xfrm>
+          <a:off x="0" y="0"/>
+          <a:ext cx="0" cy="0"/>
+          <a:chOff x="0" y="0"/>
+          <a:chExt cx="0" cy="0"/>
+        </a:xfrm>
+      </p:grpSpPr>
+      <p:sp>
+        <p:nvSpPr>
+          <p:cNvPr id="2" name="Title 1">
+            <a:extLst>
+              <a:ext uri="{FF2B5EF4-FFF2-40B4-BE49-F238E27FC236}">
+                <a16:creationId xmlns:a16="http://schemas.microsoft.com/office/drawing/2014/main" id="{81FE7B9F-BE1D-4A19-B8A2-EB4A481D1DBA}"/>
+              </a:ext>
+            </a:extLst>
+          </p:cNvPr>
+          <p:cNvSpPr>
+            <a:spLocks noGrp="1"/>
+          </p:cNvSpPr>
+          <p:nvPr>
+            <p:ph type="title"/>
+          </p:nvPr>
+        </p:nvSpPr>
+        <p:spPr/>
+        <p:txBody>
+          <a:bodyPr/>
+          <a:lstStyle/>
+          <a:p>
+            <a:r>
+              <a:rPr lang="sr-Latn-RS" dirty="0"/>
+              <a:t>Skup podataka</a:t>
+            </a:r>
+            <a:r>
+              <a:rPr lang="en-US" dirty="0"/>
+              <a:t> I </a:t>
+            </a:r>
+            <a:r>
+              <a:rPr lang="en-US" dirty="0" err="1"/>
+              <a:t>pretprocesiranje</a:t>
+            </a:r>
+            <a:endParaRPr lang="en-US" dirty="0"/>
+          </a:p>
+        </p:txBody>
+      </p:sp>
+      <p:sp>
+        <p:nvSpPr>
+          <p:cNvPr id="3" name="Content Placeholder 2">
+            <a:extLst>
+              <a:ext uri="{FF2B5EF4-FFF2-40B4-BE49-F238E27FC236}">
+                <a16:creationId xmlns:a16="http://schemas.microsoft.com/office/drawing/2014/main" id="{6CF1B4FC-9F27-43E8-9A8B-BB1741CAF59D}"/>
+              </a:ext>
+            </a:extLst>
+          </p:cNvPr>
+          <p:cNvSpPr>
+            <a:spLocks noGrp="1"/>
+          </p:cNvSpPr>
+          <p:nvPr>
+            <p:ph idx="1"/>
+          </p:nvPr>
+        </p:nvSpPr>
+        <p:spPr>
+          <a:xfrm>
+            <a:off x="2151529" y="2548397"/>
+            <a:ext cx="7809334" cy="3101983"/>
+          </a:xfrm>
+        </p:spPr>
+        <p:txBody>
+          <a:bodyPr>
+            <a:normAutofit/>
+          </a:bodyPr>
+          <a:lstStyle/>
+          <a:p>
+            <a:r>
+              <a:rPr lang="sr-Latn-RS" dirty="0"/>
+              <a:t>Skup podataka k</a:t>
+            </a:r>
+            <a:r>
+              <a:rPr lang="en-US" dirty="0" err="1"/>
+              <a:t>orišćen</a:t>
+            </a:r>
+            <a:r>
+              <a:rPr lang="en-US" dirty="0"/>
+              <a:t> za </a:t>
+            </a:r>
+            <a:r>
+              <a:rPr lang="en-US" dirty="0" err="1"/>
+              <a:t>treniranje</a:t>
+            </a:r>
+            <a:r>
+              <a:rPr lang="en-US" dirty="0"/>
+              <a:t> </a:t>
+            </a:r>
+            <a:r>
+              <a:rPr lang="en-US" dirty="0" err="1"/>
+              <a:t>modela</a:t>
+            </a:r>
+            <a:r>
+              <a:rPr lang="en-US" dirty="0"/>
+              <a:t> je </a:t>
+            </a:r>
+            <a:r>
+              <a:rPr lang="en-US" dirty="0" err="1"/>
+              <a:t>preuzet</a:t>
+            </a:r>
+            <a:r>
+              <a:rPr lang="en-US" dirty="0"/>
+              <a:t> </a:t>
+            </a:r>
+            <a:r>
+              <a:rPr lang="en-US" dirty="0" err="1"/>
+              <a:t>sa</a:t>
+            </a:r>
+            <a:r>
+              <a:rPr lang="en-US" dirty="0"/>
+              <a:t> kaggle.com</a:t>
+            </a:r>
+            <a:endParaRPr lang="sr-Latn-RS" dirty="0"/>
+          </a:p>
+          <a:p>
+            <a:r>
+              <a:rPr lang="en-US" dirty="0" err="1"/>
+              <a:t>Skup</a:t>
+            </a:r>
+            <a:r>
+              <a:rPr lang="en-US" dirty="0"/>
+              <a:t> </a:t>
+            </a:r>
+            <a:r>
+              <a:rPr lang="en-US" dirty="0" err="1"/>
+              <a:t>podataka</a:t>
+            </a:r>
+            <a:r>
+              <a:rPr lang="en-US" dirty="0"/>
+              <a:t> </a:t>
+            </a:r>
+            <a:r>
+              <a:rPr lang="en-US" dirty="0" err="1"/>
+              <a:t>sadrži</a:t>
+            </a:r>
+            <a:r>
+              <a:rPr lang="en-US" dirty="0"/>
+              <a:t> EEG </a:t>
+            </a:r>
+            <a:r>
+              <a:rPr lang="en-US" dirty="0" err="1"/>
+              <a:t>vremenske</a:t>
+            </a:r>
+            <a:r>
+              <a:rPr lang="en-US" dirty="0"/>
+              <a:t> </a:t>
+            </a:r>
+            <a:r>
+              <a:rPr lang="en-US" dirty="0" err="1"/>
+              <a:t>serije</a:t>
+            </a:r>
+            <a:r>
+              <a:rPr lang="en-US" dirty="0"/>
+              <a:t> 500 </a:t>
+            </a:r>
+            <a:r>
+              <a:rPr lang="en-US" dirty="0" err="1"/>
+              <a:t>osoba</a:t>
+            </a:r>
+            <a:r>
+              <a:rPr lang="en-US" dirty="0"/>
+              <a:t>, </a:t>
+            </a:r>
+            <a:r>
+              <a:rPr lang="en-US" dirty="0" err="1"/>
+              <a:t>svaka</a:t>
+            </a:r>
+            <a:r>
+              <a:rPr lang="en-US" dirty="0"/>
+              <a:t> </a:t>
+            </a:r>
+            <a:r>
+              <a:rPr lang="en-US" dirty="0" err="1"/>
+              <a:t>traje</a:t>
+            </a:r>
+            <a:r>
+              <a:rPr lang="en-US" dirty="0"/>
+              <a:t> 23,6 </a:t>
+            </a:r>
+            <a:r>
+              <a:rPr lang="en-US" dirty="0" err="1"/>
+              <a:t>sekunde</a:t>
+            </a:r>
+            <a:r>
+              <a:rPr lang="en-US" dirty="0"/>
+              <a:t>.</a:t>
+            </a:r>
+          </a:p>
+          <a:p>
+            <a:r>
+              <a:rPr lang="en-US" dirty="0"/>
+              <a:t>Deo </a:t>
+            </a:r>
+            <a:r>
+              <a:rPr lang="en-US" dirty="0" err="1"/>
+              <a:t>pretprocesiranja</a:t>
+            </a:r>
+            <a:r>
+              <a:rPr lang="en-US" dirty="0"/>
+              <a:t> je </a:t>
+            </a:r>
+            <a:r>
+              <a:rPr lang="en-US" dirty="0" err="1"/>
+              <a:t>već</a:t>
+            </a:r>
+            <a:r>
+              <a:rPr lang="en-US" dirty="0"/>
+              <a:t> </a:t>
+            </a:r>
+            <a:r>
+              <a:rPr lang="en-US" dirty="0" err="1"/>
+              <a:t>odrađen</a:t>
+            </a:r>
+            <a:r>
+              <a:rPr lang="en-US" dirty="0"/>
+              <a:t>. </a:t>
+            </a:r>
+            <a:r>
+              <a:rPr lang="en-US" dirty="0" err="1"/>
+              <a:t>Originalni</a:t>
+            </a:r>
+            <a:r>
+              <a:rPr lang="en-US" dirty="0"/>
+              <a:t> </a:t>
+            </a:r>
+            <a:r>
+              <a:rPr lang="en-US" dirty="0" err="1"/>
+              <a:t>skup</a:t>
+            </a:r>
+            <a:r>
+              <a:rPr lang="en-US" dirty="0"/>
+              <a:t> </a:t>
+            </a:r>
+            <a:r>
+              <a:rPr lang="en-US" dirty="0" err="1"/>
+              <a:t>podataka</a:t>
+            </a:r>
+            <a:r>
+              <a:rPr lang="en-US" dirty="0"/>
+              <a:t> je </a:t>
+            </a:r>
+            <a:r>
+              <a:rPr lang="en-US" dirty="0" err="1"/>
+              <a:t>sadržao</a:t>
+            </a:r>
+            <a:r>
+              <a:rPr lang="en-US" dirty="0"/>
+              <a:t> 500 </a:t>
+            </a:r>
+            <a:r>
+              <a:rPr lang="en-US" dirty="0" err="1"/>
+              <a:t>datoteka</a:t>
+            </a:r>
+            <a:r>
+              <a:rPr lang="en-US" dirty="0"/>
+              <a:t> (za </a:t>
+            </a:r>
+            <a:r>
+              <a:rPr lang="en-US" dirty="0" err="1"/>
+              <a:t>svaku</a:t>
+            </a:r>
+            <a:r>
+              <a:rPr lang="en-US" dirty="0"/>
+              <a:t> </a:t>
+            </a:r>
+            <a:r>
+              <a:rPr lang="en-US" dirty="0" err="1"/>
+              <a:t>osobu</a:t>
+            </a:r>
+            <a:r>
+              <a:rPr lang="en-US" dirty="0"/>
+              <a:t> po </a:t>
+            </a:r>
+            <a:r>
+              <a:rPr lang="en-US" dirty="0" err="1"/>
+              <a:t>jedna</a:t>
+            </a:r>
+            <a:r>
+              <a:rPr lang="en-US" dirty="0"/>
+              <a:t>), </a:t>
+            </a:r>
+            <a:r>
+              <a:rPr lang="en-US" dirty="0" err="1"/>
+              <a:t>svi</a:t>
+            </a:r>
+            <a:r>
+              <a:rPr lang="en-US" dirty="0"/>
+              <a:t> </a:t>
+            </a:r>
+            <a:r>
+              <a:rPr lang="en-US" dirty="0" err="1"/>
+              <a:t>podaci</a:t>
+            </a:r>
+            <a:r>
+              <a:rPr lang="en-US" dirty="0"/>
+              <a:t> </a:t>
+            </a:r>
+            <a:r>
+              <a:rPr lang="en-US" dirty="0" err="1"/>
+              <a:t>su</a:t>
+            </a:r>
+            <a:r>
+              <a:rPr lang="en-US" dirty="0"/>
+              <a:t> </a:t>
+            </a:r>
+            <a:r>
+              <a:rPr lang="en-US" dirty="0" err="1"/>
+              <a:t>spojeni</a:t>
+            </a:r>
+            <a:r>
+              <a:rPr lang="en-US" dirty="0"/>
+              <a:t> u </a:t>
+            </a:r>
+            <a:r>
+              <a:rPr lang="en-US" dirty="0" err="1"/>
+              <a:t>jednu</a:t>
+            </a:r>
+            <a:r>
+              <a:rPr lang="en-US" dirty="0"/>
+              <a:t> csv </a:t>
+            </a:r>
+            <a:r>
+              <a:rPr lang="en-US" dirty="0" err="1"/>
+              <a:t>datoteku</a:t>
+            </a:r>
+            <a:r>
+              <a:rPr lang="en-US" dirty="0"/>
+              <a:t>.</a:t>
+            </a:r>
+          </a:p>
+          <a:p>
+            <a:r>
+              <a:rPr lang="en-US" dirty="0" err="1"/>
+              <a:t>Svaki</a:t>
+            </a:r>
+            <a:r>
+              <a:rPr lang="en-US" dirty="0"/>
+              <a:t> red </a:t>
+            </a:r>
+            <a:r>
+              <a:rPr lang="en-US" dirty="0" err="1"/>
+              <a:t>predstavlja</a:t>
+            </a:r>
+            <a:r>
+              <a:rPr lang="en-US" dirty="0"/>
+              <a:t> </a:t>
+            </a:r>
+            <a:r>
+              <a:rPr lang="en-US" dirty="0" err="1"/>
+              <a:t>jednu</a:t>
+            </a:r>
+            <a:r>
+              <a:rPr lang="en-US" dirty="0"/>
+              <a:t> </a:t>
+            </a:r>
+            <a:r>
+              <a:rPr lang="en-US" dirty="0" err="1"/>
+              <a:t>sekundu</a:t>
+            </a:r>
+            <a:r>
+              <a:rPr lang="en-US" dirty="0"/>
+              <a:t> EEG </a:t>
+            </a:r>
+            <a:r>
+              <a:rPr lang="en-US" dirty="0" err="1"/>
+              <a:t>vremenske</a:t>
+            </a:r>
+            <a:r>
+              <a:rPr lang="en-US" dirty="0"/>
+              <a:t> </a:t>
+            </a:r>
+            <a:r>
+              <a:rPr lang="en-US" dirty="0" err="1"/>
+              <a:t>serije</a:t>
+            </a:r>
+            <a:r>
+              <a:rPr lang="en-US" dirty="0"/>
+              <a:t>, pa </a:t>
+            </a:r>
+            <a:r>
+              <a:rPr lang="en-US" dirty="0" err="1"/>
+              <a:t>datoteka</a:t>
+            </a:r>
+            <a:r>
+              <a:rPr lang="en-US" dirty="0"/>
+              <a:t> </a:t>
+            </a:r>
+            <a:r>
+              <a:rPr lang="en-US" dirty="0" err="1"/>
+              <a:t>ima</a:t>
+            </a:r>
+            <a:r>
+              <a:rPr lang="en-US" dirty="0"/>
+              <a:t> 500*23=11 500 </a:t>
+            </a:r>
+            <a:r>
+              <a:rPr lang="en-US" dirty="0" err="1"/>
+              <a:t>redova</a:t>
+            </a:r>
+            <a:endParaRPr lang="en-US" dirty="0"/>
+          </a:p>
+        </p:txBody>
+      </p:sp>
+    </p:spTree>
+    <p:extLst>
+      <p:ext uri="{BB962C8B-B14F-4D97-AF65-F5344CB8AC3E}">
+        <p14:creationId xmlns:p14="http://schemas.microsoft.com/office/powerpoint/2010/main" val="501070181"/>
+      </p:ext>
+    </p:extLst>
+  </p:cSld>
+  <p:clrMapOvr>
+    <a:masterClrMapping/>
+  </p:clrMapOvr>
+  <p:transition spd="slow">
+    <p:push dir="u"/>
+  </p:transition>
+</p:sld>
+</file>
+
+<file path=ppt/slides/slide4.xml><?xml version="1.0" encoding="utf-8"?>
+<p:sld xmlns:a="http://schemas.openxmlformats.org/drawingml/2006/main" xmlns:r="http://schemas.openxmlformats.org/officeDocument/2006/relationships" xmlns:p="http://schemas.openxmlformats.org/presentationml/2006/main">
+  <p:cSld>
+    <p:spTree>
+      <p:nvGrpSpPr>
+        <p:cNvPr id="1" name=""/>
+        <p:cNvGrpSpPr/>
+        <p:nvPr/>
+      </p:nvGrpSpPr>
+      <p:grpSpPr>
+        <a:xfrm>
+          <a:off x="0" y="0"/>
+          <a:ext cx="0" cy="0"/>
+          <a:chOff x="0" y="0"/>
+          <a:chExt cx="0" cy="0"/>
+        </a:xfrm>
+      </p:grpSpPr>
+      <p:sp>
+        <p:nvSpPr>
+          <p:cNvPr id="2" name="Title 1">
+            <a:extLst>
+              <a:ext uri="{FF2B5EF4-FFF2-40B4-BE49-F238E27FC236}">
+                <a16:creationId xmlns:a16="http://schemas.microsoft.com/office/drawing/2014/main" id="{28E647B9-9E73-47CA-983B-F998ACFFBFA9}"/>
+              </a:ext>
+            </a:extLst>
+          </p:cNvPr>
+          <p:cNvSpPr>
+            <a:spLocks noGrp="1"/>
+          </p:cNvSpPr>
+          <p:nvPr>
+            <p:ph type="title"/>
+          </p:nvPr>
+        </p:nvSpPr>
+        <p:spPr/>
+        <p:txBody>
+          <a:bodyPr/>
+          <a:lstStyle/>
+          <a:p>
+            <a:r>
+              <a:rPr lang="sr-Latn-RS" dirty="0"/>
+              <a:t>Skup podataka </a:t>
+            </a:r>
+            <a:r>
+              <a:rPr lang="en-US" dirty="0"/>
+              <a:t>I </a:t>
+            </a:r>
+            <a:r>
+              <a:rPr lang="sr-Latn-RS" dirty="0"/>
+              <a:t>pretprocesiranje</a:t>
+            </a:r>
+          </a:p>
+        </p:txBody>
+      </p:sp>
+      <p:sp>
+        <p:nvSpPr>
+          <p:cNvPr id="3" name="Content Placeholder 2">
+            <a:extLst>
+              <a:ext uri="{FF2B5EF4-FFF2-40B4-BE49-F238E27FC236}">
+                <a16:creationId xmlns:a16="http://schemas.microsoft.com/office/drawing/2014/main" id="{D5C62DDB-4CA9-48EC-86D9-741257765284}"/>
+              </a:ext>
+            </a:extLst>
+          </p:cNvPr>
+          <p:cNvSpPr>
+            <a:spLocks noGrp="1"/>
+          </p:cNvSpPr>
+          <p:nvPr>
+            <p:ph idx="1"/>
+          </p:nvPr>
+        </p:nvSpPr>
+        <p:spPr>
+          <a:xfrm>
+            <a:off x="2231136" y="2638044"/>
+            <a:ext cx="7729728" cy="3646215"/>
+          </a:xfrm>
+        </p:spPr>
+        <p:txBody>
+          <a:bodyPr>
+            <a:normAutofit fontScale="92500" lnSpcReduction="20000"/>
+          </a:bodyPr>
+          <a:lstStyle/>
+          <a:p>
+            <a:r>
+              <a:rPr lang="sr-Latn-RS" dirty="0"/>
+              <a:t>Prva kolona je oznaka koju možemo zanemariti.</a:t>
+            </a:r>
+          </a:p>
+          <a:p>
+            <a:r>
+              <a:rPr lang="sr-Latn-RS" dirty="0"/>
+              <a:t>Sledećih 178 kolona predstavljaju vrednosti EEG signala.</a:t>
+            </a:r>
+          </a:p>
+          <a:p>
+            <a:r>
+              <a:rPr lang="sr-Latn-RS" dirty="0"/>
+              <a:t>Poslednja kolona (y) predstavlja kategoriju:</a:t>
+            </a:r>
+          </a:p>
+          <a:p>
+            <a:pPr lvl="1"/>
+            <a:r>
+              <a:rPr lang="sr-Latn-RS" dirty="0"/>
+              <a:t>5 - osobi su oči otvorene</a:t>
+            </a:r>
+          </a:p>
+          <a:p>
+            <a:pPr lvl="1"/>
+            <a:r>
+              <a:rPr lang="sr-Latn-RS" dirty="0"/>
+              <a:t>4 - osobi su oči zatvorene</a:t>
+            </a:r>
+          </a:p>
+          <a:p>
+            <a:pPr lvl="1"/>
+            <a:r>
+              <a:rPr lang="sr-Latn-RS" dirty="0"/>
+              <a:t>3 - snimanje EEG aktivnosti je vršeno na zdravom delu mozga</a:t>
+            </a:r>
+          </a:p>
+          <a:p>
+            <a:pPr lvl="1"/>
+            <a:r>
+              <a:rPr lang="sr-Latn-RS" dirty="0"/>
+              <a:t>2 - snimanje EEG aktivnosti je vršeno na delu mozga gde postoji tumor</a:t>
+            </a:r>
+          </a:p>
+          <a:p>
+            <a:pPr lvl="1"/>
+            <a:r>
+              <a:rPr lang="sr-Latn-RS" dirty="0"/>
+              <a:t>1 - EEG je sniman u toku epileptičnog napada</a:t>
+            </a:r>
+          </a:p>
+          <a:p>
+            <a:r>
+              <a:rPr lang="sr-Latn-RS" dirty="0"/>
+              <a:t>Za potrebe ovog projekta, potrebno je razmatrati dva slučaja:</a:t>
+            </a:r>
+          </a:p>
+          <a:p>
+            <a:pPr lvl="1"/>
+            <a:r>
+              <a:rPr lang="sr-Latn-RS" dirty="0"/>
+              <a:t>Snimanje se vrši tokom epileptičnog napada (y=1)</a:t>
+            </a:r>
+          </a:p>
+          <a:p>
+            <a:pPr lvl="1"/>
+            <a:r>
+              <a:rPr lang="sr-Latn-RS" dirty="0"/>
+              <a:t>Snimanje se ne vrši tokom epileptičnog napada (y=2,3,4,5)</a:t>
+            </a:r>
+          </a:p>
+          <a:p>
+            <a:endParaRPr lang="sr-Latn-RS" dirty="0"/>
+          </a:p>
+        </p:txBody>
+      </p:sp>
+    </p:spTree>
+    <p:extLst>
+      <p:ext uri="{BB962C8B-B14F-4D97-AF65-F5344CB8AC3E}">
+        <p14:creationId xmlns:p14="http://schemas.microsoft.com/office/powerpoint/2010/main" val="145076113"/>
+      </p:ext>
+    </p:extLst>
+  </p:cSld>
+  <p:clrMapOvr>
+    <a:masterClrMapping/>
+  </p:clrMapOvr>
+  <p:transition spd="slow">
+    <p:push dir="u"/>
+  </p:transition>
+</p:sld>
+</file>
+
+<file path=ppt/slides/slide5.xml><?xml version="1.0" encoding="utf-8"?>
+<p:sld xmlns:a="http://schemas.openxmlformats.org/drawingml/2006/main" xmlns:r="http://schemas.openxmlformats.org/officeDocument/2006/relationships" xmlns:p="http://schemas.openxmlformats.org/presentationml/2006/main">
+  <p:cSld>
+    <p:spTree>
+      <p:nvGrpSpPr>
+        <p:cNvPr id="1" name=""/>
+        <p:cNvGrpSpPr/>
+        <p:nvPr/>
+      </p:nvGrpSpPr>
+      <p:grpSpPr>
+        <a:xfrm>
+          <a:off x="0" y="0"/>
+          <a:ext cx="0" cy="0"/>
+          <a:chOff x="0" y="0"/>
+          <a:chExt cx="0" cy="0"/>
+        </a:xfrm>
+      </p:grpSpPr>
+      <p:sp>
+        <p:nvSpPr>
+          <p:cNvPr id="2" name="Title 1">
+            <a:extLst>
+              <a:ext uri="{FF2B5EF4-FFF2-40B4-BE49-F238E27FC236}">
+                <a16:creationId xmlns:a16="http://schemas.microsoft.com/office/drawing/2014/main" id="{65AD3AEC-E2AD-4512-B4CE-1A2C367B4040}"/>
+              </a:ext>
+            </a:extLst>
+          </p:cNvPr>
+          <p:cNvSpPr>
+            <a:spLocks noGrp="1"/>
+          </p:cNvSpPr>
+          <p:nvPr>
+            <p:ph type="title"/>
+          </p:nvPr>
+        </p:nvSpPr>
+        <p:spPr/>
+        <p:txBody>
+          <a:bodyPr/>
+          <a:lstStyle/>
+          <a:p>
+            <a:r>
+              <a:rPr lang="sr-Latn-RS" dirty="0"/>
+              <a:t>Skup podataka nakon pretrpocesiranja</a:t>
+            </a:r>
+            <a:endParaRPr lang="en-US" dirty="0"/>
+          </a:p>
+        </p:txBody>
+      </p:sp>
+      <p:pic>
+        <p:nvPicPr>
+          <p:cNvPr id="11" name="Content Placeholder 10">
+            <a:extLst>
+              <a:ext uri="{FF2B5EF4-FFF2-40B4-BE49-F238E27FC236}">
+                <a16:creationId xmlns:a16="http://schemas.microsoft.com/office/drawing/2014/main" id="{8F9F3E69-C15F-4344-833E-04B48FC8C3E1}"/>
+              </a:ext>
+            </a:extLst>
+          </p:cNvPr>
+          <p:cNvPicPr>
+            <a:picLocks noGrp="1" noChangeAspect="1"/>
+          </p:cNvPicPr>
+          <p:nvPr>
+            <p:ph idx="1"/>
+          </p:nvPr>
+        </p:nvPicPr>
+        <p:blipFill>
+          <a:blip r:embed="rId2"/>
+          <a:stretch>
+            <a:fillRect/>
+          </a:stretch>
+        </p:blipFill>
+        <p:spPr>
+          <a:xfrm>
+            <a:off x="1044019" y="2442332"/>
+            <a:ext cx="10103962" cy="3450976"/>
+          </a:xfrm>
+        </p:spPr>
+      </p:pic>
+    </p:spTree>
+    <p:extLst>
+      <p:ext uri="{BB962C8B-B14F-4D97-AF65-F5344CB8AC3E}">
+        <p14:creationId xmlns:p14="http://schemas.microsoft.com/office/powerpoint/2010/main" val="1817887435"/>
+      </p:ext>
+    </p:extLst>
+  </p:cSld>
+  <p:clrMapOvr>
+    <a:masterClrMapping/>
+  </p:clrMapOvr>
+  <p:transition spd="slow">
+    <p:push dir="u"/>
+  </p:transition>
+</p:sld>
+</file>
+
+<file path=ppt/slides/slide6.xml><?xml version="1.0" encoding="utf-8"?>
+<p:sld xmlns:a="http://schemas.openxmlformats.org/drawingml/2006/main" xmlns:r="http://schemas.openxmlformats.org/officeDocument/2006/relationships" xmlns:p="http://schemas.openxmlformats.org/presentationml/2006/main">
+  <p:cSld>
+    <p:spTree>
+      <p:nvGrpSpPr>
+        <p:cNvPr id="1" name=""/>
+        <p:cNvGrpSpPr/>
+        <p:nvPr/>
+      </p:nvGrpSpPr>
+      <p:grpSpPr>
+        <a:xfrm>
+          <a:off x="0" y="0"/>
+          <a:ext cx="0" cy="0"/>
+          <a:chOff x="0" y="0"/>
+          <a:chExt cx="0" cy="0"/>
+        </a:xfrm>
+      </p:grpSpPr>
+      <p:sp>
+        <p:nvSpPr>
+          <p:cNvPr id="2" name="Title 1">
+            <a:extLst>
+              <a:ext uri="{FF2B5EF4-FFF2-40B4-BE49-F238E27FC236}">
+                <a16:creationId xmlns:a16="http://schemas.microsoft.com/office/drawing/2014/main" id="{A8907C2A-44CA-40FF-8A6E-C5D1D43E550C}"/>
+              </a:ext>
+            </a:extLst>
+          </p:cNvPr>
+          <p:cNvSpPr>
+            <a:spLocks noGrp="1"/>
+          </p:cNvSpPr>
+          <p:nvPr>
+            <p:ph type="title"/>
+          </p:nvPr>
+        </p:nvSpPr>
+        <p:spPr/>
+        <p:txBody>
+          <a:bodyPr/>
+          <a:lstStyle/>
+          <a:p>
+            <a:r>
+              <a:rPr lang="sr-Latn-RS" dirty="0"/>
+              <a:t>Razlika između kategorija u setu podataka</a:t>
+            </a:r>
+            <a:endParaRPr lang="en-US" dirty="0"/>
+          </a:p>
+        </p:txBody>
+      </p:sp>
+      <p:pic>
+        <p:nvPicPr>
+          <p:cNvPr id="5" name="Content Placeholder 4">
+            <a:extLst>
+              <a:ext uri="{FF2B5EF4-FFF2-40B4-BE49-F238E27FC236}">
+                <a16:creationId xmlns:a16="http://schemas.microsoft.com/office/drawing/2014/main" id="{D80816B9-F4B9-4548-A998-82099CDDADD7}"/>
+              </a:ext>
+            </a:extLst>
+          </p:cNvPr>
+          <p:cNvPicPr>
+            <a:picLocks noGrp="1" noChangeAspect="1"/>
+          </p:cNvPicPr>
+          <p:nvPr>
+            <p:ph idx="1"/>
+          </p:nvPr>
+        </p:nvPicPr>
+        <p:blipFill>
+          <a:blip r:embed="rId2"/>
+          <a:stretch>
+            <a:fillRect/>
+          </a:stretch>
+        </p:blipFill>
+        <p:spPr>
+          <a:xfrm>
+            <a:off x="566832" y="2405343"/>
+            <a:ext cx="5248666" cy="3986792"/>
+          </a:xfrm>
+        </p:spPr>
+      </p:pic>
+      <p:pic>
+        <p:nvPicPr>
+          <p:cNvPr id="7" name="Picture 6">
+            <a:extLst>
+              <a:ext uri="{FF2B5EF4-FFF2-40B4-BE49-F238E27FC236}">
+                <a16:creationId xmlns:a16="http://schemas.microsoft.com/office/drawing/2014/main" id="{B3A1C3D5-6110-42E4-9B1E-D190F4E10BEF}"/>
+              </a:ext>
+            </a:extLst>
+          </p:cNvPr>
+          <p:cNvPicPr>
+            <a:picLocks noChangeAspect="1"/>
+          </p:cNvPicPr>
+          <p:nvPr/>
+        </p:nvPicPr>
+        <p:blipFill>
+          <a:blip r:embed="rId3"/>
+          <a:stretch>
+            <a:fillRect/>
+          </a:stretch>
+        </p:blipFill>
+        <p:spPr>
+          <a:xfrm>
+            <a:off x="6376503" y="2405343"/>
+            <a:ext cx="5230378" cy="3986792"/>
+          </a:xfrm>
+          <a:prstGeom prst="rect">
+            <a:avLst/>
+          </a:prstGeom>
+        </p:spPr>
+      </p:pic>
+    </p:spTree>
+    <p:extLst>
+      <p:ext uri="{BB962C8B-B14F-4D97-AF65-F5344CB8AC3E}">
+        <p14:creationId xmlns:p14="http://schemas.microsoft.com/office/powerpoint/2010/main" val="1266282626"/>
+      </p:ext>
+    </p:extLst>
+  </p:cSld>
+  <p:clrMapOvr>
+    <a:masterClrMapping/>
+  </p:clrMapOvr>
+  <p:transition spd="slow">
+    <p:push dir="u"/>
+  </p:transition>
+</p:sld>
+</file>
+
+<file path=ppt/slides/slide7.xml><?xml version="1.0" encoding="utf-8"?>
+<p:sld xmlns:a="http://schemas.openxmlformats.org/drawingml/2006/main" xmlns:r="http://schemas.openxmlformats.org/officeDocument/2006/relationships" xmlns:p="http://schemas.openxmlformats.org/presentationml/2006/main">
+  <p:cSld>
+    <p:spTree>
+      <p:nvGrpSpPr>
+        <p:cNvPr id="1" name=""/>
+        <p:cNvGrpSpPr/>
+        <p:nvPr/>
+      </p:nvGrpSpPr>
+      <p:grpSpPr>
+        <a:xfrm>
+          <a:off x="0" y="0"/>
+          <a:ext cx="0" cy="0"/>
+          <a:chOff x="0" y="0"/>
+          <a:chExt cx="0" cy="0"/>
+        </a:xfrm>
+      </p:grpSpPr>
+      <p:sp>
+        <p:nvSpPr>
+          <p:cNvPr id="2" name="Title 1">
+            <a:extLst>
+              <a:ext uri="{FF2B5EF4-FFF2-40B4-BE49-F238E27FC236}">
+                <a16:creationId xmlns:a16="http://schemas.microsoft.com/office/drawing/2014/main" id="{3DC51B32-7739-4293-A6D7-E770189884AA}"/>
+              </a:ext>
+            </a:extLst>
+          </p:cNvPr>
+          <p:cNvSpPr>
+            <a:spLocks noGrp="1"/>
+          </p:cNvSpPr>
+          <p:nvPr>
+            <p:ph type="title"/>
+          </p:nvPr>
+        </p:nvSpPr>
+        <p:spPr/>
+        <p:txBody>
+          <a:bodyPr/>
+          <a:lstStyle/>
+          <a:p>
+            <a:r>
+              <a:rPr lang="sr-Latn-RS" dirty="0"/>
+              <a:t>Određivanje obeležja</a:t>
+            </a:r>
+            <a:endParaRPr lang="en-US" dirty="0"/>
+          </a:p>
+        </p:txBody>
+      </p:sp>
+      <p:sp>
+        <p:nvSpPr>
+          <p:cNvPr id="3" name="Content Placeholder 2">
+            <a:extLst>
+              <a:ext uri="{FF2B5EF4-FFF2-40B4-BE49-F238E27FC236}">
+                <a16:creationId xmlns:a16="http://schemas.microsoft.com/office/drawing/2014/main" id="{FF56FFC6-A6D7-48C4-B022-99C19FCE345B}"/>
+              </a:ext>
+            </a:extLst>
+          </p:cNvPr>
+          <p:cNvSpPr>
+            <a:spLocks noGrp="1"/>
+          </p:cNvSpPr>
+          <p:nvPr>
+            <p:ph idx="1"/>
+          </p:nvPr>
+        </p:nvSpPr>
+        <p:spPr/>
+        <p:txBody>
+          <a:bodyPr/>
+          <a:lstStyle/>
+          <a:p>
+            <a:r>
+              <a:rPr lang="sr-Latn-RS" dirty="0"/>
+              <a:t>Postoji mnogo algoritama za određivanje obeležja, u ovom projektu će se koristiti:</a:t>
+            </a:r>
+          </a:p>
+          <a:p>
+            <a:pPr lvl="1"/>
+            <a:r>
+              <a:rPr lang="sr-Latn-RS" dirty="0"/>
+              <a:t>Statističke osobine (</a:t>
+            </a:r>
+            <a:r>
+              <a:rPr lang="en-US" dirty="0"/>
+              <a:t>statistical features), </a:t>
+            </a:r>
+            <a:endParaRPr lang="sr-Latn-RS" dirty="0"/>
+          </a:p>
+          <a:p>
+            <a:pPr lvl="1"/>
+            <a:r>
+              <a:rPr lang="sr-Latn-RS" dirty="0"/>
+              <a:t>Autoregresivno modelovanje (</a:t>
+            </a:r>
+            <a:r>
+              <a:rPr lang="en-US" dirty="0"/>
+              <a:t>Autoregressive modeling) </a:t>
+            </a:r>
+            <a:r>
+              <a:rPr lang="sr-Latn-RS" dirty="0"/>
+              <a:t>i</a:t>
+            </a:r>
+            <a:r>
+              <a:rPr lang="en-US" dirty="0"/>
+              <a:t> </a:t>
+            </a:r>
+            <a:endParaRPr lang="sr-Latn-RS" dirty="0"/>
+          </a:p>
+          <a:p>
+            <a:pPr lvl="1"/>
+            <a:r>
+              <a:rPr lang="sr-Latn-RS" dirty="0"/>
+              <a:t>Furieova transformacija (Fourier transform).</a:t>
+            </a:r>
+          </a:p>
+        </p:txBody>
+      </p:sp>
+    </p:spTree>
+    <p:extLst>
+      <p:ext uri="{BB962C8B-B14F-4D97-AF65-F5344CB8AC3E}">
+        <p14:creationId xmlns:p14="http://schemas.microsoft.com/office/powerpoint/2010/main" val="1148890087"/>
+      </p:ext>
+    </p:extLst>
+  </p:cSld>
+  <p:clrMapOvr>
+    <a:masterClrMapping/>
+  </p:clrMapOvr>
+  <p:transition spd="slow">
+    <p:push dir="u"/>
+  </p:transition>
+</p:sld>
+</file>
+
+<file path=ppt/slides/slide8.xml><?xml version="1.0" encoding="utf-8"?>
+<p:sld xmlns:a="http://schemas.openxmlformats.org/drawingml/2006/main" xmlns:r="http://schemas.openxmlformats.org/officeDocument/2006/relationships" xmlns:p="http://schemas.openxmlformats.org/presentationml/2006/main">
+  <p:cSld>
+    <p:spTree>
+      <p:nvGrpSpPr>
+        <p:cNvPr id="1" name=""/>
+        <p:cNvGrpSpPr/>
+        <p:nvPr/>
+      </p:nvGrpSpPr>
+      <p:grpSpPr>
+        <a:xfrm>
+          <a:off x="0" y="0"/>
+          <a:ext cx="0" cy="0"/>
+          <a:chOff x="0" y="0"/>
+          <a:chExt cx="0" cy="0"/>
+        </a:xfrm>
+      </p:grpSpPr>
+      <p:sp>
+        <p:nvSpPr>
+          <p:cNvPr id="2" name="Title 1">
+            <a:extLst>
+              <a:ext uri="{FF2B5EF4-FFF2-40B4-BE49-F238E27FC236}">
+                <a16:creationId xmlns:a16="http://schemas.microsoft.com/office/drawing/2014/main" id="{C7334B88-17C7-4A3A-8239-BD04A82B1949}"/>
+              </a:ext>
+            </a:extLst>
+          </p:cNvPr>
+          <p:cNvSpPr>
+            <a:spLocks noGrp="1"/>
+          </p:cNvSpPr>
+          <p:nvPr>
+            <p:ph type="title"/>
+          </p:nvPr>
+        </p:nvSpPr>
+        <p:spPr/>
+        <p:txBody>
+          <a:bodyPr/>
+          <a:lstStyle/>
+          <a:p>
+            <a:r>
+              <a:rPr lang="sr-Latn-RS" dirty="0"/>
+              <a:t>Model za klasifikaciju</a:t>
+            </a:r>
+          </a:p>
+        </p:txBody>
+      </p:sp>
+      <p:sp>
+        <p:nvSpPr>
+          <p:cNvPr id="3" name="Content Placeholder 2">
+            <a:extLst>
+              <a:ext uri="{FF2B5EF4-FFF2-40B4-BE49-F238E27FC236}">
+                <a16:creationId xmlns:a16="http://schemas.microsoft.com/office/drawing/2014/main" id="{3A647961-5890-4E86-BEE1-C5C4C359AEEF}"/>
+              </a:ext>
+            </a:extLst>
+          </p:cNvPr>
+          <p:cNvSpPr>
+            <a:spLocks noGrp="1"/>
+          </p:cNvSpPr>
+          <p:nvPr>
+            <p:ph idx="1"/>
+          </p:nvPr>
+        </p:nvSpPr>
+        <p:spPr>
+          <a:xfrm>
+            <a:off x="2231136" y="2638044"/>
+            <a:ext cx="7729728" cy="3601391"/>
+          </a:xfrm>
+        </p:spPr>
+        <p:txBody>
+          <a:bodyPr>
+            <a:normAutofit fontScale="85000" lnSpcReduction="10000"/>
+          </a:bodyPr>
+          <a:lstStyle/>
+          <a:p>
+            <a:r>
+              <a:rPr lang="sr-Latn-RS" dirty="0"/>
+              <a:t>Za klasifikaciju će biti koriščen Support Vector Machine (SVM). SVM pronalazi hiperravan koja najbolje razdvaja tačke u prostoru koje predstavljaju podatke praveći dve klase tačaka - u ovom slučaju oni EEG snimci koji su snimani tokom epileptičnog napada i oni koji nisu.</a:t>
+            </a:r>
+          </a:p>
+          <a:p>
+            <a:r>
+              <a:rPr lang="sr-Latn-RS" dirty="0"/>
+              <a:t>Konkretno,  korišćen je SVC (Support Vectors Classifier) iz scikit-learn biblioteke. Da bismo dobili najbolji model, potrebno je odabrati odgovarajuće vrednosti parametara:</a:t>
+            </a:r>
+          </a:p>
+          <a:p>
+            <a:pPr lvl="1"/>
+            <a:r>
+              <a:rPr lang="sr-Latn-RS" dirty="0"/>
+              <a:t>kernel - određuje tip hiperravni koja se koristi (linear - linearna hiperravan, rbf,poly - nelinearna hiperravan)</a:t>
+            </a:r>
+          </a:p>
+          <a:p>
+            <a:pPr lvl="1"/>
+            <a:r>
+              <a:rPr lang="sr-Latn-RS" dirty="0"/>
+              <a:t>gamma - potreban je kada se koriste nelinearne hiperravni, što je veća njegova vrednost, model pokušava bolje da se uklopi u trening set podataka što može dovesti do overfitting-a.</a:t>
+            </a:r>
+          </a:p>
+          <a:p>
+            <a:pPr lvl="1"/>
+            <a:r>
+              <a:rPr lang="sr-Latn-RS" dirty="0"/>
+              <a:t>c - kazneni parametar za netačno klasifikovanje tačke u trening setu podataka, kontroliše odnos između glatke granice za odlučivanje klase i tačnog klasifikovanja trening podataka</a:t>
+            </a:r>
+          </a:p>
+          <a:p>
+            <a:pPr lvl="1"/>
+            <a:r>
+              <a:rPr lang="sr-Latn-RS" dirty="0"/>
+              <a:t>degree - koristi se kada je kernel postavljen na poly, određuje stepen polinoma korišćenog za pronalaženje hiperravni</a:t>
+            </a:r>
+          </a:p>
+          <a:p>
+            <a:endParaRPr lang="sr-Latn-RS" dirty="0"/>
+          </a:p>
+        </p:txBody>
+      </p:sp>
+    </p:spTree>
+    <p:extLst>
+      <p:ext uri="{BB962C8B-B14F-4D97-AF65-F5344CB8AC3E}">
+        <p14:creationId xmlns:p14="http://schemas.microsoft.com/office/powerpoint/2010/main" val="470370313"/>
+      </p:ext>
+    </p:extLst>
+  </p:cSld>
+  <p:clrMapOvr>
+    <a:masterClrMapping/>
+  </p:clrMapOvr>
+  <p:transition spd="slow">
+    <p:push dir="u"/>
+  </p:transition>
+</p:sld>
+</file>
+
+<file path=ppt/slides/slide9.xml><?xml version="1.0" encoding="utf-8"?>
 <p:sld xmlns:a="http://schemas.openxmlformats.org/drawingml/2006/main" xmlns:r="http://schemas.openxmlformats.org/officeDocument/2006/relationships" xmlns:p="http://schemas.openxmlformats.org/presentationml/2006/main">
   <p:cSld>
     <p:spTree>
@@ -3923,3156 +9869,9 @@
   <p:clrMapOvr>
     <a:masterClrMapping/>
   </p:clrMapOvr>
-</p:sld>
-</file>
-
-<file path=ppt/slides/slide11.xml><?xml version="1.0" encoding="utf-8"?>
-<p:sld xmlns:a="http://schemas.openxmlformats.org/drawingml/2006/main" xmlns:r="http://schemas.openxmlformats.org/officeDocument/2006/relationships" xmlns:p="http://schemas.openxmlformats.org/presentationml/2006/main">
-  <p:cSld>
-    <p:spTree>
-      <p:nvGrpSpPr>
-        <p:cNvPr id="1" name=""/>
-        <p:cNvGrpSpPr/>
-        <p:nvPr/>
-      </p:nvGrpSpPr>
-      <p:grpSpPr>
-        <a:xfrm>
-          <a:off x="0" y="0"/>
-          <a:ext cx="0" cy="0"/>
-          <a:chOff x="0" y="0"/>
-          <a:chExt cx="0" cy="0"/>
-        </a:xfrm>
-      </p:grpSpPr>
-      <p:sp>
-        <p:nvSpPr>
-          <p:cNvPr id="2" name="Title 1">
-            <a:extLst>
-              <a:ext uri="{FF2B5EF4-FFF2-40B4-BE49-F238E27FC236}">
-                <a16:creationId xmlns:a16="http://schemas.microsoft.com/office/drawing/2014/main" id="{A51852F3-01E0-42B9-BB87-203A5FC2129A}"/>
-              </a:ext>
-            </a:extLst>
-          </p:cNvPr>
-          <p:cNvSpPr>
-            <a:spLocks noGrp="1"/>
-          </p:cNvSpPr>
-          <p:nvPr>
-            <p:ph type="title"/>
-          </p:nvPr>
-        </p:nvSpPr>
-        <p:spPr/>
-        <p:txBody>
-          <a:bodyPr/>
-          <a:lstStyle/>
-          <a:p>
-            <a:r>
-              <a:rPr lang="sr-Latn-RS" dirty="0"/>
-              <a:t>Odabir parametara</a:t>
-            </a:r>
-            <a:endParaRPr lang="en-US" dirty="0"/>
-          </a:p>
-        </p:txBody>
-      </p:sp>
-      <p:sp>
-        <p:nvSpPr>
-          <p:cNvPr id="3" name="Content Placeholder 2">
-            <a:extLst>
-              <a:ext uri="{FF2B5EF4-FFF2-40B4-BE49-F238E27FC236}">
-                <a16:creationId xmlns:a16="http://schemas.microsoft.com/office/drawing/2014/main" id="{953F59BA-E190-427D-A893-12075B3FB9D9}"/>
-              </a:ext>
-            </a:extLst>
-          </p:cNvPr>
-          <p:cNvSpPr>
-            <a:spLocks noGrp="1"/>
-          </p:cNvSpPr>
-          <p:nvPr>
-            <p:ph idx="1"/>
-          </p:nvPr>
-        </p:nvSpPr>
-        <p:spPr>
-          <a:xfrm>
-            <a:off x="2231136" y="2638044"/>
-            <a:ext cx="7729728" cy="3798615"/>
-          </a:xfrm>
-        </p:spPr>
-        <p:txBody>
-          <a:bodyPr>
-            <a:normAutofit fontScale="92500" lnSpcReduction="10000"/>
-          </a:bodyPr>
-          <a:lstStyle/>
-          <a:p>
-            <a:r>
-              <a:rPr lang="sr-Latn-RS" dirty="0"/>
-              <a:t>Kada smo definisali obeležja, potrebne parametre i način evaluacije modela možemo preći na odabir parametara.</a:t>
-            </a:r>
-          </a:p>
-          <a:p>
-            <a:r>
-              <a:rPr lang="sr-Latn-RS" dirty="0"/>
-              <a:t>Za odabir parametara sa najboljim rezultatima biće korišćen GridSearchCV iz sklearn biblioteke.</a:t>
-            </a:r>
-          </a:p>
-          <a:p>
-            <a:r>
-              <a:rPr lang="sr-Latn-RS" dirty="0"/>
-              <a:t>Potrebno je definisati vrednosti koje parametri mogu imati, a GridSearchCV će napraviti model sa svakom kombinacijom vrednosti parametara i uporediti kvalitet dobijenih modela.</a:t>
-            </a:r>
-          </a:p>
-          <a:p>
-            <a:r>
-              <a:rPr lang="sr-Latn-RS" dirty="0"/>
-              <a:t>Vrednosti parametara:</a:t>
-            </a:r>
-          </a:p>
-          <a:p>
-            <a:pPr lvl="1"/>
-            <a:r>
-              <a:rPr lang="sr-Latn-RS" dirty="0"/>
-              <a:t>c  - 0.01, 0.1, 1.0, 10.0, 100.0</a:t>
-            </a:r>
-            <a:endParaRPr lang="en-US" dirty="0"/>
-          </a:p>
-          <a:p>
-            <a:pPr lvl="1"/>
-            <a:r>
-              <a:rPr lang="sr-Latn-RS" dirty="0"/>
-              <a:t>gamma - 0.001, 0.001, 0.01, 0.1, 1</a:t>
-            </a:r>
-            <a:endParaRPr lang="en-US" dirty="0"/>
-          </a:p>
-          <a:p>
-            <a:pPr lvl="1"/>
-            <a:r>
-              <a:rPr lang="sr-Latn-RS" dirty="0"/>
-              <a:t>degree - 2, 3, 4</a:t>
-            </a:r>
-          </a:p>
-          <a:p>
-            <a:pPr lvl="1"/>
-            <a:r>
-              <a:rPr lang="sr-Latn-RS" dirty="0"/>
-              <a:t>kernel – linear, rbf poly</a:t>
-            </a:r>
-          </a:p>
-          <a:p>
-            <a:pPr lvl="1"/>
-            <a:endParaRPr lang="sr-Latn-RS" dirty="0"/>
-          </a:p>
-          <a:p>
-            <a:endParaRPr lang="sr-Latn-RS" dirty="0"/>
-          </a:p>
-          <a:p>
-            <a:endParaRPr lang="en-US" dirty="0"/>
-          </a:p>
-        </p:txBody>
-      </p:sp>
-    </p:spTree>
-    <p:extLst>
-      <p:ext uri="{BB962C8B-B14F-4D97-AF65-F5344CB8AC3E}">
-        <p14:creationId xmlns:p14="http://schemas.microsoft.com/office/powerpoint/2010/main" val="1972377483"/>
-      </p:ext>
-    </p:extLst>
-  </p:cSld>
-  <p:clrMapOvr>
-    <a:masterClrMapping/>
-  </p:clrMapOvr>
-</p:sld>
-</file>
-
-<file path=ppt/slides/slide12.xml><?xml version="1.0" encoding="utf-8"?>
-<p:sld xmlns:a="http://schemas.openxmlformats.org/drawingml/2006/main" xmlns:r="http://schemas.openxmlformats.org/officeDocument/2006/relationships" xmlns:p="http://schemas.openxmlformats.org/presentationml/2006/main">
-  <p:cSld>
-    <p:spTree>
-      <p:nvGrpSpPr>
-        <p:cNvPr id="1" name=""/>
-        <p:cNvGrpSpPr/>
-        <p:nvPr/>
-      </p:nvGrpSpPr>
-      <p:grpSpPr>
-        <a:xfrm>
-          <a:off x="0" y="0"/>
-          <a:ext cx="0" cy="0"/>
-          <a:chOff x="0" y="0"/>
-          <a:chExt cx="0" cy="0"/>
-        </a:xfrm>
-      </p:grpSpPr>
-      <p:sp>
-        <p:nvSpPr>
-          <p:cNvPr id="2" name="Title 1">
-            <a:extLst>
-              <a:ext uri="{FF2B5EF4-FFF2-40B4-BE49-F238E27FC236}">
-                <a16:creationId xmlns:a16="http://schemas.microsoft.com/office/drawing/2014/main" id="{F1C611C6-0595-409B-9451-C69446090A0D}"/>
-              </a:ext>
-            </a:extLst>
-          </p:cNvPr>
-          <p:cNvSpPr>
-            <a:spLocks noGrp="1"/>
-          </p:cNvSpPr>
-          <p:nvPr>
-            <p:ph type="title"/>
-          </p:nvPr>
-        </p:nvSpPr>
-        <p:spPr/>
-        <p:txBody>
-          <a:bodyPr/>
-          <a:lstStyle/>
-          <a:p>
-            <a:r>
-              <a:rPr lang="sr-Latn-RS" dirty="0"/>
-              <a:t>skaliranje podataka</a:t>
-            </a:r>
-            <a:endParaRPr lang="en-US" dirty="0"/>
-          </a:p>
-        </p:txBody>
-      </p:sp>
-      <p:sp>
-        <p:nvSpPr>
-          <p:cNvPr id="3" name="Content Placeholder 2">
-            <a:extLst>
-              <a:ext uri="{FF2B5EF4-FFF2-40B4-BE49-F238E27FC236}">
-                <a16:creationId xmlns:a16="http://schemas.microsoft.com/office/drawing/2014/main" id="{EBA762E7-E822-4A1D-A164-B0C7C90DFA4A}"/>
-              </a:ext>
-            </a:extLst>
-          </p:cNvPr>
-          <p:cNvSpPr>
-            <a:spLocks noGrp="1"/>
-          </p:cNvSpPr>
-          <p:nvPr>
-            <p:ph idx="1"/>
-          </p:nvPr>
-        </p:nvSpPr>
-        <p:spPr/>
-        <p:txBody>
-          <a:bodyPr/>
-          <a:lstStyle/>
-          <a:p>
-            <a:r>
-              <a:rPr lang="sr-Latn-RS" dirty="0"/>
-              <a:t>Treniranje SVC modela nad neskaliranim podacima može biti veoma sporo, pa je izvrsavanje GridSearchCV praktično nemoguće.</a:t>
-            </a:r>
-          </a:p>
-          <a:p>
-            <a:r>
-              <a:rPr lang="sr-Latn-RS" dirty="0"/>
-              <a:t>Tokom testiranja različitih parametara GridSearchCV trenira više stotina modela, a za treniranje nekih od njih nad neskaliranim podacima je potrebno i više sati.</a:t>
-            </a:r>
-          </a:p>
-          <a:p>
-            <a:r>
-              <a:rPr lang="sr-Latn-RS" dirty="0"/>
-              <a:t>Za skaliranje podataka je korišćen StandardScaler.</a:t>
-            </a:r>
-            <a:endParaRPr lang="en-US" dirty="0"/>
-          </a:p>
-        </p:txBody>
-      </p:sp>
-    </p:spTree>
-    <p:extLst>
-      <p:ext uri="{BB962C8B-B14F-4D97-AF65-F5344CB8AC3E}">
-        <p14:creationId xmlns:p14="http://schemas.microsoft.com/office/powerpoint/2010/main" val="3148524587"/>
-      </p:ext>
-    </p:extLst>
-  </p:cSld>
-  <p:clrMapOvr>
-    <a:masterClrMapping/>
-  </p:clrMapOvr>
-</p:sld>
-</file>
-
-<file path=ppt/slides/slide13.xml><?xml version="1.0" encoding="utf-8"?>
-<p:sld xmlns:a="http://schemas.openxmlformats.org/drawingml/2006/main" xmlns:r="http://schemas.openxmlformats.org/officeDocument/2006/relationships" xmlns:p="http://schemas.openxmlformats.org/presentationml/2006/main">
-  <p:cSld>
-    <p:spTree>
-      <p:nvGrpSpPr>
-        <p:cNvPr id="1" name=""/>
-        <p:cNvGrpSpPr/>
-        <p:nvPr/>
-      </p:nvGrpSpPr>
-      <p:grpSpPr>
-        <a:xfrm>
-          <a:off x="0" y="0"/>
-          <a:ext cx="0" cy="0"/>
-          <a:chOff x="0" y="0"/>
-          <a:chExt cx="0" cy="0"/>
-        </a:xfrm>
-      </p:grpSpPr>
-      <p:sp>
-        <p:nvSpPr>
-          <p:cNvPr id="2" name="Title 1">
-            <a:extLst>
-              <a:ext uri="{FF2B5EF4-FFF2-40B4-BE49-F238E27FC236}">
-                <a16:creationId xmlns:a16="http://schemas.microsoft.com/office/drawing/2014/main" id="{4A1DB808-10B8-4624-BEC7-981697BEF033}"/>
-              </a:ext>
-            </a:extLst>
-          </p:cNvPr>
-          <p:cNvSpPr>
-            <a:spLocks noGrp="1"/>
-          </p:cNvSpPr>
-          <p:nvPr>
-            <p:ph type="title"/>
-          </p:nvPr>
-        </p:nvSpPr>
-        <p:spPr/>
-        <p:txBody>
-          <a:bodyPr/>
-          <a:lstStyle/>
-          <a:p>
-            <a:r>
-              <a:rPr lang="sr-Latn-RS" dirty="0"/>
-              <a:t>Podela na trening i test skup podataka</a:t>
-            </a:r>
-            <a:endParaRPr lang="en-US" dirty="0"/>
-          </a:p>
-        </p:txBody>
-      </p:sp>
-      <p:sp>
-        <p:nvSpPr>
-          <p:cNvPr id="3" name="Content Placeholder 2">
-            <a:extLst>
-              <a:ext uri="{FF2B5EF4-FFF2-40B4-BE49-F238E27FC236}">
-                <a16:creationId xmlns:a16="http://schemas.microsoft.com/office/drawing/2014/main" id="{E1452D6E-7D85-4AC7-9A22-3337C8DEF2FF}"/>
-              </a:ext>
-            </a:extLst>
-          </p:cNvPr>
-          <p:cNvSpPr>
-            <a:spLocks noGrp="1"/>
-          </p:cNvSpPr>
-          <p:nvPr>
-            <p:ph idx="1"/>
-          </p:nvPr>
-        </p:nvSpPr>
-        <p:spPr/>
-        <p:txBody>
-          <a:bodyPr/>
-          <a:lstStyle/>
-          <a:p>
-            <a:r>
-              <a:rPr lang="sr-Latn-RS" dirty="0"/>
-              <a:t>Nakon skaliranja se vrši podela skupa podataka na trening i test skupove podataka.</a:t>
-            </a:r>
-          </a:p>
-          <a:p>
-            <a:r>
-              <a:rPr lang="sr-Latn-RS" dirty="0"/>
-              <a:t>Podela se vrši u odnosu 80/20.</a:t>
-            </a:r>
-          </a:p>
-          <a:p>
-            <a:r>
-              <a:rPr lang="sr-Latn-RS" dirty="0"/>
-              <a:t>GridSearchCV se poziva nad trening podacima, pa se zatim svaki od dobijenih modela evaluira na osnovu test podataka.</a:t>
-            </a:r>
-            <a:endParaRPr lang="en-US" dirty="0"/>
-          </a:p>
-        </p:txBody>
-      </p:sp>
-    </p:spTree>
-    <p:extLst>
-      <p:ext uri="{BB962C8B-B14F-4D97-AF65-F5344CB8AC3E}">
-        <p14:creationId xmlns:p14="http://schemas.microsoft.com/office/powerpoint/2010/main" val="1435824590"/>
-      </p:ext>
-    </p:extLst>
-  </p:cSld>
-  <p:clrMapOvr>
-    <a:masterClrMapping/>
-  </p:clrMapOvr>
-</p:sld>
-</file>
-
-<file path=ppt/slides/slide14.xml><?xml version="1.0" encoding="utf-8"?>
-<p:sld xmlns:a="http://schemas.openxmlformats.org/drawingml/2006/main" xmlns:r="http://schemas.openxmlformats.org/officeDocument/2006/relationships" xmlns:p="http://schemas.openxmlformats.org/presentationml/2006/main">
-  <p:cSld>
-    <p:spTree>
-      <p:nvGrpSpPr>
-        <p:cNvPr id="1" name=""/>
-        <p:cNvGrpSpPr/>
-        <p:nvPr/>
-      </p:nvGrpSpPr>
-      <p:grpSpPr>
-        <a:xfrm>
-          <a:off x="0" y="0"/>
-          <a:ext cx="0" cy="0"/>
-          <a:chOff x="0" y="0"/>
-          <a:chExt cx="0" cy="0"/>
-        </a:xfrm>
-      </p:grpSpPr>
-      <p:sp>
-        <p:nvSpPr>
-          <p:cNvPr id="2" name="Title 1">
-            <a:extLst>
-              <a:ext uri="{FF2B5EF4-FFF2-40B4-BE49-F238E27FC236}">
-                <a16:creationId xmlns:a16="http://schemas.microsoft.com/office/drawing/2014/main" id="{AE8A991A-6795-48A6-9A7F-5E8263D0E28B}"/>
-              </a:ext>
-            </a:extLst>
-          </p:cNvPr>
-          <p:cNvSpPr>
-            <a:spLocks noGrp="1"/>
-          </p:cNvSpPr>
-          <p:nvPr>
-            <p:ph type="title"/>
-          </p:nvPr>
-        </p:nvSpPr>
-        <p:spPr/>
-        <p:txBody>
-          <a:bodyPr/>
-          <a:lstStyle/>
-          <a:p>
-            <a:r>
-              <a:rPr lang="sr-Latn-RS" dirty="0"/>
-              <a:t>Statističke osobine</a:t>
-            </a:r>
-            <a:endParaRPr lang="en-US" dirty="0"/>
-          </a:p>
-        </p:txBody>
-      </p:sp>
-      <p:sp>
-        <p:nvSpPr>
-          <p:cNvPr id="3" name="Content Placeholder 2">
-            <a:extLst>
-              <a:ext uri="{FF2B5EF4-FFF2-40B4-BE49-F238E27FC236}">
-                <a16:creationId xmlns:a16="http://schemas.microsoft.com/office/drawing/2014/main" id="{6B1A234D-FD93-4775-BBC3-C91E41C33608}"/>
-              </a:ext>
-            </a:extLst>
-          </p:cNvPr>
-          <p:cNvSpPr>
-            <a:spLocks noGrp="1"/>
-          </p:cNvSpPr>
-          <p:nvPr>
-            <p:ph idx="1"/>
-          </p:nvPr>
-        </p:nvSpPr>
-        <p:spPr/>
-        <p:txBody>
-          <a:bodyPr/>
-          <a:lstStyle/>
-          <a:p>
-            <a:r>
-              <a:rPr lang="sr-Latn-RS" dirty="0"/>
-              <a:t>Izdvajanje statističkih osobina se svodi na računanje sledećih parametara za svaku vremensku seriju:</a:t>
-            </a:r>
-          </a:p>
-          <a:p>
-            <a:pPr lvl="1"/>
-            <a:r>
-              <a:rPr lang="sr-Latn-RS" dirty="0"/>
-              <a:t>Srednja vrednost signala</a:t>
-            </a:r>
-          </a:p>
-          <a:p>
-            <a:pPr lvl="1"/>
-            <a:r>
-              <a:rPr lang="sr-Latn-RS" dirty="0"/>
-              <a:t>Standardna devijacija</a:t>
-            </a:r>
-          </a:p>
-          <a:p>
-            <a:pPr lvl="1"/>
-            <a:r>
-              <a:rPr lang="sr-Latn-RS" dirty="0"/>
-              <a:t>Srednja apsolutna vrednost prvih razkila signala</a:t>
-            </a:r>
-          </a:p>
-          <a:p>
-            <a:pPr lvl="1"/>
-            <a:r>
-              <a:rPr lang="sr-Latn-RS" dirty="0"/>
-              <a:t>Srednja apsolutna vrednost prvih razlika normalizovanog signala</a:t>
-            </a:r>
-          </a:p>
-          <a:p>
-            <a:pPr lvl="1"/>
-            <a:r>
-              <a:rPr lang="sr-Latn-RS" dirty="0"/>
-              <a:t>Srednja apsolutna vrednost drugih razlika signala</a:t>
-            </a:r>
-          </a:p>
-          <a:p>
-            <a:pPr lvl="1"/>
-            <a:r>
-              <a:rPr lang="sr-Latn-RS" dirty="0"/>
-              <a:t>Srednja apsolutna vrednost drugih razlika normalizovanog signala</a:t>
-            </a:r>
-          </a:p>
-          <a:p>
-            <a:endParaRPr lang="en-US" dirty="0"/>
-          </a:p>
-        </p:txBody>
-      </p:sp>
-    </p:spTree>
-    <p:extLst>
-      <p:ext uri="{BB962C8B-B14F-4D97-AF65-F5344CB8AC3E}">
-        <p14:creationId xmlns:p14="http://schemas.microsoft.com/office/powerpoint/2010/main" val="254387761"/>
-      </p:ext>
-    </p:extLst>
-  </p:cSld>
-  <p:clrMapOvr>
-    <a:masterClrMapping/>
-  </p:clrMapOvr>
-</p:sld>
-</file>
-
-<file path=ppt/slides/slide15.xml><?xml version="1.0" encoding="utf-8"?>
-<p:sld xmlns:a="http://schemas.openxmlformats.org/drawingml/2006/main" xmlns:r="http://schemas.openxmlformats.org/officeDocument/2006/relationships" xmlns:p="http://schemas.openxmlformats.org/presentationml/2006/main">
-  <p:cSld>
-    <p:spTree>
-      <p:nvGrpSpPr>
-        <p:cNvPr id="1" name=""/>
-        <p:cNvGrpSpPr/>
-        <p:nvPr/>
-      </p:nvGrpSpPr>
-      <p:grpSpPr>
-        <a:xfrm>
-          <a:off x="0" y="0"/>
-          <a:ext cx="0" cy="0"/>
-          <a:chOff x="0" y="0"/>
-          <a:chExt cx="0" cy="0"/>
-        </a:xfrm>
-      </p:grpSpPr>
-      <p:sp>
-        <p:nvSpPr>
-          <p:cNvPr id="2" name="Title 1">
-            <a:extLst>
-              <a:ext uri="{FF2B5EF4-FFF2-40B4-BE49-F238E27FC236}">
-                <a16:creationId xmlns:a16="http://schemas.microsoft.com/office/drawing/2014/main" id="{D8EEC4E9-150A-41A0-8E16-B0644BB7CD32}"/>
-              </a:ext>
-            </a:extLst>
-          </p:cNvPr>
-          <p:cNvSpPr>
-            <a:spLocks noGrp="1"/>
-          </p:cNvSpPr>
-          <p:nvPr>
-            <p:ph type="title"/>
-          </p:nvPr>
-        </p:nvSpPr>
-        <p:spPr/>
-        <p:txBody>
-          <a:bodyPr/>
-          <a:lstStyle/>
-          <a:p>
-            <a:r>
-              <a:rPr lang="sr-Latn-RS" dirty="0"/>
-              <a:t>Statističke osobine</a:t>
-            </a:r>
-            <a:endParaRPr lang="en-US" dirty="0"/>
-          </a:p>
-        </p:txBody>
-      </p:sp>
-      <p:pic>
-        <p:nvPicPr>
-          <p:cNvPr id="5" name="Content Placeholder 4">
-            <a:extLst>
-              <a:ext uri="{FF2B5EF4-FFF2-40B4-BE49-F238E27FC236}">
-                <a16:creationId xmlns:a16="http://schemas.microsoft.com/office/drawing/2014/main" id="{0E7C57AE-1B46-418C-A8C8-194C62F9A5C8}"/>
-              </a:ext>
-            </a:extLst>
-          </p:cNvPr>
-          <p:cNvPicPr>
-            <a:picLocks noGrp="1" noChangeAspect="1"/>
-          </p:cNvPicPr>
-          <p:nvPr>
-            <p:ph idx="1"/>
-          </p:nvPr>
-        </p:nvPicPr>
-        <p:blipFill>
-          <a:blip r:embed="rId2"/>
-          <a:stretch>
-            <a:fillRect/>
-          </a:stretch>
-        </p:blipFill>
-        <p:spPr>
-          <a:xfrm>
-            <a:off x="1362308" y="2503955"/>
-            <a:ext cx="9467384" cy="3843057"/>
-          </a:xfrm>
-        </p:spPr>
-      </p:pic>
-    </p:spTree>
-    <p:extLst>
-      <p:ext uri="{BB962C8B-B14F-4D97-AF65-F5344CB8AC3E}">
-        <p14:creationId xmlns:p14="http://schemas.microsoft.com/office/powerpoint/2010/main" val="2165140707"/>
-      </p:ext>
-    </p:extLst>
-  </p:cSld>
-  <p:clrMapOvr>
-    <a:masterClrMapping/>
-  </p:clrMapOvr>
-</p:sld>
-</file>
-
-<file path=ppt/slides/slide16.xml><?xml version="1.0" encoding="utf-8"?>
-<p:sld xmlns:a="http://schemas.openxmlformats.org/drawingml/2006/main" xmlns:r="http://schemas.openxmlformats.org/officeDocument/2006/relationships" xmlns:p="http://schemas.openxmlformats.org/presentationml/2006/main">
-  <p:cSld>
-    <p:spTree>
-      <p:nvGrpSpPr>
-        <p:cNvPr id="1" name=""/>
-        <p:cNvGrpSpPr/>
-        <p:nvPr/>
-      </p:nvGrpSpPr>
-      <p:grpSpPr>
-        <a:xfrm>
-          <a:off x="0" y="0"/>
-          <a:ext cx="0" cy="0"/>
-          <a:chOff x="0" y="0"/>
-          <a:chExt cx="0" cy="0"/>
-        </a:xfrm>
-      </p:grpSpPr>
-      <p:sp>
-        <p:nvSpPr>
-          <p:cNvPr id="2" name="Title 1">
-            <a:extLst>
-              <a:ext uri="{FF2B5EF4-FFF2-40B4-BE49-F238E27FC236}">
-                <a16:creationId xmlns:a16="http://schemas.microsoft.com/office/drawing/2014/main" id="{49E83C5D-1056-4F5A-AA2D-7F30E3722FBB}"/>
-              </a:ext>
-            </a:extLst>
-          </p:cNvPr>
-          <p:cNvSpPr>
-            <a:spLocks noGrp="1"/>
-          </p:cNvSpPr>
-          <p:nvPr>
-            <p:ph type="title"/>
-          </p:nvPr>
-        </p:nvSpPr>
-        <p:spPr/>
-        <p:txBody>
-          <a:bodyPr/>
-          <a:lstStyle/>
-          <a:p>
-            <a:r>
-              <a:rPr lang="sr-Latn-RS" dirty="0"/>
-              <a:t>Najbolji parametri za model sa statističkim osobinama</a:t>
-            </a:r>
-            <a:endParaRPr lang="en-US" dirty="0"/>
-          </a:p>
-        </p:txBody>
-      </p:sp>
-      <p:sp>
-        <p:nvSpPr>
-          <p:cNvPr id="3" name="Content Placeholder 2">
-            <a:extLst>
-              <a:ext uri="{FF2B5EF4-FFF2-40B4-BE49-F238E27FC236}">
-                <a16:creationId xmlns:a16="http://schemas.microsoft.com/office/drawing/2014/main" id="{C7EACE84-FEC3-4389-B62D-F520D12D1AE4}"/>
-              </a:ext>
-            </a:extLst>
-          </p:cNvPr>
-          <p:cNvSpPr>
-            <a:spLocks noGrp="1"/>
-          </p:cNvSpPr>
-          <p:nvPr>
-            <p:ph idx="1"/>
-          </p:nvPr>
-        </p:nvSpPr>
-        <p:spPr/>
-        <p:txBody>
-          <a:bodyPr/>
-          <a:lstStyle/>
-          <a:p>
-            <a:endParaRPr lang="en-US"/>
-          </a:p>
-        </p:txBody>
-      </p:sp>
-    </p:spTree>
-    <p:extLst>
-      <p:ext uri="{BB962C8B-B14F-4D97-AF65-F5344CB8AC3E}">
-        <p14:creationId xmlns:p14="http://schemas.microsoft.com/office/powerpoint/2010/main" val="2018856364"/>
-      </p:ext>
-    </p:extLst>
-  </p:cSld>
-  <p:clrMapOvr>
-    <a:masterClrMapping/>
-  </p:clrMapOvr>
-</p:sld>
-</file>
-
-<file path=ppt/slides/slide17.xml><?xml version="1.0" encoding="utf-8"?>
-<p:sld xmlns:a="http://schemas.openxmlformats.org/drawingml/2006/main" xmlns:r="http://schemas.openxmlformats.org/officeDocument/2006/relationships" xmlns:p="http://schemas.openxmlformats.org/presentationml/2006/main">
-  <p:cSld>
-    <p:spTree>
-      <p:nvGrpSpPr>
-        <p:cNvPr id="1" name=""/>
-        <p:cNvGrpSpPr/>
-        <p:nvPr/>
-      </p:nvGrpSpPr>
-      <p:grpSpPr>
-        <a:xfrm>
-          <a:off x="0" y="0"/>
-          <a:ext cx="0" cy="0"/>
-          <a:chOff x="0" y="0"/>
-          <a:chExt cx="0" cy="0"/>
-        </a:xfrm>
-      </p:grpSpPr>
-      <p:sp>
-        <p:nvSpPr>
-          <p:cNvPr id="2" name="Title 1">
-            <a:extLst>
-              <a:ext uri="{FF2B5EF4-FFF2-40B4-BE49-F238E27FC236}">
-                <a16:creationId xmlns:a16="http://schemas.microsoft.com/office/drawing/2014/main" id="{4FEA2A64-7E8F-48ED-A707-0D32BB3C8F7A}"/>
-              </a:ext>
-            </a:extLst>
-          </p:cNvPr>
-          <p:cNvSpPr>
-            <a:spLocks noGrp="1"/>
-          </p:cNvSpPr>
-          <p:nvPr>
-            <p:ph type="title"/>
-          </p:nvPr>
-        </p:nvSpPr>
-        <p:spPr/>
-        <p:txBody>
-          <a:bodyPr/>
-          <a:lstStyle/>
-          <a:p>
-            <a:r>
-              <a:rPr lang="sr-Latn-RS" dirty="0"/>
-              <a:t>Autoregresioni model</a:t>
-            </a:r>
-            <a:endParaRPr lang="en-US" dirty="0"/>
-          </a:p>
-        </p:txBody>
-      </p:sp>
-      <p:sp>
-        <p:nvSpPr>
-          <p:cNvPr id="3" name="Content Placeholder 2">
-            <a:extLst>
-              <a:ext uri="{FF2B5EF4-FFF2-40B4-BE49-F238E27FC236}">
-                <a16:creationId xmlns:a16="http://schemas.microsoft.com/office/drawing/2014/main" id="{1216AD37-4401-40AE-82DB-1DEFE680AEDE}"/>
-              </a:ext>
-            </a:extLst>
-          </p:cNvPr>
-          <p:cNvSpPr>
-            <a:spLocks noGrp="1"/>
-          </p:cNvSpPr>
-          <p:nvPr>
-            <p:ph idx="1"/>
-          </p:nvPr>
-        </p:nvSpPr>
-        <p:spPr/>
-        <p:txBody>
-          <a:bodyPr/>
-          <a:lstStyle/>
-          <a:p>
-            <a:r>
-              <a:rPr lang="en-US" dirty="0" err="1"/>
-              <a:t>Autoregresioni</a:t>
-            </a:r>
-            <a:r>
-              <a:rPr lang="en-US" dirty="0"/>
-              <a:t> model </a:t>
-            </a:r>
-            <a:r>
-              <a:rPr lang="en-US" dirty="0" err="1"/>
-              <a:t>koristi</a:t>
-            </a:r>
-            <a:r>
-              <a:rPr lang="en-US" dirty="0"/>
-              <a:t> </a:t>
-            </a:r>
-            <a:r>
-              <a:rPr lang="en-US" dirty="0" err="1"/>
-              <a:t>poznate</a:t>
-            </a:r>
-            <a:r>
-              <a:rPr lang="en-US" dirty="0"/>
-              <a:t> </a:t>
-            </a:r>
-            <a:r>
-              <a:rPr lang="en-US" dirty="0" err="1"/>
-              <a:t>podatke</a:t>
-            </a:r>
-            <a:r>
-              <a:rPr lang="en-US" dirty="0"/>
-              <a:t> da </a:t>
-            </a:r>
-            <a:r>
-              <a:rPr lang="en-US" dirty="0" err="1"/>
-              <a:t>napravi</a:t>
-            </a:r>
-            <a:r>
-              <a:rPr lang="en-US" dirty="0"/>
-              <a:t> model </a:t>
-            </a:r>
-            <a:r>
-              <a:rPr lang="en-US" dirty="0" err="1"/>
-              <a:t>linearne</a:t>
-            </a:r>
-            <a:r>
-              <a:rPr lang="en-US" dirty="0"/>
-              <a:t> </a:t>
-            </a:r>
-            <a:r>
-              <a:rPr lang="en-US" dirty="0" err="1"/>
-              <a:t>regresije</a:t>
-            </a:r>
-            <a:r>
-              <a:rPr lang="en-US" dirty="0"/>
-              <a:t>. U </a:t>
-            </a:r>
-            <a:r>
-              <a:rPr lang="en-US" dirty="0" err="1"/>
-              <a:t>ovom</a:t>
-            </a:r>
-            <a:r>
-              <a:rPr lang="en-US" dirty="0"/>
-              <a:t> </a:t>
-            </a:r>
-            <a:r>
-              <a:rPr lang="en-US" dirty="0" err="1"/>
-              <a:t>slučaju</a:t>
-            </a:r>
-            <a:r>
-              <a:rPr lang="en-US" dirty="0"/>
-              <a:t> </a:t>
-            </a:r>
-            <a:r>
-              <a:rPr lang="en-US" dirty="0" err="1"/>
-              <a:t>će</a:t>
-            </a:r>
-            <a:r>
-              <a:rPr lang="en-US" dirty="0"/>
-              <a:t> </a:t>
-            </a:r>
-            <a:r>
-              <a:rPr lang="en-US" dirty="0" err="1"/>
-              <a:t>obeležja</a:t>
-            </a:r>
-            <a:r>
-              <a:rPr lang="en-US" dirty="0"/>
-              <a:t> </a:t>
-            </a:r>
-            <a:r>
-              <a:rPr lang="en-US" dirty="0" err="1"/>
-              <a:t>vremenske</a:t>
-            </a:r>
-            <a:r>
-              <a:rPr lang="en-US" dirty="0"/>
-              <a:t> </a:t>
-            </a:r>
-            <a:r>
-              <a:rPr lang="en-US" dirty="0" err="1"/>
-              <a:t>serije</a:t>
-            </a:r>
-            <a:r>
-              <a:rPr lang="en-US" dirty="0"/>
-              <a:t> </a:t>
-            </a:r>
-            <a:r>
-              <a:rPr lang="en-US" dirty="0" err="1"/>
-              <a:t>biti</a:t>
-            </a:r>
-            <a:r>
-              <a:rPr lang="en-US" dirty="0"/>
-              <a:t> </a:t>
-            </a:r>
-            <a:r>
-              <a:rPr lang="en-US" dirty="0" err="1"/>
-              <a:t>koeficijenti</a:t>
-            </a:r>
-            <a:r>
-              <a:rPr lang="en-US" dirty="0"/>
-              <a:t> </a:t>
-            </a:r>
-            <a:r>
-              <a:rPr lang="en-US" dirty="0" err="1"/>
-              <a:t>jednačine</a:t>
-            </a:r>
-            <a:r>
-              <a:rPr lang="en-US" dirty="0"/>
-              <a:t> </a:t>
-            </a:r>
-            <a:r>
-              <a:rPr lang="en-US" dirty="0" err="1"/>
-              <a:t>linearne</a:t>
-            </a:r>
-            <a:r>
-              <a:rPr lang="en-US" dirty="0"/>
-              <a:t> </a:t>
-            </a:r>
-            <a:r>
-              <a:rPr lang="en-US" dirty="0" err="1"/>
-              <a:t>regresije</a:t>
-            </a:r>
-            <a:r>
-              <a:rPr lang="en-US" dirty="0"/>
-              <a:t>. </a:t>
-            </a:r>
-            <a:endParaRPr lang="sr-Latn-RS" dirty="0"/>
-          </a:p>
-          <a:p>
-            <a:r>
-              <a:rPr lang="en-US" dirty="0" err="1"/>
-              <a:t>Takođe</a:t>
-            </a:r>
-            <a:r>
-              <a:rPr lang="en-US" dirty="0"/>
-              <a:t>, </a:t>
-            </a:r>
-            <a:r>
-              <a:rPr lang="en-US" dirty="0" err="1"/>
-              <a:t>potrebno</a:t>
-            </a:r>
-            <a:r>
-              <a:rPr lang="en-US" dirty="0"/>
-              <a:t> je </a:t>
-            </a:r>
-            <a:r>
-              <a:rPr lang="en-US" dirty="0" err="1"/>
-              <a:t>odrediti</a:t>
-            </a:r>
-            <a:r>
-              <a:rPr lang="en-US" dirty="0"/>
-              <a:t> </a:t>
-            </a:r>
-            <a:r>
-              <a:rPr lang="en-US" dirty="0" err="1"/>
-              <a:t>i</a:t>
-            </a:r>
-            <a:r>
-              <a:rPr lang="en-US" dirty="0"/>
-              <a:t> </a:t>
-            </a:r>
-            <a:r>
-              <a:rPr lang="en-US" dirty="0" err="1"/>
-              <a:t>stepen</a:t>
-            </a:r>
-            <a:r>
-              <a:rPr lang="en-US" dirty="0"/>
-              <a:t> </a:t>
-            </a:r>
-            <a:r>
-              <a:rPr lang="en-US" dirty="0" err="1"/>
-              <a:t>modela</a:t>
-            </a:r>
-            <a:r>
-              <a:rPr lang="en-US" dirty="0"/>
-              <a:t> koji </a:t>
-            </a:r>
-            <a:r>
-              <a:rPr lang="en-US" dirty="0" err="1"/>
-              <a:t>će</a:t>
-            </a:r>
-            <a:r>
-              <a:rPr lang="en-US" dirty="0"/>
-              <a:t> </a:t>
-            </a:r>
-            <a:r>
-              <a:rPr lang="en-US" dirty="0" err="1"/>
-              <a:t>dati</a:t>
-            </a:r>
-            <a:r>
-              <a:rPr lang="en-US" dirty="0"/>
-              <a:t> </a:t>
-            </a:r>
-            <a:r>
-              <a:rPr lang="en-US" dirty="0" err="1"/>
-              <a:t>najbolje</a:t>
-            </a:r>
-            <a:r>
-              <a:rPr lang="en-US" dirty="0"/>
-              <a:t> </a:t>
-            </a:r>
-            <a:r>
-              <a:rPr lang="en-US" dirty="0" err="1"/>
-              <a:t>performanse</a:t>
-            </a:r>
-            <a:r>
-              <a:rPr lang="en-US" dirty="0"/>
-              <a:t>.</a:t>
-            </a:r>
-            <a:endParaRPr lang="sr-Latn-RS" dirty="0"/>
-          </a:p>
-          <a:p>
-            <a:r>
-              <a:rPr lang="sr-Latn-RS" dirty="0"/>
-              <a:t>Tipičan stepen modela koji se koristi je 6, mi ćemo takođe porediti rezultate dobijene sa nivoima 4, 5, 7 i 8.</a:t>
-            </a:r>
-            <a:endParaRPr lang="en-US" dirty="0"/>
-          </a:p>
-        </p:txBody>
-      </p:sp>
-    </p:spTree>
-    <p:extLst>
-      <p:ext uri="{BB962C8B-B14F-4D97-AF65-F5344CB8AC3E}">
-        <p14:creationId xmlns:p14="http://schemas.microsoft.com/office/powerpoint/2010/main" val="455743820"/>
-      </p:ext>
-    </p:extLst>
-  </p:cSld>
-  <p:clrMapOvr>
-    <a:masterClrMapping/>
-  </p:clrMapOvr>
-</p:sld>
-</file>
-
-<file path=ppt/slides/slide18.xml><?xml version="1.0" encoding="utf-8"?>
-<p:sld xmlns:a="http://schemas.openxmlformats.org/drawingml/2006/main" xmlns:r="http://schemas.openxmlformats.org/officeDocument/2006/relationships" xmlns:p="http://schemas.openxmlformats.org/presentationml/2006/main">
-  <p:cSld>
-    <p:spTree>
-      <p:nvGrpSpPr>
-        <p:cNvPr id="1" name=""/>
-        <p:cNvGrpSpPr/>
-        <p:nvPr/>
-      </p:nvGrpSpPr>
-      <p:grpSpPr>
-        <a:xfrm>
-          <a:off x="0" y="0"/>
-          <a:ext cx="0" cy="0"/>
-          <a:chOff x="0" y="0"/>
-          <a:chExt cx="0" cy="0"/>
-        </a:xfrm>
-      </p:grpSpPr>
-      <p:sp>
-        <p:nvSpPr>
-          <p:cNvPr id="2" name="Title 1">
-            <a:extLst>
-              <a:ext uri="{FF2B5EF4-FFF2-40B4-BE49-F238E27FC236}">
-                <a16:creationId xmlns:a16="http://schemas.microsoft.com/office/drawing/2014/main" id="{C025552C-8F7B-4C6D-80A4-5FD68C6FC2E9}"/>
-              </a:ext>
-            </a:extLst>
-          </p:cNvPr>
-          <p:cNvSpPr>
-            <a:spLocks noGrp="1"/>
-          </p:cNvSpPr>
-          <p:nvPr>
-            <p:ph type="title"/>
-          </p:nvPr>
-        </p:nvSpPr>
-        <p:spPr/>
-        <p:txBody>
-          <a:bodyPr/>
-          <a:lstStyle/>
-          <a:p>
-            <a:r>
-              <a:rPr lang="sr-Latn-RS" dirty="0"/>
-              <a:t>Najbolji parametri za model sa autoregresionim modelom</a:t>
-            </a:r>
-            <a:endParaRPr lang="en-US" dirty="0"/>
-          </a:p>
-        </p:txBody>
-      </p:sp>
-      <p:sp>
-        <p:nvSpPr>
-          <p:cNvPr id="3" name="Content Placeholder 2">
-            <a:extLst>
-              <a:ext uri="{FF2B5EF4-FFF2-40B4-BE49-F238E27FC236}">
-                <a16:creationId xmlns:a16="http://schemas.microsoft.com/office/drawing/2014/main" id="{8E08EFDF-DA8D-4FAD-85EC-E686068E7ED9}"/>
-              </a:ext>
-            </a:extLst>
-          </p:cNvPr>
-          <p:cNvSpPr>
-            <a:spLocks noGrp="1"/>
-          </p:cNvSpPr>
-          <p:nvPr>
-            <p:ph idx="1"/>
-          </p:nvPr>
-        </p:nvSpPr>
-        <p:spPr/>
-        <p:txBody>
-          <a:bodyPr/>
-          <a:lstStyle/>
-          <a:p>
-            <a:endParaRPr lang="en-US"/>
-          </a:p>
-        </p:txBody>
-      </p:sp>
-    </p:spTree>
-    <p:extLst>
-      <p:ext uri="{BB962C8B-B14F-4D97-AF65-F5344CB8AC3E}">
-        <p14:creationId xmlns:p14="http://schemas.microsoft.com/office/powerpoint/2010/main" val="238859578"/>
-      </p:ext>
-    </p:extLst>
-  </p:cSld>
-  <p:clrMapOvr>
-    <a:masterClrMapping/>
-  </p:clrMapOvr>
-</p:sld>
-</file>
-
-<file path=ppt/slides/slide19.xml><?xml version="1.0" encoding="utf-8"?>
-<p:sld xmlns:a="http://schemas.openxmlformats.org/drawingml/2006/main" xmlns:r="http://schemas.openxmlformats.org/officeDocument/2006/relationships" xmlns:p="http://schemas.openxmlformats.org/presentationml/2006/main">
-  <p:cSld>
-    <p:spTree>
-      <p:nvGrpSpPr>
-        <p:cNvPr id="1" name=""/>
-        <p:cNvGrpSpPr/>
-        <p:nvPr/>
-      </p:nvGrpSpPr>
-      <p:grpSpPr>
-        <a:xfrm>
-          <a:off x="0" y="0"/>
-          <a:ext cx="0" cy="0"/>
-          <a:chOff x="0" y="0"/>
-          <a:chExt cx="0" cy="0"/>
-        </a:xfrm>
-      </p:grpSpPr>
-      <p:sp>
-        <p:nvSpPr>
-          <p:cNvPr id="2" name="Title 1">
-            <a:extLst>
-              <a:ext uri="{FF2B5EF4-FFF2-40B4-BE49-F238E27FC236}">
-                <a16:creationId xmlns:a16="http://schemas.microsoft.com/office/drawing/2014/main" id="{008F5674-097E-409F-BFDF-01CF11EA8D48}"/>
-              </a:ext>
-            </a:extLst>
-          </p:cNvPr>
-          <p:cNvSpPr>
-            <a:spLocks noGrp="1"/>
-          </p:cNvSpPr>
-          <p:nvPr>
-            <p:ph type="title"/>
-          </p:nvPr>
-        </p:nvSpPr>
-        <p:spPr/>
-        <p:txBody>
-          <a:bodyPr/>
-          <a:lstStyle/>
-          <a:p>
-            <a:r>
-              <a:rPr lang="sr-Latn-RS" dirty="0"/>
-              <a:t>Fourieova transformacija</a:t>
-            </a:r>
-            <a:endParaRPr lang="en-US" dirty="0"/>
-          </a:p>
-        </p:txBody>
-      </p:sp>
-      <p:sp>
-        <p:nvSpPr>
-          <p:cNvPr id="3" name="Content Placeholder 2">
-            <a:extLst>
-              <a:ext uri="{FF2B5EF4-FFF2-40B4-BE49-F238E27FC236}">
-                <a16:creationId xmlns:a16="http://schemas.microsoft.com/office/drawing/2014/main" id="{0355767F-F011-49E7-B664-E4F8685BA2F0}"/>
-              </a:ext>
-            </a:extLst>
-          </p:cNvPr>
-          <p:cNvSpPr>
-            <a:spLocks noGrp="1"/>
-          </p:cNvSpPr>
-          <p:nvPr>
-            <p:ph idx="1"/>
-          </p:nvPr>
-        </p:nvSpPr>
-        <p:spPr>
-          <a:xfrm>
-            <a:off x="1424312" y="2638044"/>
-            <a:ext cx="4671688" cy="3101983"/>
-          </a:xfrm>
-        </p:spPr>
-        <p:txBody>
-          <a:bodyPr/>
-          <a:lstStyle/>
-          <a:p>
-            <a:r>
-              <a:rPr lang="en-US" dirty="0" err="1"/>
-              <a:t>Furieova</a:t>
-            </a:r>
-            <a:r>
-              <a:rPr lang="en-US" dirty="0"/>
-              <a:t> </a:t>
-            </a:r>
-            <a:r>
-              <a:rPr lang="en-US" dirty="0" err="1"/>
-              <a:t>transformacija</a:t>
-            </a:r>
-            <a:r>
-              <a:rPr lang="en-US" dirty="0"/>
-              <a:t> </a:t>
-            </a:r>
-            <a:r>
-              <a:rPr lang="en-US" dirty="0" err="1"/>
-              <a:t>predstavlja</a:t>
-            </a:r>
-            <a:r>
-              <a:rPr lang="en-US" dirty="0"/>
-              <a:t> </a:t>
-            </a:r>
-            <a:r>
-              <a:rPr lang="en-US" dirty="0" err="1"/>
-              <a:t>aproksimaciju</a:t>
-            </a:r>
-            <a:r>
-              <a:rPr lang="en-US" dirty="0"/>
-              <a:t> </a:t>
-            </a:r>
-            <a:r>
-              <a:rPr lang="en-US" dirty="0" err="1"/>
-              <a:t>opštih</a:t>
-            </a:r>
-            <a:r>
-              <a:rPr lang="en-US" dirty="0"/>
-              <a:t> </a:t>
-            </a:r>
-            <a:r>
-              <a:rPr lang="en-US" dirty="0" err="1"/>
-              <a:t>funkcija</a:t>
-            </a:r>
-            <a:r>
-              <a:rPr lang="en-US" dirty="0"/>
-              <a:t> </a:t>
-            </a:r>
-            <a:r>
-              <a:rPr lang="en-US" dirty="0" err="1"/>
-              <a:t>zbirom</a:t>
-            </a:r>
-            <a:r>
-              <a:rPr lang="en-US" dirty="0"/>
-              <a:t> </a:t>
-            </a:r>
-            <a:r>
-              <a:rPr lang="en-US" dirty="0" err="1"/>
-              <a:t>jednostavnijih</a:t>
-            </a:r>
-            <a:r>
-              <a:rPr lang="en-US" dirty="0"/>
-              <a:t> </a:t>
-            </a:r>
-            <a:r>
-              <a:rPr lang="en-US" dirty="0" err="1"/>
-              <a:t>trigonometrijskih</a:t>
-            </a:r>
-            <a:r>
-              <a:rPr lang="en-US" dirty="0"/>
-              <a:t> </a:t>
-            </a:r>
-            <a:r>
-              <a:rPr lang="en-US" dirty="0" err="1"/>
-              <a:t>funkcija</a:t>
-            </a:r>
-            <a:r>
-              <a:rPr lang="en-US" dirty="0"/>
-              <a:t>. U </a:t>
-            </a:r>
-            <a:r>
-              <a:rPr lang="en-US" dirty="0" err="1"/>
-              <a:t>slučaju</a:t>
-            </a:r>
-            <a:r>
-              <a:rPr lang="en-US" dirty="0"/>
-              <a:t> EEG </a:t>
-            </a:r>
-            <a:r>
-              <a:rPr lang="en-US" dirty="0" err="1"/>
-              <a:t>snimka</a:t>
-            </a:r>
-            <a:r>
-              <a:rPr lang="en-US" dirty="0"/>
-              <a:t> </a:t>
-            </a:r>
-            <a:r>
-              <a:rPr lang="en-US" dirty="0" err="1"/>
-              <a:t>pretvara</a:t>
-            </a:r>
-            <a:r>
-              <a:rPr lang="en-US" dirty="0"/>
-              <a:t> ga </a:t>
-            </a:r>
-            <a:r>
-              <a:rPr lang="en-US" dirty="0" err="1"/>
-              <a:t>iz</a:t>
-            </a:r>
-            <a:r>
-              <a:rPr lang="en-US" dirty="0"/>
-              <a:t> </a:t>
-            </a:r>
-            <a:r>
-              <a:rPr lang="en-US" dirty="0" err="1"/>
-              <a:t>vremenskog</a:t>
-            </a:r>
-            <a:r>
-              <a:rPr lang="en-US" dirty="0"/>
-              <a:t> </a:t>
-            </a:r>
-            <a:r>
-              <a:rPr lang="en-US" dirty="0" err="1"/>
-              <a:t>domena</a:t>
-            </a:r>
-            <a:r>
-              <a:rPr lang="en-US" dirty="0"/>
-              <a:t> u </a:t>
-            </a:r>
-            <a:r>
-              <a:rPr lang="en-US" dirty="0" err="1"/>
-              <a:t>domen</a:t>
-            </a:r>
-            <a:r>
-              <a:rPr lang="en-US" dirty="0"/>
-              <a:t> </a:t>
-            </a:r>
-            <a:r>
-              <a:rPr lang="en-US" dirty="0" err="1"/>
-              <a:t>frekvencije</a:t>
-            </a:r>
-            <a:r>
-              <a:rPr lang="en-US" dirty="0"/>
-              <a:t>. </a:t>
-            </a:r>
-            <a:endParaRPr lang="sr-Latn-RS" dirty="0"/>
-          </a:p>
-          <a:p>
-            <a:r>
-              <a:rPr lang="en-US" dirty="0"/>
-              <a:t>Za to </a:t>
-            </a:r>
-            <a:r>
-              <a:rPr lang="en-US" dirty="0" err="1"/>
-              <a:t>će</a:t>
-            </a:r>
-            <a:r>
-              <a:rPr lang="en-US" dirty="0"/>
-              <a:t> </a:t>
-            </a:r>
-            <a:r>
-              <a:rPr lang="en-US" dirty="0" err="1"/>
-              <a:t>biti</a:t>
-            </a:r>
-            <a:r>
-              <a:rPr lang="en-US" dirty="0"/>
-              <a:t> </a:t>
-            </a:r>
-            <a:r>
-              <a:rPr lang="en-US" dirty="0" err="1"/>
-              <a:t>korišćen</a:t>
-            </a:r>
-            <a:r>
-              <a:rPr lang="en-US" dirty="0"/>
-              <a:t> Fast Fourier Transform (FFT) </a:t>
-            </a:r>
-            <a:r>
-              <a:rPr lang="en-US" dirty="0" err="1"/>
-              <a:t>algoritam</a:t>
-            </a:r>
-            <a:r>
-              <a:rPr lang="en-US" dirty="0"/>
-              <a:t>. </a:t>
-            </a:r>
-            <a:r>
-              <a:rPr lang="en-US" dirty="0" err="1"/>
-              <a:t>Nakon</a:t>
-            </a:r>
-            <a:r>
-              <a:rPr lang="en-US" dirty="0"/>
-              <a:t> FFT </a:t>
-            </a:r>
-            <a:r>
-              <a:rPr lang="en-US" dirty="0" err="1"/>
-              <a:t>algoritma</a:t>
-            </a:r>
-            <a:r>
-              <a:rPr lang="en-US" dirty="0"/>
-              <a:t> </a:t>
-            </a:r>
-            <a:r>
-              <a:rPr lang="en-US" dirty="0" err="1"/>
-              <a:t>dobijamo</a:t>
-            </a:r>
-            <a:r>
-              <a:rPr lang="en-US" dirty="0"/>
-              <a:t> </a:t>
-            </a:r>
-            <a:r>
-              <a:rPr lang="en-US" dirty="0" err="1"/>
-              <a:t>informaciju</a:t>
-            </a:r>
-            <a:r>
-              <a:rPr lang="en-US" dirty="0"/>
-              <a:t> od </a:t>
-            </a:r>
-            <a:r>
-              <a:rPr lang="en-US" dirty="0" err="1"/>
-              <a:t>kojih</a:t>
-            </a:r>
-            <a:r>
-              <a:rPr lang="en-US" dirty="0"/>
-              <a:t> </a:t>
-            </a:r>
-            <a:r>
-              <a:rPr lang="en-US" dirty="0" err="1"/>
-              <a:t>frekvencija</a:t>
-            </a:r>
-            <a:r>
-              <a:rPr lang="en-US" dirty="0"/>
-              <a:t> se </a:t>
-            </a:r>
-            <a:r>
-              <a:rPr lang="en-US" dirty="0" err="1"/>
-              <a:t>sastoji</a:t>
-            </a:r>
-            <a:r>
-              <a:rPr lang="en-US" dirty="0"/>
-              <a:t> EEG signal </a:t>
-            </a:r>
-            <a:r>
-              <a:rPr lang="en-US" dirty="0" err="1"/>
-              <a:t>kao</a:t>
-            </a:r>
-            <a:r>
-              <a:rPr lang="en-US" dirty="0"/>
-              <a:t> </a:t>
-            </a:r>
-            <a:r>
-              <a:rPr lang="en-US" dirty="0" err="1"/>
-              <a:t>i</a:t>
-            </a:r>
-            <a:r>
-              <a:rPr lang="en-US" dirty="0"/>
-              <a:t> </a:t>
-            </a:r>
-            <a:r>
-              <a:rPr lang="en-US" dirty="0" err="1"/>
-              <a:t>koliko</a:t>
-            </a:r>
-            <a:r>
-              <a:rPr lang="en-US" dirty="0"/>
-              <a:t> </a:t>
-            </a:r>
-            <a:r>
-              <a:rPr lang="en-US" dirty="0" err="1"/>
-              <a:t>svaka</a:t>
-            </a:r>
-            <a:r>
-              <a:rPr lang="en-US" dirty="0"/>
-              <a:t> od </a:t>
-            </a:r>
-            <a:r>
-              <a:rPr lang="en-US" dirty="0" err="1"/>
-              <a:t>njih</a:t>
-            </a:r>
-            <a:r>
-              <a:rPr lang="en-US" dirty="0"/>
-              <a:t> </a:t>
-            </a:r>
-            <a:r>
-              <a:rPr lang="en-US" dirty="0" err="1"/>
-              <a:t>doprinosi</a:t>
-            </a:r>
-            <a:r>
-              <a:rPr lang="en-US" dirty="0"/>
-              <a:t> </a:t>
-            </a:r>
-            <a:r>
-              <a:rPr lang="en-US" dirty="0" err="1"/>
-              <a:t>signalu</a:t>
-            </a:r>
-            <a:r>
-              <a:rPr lang="en-US" dirty="0"/>
-              <a:t>.</a:t>
-            </a:r>
-          </a:p>
-        </p:txBody>
-      </p:sp>
-      <p:pic>
-        <p:nvPicPr>
-          <p:cNvPr id="5" name="Picture 4">
-            <a:extLst>
-              <a:ext uri="{FF2B5EF4-FFF2-40B4-BE49-F238E27FC236}">
-                <a16:creationId xmlns:a16="http://schemas.microsoft.com/office/drawing/2014/main" id="{067B0C30-00EC-4B5B-8C97-E0419FB9D514}"/>
-              </a:ext>
-            </a:extLst>
-          </p:cNvPr>
-          <p:cNvPicPr>
-            <a:picLocks noChangeAspect="1"/>
-          </p:cNvPicPr>
-          <p:nvPr/>
-        </p:nvPicPr>
-        <p:blipFill>
-          <a:blip r:embed="rId2"/>
-          <a:stretch>
-            <a:fillRect/>
-          </a:stretch>
-        </p:blipFill>
-        <p:spPr>
-          <a:xfrm>
-            <a:off x="6215226" y="2367899"/>
-            <a:ext cx="5054486" cy="3372128"/>
-          </a:xfrm>
-          <a:prstGeom prst="rect">
-            <a:avLst/>
-          </a:prstGeom>
-        </p:spPr>
-      </p:pic>
-    </p:spTree>
-    <p:extLst>
-      <p:ext uri="{BB962C8B-B14F-4D97-AF65-F5344CB8AC3E}">
-        <p14:creationId xmlns:p14="http://schemas.microsoft.com/office/powerpoint/2010/main" val="3827154802"/>
-      </p:ext>
-    </p:extLst>
-  </p:cSld>
-  <p:clrMapOvr>
-    <a:masterClrMapping/>
-  </p:clrMapOvr>
-</p:sld>
-</file>
-
-<file path=ppt/slides/slide2.xml><?xml version="1.0" encoding="utf-8"?>
-<p:sld xmlns:a="http://schemas.openxmlformats.org/drawingml/2006/main" xmlns:r="http://schemas.openxmlformats.org/officeDocument/2006/relationships" xmlns:p="http://schemas.openxmlformats.org/presentationml/2006/main">
-  <p:cSld>
-    <p:spTree>
-      <p:nvGrpSpPr>
-        <p:cNvPr id="1" name=""/>
-        <p:cNvGrpSpPr/>
-        <p:nvPr/>
-      </p:nvGrpSpPr>
-      <p:grpSpPr>
-        <a:xfrm>
-          <a:off x="0" y="0"/>
-          <a:ext cx="0" cy="0"/>
-          <a:chOff x="0" y="0"/>
-          <a:chExt cx="0" cy="0"/>
-        </a:xfrm>
-      </p:grpSpPr>
-      <p:sp>
-        <p:nvSpPr>
-          <p:cNvPr id="2" name="Title 1">
-            <a:extLst>
-              <a:ext uri="{FF2B5EF4-FFF2-40B4-BE49-F238E27FC236}">
-                <a16:creationId xmlns:a16="http://schemas.microsoft.com/office/drawing/2014/main" id="{56F51CFF-DCB4-4917-8609-DD43D295A810}"/>
-              </a:ext>
-            </a:extLst>
-          </p:cNvPr>
-          <p:cNvSpPr>
-            <a:spLocks noGrp="1"/>
-          </p:cNvSpPr>
-          <p:nvPr>
-            <p:ph type="title"/>
-          </p:nvPr>
-        </p:nvSpPr>
-        <p:spPr/>
-        <p:txBody>
-          <a:bodyPr/>
-          <a:lstStyle/>
-          <a:p>
-            <a:r>
-              <a:rPr lang="sr-Latn-RS" dirty="0"/>
-              <a:t>EEG</a:t>
-            </a:r>
-            <a:endParaRPr lang="en-US" dirty="0"/>
-          </a:p>
-        </p:txBody>
-      </p:sp>
-      <p:sp>
-        <p:nvSpPr>
-          <p:cNvPr id="3" name="Content Placeholder 2">
-            <a:extLst>
-              <a:ext uri="{FF2B5EF4-FFF2-40B4-BE49-F238E27FC236}">
-                <a16:creationId xmlns:a16="http://schemas.microsoft.com/office/drawing/2014/main" id="{FA2816E5-7945-41C0-B2E6-2DCCAF48B27D}"/>
-              </a:ext>
-            </a:extLst>
-          </p:cNvPr>
-          <p:cNvSpPr>
-            <a:spLocks noGrp="1"/>
-          </p:cNvSpPr>
-          <p:nvPr>
-            <p:ph idx="1"/>
-          </p:nvPr>
-        </p:nvSpPr>
-        <p:spPr>
-          <a:xfrm>
-            <a:off x="545771" y="2389093"/>
-            <a:ext cx="5550229" cy="3635189"/>
-          </a:xfrm>
-        </p:spPr>
-        <p:txBody>
-          <a:bodyPr/>
-          <a:lstStyle/>
-          <a:p>
-            <a:r>
-              <a:rPr lang="sr-Latn-RS" dirty="0"/>
-              <a:t>Elektroencefalografija je posebna neurofiziološka metoda koja registruje moždanu električnu aktivnost preko elektroda smeštenih na poglavini ili subduralno odnosno unutar moždanog tkiva. Rezultujući dijagram je poznat kao elektroencefalogram (EEG). </a:t>
-            </a:r>
-          </a:p>
-          <a:p>
-            <a:r>
-              <a:rPr lang="sr-Latn-RS" dirty="0"/>
-              <a:t>Na dijagramu se vidi da se EEG u trenutku epileptičnog napada znatno razlikuje u odnosu na normalan EEG.</a:t>
-            </a:r>
-          </a:p>
-          <a:p>
-            <a:r>
-              <a:rPr lang="sr-Latn-RS" dirty="0"/>
-              <a:t>Cilj ovog projekta je pravljenje modela koji će moći da prepozna da li je data EEG vremenska serija snimljena tokom epileptičnog napada.</a:t>
-            </a:r>
-          </a:p>
-        </p:txBody>
-      </p:sp>
-      <p:pic>
-        <p:nvPicPr>
-          <p:cNvPr id="1026" name="Picture 2">
-            <a:extLst>
-              <a:ext uri="{FF2B5EF4-FFF2-40B4-BE49-F238E27FC236}">
-                <a16:creationId xmlns:a16="http://schemas.microsoft.com/office/drawing/2014/main" id="{D8353CB3-568A-4F70-ABF5-A9541CD2BADF}"/>
-              </a:ext>
-            </a:extLst>
-          </p:cNvPr>
-          <p:cNvPicPr>
-            <a:picLocks noChangeAspect="1" noChangeArrowheads="1"/>
-          </p:cNvPicPr>
-          <p:nvPr/>
-        </p:nvPicPr>
-        <p:blipFill>
-          <a:blip r:embed="rId2">
-            <a:extLst>
-              <a:ext uri="{28A0092B-C50C-407E-A947-70E740481C1C}">
-                <a14:useLocalDpi xmlns:a14="http://schemas.microsoft.com/office/drawing/2010/main" val="0"/>
-              </a:ext>
-            </a:extLst>
-          </a:blip>
-          <a:srcRect/>
-          <a:stretch>
-            <a:fillRect/>
-          </a:stretch>
-        </p:blipFill>
-        <p:spPr bwMode="auto">
-          <a:xfrm>
-            <a:off x="6096000" y="2521418"/>
-            <a:ext cx="5885245" cy="2837331"/>
-          </a:xfrm>
-          <a:prstGeom prst="rect">
-            <a:avLst/>
-          </a:prstGeom>
-          <a:noFill/>
-          <a:extLst>
-            <a:ext uri="{909E8E84-426E-40DD-AFC4-6F175D3DCCD1}">
-              <a14:hiddenFill xmlns:a14="http://schemas.microsoft.com/office/drawing/2010/main">
-                <a:solidFill>
-                  <a:srgbClr val="FFFFFF"/>
-                </a:solidFill>
-              </a14:hiddenFill>
-            </a:ext>
-          </a:extLst>
-        </p:spPr>
-      </p:pic>
-    </p:spTree>
-    <p:extLst>
-      <p:ext uri="{BB962C8B-B14F-4D97-AF65-F5344CB8AC3E}">
-        <p14:creationId xmlns:p14="http://schemas.microsoft.com/office/powerpoint/2010/main" val="4218274217"/>
-      </p:ext>
-    </p:extLst>
-  </p:cSld>
-  <p:clrMapOvr>
-    <a:masterClrMapping/>
-  </p:clrMapOvr>
-</p:sld>
-</file>
-
-<file path=ppt/slides/slide20.xml><?xml version="1.0" encoding="utf-8"?>
-<p:sld xmlns:a="http://schemas.openxmlformats.org/drawingml/2006/main" xmlns:r="http://schemas.openxmlformats.org/officeDocument/2006/relationships" xmlns:p="http://schemas.openxmlformats.org/presentationml/2006/main">
-  <p:cSld>
-    <p:spTree>
-      <p:nvGrpSpPr>
-        <p:cNvPr id="1" name=""/>
-        <p:cNvGrpSpPr/>
-        <p:nvPr/>
-      </p:nvGrpSpPr>
-      <p:grpSpPr>
-        <a:xfrm>
-          <a:off x="0" y="0"/>
-          <a:ext cx="0" cy="0"/>
-          <a:chOff x="0" y="0"/>
-          <a:chExt cx="0" cy="0"/>
-        </a:xfrm>
-      </p:grpSpPr>
-      <p:sp>
-        <p:nvSpPr>
-          <p:cNvPr id="2" name="Title 1">
-            <a:extLst>
-              <a:ext uri="{FF2B5EF4-FFF2-40B4-BE49-F238E27FC236}">
-                <a16:creationId xmlns:a16="http://schemas.microsoft.com/office/drawing/2014/main" id="{282512E5-33A6-49B7-B479-44D372A0D1EA}"/>
-              </a:ext>
-            </a:extLst>
-          </p:cNvPr>
-          <p:cNvSpPr>
-            <a:spLocks noGrp="1"/>
-          </p:cNvSpPr>
-          <p:nvPr>
-            <p:ph type="title"/>
-          </p:nvPr>
-        </p:nvSpPr>
-        <p:spPr/>
-        <p:txBody>
-          <a:bodyPr/>
-          <a:lstStyle/>
-          <a:p>
-            <a:r>
-              <a:rPr lang="sr-Latn-RS" dirty="0"/>
-              <a:t>Odabir frekvencija</a:t>
-            </a:r>
-            <a:endParaRPr lang="en-US" dirty="0"/>
-          </a:p>
-        </p:txBody>
-      </p:sp>
-      <p:sp>
-        <p:nvSpPr>
-          <p:cNvPr id="3" name="Content Placeholder 2">
-            <a:extLst>
-              <a:ext uri="{FF2B5EF4-FFF2-40B4-BE49-F238E27FC236}">
-                <a16:creationId xmlns:a16="http://schemas.microsoft.com/office/drawing/2014/main" id="{78C043D9-7190-408F-A224-621701E13E46}"/>
-              </a:ext>
-            </a:extLst>
-          </p:cNvPr>
-          <p:cNvSpPr>
-            <a:spLocks noGrp="1"/>
-          </p:cNvSpPr>
-          <p:nvPr>
-            <p:ph idx="1"/>
-          </p:nvPr>
-        </p:nvSpPr>
-        <p:spPr>
-          <a:xfrm>
-            <a:off x="1895683" y="2502971"/>
-            <a:ext cx="4097946" cy="3101983"/>
-          </a:xfrm>
-        </p:spPr>
-        <p:txBody>
-          <a:bodyPr/>
-          <a:lstStyle/>
-          <a:p>
-            <a:r>
-              <a:rPr lang="sr-Latn-RS" dirty="0"/>
-              <a:t>Kao što se vidi na slici, nemaju sve frekvencije podjednak uticaj na konačni signal. Zbog toga neke od njih možemo da zanemarimo.</a:t>
-            </a:r>
-            <a:endParaRPr lang="en-US" dirty="0"/>
-          </a:p>
-          <a:p>
-            <a:r>
-              <a:rPr lang="sr-Latn-RS" dirty="0"/>
-              <a:t>Za to ćemo koristiti PCA algoritam.</a:t>
-            </a:r>
-          </a:p>
-          <a:p>
-            <a:endParaRPr lang="sr-Latn-RS" dirty="0"/>
-          </a:p>
-          <a:p>
-            <a:endParaRPr lang="en-US" dirty="0"/>
-          </a:p>
-        </p:txBody>
-      </p:sp>
-      <p:pic>
-        <p:nvPicPr>
-          <p:cNvPr id="4" name="Picture 3">
-            <a:extLst>
-              <a:ext uri="{FF2B5EF4-FFF2-40B4-BE49-F238E27FC236}">
-                <a16:creationId xmlns:a16="http://schemas.microsoft.com/office/drawing/2014/main" id="{74605FFA-A0C2-43C9-A657-8AE82A9F76FC}"/>
-              </a:ext>
-            </a:extLst>
-          </p:cNvPr>
-          <p:cNvPicPr>
-            <a:picLocks noChangeAspect="1"/>
-          </p:cNvPicPr>
-          <p:nvPr/>
-        </p:nvPicPr>
-        <p:blipFill>
-          <a:blip r:embed="rId2"/>
-          <a:stretch>
-            <a:fillRect/>
-          </a:stretch>
-        </p:blipFill>
-        <p:spPr>
-          <a:xfrm>
-            <a:off x="6215226" y="2367899"/>
-            <a:ext cx="5054486" cy="3372128"/>
-          </a:xfrm>
-          <a:prstGeom prst="rect">
-            <a:avLst/>
-          </a:prstGeom>
-        </p:spPr>
-      </p:pic>
-    </p:spTree>
-    <p:extLst>
-      <p:ext uri="{BB962C8B-B14F-4D97-AF65-F5344CB8AC3E}">
-        <p14:creationId xmlns:p14="http://schemas.microsoft.com/office/powerpoint/2010/main" val="2360138108"/>
-      </p:ext>
-    </p:extLst>
-  </p:cSld>
-  <p:clrMapOvr>
-    <a:masterClrMapping/>
-  </p:clrMapOvr>
-</p:sld>
-</file>
-
-<file path=ppt/slides/slide21.xml><?xml version="1.0" encoding="utf-8"?>
-<p:sld xmlns:a="http://schemas.openxmlformats.org/drawingml/2006/main" xmlns:r="http://schemas.openxmlformats.org/officeDocument/2006/relationships" xmlns:p="http://schemas.openxmlformats.org/presentationml/2006/main">
-  <p:cSld>
-    <p:spTree>
-      <p:nvGrpSpPr>
-        <p:cNvPr id="1" name=""/>
-        <p:cNvGrpSpPr/>
-        <p:nvPr/>
-      </p:nvGrpSpPr>
-      <p:grpSpPr>
-        <a:xfrm>
-          <a:off x="0" y="0"/>
-          <a:ext cx="0" cy="0"/>
-          <a:chOff x="0" y="0"/>
-          <a:chExt cx="0" cy="0"/>
-        </a:xfrm>
-      </p:grpSpPr>
-      <p:sp>
-        <p:nvSpPr>
-          <p:cNvPr id="2" name="Title 1">
-            <a:extLst>
-              <a:ext uri="{FF2B5EF4-FFF2-40B4-BE49-F238E27FC236}">
-                <a16:creationId xmlns:a16="http://schemas.microsoft.com/office/drawing/2014/main" id="{5834C96A-F396-40CD-8365-04CF50C49A2E}"/>
-              </a:ext>
-            </a:extLst>
-          </p:cNvPr>
-          <p:cNvSpPr>
-            <a:spLocks noGrp="1"/>
-          </p:cNvSpPr>
-          <p:nvPr>
-            <p:ph type="title"/>
-          </p:nvPr>
-        </p:nvSpPr>
-        <p:spPr/>
-        <p:txBody>
-          <a:bodyPr/>
-          <a:lstStyle/>
-          <a:p>
-            <a:r>
-              <a:rPr lang="sr-Latn-RS" dirty="0"/>
-              <a:t>PCA algoritam</a:t>
-            </a:r>
-            <a:endParaRPr lang="en-US" dirty="0"/>
-          </a:p>
-        </p:txBody>
-      </p:sp>
-      <p:sp>
-        <p:nvSpPr>
-          <p:cNvPr id="3" name="Content Placeholder 2">
-            <a:extLst>
-              <a:ext uri="{FF2B5EF4-FFF2-40B4-BE49-F238E27FC236}">
-                <a16:creationId xmlns:a16="http://schemas.microsoft.com/office/drawing/2014/main" id="{40AE92B2-A2EA-4DB8-94A6-2AEAB6D84942}"/>
-              </a:ext>
-            </a:extLst>
-          </p:cNvPr>
-          <p:cNvSpPr>
-            <a:spLocks noGrp="1"/>
-          </p:cNvSpPr>
-          <p:nvPr>
-            <p:ph idx="1"/>
-          </p:nvPr>
-        </p:nvSpPr>
-        <p:spPr>
-          <a:xfrm>
-            <a:off x="2231136" y="2638044"/>
-            <a:ext cx="7729728" cy="929909"/>
-          </a:xfrm>
-        </p:spPr>
-        <p:txBody>
-          <a:bodyPr/>
-          <a:lstStyle/>
-          <a:p>
-            <a:r>
-              <a:rPr lang="sr-Latn-RS" dirty="0"/>
-              <a:t>Prvo je potrebno centrirati i skalirati podatke.</a:t>
-            </a:r>
-          </a:p>
-          <a:p>
-            <a:r>
-              <a:rPr lang="sr-Latn-RS" dirty="0"/>
-              <a:t>Za to je korišćena klasa StandardScaler.</a:t>
-            </a:r>
-            <a:endParaRPr lang="en-US" dirty="0"/>
-          </a:p>
-        </p:txBody>
-      </p:sp>
-      <p:pic>
-        <p:nvPicPr>
-          <p:cNvPr id="5" name="Picture 4">
-            <a:extLst>
-              <a:ext uri="{FF2B5EF4-FFF2-40B4-BE49-F238E27FC236}">
-                <a16:creationId xmlns:a16="http://schemas.microsoft.com/office/drawing/2014/main" id="{A7422B17-BA71-421F-A60D-773B5934F226}"/>
-              </a:ext>
-            </a:extLst>
-          </p:cNvPr>
-          <p:cNvPicPr>
-            <a:picLocks noChangeAspect="1"/>
-          </p:cNvPicPr>
-          <p:nvPr/>
-        </p:nvPicPr>
-        <p:blipFill>
-          <a:blip r:embed="rId2"/>
-          <a:stretch>
-            <a:fillRect/>
-          </a:stretch>
-        </p:blipFill>
-        <p:spPr>
-          <a:xfrm>
-            <a:off x="1683637" y="3763437"/>
-            <a:ext cx="8824725" cy="1882303"/>
-          </a:xfrm>
-          <a:prstGeom prst="rect">
-            <a:avLst/>
-          </a:prstGeom>
-        </p:spPr>
-      </p:pic>
-    </p:spTree>
-    <p:extLst>
-      <p:ext uri="{BB962C8B-B14F-4D97-AF65-F5344CB8AC3E}">
-        <p14:creationId xmlns:p14="http://schemas.microsoft.com/office/powerpoint/2010/main" val="1973505920"/>
-      </p:ext>
-    </p:extLst>
-  </p:cSld>
-  <p:clrMapOvr>
-    <a:masterClrMapping/>
-  </p:clrMapOvr>
-</p:sld>
-</file>
-
-<file path=ppt/slides/slide22.xml><?xml version="1.0" encoding="utf-8"?>
-<p:sld xmlns:a="http://schemas.openxmlformats.org/drawingml/2006/main" xmlns:r="http://schemas.openxmlformats.org/officeDocument/2006/relationships" xmlns:p="http://schemas.openxmlformats.org/presentationml/2006/main">
-  <p:cSld>
-    <p:spTree>
-      <p:nvGrpSpPr>
-        <p:cNvPr id="1" name=""/>
-        <p:cNvGrpSpPr/>
-        <p:nvPr/>
-      </p:nvGrpSpPr>
-      <p:grpSpPr>
-        <a:xfrm>
-          <a:off x="0" y="0"/>
-          <a:ext cx="0" cy="0"/>
-          <a:chOff x="0" y="0"/>
-          <a:chExt cx="0" cy="0"/>
-        </a:xfrm>
-      </p:grpSpPr>
-      <p:sp>
-        <p:nvSpPr>
-          <p:cNvPr id="2" name="Title 1">
-            <a:extLst>
-              <a:ext uri="{FF2B5EF4-FFF2-40B4-BE49-F238E27FC236}">
-                <a16:creationId xmlns:a16="http://schemas.microsoft.com/office/drawing/2014/main" id="{55062AEC-518D-46D6-9F11-AD0C922BE560}"/>
-              </a:ext>
-            </a:extLst>
-          </p:cNvPr>
-          <p:cNvSpPr>
-            <a:spLocks noGrp="1"/>
-          </p:cNvSpPr>
-          <p:nvPr>
-            <p:ph type="title"/>
-          </p:nvPr>
-        </p:nvSpPr>
-        <p:spPr/>
-        <p:txBody>
-          <a:bodyPr/>
-          <a:lstStyle/>
-          <a:p>
-            <a:endParaRPr lang="en-US"/>
-          </a:p>
-        </p:txBody>
-      </p:sp>
-      <p:sp>
-        <p:nvSpPr>
-          <p:cNvPr id="3" name="Content Placeholder 2">
-            <a:extLst>
-              <a:ext uri="{FF2B5EF4-FFF2-40B4-BE49-F238E27FC236}">
-                <a16:creationId xmlns:a16="http://schemas.microsoft.com/office/drawing/2014/main" id="{BEF823FB-7C5B-4ED8-B6B1-C97830D95A15}"/>
-              </a:ext>
-            </a:extLst>
-          </p:cNvPr>
-          <p:cNvSpPr>
-            <a:spLocks noGrp="1"/>
-          </p:cNvSpPr>
-          <p:nvPr>
-            <p:ph idx="1"/>
-          </p:nvPr>
-        </p:nvSpPr>
-        <p:spPr/>
-        <p:txBody>
-          <a:bodyPr/>
-          <a:lstStyle/>
-          <a:p>
-            <a:endParaRPr lang="en-US"/>
-          </a:p>
-        </p:txBody>
-      </p:sp>
-    </p:spTree>
-    <p:extLst>
-      <p:ext uri="{BB962C8B-B14F-4D97-AF65-F5344CB8AC3E}">
-        <p14:creationId xmlns:p14="http://schemas.microsoft.com/office/powerpoint/2010/main" val="3088391527"/>
-      </p:ext>
-    </p:extLst>
-  </p:cSld>
-  <p:clrMapOvr>
-    <a:masterClrMapping/>
-  </p:clrMapOvr>
-</p:sld>
-</file>
-
-<file path=ppt/slides/slide3.xml><?xml version="1.0" encoding="utf-8"?>
-<p:sld xmlns:a="http://schemas.openxmlformats.org/drawingml/2006/main" xmlns:r="http://schemas.openxmlformats.org/officeDocument/2006/relationships" xmlns:p="http://schemas.openxmlformats.org/presentationml/2006/main">
-  <p:cSld>
-    <p:spTree>
-      <p:nvGrpSpPr>
-        <p:cNvPr id="1" name=""/>
-        <p:cNvGrpSpPr/>
-        <p:nvPr/>
-      </p:nvGrpSpPr>
-      <p:grpSpPr>
-        <a:xfrm>
-          <a:off x="0" y="0"/>
-          <a:ext cx="0" cy="0"/>
-          <a:chOff x="0" y="0"/>
-          <a:chExt cx="0" cy="0"/>
-        </a:xfrm>
-      </p:grpSpPr>
-      <p:sp>
-        <p:nvSpPr>
-          <p:cNvPr id="2" name="Title 1">
-            <a:extLst>
-              <a:ext uri="{FF2B5EF4-FFF2-40B4-BE49-F238E27FC236}">
-                <a16:creationId xmlns:a16="http://schemas.microsoft.com/office/drawing/2014/main" id="{81FE7B9F-BE1D-4A19-B8A2-EB4A481D1DBA}"/>
-              </a:ext>
-            </a:extLst>
-          </p:cNvPr>
-          <p:cNvSpPr>
-            <a:spLocks noGrp="1"/>
-          </p:cNvSpPr>
-          <p:nvPr>
-            <p:ph type="title"/>
-          </p:nvPr>
-        </p:nvSpPr>
-        <p:spPr/>
-        <p:txBody>
-          <a:bodyPr/>
-          <a:lstStyle/>
-          <a:p>
-            <a:r>
-              <a:rPr lang="sr-Latn-RS" dirty="0"/>
-              <a:t>Skup podataka</a:t>
-            </a:r>
-            <a:r>
-              <a:rPr lang="en-US" dirty="0"/>
-              <a:t> I </a:t>
-            </a:r>
-            <a:r>
-              <a:rPr lang="en-US" dirty="0" err="1"/>
-              <a:t>pretprocesiranje</a:t>
-            </a:r>
-            <a:endParaRPr lang="en-US" dirty="0"/>
-          </a:p>
-        </p:txBody>
-      </p:sp>
-      <p:sp>
-        <p:nvSpPr>
-          <p:cNvPr id="3" name="Content Placeholder 2">
-            <a:extLst>
-              <a:ext uri="{FF2B5EF4-FFF2-40B4-BE49-F238E27FC236}">
-                <a16:creationId xmlns:a16="http://schemas.microsoft.com/office/drawing/2014/main" id="{6CF1B4FC-9F27-43E8-9A8B-BB1741CAF59D}"/>
-              </a:ext>
-            </a:extLst>
-          </p:cNvPr>
-          <p:cNvSpPr>
-            <a:spLocks noGrp="1"/>
-          </p:cNvSpPr>
-          <p:nvPr>
-            <p:ph idx="1"/>
-          </p:nvPr>
-        </p:nvSpPr>
-        <p:spPr>
-          <a:xfrm>
-            <a:off x="2151529" y="2548397"/>
-            <a:ext cx="7809334" cy="3101983"/>
-          </a:xfrm>
-        </p:spPr>
-        <p:txBody>
-          <a:bodyPr>
-            <a:normAutofit/>
-          </a:bodyPr>
-          <a:lstStyle/>
-          <a:p>
-            <a:r>
-              <a:rPr lang="en-US" dirty="0" err="1"/>
-              <a:t>Skup</a:t>
-            </a:r>
-            <a:r>
-              <a:rPr lang="en-US" dirty="0"/>
-              <a:t> </a:t>
-            </a:r>
-            <a:r>
-              <a:rPr lang="en-US" dirty="0" err="1"/>
-              <a:t>podataka</a:t>
-            </a:r>
-            <a:r>
-              <a:rPr lang="en-US" dirty="0"/>
-              <a:t> koji </a:t>
-            </a:r>
-            <a:r>
-              <a:rPr lang="en-US" dirty="0" err="1"/>
-              <a:t>će</a:t>
-            </a:r>
-            <a:r>
-              <a:rPr lang="en-US" dirty="0"/>
-              <a:t> </a:t>
-            </a:r>
-            <a:r>
-              <a:rPr lang="en-US" dirty="0" err="1"/>
-              <a:t>biti</a:t>
-            </a:r>
-            <a:r>
-              <a:rPr lang="en-US" dirty="0"/>
-              <a:t> </a:t>
-            </a:r>
-            <a:r>
-              <a:rPr lang="en-US" dirty="0" err="1"/>
-              <a:t>korišćen</a:t>
-            </a:r>
-            <a:r>
-              <a:rPr lang="en-US" dirty="0"/>
-              <a:t> za </a:t>
-            </a:r>
-            <a:r>
-              <a:rPr lang="en-US" dirty="0" err="1"/>
-              <a:t>treniranje</a:t>
-            </a:r>
-            <a:r>
-              <a:rPr lang="en-US" dirty="0"/>
-              <a:t> </a:t>
-            </a:r>
-            <a:r>
-              <a:rPr lang="en-US" dirty="0" err="1"/>
-              <a:t>modela</a:t>
-            </a:r>
-            <a:r>
-              <a:rPr lang="en-US" dirty="0"/>
-              <a:t> je </a:t>
-            </a:r>
-            <a:r>
-              <a:rPr lang="en-US" dirty="0" err="1"/>
-              <a:t>preuzet</a:t>
-            </a:r>
-            <a:r>
-              <a:rPr lang="en-US" dirty="0"/>
-              <a:t> </a:t>
-            </a:r>
-            <a:r>
-              <a:rPr lang="en-US" dirty="0" err="1"/>
-              <a:t>sa</a:t>
-            </a:r>
-            <a:r>
-              <a:rPr lang="en-US" dirty="0"/>
-              <a:t> kaggle.com</a:t>
-            </a:r>
-            <a:endParaRPr lang="sr-Latn-RS" dirty="0"/>
-          </a:p>
-          <a:p>
-            <a:r>
-              <a:rPr lang="en-US" dirty="0" err="1"/>
-              <a:t>Skup</a:t>
-            </a:r>
-            <a:r>
-              <a:rPr lang="en-US" dirty="0"/>
-              <a:t> </a:t>
-            </a:r>
-            <a:r>
-              <a:rPr lang="en-US" dirty="0" err="1"/>
-              <a:t>podataka</a:t>
-            </a:r>
-            <a:r>
-              <a:rPr lang="en-US" dirty="0"/>
-              <a:t> </a:t>
-            </a:r>
-            <a:r>
-              <a:rPr lang="en-US" dirty="0" err="1"/>
-              <a:t>sadrži</a:t>
-            </a:r>
-            <a:r>
-              <a:rPr lang="en-US" dirty="0"/>
-              <a:t> EEG </a:t>
-            </a:r>
-            <a:r>
-              <a:rPr lang="en-US" dirty="0" err="1"/>
-              <a:t>vremenske</a:t>
-            </a:r>
-            <a:r>
-              <a:rPr lang="en-US" dirty="0"/>
-              <a:t> </a:t>
-            </a:r>
-            <a:r>
-              <a:rPr lang="en-US" dirty="0" err="1"/>
-              <a:t>serije</a:t>
-            </a:r>
-            <a:r>
-              <a:rPr lang="en-US" dirty="0"/>
-              <a:t> 500 </a:t>
-            </a:r>
-            <a:r>
-              <a:rPr lang="en-US" dirty="0" err="1"/>
-              <a:t>osoba</a:t>
-            </a:r>
-            <a:r>
-              <a:rPr lang="en-US" dirty="0"/>
-              <a:t>, </a:t>
-            </a:r>
-            <a:r>
-              <a:rPr lang="en-US" dirty="0" err="1"/>
-              <a:t>svaka</a:t>
-            </a:r>
-            <a:r>
-              <a:rPr lang="en-US" dirty="0"/>
-              <a:t> </a:t>
-            </a:r>
-            <a:r>
-              <a:rPr lang="en-US" dirty="0" err="1"/>
-              <a:t>traje</a:t>
-            </a:r>
-            <a:r>
-              <a:rPr lang="en-US" dirty="0"/>
-              <a:t> 23,6 </a:t>
-            </a:r>
-            <a:r>
-              <a:rPr lang="en-US" dirty="0" err="1"/>
-              <a:t>sekunde</a:t>
-            </a:r>
-            <a:r>
-              <a:rPr lang="en-US" dirty="0"/>
-              <a:t>.</a:t>
-            </a:r>
-          </a:p>
-          <a:p>
-            <a:r>
-              <a:rPr lang="en-US" dirty="0"/>
-              <a:t>Deo </a:t>
-            </a:r>
-            <a:r>
-              <a:rPr lang="en-US" dirty="0" err="1"/>
-              <a:t>pretprocesiranja</a:t>
-            </a:r>
-            <a:r>
-              <a:rPr lang="en-US" dirty="0"/>
-              <a:t> je </a:t>
-            </a:r>
-            <a:r>
-              <a:rPr lang="en-US" dirty="0" err="1"/>
-              <a:t>već</a:t>
-            </a:r>
-            <a:r>
-              <a:rPr lang="en-US" dirty="0"/>
-              <a:t> </a:t>
-            </a:r>
-            <a:r>
-              <a:rPr lang="en-US" dirty="0" err="1"/>
-              <a:t>odrađen</a:t>
-            </a:r>
-            <a:r>
-              <a:rPr lang="en-US" dirty="0"/>
-              <a:t>. </a:t>
-            </a:r>
-            <a:r>
-              <a:rPr lang="en-US" dirty="0" err="1"/>
-              <a:t>Originalni</a:t>
-            </a:r>
-            <a:r>
-              <a:rPr lang="en-US" dirty="0"/>
-              <a:t> </a:t>
-            </a:r>
-            <a:r>
-              <a:rPr lang="en-US" dirty="0" err="1"/>
-              <a:t>skup</a:t>
-            </a:r>
-            <a:r>
-              <a:rPr lang="en-US" dirty="0"/>
-              <a:t> </a:t>
-            </a:r>
-            <a:r>
-              <a:rPr lang="en-US" dirty="0" err="1"/>
-              <a:t>podataka</a:t>
-            </a:r>
-            <a:r>
-              <a:rPr lang="en-US" dirty="0"/>
-              <a:t> je </a:t>
-            </a:r>
-            <a:r>
-              <a:rPr lang="en-US" dirty="0" err="1"/>
-              <a:t>sadržao</a:t>
-            </a:r>
-            <a:r>
-              <a:rPr lang="en-US" dirty="0"/>
-              <a:t> 500 </a:t>
-            </a:r>
-            <a:r>
-              <a:rPr lang="en-US" dirty="0" err="1"/>
-              <a:t>datoteka</a:t>
-            </a:r>
-            <a:r>
-              <a:rPr lang="en-US" dirty="0"/>
-              <a:t> (za </a:t>
-            </a:r>
-            <a:r>
-              <a:rPr lang="en-US" dirty="0" err="1"/>
-              <a:t>svaku</a:t>
-            </a:r>
-            <a:r>
-              <a:rPr lang="en-US" dirty="0"/>
-              <a:t> </a:t>
-            </a:r>
-            <a:r>
-              <a:rPr lang="en-US" dirty="0" err="1"/>
-              <a:t>osobu</a:t>
-            </a:r>
-            <a:r>
-              <a:rPr lang="en-US" dirty="0"/>
-              <a:t> po </a:t>
-            </a:r>
-            <a:r>
-              <a:rPr lang="en-US" dirty="0" err="1"/>
-              <a:t>jedna</a:t>
-            </a:r>
-            <a:r>
-              <a:rPr lang="en-US" dirty="0"/>
-              <a:t>), </a:t>
-            </a:r>
-            <a:r>
-              <a:rPr lang="en-US" dirty="0" err="1"/>
-              <a:t>svi</a:t>
-            </a:r>
-            <a:r>
-              <a:rPr lang="en-US" dirty="0"/>
-              <a:t> </a:t>
-            </a:r>
-            <a:r>
-              <a:rPr lang="en-US" dirty="0" err="1"/>
-              <a:t>podaci</a:t>
-            </a:r>
-            <a:r>
-              <a:rPr lang="en-US" dirty="0"/>
-              <a:t> </a:t>
-            </a:r>
-            <a:r>
-              <a:rPr lang="en-US" dirty="0" err="1"/>
-              <a:t>su</a:t>
-            </a:r>
-            <a:r>
-              <a:rPr lang="en-US" dirty="0"/>
-              <a:t> </a:t>
-            </a:r>
-            <a:r>
-              <a:rPr lang="en-US" dirty="0" err="1"/>
-              <a:t>spojeni</a:t>
-            </a:r>
-            <a:r>
-              <a:rPr lang="en-US" dirty="0"/>
-              <a:t> u </a:t>
-            </a:r>
-            <a:r>
-              <a:rPr lang="en-US" dirty="0" err="1"/>
-              <a:t>jednu</a:t>
-            </a:r>
-            <a:r>
-              <a:rPr lang="en-US" dirty="0"/>
-              <a:t> csv </a:t>
-            </a:r>
-            <a:r>
-              <a:rPr lang="en-US" dirty="0" err="1"/>
-              <a:t>datoteku</a:t>
-            </a:r>
-            <a:r>
-              <a:rPr lang="en-US" dirty="0"/>
-              <a:t>.</a:t>
-            </a:r>
-          </a:p>
-          <a:p>
-            <a:r>
-              <a:rPr lang="en-US" dirty="0" err="1"/>
-              <a:t>Svaki</a:t>
-            </a:r>
-            <a:r>
-              <a:rPr lang="en-US" dirty="0"/>
-              <a:t> red </a:t>
-            </a:r>
-            <a:r>
-              <a:rPr lang="en-US" dirty="0" err="1"/>
-              <a:t>predstavlja</a:t>
-            </a:r>
-            <a:r>
-              <a:rPr lang="en-US" dirty="0"/>
-              <a:t> </a:t>
-            </a:r>
-            <a:r>
-              <a:rPr lang="en-US" dirty="0" err="1"/>
-              <a:t>jednu</a:t>
-            </a:r>
-            <a:r>
-              <a:rPr lang="en-US" dirty="0"/>
-              <a:t> </a:t>
-            </a:r>
-            <a:r>
-              <a:rPr lang="en-US" dirty="0" err="1"/>
-              <a:t>sekundu</a:t>
-            </a:r>
-            <a:r>
-              <a:rPr lang="en-US" dirty="0"/>
-              <a:t> EEG </a:t>
-            </a:r>
-            <a:r>
-              <a:rPr lang="en-US" dirty="0" err="1"/>
-              <a:t>vremenske</a:t>
-            </a:r>
-            <a:r>
-              <a:rPr lang="en-US" dirty="0"/>
-              <a:t> </a:t>
-            </a:r>
-            <a:r>
-              <a:rPr lang="en-US" dirty="0" err="1"/>
-              <a:t>serije</a:t>
-            </a:r>
-            <a:r>
-              <a:rPr lang="en-US" dirty="0"/>
-              <a:t>, pa </a:t>
-            </a:r>
-            <a:r>
-              <a:rPr lang="en-US" dirty="0" err="1"/>
-              <a:t>datoteka</a:t>
-            </a:r>
-            <a:r>
-              <a:rPr lang="en-US" dirty="0"/>
-              <a:t> </a:t>
-            </a:r>
-            <a:r>
-              <a:rPr lang="en-US" dirty="0" err="1"/>
-              <a:t>ima</a:t>
-            </a:r>
-            <a:r>
-              <a:rPr lang="en-US" dirty="0"/>
-              <a:t> 500*23=11 500 </a:t>
-            </a:r>
-            <a:r>
-              <a:rPr lang="en-US" dirty="0" err="1"/>
-              <a:t>redova</a:t>
-            </a:r>
-            <a:endParaRPr lang="en-US" dirty="0"/>
-          </a:p>
-        </p:txBody>
-      </p:sp>
-    </p:spTree>
-    <p:extLst>
-      <p:ext uri="{BB962C8B-B14F-4D97-AF65-F5344CB8AC3E}">
-        <p14:creationId xmlns:p14="http://schemas.microsoft.com/office/powerpoint/2010/main" val="501070181"/>
-      </p:ext>
-    </p:extLst>
-  </p:cSld>
-  <p:clrMapOvr>
-    <a:masterClrMapping/>
-  </p:clrMapOvr>
-</p:sld>
-</file>
-
-<file path=ppt/slides/slide4.xml><?xml version="1.0" encoding="utf-8"?>
-<p:sld xmlns:a="http://schemas.openxmlformats.org/drawingml/2006/main" xmlns:r="http://schemas.openxmlformats.org/officeDocument/2006/relationships" xmlns:p="http://schemas.openxmlformats.org/presentationml/2006/main">
-  <p:cSld>
-    <p:spTree>
-      <p:nvGrpSpPr>
-        <p:cNvPr id="1" name=""/>
-        <p:cNvGrpSpPr/>
-        <p:nvPr/>
-      </p:nvGrpSpPr>
-      <p:grpSpPr>
-        <a:xfrm>
-          <a:off x="0" y="0"/>
-          <a:ext cx="0" cy="0"/>
-          <a:chOff x="0" y="0"/>
-          <a:chExt cx="0" cy="0"/>
-        </a:xfrm>
-      </p:grpSpPr>
-      <p:sp>
-        <p:nvSpPr>
-          <p:cNvPr id="2" name="Title 1">
-            <a:extLst>
-              <a:ext uri="{FF2B5EF4-FFF2-40B4-BE49-F238E27FC236}">
-                <a16:creationId xmlns:a16="http://schemas.microsoft.com/office/drawing/2014/main" id="{28E647B9-9E73-47CA-983B-F998ACFFBFA9}"/>
-              </a:ext>
-            </a:extLst>
-          </p:cNvPr>
-          <p:cNvSpPr>
-            <a:spLocks noGrp="1"/>
-          </p:cNvSpPr>
-          <p:nvPr>
-            <p:ph type="title"/>
-          </p:nvPr>
-        </p:nvSpPr>
-        <p:spPr/>
-        <p:txBody>
-          <a:bodyPr/>
-          <a:lstStyle/>
-          <a:p>
-            <a:r>
-              <a:rPr lang="sr-Latn-RS" dirty="0"/>
-              <a:t>Skup podataka </a:t>
-            </a:r>
-            <a:r>
-              <a:rPr lang="en-US" dirty="0"/>
-              <a:t>I </a:t>
-            </a:r>
-            <a:r>
-              <a:rPr lang="sr-Latn-RS" dirty="0"/>
-              <a:t>pretprocesiranje</a:t>
-            </a:r>
-          </a:p>
-        </p:txBody>
-      </p:sp>
-      <p:sp>
-        <p:nvSpPr>
-          <p:cNvPr id="3" name="Content Placeholder 2">
-            <a:extLst>
-              <a:ext uri="{FF2B5EF4-FFF2-40B4-BE49-F238E27FC236}">
-                <a16:creationId xmlns:a16="http://schemas.microsoft.com/office/drawing/2014/main" id="{D5C62DDB-4CA9-48EC-86D9-741257765284}"/>
-              </a:ext>
-            </a:extLst>
-          </p:cNvPr>
-          <p:cNvSpPr>
-            <a:spLocks noGrp="1"/>
-          </p:cNvSpPr>
-          <p:nvPr>
-            <p:ph idx="1"/>
-          </p:nvPr>
-        </p:nvSpPr>
-        <p:spPr>
-          <a:xfrm>
-            <a:off x="2231136" y="2638044"/>
-            <a:ext cx="7729728" cy="3646215"/>
-          </a:xfrm>
-        </p:spPr>
-        <p:txBody>
-          <a:bodyPr>
-            <a:normAutofit fontScale="92500" lnSpcReduction="20000"/>
-          </a:bodyPr>
-          <a:lstStyle/>
-          <a:p>
-            <a:r>
-              <a:rPr lang="sr-Latn-RS" dirty="0"/>
-              <a:t>Prva kolona je oznaka koju možemo zanemariti.</a:t>
-            </a:r>
-          </a:p>
-          <a:p>
-            <a:r>
-              <a:rPr lang="sr-Latn-RS" dirty="0"/>
-              <a:t>Sledećih 178 kolona predstavljaju vrednosti EEG signala.</a:t>
-            </a:r>
-          </a:p>
-          <a:p>
-            <a:r>
-              <a:rPr lang="sr-Latn-RS" dirty="0"/>
-              <a:t>Poslednja kolona (y) predstavlja kategoriju:</a:t>
-            </a:r>
-          </a:p>
-          <a:p>
-            <a:pPr lvl="1"/>
-            <a:r>
-              <a:rPr lang="sr-Latn-RS" dirty="0"/>
-              <a:t>5 - osobi su oči otvorene</a:t>
-            </a:r>
-          </a:p>
-          <a:p>
-            <a:pPr lvl="1"/>
-            <a:r>
-              <a:rPr lang="sr-Latn-RS" dirty="0"/>
-              <a:t>4 - osobi su oči zatvorene</a:t>
-            </a:r>
-          </a:p>
-          <a:p>
-            <a:pPr lvl="1"/>
-            <a:r>
-              <a:rPr lang="sr-Latn-RS" dirty="0"/>
-              <a:t>3 - snimanje EEG aktivnosti je vršeno na zdravom delu mozga</a:t>
-            </a:r>
-          </a:p>
-          <a:p>
-            <a:pPr lvl="1"/>
-            <a:r>
-              <a:rPr lang="sr-Latn-RS" dirty="0"/>
-              <a:t>2 - snimanje EEG aktivnosti je vršeno na delu mozga gde postoji tumor</a:t>
-            </a:r>
-          </a:p>
-          <a:p>
-            <a:pPr lvl="1"/>
-            <a:r>
-              <a:rPr lang="sr-Latn-RS" dirty="0"/>
-              <a:t>1 - EEG je sniman u toku epileptičnog napada</a:t>
-            </a:r>
-          </a:p>
-          <a:p>
-            <a:r>
-              <a:rPr lang="sr-Latn-RS" dirty="0"/>
-              <a:t>Za potrebe ovog projekta, potrebno je razmatrati dva slučaja:</a:t>
-            </a:r>
-          </a:p>
-          <a:p>
-            <a:pPr lvl="1"/>
-            <a:r>
-              <a:rPr lang="sr-Latn-RS" dirty="0"/>
-              <a:t>Snimanje se vrši tokom epileptičnog napada (y=1)</a:t>
-            </a:r>
-          </a:p>
-          <a:p>
-            <a:pPr lvl="1"/>
-            <a:r>
-              <a:rPr lang="sr-Latn-RS" dirty="0"/>
-              <a:t>Snimanje se ne vrši tokom epileptičnog napada (y=2,3,4,5)</a:t>
-            </a:r>
-          </a:p>
-          <a:p>
-            <a:endParaRPr lang="sr-Latn-RS" dirty="0"/>
-          </a:p>
-        </p:txBody>
-      </p:sp>
-    </p:spTree>
-    <p:extLst>
-      <p:ext uri="{BB962C8B-B14F-4D97-AF65-F5344CB8AC3E}">
-        <p14:creationId xmlns:p14="http://schemas.microsoft.com/office/powerpoint/2010/main" val="145076113"/>
-      </p:ext>
-    </p:extLst>
-  </p:cSld>
-  <p:clrMapOvr>
-    <a:masterClrMapping/>
-  </p:clrMapOvr>
-</p:sld>
-</file>
-
-<file path=ppt/slides/slide5.xml><?xml version="1.0" encoding="utf-8"?>
-<p:sld xmlns:a="http://schemas.openxmlformats.org/drawingml/2006/main" xmlns:r="http://schemas.openxmlformats.org/officeDocument/2006/relationships" xmlns:p="http://schemas.openxmlformats.org/presentationml/2006/main">
-  <p:cSld>
-    <p:spTree>
-      <p:nvGrpSpPr>
-        <p:cNvPr id="1" name=""/>
-        <p:cNvGrpSpPr/>
-        <p:nvPr/>
-      </p:nvGrpSpPr>
-      <p:grpSpPr>
-        <a:xfrm>
-          <a:off x="0" y="0"/>
-          <a:ext cx="0" cy="0"/>
-          <a:chOff x="0" y="0"/>
-          <a:chExt cx="0" cy="0"/>
-        </a:xfrm>
-      </p:grpSpPr>
-      <p:sp>
-        <p:nvSpPr>
-          <p:cNvPr id="2" name="Title 1">
-            <a:extLst>
-              <a:ext uri="{FF2B5EF4-FFF2-40B4-BE49-F238E27FC236}">
-                <a16:creationId xmlns:a16="http://schemas.microsoft.com/office/drawing/2014/main" id="{65AD3AEC-E2AD-4512-B4CE-1A2C367B4040}"/>
-              </a:ext>
-            </a:extLst>
-          </p:cNvPr>
-          <p:cNvSpPr>
-            <a:spLocks noGrp="1"/>
-          </p:cNvSpPr>
-          <p:nvPr>
-            <p:ph type="title"/>
-          </p:nvPr>
-        </p:nvSpPr>
-        <p:spPr/>
-        <p:txBody>
-          <a:bodyPr/>
-          <a:lstStyle/>
-          <a:p>
-            <a:r>
-              <a:rPr lang="sr-Latn-RS" dirty="0"/>
-              <a:t>Skup podataka nakon pretrpocesiranja</a:t>
-            </a:r>
-            <a:endParaRPr lang="en-US" dirty="0"/>
-          </a:p>
-        </p:txBody>
-      </p:sp>
-      <p:pic>
-        <p:nvPicPr>
-          <p:cNvPr id="11" name="Content Placeholder 10">
-            <a:extLst>
-              <a:ext uri="{FF2B5EF4-FFF2-40B4-BE49-F238E27FC236}">
-                <a16:creationId xmlns:a16="http://schemas.microsoft.com/office/drawing/2014/main" id="{8F9F3E69-C15F-4344-833E-04B48FC8C3E1}"/>
-              </a:ext>
-            </a:extLst>
-          </p:cNvPr>
-          <p:cNvPicPr>
-            <a:picLocks noGrp="1" noChangeAspect="1"/>
-          </p:cNvPicPr>
-          <p:nvPr>
-            <p:ph idx="1"/>
-          </p:nvPr>
-        </p:nvPicPr>
-        <p:blipFill>
-          <a:blip r:embed="rId2"/>
-          <a:stretch>
-            <a:fillRect/>
-          </a:stretch>
-        </p:blipFill>
-        <p:spPr>
-          <a:xfrm>
-            <a:off x="1044019" y="2442332"/>
-            <a:ext cx="10103962" cy="3450976"/>
-          </a:xfrm>
-        </p:spPr>
-      </p:pic>
-    </p:spTree>
-    <p:extLst>
-      <p:ext uri="{BB962C8B-B14F-4D97-AF65-F5344CB8AC3E}">
-        <p14:creationId xmlns:p14="http://schemas.microsoft.com/office/powerpoint/2010/main" val="1817887435"/>
-      </p:ext>
-    </p:extLst>
-  </p:cSld>
-  <p:clrMapOvr>
-    <a:masterClrMapping/>
-  </p:clrMapOvr>
-</p:sld>
-</file>
-
-<file path=ppt/slides/slide6.xml><?xml version="1.0" encoding="utf-8"?>
-<p:sld xmlns:a="http://schemas.openxmlformats.org/drawingml/2006/main" xmlns:r="http://schemas.openxmlformats.org/officeDocument/2006/relationships" xmlns:p="http://schemas.openxmlformats.org/presentationml/2006/main">
-  <p:cSld>
-    <p:spTree>
-      <p:nvGrpSpPr>
-        <p:cNvPr id="1" name=""/>
-        <p:cNvGrpSpPr/>
-        <p:nvPr/>
-      </p:nvGrpSpPr>
-      <p:grpSpPr>
-        <a:xfrm>
-          <a:off x="0" y="0"/>
-          <a:ext cx="0" cy="0"/>
-          <a:chOff x="0" y="0"/>
-          <a:chExt cx="0" cy="0"/>
-        </a:xfrm>
-      </p:grpSpPr>
-      <p:sp>
-        <p:nvSpPr>
-          <p:cNvPr id="2" name="Title 1">
-            <a:extLst>
-              <a:ext uri="{FF2B5EF4-FFF2-40B4-BE49-F238E27FC236}">
-                <a16:creationId xmlns:a16="http://schemas.microsoft.com/office/drawing/2014/main" id="{A8907C2A-44CA-40FF-8A6E-C5D1D43E550C}"/>
-              </a:ext>
-            </a:extLst>
-          </p:cNvPr>
-          <p:cNvSpPr>
-            <a:spLocks noGrp="1"/>
-          </p:cNvSpPr>
-          <p:nvPr>
-            <p:ph type="title"/>
-          </p:nvPr>
-        </p:nvSpPr>
-        <p:spPr/>
-        <p:txBody>
-          <a:bodyPr/>
-          <a:lstStyle/>
-          <a:p>
-            <a:r>
-              <a:rPr lang="sr-Latn-RS" dirty="0"/>
-              <a:t>Razlika između kategorija u setu podataka</a:t>
-            </a:r>
-            <a:endParaRPr lang="en-US" dirty="0"/>
-          </a:p>
-        </p:txBody>
-      </p:sp>
-      <p:pic>
-        <p:nvPicPr>
-          <p:cNvPr id="5" name="Content Placeholder 4">
-            <a:extLst>
-              <a:ext uri="{FF2B5EF4-FFF2-40B4-BE49-F238E27FC236}">
-                <a16:creationId xmlns:a16="http://schemas.microsoft.com/office/drawing/2014/main" id="{D80816B9-F4B9-4548-A998-82099CDDADD7}"/>
-              </a:ext>
-            </a:extLst>
-          </p:cNvPr>
-          <p:cNvPicPr>
-            <a:picLocks noGrp="1" noChangeAspect="1"/>
-          </p:cNvPicPr>
-          <p:nvPr>
-            <p:ph idx="1"/>
-          </p:nvPr>
-        </p:nvPicPr>
-        <p:blipFill>
-          <a:blip r:embed="rId2"/>
-          <a:stretch>
-            <a:fillRect/>
-          </a:stretch>
-        </p:blipFill>
-        <p:spPr>
-          <a:xfrm>
-            <a:off x="566832" y="2405343"/>
-            <a:ext cx="5248666" cy="3986792"/>
-          </a:xfrm>
-        </p:spPr>
-      </p:pic>
-      <p:pic>
-        <p:nvPicPr>
-          <p:cNvPr id="7" name="Picture 6">
-            <a:extLst>
-              <a:ext uri="{FF2B5EF4-FFF2-40B4-BE49-F238E27FC236}">
-                <a16:creationId xmlns:a16="http://schemas.microsoft.com/office/drawing/2014/main" id="{B3A1C3D5-6110-42E4-9B1E-D190F4E10BEF}"/>
-              </a:ext>
-            </a:extLst>
-          </p:cNvPr>
-          <p:cNvPicPr>
-            <a:picLocks noChangeAspect="1"/>
-          </p:cNvPicPr>
-          <p:nvPr/>
-        </p:nvPicPr>
-        <p:blipFill>
-          <a:blip r:embed="rId3"/>
-          <a:stretch>
-            <a:fillRect/>
-          </a:stretch>
-        </p:blipFill>
-        <p:spPr>
-          <a:xfrm>
-            <a:off x="6376503" y="2405343"/>
-            <a:ext cx="5230378" cy="3986792"/>
-          </a:xfrm>
-          <a:prstGeom prst="rect">
-            <a:avLst/>
-          </a:prstGeom>
-        </p:spPr>
-      </p:pic>
-    </p:spTree>
-    <p:extLst>
-      <p:ext uri="{BB962C8B-B14F-4D97-AF65-F5344CB8AC3E}">
-        <p14:creationId xmlns:p14="http://schemas.microsoft.com/office/powerpoint/2010/main" val="1266282626"/>
-      </p:ext>
-    </p:extLst>
-  </p:cSld>
-  <p:clrMapOvr>
-    <a:masterClrMapping/>
-  </p:clrMapOvr>
-</p:sld>
-</file>
-
-<file path=ppt/slides/slide7.xml><?xml version="1.0" encoding="utf-8"?>
-<p:sld xmlns:a="http://schemas.openxmlformats.org/drawingml/2006/main" xmlns:r="http://schemas.openxmlformats.org/officeDocument/2006/relationships" xmlns:p="http://schemas.openxmlformats.org/presentationml/2006/main">
-  <p:cSld>
-    <p:spTree>
-      <p:nvGrpSpPr>
-        <p:cNvPr id="1" name=""/>
-        <p:cNvGrpSpPr/>
-        <p:nvPr/>
-      </p:nvGrpSpPr>
-      <p:grpSpPr>
-        <a:xfrm>
-          <a:off x="0" y="0"/>
-          <a:ext cx="0" cy="0"/>
-          <a:chOff x="0" y="0"/>
-          <a:chExt cx="0" cy="0"/>
-        </a:xfrm>
-      </p:grpSpPr>
-      <p:sp>
-        <p:nvSpPr>
-          <p:cNvPr id="2" name="Title 1">
-            <a:extLst>
-              <a:ext uri="{FF2B5EF4-FFF2-40B4-BE49-F238E27FC236}">
-                <a16:creationId xmlns:a16="http://schemas.microsoft.com/office/drawing/2014/main" id="{55D21EDC-3241-4FA8-86DC-52290F564996}"/>
-              </a:ext>
-            </a:extLst>
-          </p:cNvPr>
-          <p:cNvSpPr>
-            <a:spLocks noGrp="1"/>
-          </p:cNvSpPr>
-          <p:nvPr>
-            <p:ph type="title"/>
-          </p:nvPr>
-        </p:nvSpPr>
-        <p:spPr/>
-        <p:txBody>
-          <a:bodyPr/>
-          <a:lstStyle/>
-          <a:p>
-            <a:r>
-              <a:rPr lang="sr-Latn-RS" dirty="0"/>
-              <a:t>Podela skupa podataka</a:t>
-            </a:r>
-            <a:endParaRPr lang="en-US" dirty="0"/>
-          </a:p>
-        </p:txBody>
-      </p:sp>
-      <p:sp>
-        <p:nvSpPr>
-          <p:cNvPr id="3" name="Content Placeholder 2">
-            <a:extLst>
-              <a:ext uri="{FF2B5EF4-FFF2-40B4-BE49-F238E27FC236}">
-                <a16:creationId xmlns:a16="http://schemas.microsoft.com/office/drawing/2014/main" id="{847904BF-7C45-4A28-AB00-FC6D9D70AE4D}"/>
-              </a:ext>
-            </a:extLst>
-          </p:cNvPr>
-          <p:cNvSpPr>
-            <a:spLocks noGrp="1"/>
-          </p:cNvSpPr>
-          <p:nvPr>
-            <p:ph idx="1"/>
-          </p:nvPr>
-        </p:nvSpPr>
-        <p:spPr/>
-        <p:txBody>
-          <a:bodyPr/>
-          <a:lstStyle/>
-          <a:p>
-            <a:r>
-              <a:rPr lang="sr-Latn-RS" dirty="0"/>
-              <a:t>Prvo je potrebno podeliti podatke na trening i test skup.</a:t>
-            </a:r>
-          </a:p>
-          <a:p>
-            <a:r>
-              <a:rPr lang="sr-Latn-RS" dirty="0"/>
-              <a:t>Trening skup čini 80% podataka, dok testni skup čini 20% podataka.</a:t>
-            </a:r>
-          </a:p>
-        </p:txBody>
-      </p:sp>
-    </p:spTree>
-    <p:extLst>
-      <p:ext uri="{BB962C8B-B14F-4D97-AF65-F5344CB8AC3E}">
-        <p14:creationId xmlns:p14="http://schemas.microsoft.com/office/powerpoint/2010/main" val="900372532"/>
-      </p:ext>
-    </p:extLst>
-  </p:cSld>
-  <p:clrMapOvr>
-    <a:masterClrMapping/>
-  </p:clrMapOvr>
-</p:sld>
-</file>
-
-<file path=ppt/slides/slide8.xml><?xml version="1.0" encoding="utf-8"?>
-<p:sld xmlns:a="http://schemas.openxmlformats.org/drawingml/2006/main" xmlns:r="http://schemas.openxmlformats.org/officeDocument/2006/relationships" xmlns:p="http://schemas.openxmlformats.org/presentationml/2006/main">
-  <p:cSld>
-    <p:spTree>
-      <p:nvGrpSpPr>
-        <p:cNvPr id="1" name=""/>
-        <p:cNvGrpSpPr/>
-        <p:nvPr/>
-      </p:nvGrpSpPr>
-      <p:grpSpPr>
-        <a:xfrm>
-          <a:off x="0" y="0"/>
-          <a:ext cx="0" cy="0"/>
-          <a:chOff x="0" y="0"/>
-          <a:chExt cx="0" cy="0"/>
-        </a:xfrm>
-      </p:grpSpPr>
-      <p:sp>
-        <p:nvSpPr>
-          <p:cNvPr id="2" name="Title 1">
-            <a:extLst>
-              <a:ext uri="{FF2B5EF4-FFF2-40B4-BE49-F238E27FC236}">
-                <a16:creationId xmlns:a16="http://schemas.microsoft.com/office/drawing/2014/main" id="{3DC51B32-7739-4293-A6D7-E770189884AA}"/>
-              </a:ext>
-            </a:extLst>
-          </p:cNvPr>
-          <p:cNvSpPr>
-            <a:spLocks noGrp="1"/>
-          </p:cNvSpPr>
-          <p:nvPr>
-            <p:ph type="title"/>
-          </p:nvPr>
-        </p:nvSpPr>
-        <p:spPr/>
-        <p:txBody>
-          <a:bodyPr/>
-          <a:lstStyle/>
-          <a:p>
-            <a:r>
-              <a:rPr lang="sr-Latn-RS" dirty="0"/>
-              <a:t>Određivanje obeležja</a:t>
-            </a:r>
-            <a:endParaRPr lang="en-US" dirty="0"/>
-          </a:p>
-        </p:txBody>
-      </p:sp>
-      <p:sp>
-        <p:nvSpPr>
-          <p:cNvPr id="3" name="Content Placeholder 2">
-            <a:extLst>
-              <a:ext uri="{FF2B5EF4-FFF2-40B4-BE49-F238E27FC236}">
-                <a16:creationId xmlns:a16="http://schemas.microsoft.com/office/drawing/2014/main" id="{FF56FFC6-A6D7-48C4-B022-99C19FCE345B}"/>
-              </a:ext>
-            </a:extLst>
-          </p:cNvPr>
-          <p:cNvSpPr>
-            <a:spLocks noGrp="1"/>
-          </p:cNvSpPr>
-          <p:nvPr>
-            <p:ph idx="1"/>
-          </p:nvPr>
-        </p:nvSpPr>
-        <p:spPr/>
-        <p:txBody>
-          <a:bodyPr/>
-          <a:lstStyle/>
-          <a:p>
-            <a:r>
-              <a:rPr lang="sr-Latn-RS" dirty="0"/>
-              <a:t>Postoji mnogo algoritama za određivanje obeležja, u ovom projektu će se koristiti:</a:t>
-            </a:r>
-          </a:p>
-          <a:p>
-            <a:pPr lvl="1"/>
-            <a:r>
-              <a:rPr lang="sr-Latn-RS" dirty="0"/>
-              <a:t>Statističke osobine (</a:t>
-            </a:r>
-            <a:r>
-              <a:rPr lang="en-US" dirty="0"/>
-              <a:t>statistical features), </a:t>
-            </a:r>
-            <a:endParaRPr lang="sr-Latn-RS" dirty="0"/>
-          </a:p>
-          <a:p>
-            <a:pPr lvl="1"/>
-            <a:r>
-              <a:rPr lang="sr-Latn-RS" dirty="0"/>
-              <a:t>Autoregresivno modelovanje (</a:t>
-            </a:r>
-            <a:r>
-              <a:rPr lang="en-US" dirty="0"/>
-              <a:t>Autoregressive modeling) </a:t>
-            </a:r>
-            <a:r>
-              <a:rPr lang="sr-Latn-RS" dirty="0"/>
-              <a:t>i</a:t>
-            </a:r>
-            <a:r>
-              <a:rPr lang="en-US" dirty="0"/>
-              <a:t> </a:t>
-            </a:r>
-            <a:endParaRPr lang="sr-Latn-RS" dirty="0"/>
-          </a:p>
-          <a:p>
-            <a:pPr lvl="1"/>
-            <a:r>
-              <a:rPr lang="sr-Latn-RS" dirty="0"/>
-              <a:t>Furieova transformacija (Fourier transform).</a:t>
-            </a:r>
-          </a:p>
-        </p:txBody>
-      </p:sp>
-    </p:spTree>
-    <p:extLst>
-      <p:ext uri="{BB962C8B-B14F-4D97-AF65-F5344CB8AC3E}">
-        <p14:creationId xmlns:p14="http://schemas.microsoft.com/office/powerpoint/2010/main" val="1148890087"/>
-      </p:ext>
-    </p:extLst>
-  </p:cSld>
-  <p:clrMapOvr>
-    <a:masterClrMapping/>
-  </p:clrMapOvr>
-</p:sld>
-</file>
-
-<file path=ppt/slides/slide9.xml><?xml version="1.0" encoding="utf-8"?>
-<p:sld xmlns:a="http://schemas.openxmlformats.org/drawingml/2006/main" xmlns:r="http://schemas.openxmlformats.org/officeDocument/2006/relationships" xmlns:p="http://schemas.openxmlformats.org/presentationml/2006/main">
-  <p:cSld>
-    <p:spTree>
-      <p:nvGrpSpPr>
-        <p:cNvPr id="1" name=""/>
-        <p:cNvGrpSpPr/>
-        <p:nvPr/>
-      </p:nvGrpSpPr>
-      <p:grpSpPr>
-        <a:xfrm>
-          <a:off x="0" y="0"/>
-          <a:ext cx="0" cy="0"/>
-          <a:chOff x="0" y="0"/>
-          <a:chExt cx="0" cy="0"/>
-        </a:xfrm>
-      </p:grpSpPr>
-      <p:sp>
-        <p:nvSpPr>
-          <p:cNvPr id="2" name="Title 1">
-            <a:extLst>
-              <a:ext uri="{FF2B5EF4-FFF2-40B4-BE49-F238E27FC236}">
-                <a16:creationId xmlns:a16="http://schemas.microsoft.com/office/drawing/2014/main" id="{C7334B88-17C7-4A3A-8239-BD04A82B1949}"/>
-              </a:ext>
-            </a:extLst>
-          </p:cNvPr>
-          <p:cNvSpPr>
-            <a:spLocks noGrp="1"/>
-          </p:cNvSpPr>
-          <p:nvPr>
-            <p:ph type="title"/>
-          </p:nvPr>
-        </p:nvSpPr>
-        <p:spPr/>
-        <p:txBody>
-          <a:bodyPr/>
-          <a:lstStyle/>
-          <a:p>
-            <a:r>
-              <a:rPr lang="sr-Latn-RS" dirty="0"/>
-              <a:t>Model za klasifikaciju</a:t>
-            </a:r>
-          </a:p>
-        </p:txBody>
-      </p:sp>
-      <p:sp>
-        <p:nvSpPr>
-          <p:cNvPr id="3" name="Content Placeholder 2">
-            <a:extLst>
-              <a:ext uri="{FF2B5EF4-FFF2-40B4-BE49-F238E27FC236}">
-                <a16:creationId xmlns:a16="http://schemas.microsoft.com/office/drawing/2014/main" id="{3A647961-5890-4E86-BEE1-C5C4C359AEEF}"/>
-              </a:ext>
-            </a:extLst>
-          </p:cNvPr>
-          <p:cNvSpPr>
-            <a:spLocks noGrp="1"/>
-          </p:cNvSpPr>
-          <p:nvPr>
-            <p:ph idx="1"/>
-          </p:nvPr>
-        </p:nvSpPr>
-        <p:spPr>
-          <a:xfrm>
-            <a:off x="2231136" y="2638044"/>
-            <a:ext cx="7729728" cy="3601391"/>
-          </a:xfrm>
-        </p:spPr>
-        <p:txBody>
-          <a:bodyPr>
-            <a:normAutofit fontScale="85000" lnSpcReduction="10000"/>
-          </a:bodyPr>
-          <a:lstStyle/>
-          <a:p>
-            <a:r>
-              <a:rPr lang="sr-Latn-RS" dirty="0"/>
-              <a:t>Za klasifikaciju će biti koriščen Support Vector Machine (SVM). SVM pronalazi hiperravan koja najbolje razdvaja tačke u prostoru koje predstavljaju podatke praveći dve klase tačaka - u ovom slučaju oni EEG snimci koji su snimani tokom epileptičnog napada i oni koji nisu.</a:t>
-            </a:r>
-          </a:p>
-          <a:p>
-            <a:r>
-              <a:rPr lang="sr-Latn-RS" dirty="0"/>
-              <a:t>Konkretno, biće korišćen SVC (Support Vectors Classifier) iz scikit-learn biblioteke. Da bismo dobili najbolji model, potrebno je odabrati odgovarajuće vrednosti parametara:</a:t>
-            </a:r>
-          </a:p>
-          <a:p>
-            <a:pPr lvl="1"/>
-            <a:r>
-              <a:rPr lang="sr-Latn-RS" dirty="0"/>
-              <a:t>kernel - određuje tip hiperravni koja se koristi (linear - linearna hiperravan, rbf,poly - nelinearna hiperravan)</a:t>
-            </a:r>
-          </a:p>
-          <a:p>
-            <a:pPr lvl="1"/>
-            <a:r>
-              <a:rPr lang="sr-Latn-RS" dirty="0"/>
-              <a:t>gamma - potreban je kada se koriste nelinearne hiperravni, što je veća njegova vrednost, model pokušava bolje da se uklopi u trening set podataka što može dovesti do overfitting-a.</a:t>
-            </a:r>
-          </a:p>
-          <a:p>
-            <a:pPr lvl="1"/>
-            <a:r>
-              <a:rPr lang="sr-Latn-RS" dirty="0"/>
-              <a:t>c - kazneni parametar za netačno klasifikovanje tačke u trening setu podataka, kontroliše odnos između glatke granice za odlučivanje klase i tačnog klasifikovanja trening podataka</a:t>
-            </a:r>
-          </a:p>
-          <a:p>
-            <a:pPr lvl="1"/>
-            <a:r>
-              <a:rPr lang="sr-Latn-RS" dirty="0"/>
-              <a:t>degree - koristi se kada je kernel postavljen na poly, određuje stepen polinoma korišćenog za pronalaženje hiperravni</a:t>
-            </a:r>
-          </a:p>
-          <a:p>
-            <a:endParaRPr lang="sr-Latn-RS" dirty="0"/>
-          </a:p>
-        </p:txBody>
-      </p:sp>
-    </p:spTree>
-    <p:extLst>
-      <p:ext uri="{BB962C8B-B14F-4D97-AF65-F5344CB8AC3E}">
-        <p14:creationId xmlns:p14="http://schemas.microsoft.com/office/powerpoint/2010/main" val="470370313"/>
-      </p:ext>
-    </p:extLst>
-  </p:cSld>
-  <p:clrMapOvr>
-    <a:masterClrMapping/>
-  </p:clrMapOvr>
+  <p:transition spd="slow">
+    <p:push dir="u"/>
+  </p:transition>
 </p:sld>
 </file>
 
